--- a/DidaktikApp.pptx
+++ b/DidaktikApp.pptx
@@ -12,8 +12,15 @@
     <p:sldId id="256" r:id="rId6"/>
     <p:sldId id="257" r:id="rId7"/>
     <p:sldId id="258" r:id="rId8"/>
-    <p:sldId id="259" r:id="rId9"/>
-    <p:sldId id="260" r:id="rId10"/>
+    <p:sldId id="262" r:id="rId9"/>
+    <p:sldId id="263" r:id="rId10"/>
+    <p:sldId id="264" r:id="rId11"/>
+    <p:sldId id="267" r:id="rId12"/>
+    <p:sldId id="265" r:id="rId13"/>
+    <p:sldId id="266" r:id="rId14"/>
+    <p:sldId id="259" r:id="rId15"/>
+    <p:sldId id="261" r:id="rId16"/>
+    <p:sldId id="260" r:id="rId17"/>
   </p:sldIdLst>
   <p:sldSz cx="9144000" cy="5143500" type="screen16x9"/>
   <p:notesSz cx="7559675" cy="10691813"/>
@@ -112,6 +119,22 @@
       </a:defRPr>
     </a:lvl9pPr>
   </p:defaultTextStyle>
+  <p:extLst>
+    <p:ext uri="{EFAFB233-063F-42B5-8137-9DF3F51BA10A}">
+      <p15:sldGuideLst xmlns:p15="http://schemas.microsoft.com/office/powerpoint/2012/main">
+        <p15:guide id="1" orient="horz" pos="1620">
+          <p15:clr>
+            <a:srgbClr val="A4A3A4"/>
+          </p15:clr>
+        </p15:guide>
+        <p15:guide id="2" pos="2880">
+          <p15:clr>
+            <a:srgbClr val="A4A3A4"/>
+          </p15:clr>
+        </p15:guide>
+      </p15:sldGuideLst>
+    </p:ext>
+  </p:extLst>
 </p:presentation>
 </file>
 
@@ -7661,9 +7684,6 @@
                 <a:latin typeface="Calibri"/>
               </a:rPr>
               <a:t>Click to edit </a:t>
-            </a:r>
-            <a:r>
-              <a:t/>
             </a:r>
             <a:br/>
             <a:r>
@@ -9855,7 +9875,7 @@
         <p:spPr>
           <a:xfrm>
             <a:off x="1365120" y="2265840"/>
-            <a:ext cx="7329600" cy="1526760"/>
+            <a:ext cx="2486800" cy="1526760"/>
           </a:xfrm>
           <a:prstGeom prst="rect">
             <a:avLst/>
@@ -9901,7 +9921,7 @@
         <p:spPr>
           <a:xfrm>
             <a:off x="1365120" y="3792960"/>
-            <a:ext cx="7329600" cy="610560"/>
+            <a:ext cx="2486800" cy="610560"/>
           </a:xfrm>
           <a:prstGeom prst="rect">
             <a:avLst/>
@@ -9924,7 +9944,7 @@
               </a:spcBef>
             </a:pPr>
             <a:r>
-              <a:rPr lang="es-ES" sz="2800" b="0" strike="noStrike" spc="-1">
+              <a:rPr lang="es-ES" sz="2800" b="0" strike="noStrike" spc="-1" dirty="0">
                 <a:solidFill>
                   <a:srgbClr val="FFC000"/>
                 </a:solidFill>
@@ -9932,12 +9952,1405 @@
               </a:rPr>
               <a:t>2019-2020</a:t>
             </a:r>
-            <a:endParaRPr lang="es-ES" sz="2800" b="0" strike="noStrike" spc="-1">
+            <a:endParaRPr lang="es-ES" sz="2800" b="0" strike="noStrike" spc="-1" dirty="0">
               <a:latin typeface="Arial"/>
             </a:endParaRPr>
           </a:p>
         </p:txBody>
       </p:sp>
+    </p:spTree>
+  </p:cSld>
+  <p:clrMapOvr>
+    <a:masterClrMapping/>
+  </p:clrMapOvr>
+  <p:timing>
+    <p:tnLst>
+      <p:par>
+        <p:cTn id="1" dur="indefinite" restart="never" nodeType="tmRoot">
+          <p:childTnLst>
+            <p:seq>
+              <p:cTn id="2" dur="indefinite" nodeType="mainSeq"/>
+              <p:prevCondLst>
+                <p:cond evt="onPrev" delay="0">
+                  <p:tgtEl>
+                    <p:sldTgt/>
+                  </p:tgtEl>
+                </p:cond>
+              </p:prevCondLst>
+              <p:nextCondLst>
+                <p:cond evt="onNext" delay="0">
+                  <p:tgtEl>
+                    <p:sldTgt/>
+                  </p:tgtEl>
+                </p:cond>
+              </p:nextCondLst>
+            </p:seq>
+          </p:childTnLst>
+        </p:cTn>
+      </p:par>
+    </p:tnLst>
+  </p:timing>
+</p:sld>
+</file>
+
+<file path=ppt/slides/slide10.xml><?xml version="1.0" encoding="utf-8"?>
+<p:sld xmlns:a="http://schemas.openxmlformats.org/drawingml/2006/main" xmlns:r="http://schemas.openxmlformats.org/officeDocument/2006/relationships" xmlns:p="http://schemas.openxmlformats.org/presentationml/2006/main">
+  <p:cSld>
+    <p:spTree>
+      <p:nvGrpSpPr>
+        <p:cNvPr id="1" name=""/>
+        <p:cNvGrpSpPr/>
+        <p:nvPr/>
+      </p:nvGrpSpPr>
+      <p:grpSpPr>
+        <a:xfrm>
+          <a:off x="0" y="0"/>
+          <a:ext cx="0" cy="0"/>
+          <a:chOff x="0" y="0"/>
+          <a:chExt cx="0" cy="0"/>
+        </a:xfrm>
+      </p:grpSpPr>
+      <p:sp>
+        <p:nvSpPr>
+          <p:cNvPr id="215" name="TextShape 1"/>
+          <p:cNvSpPr txBox="1"/>
+          <p:nvPr/>
+        </p:nvSpPr>
+        <p:spPr>
+          <a:xfrm>
+            <a:off x="3031300" y="864740"/>
+            <a:ext cx="2664296" cy="763200"/>
+          </a:xfrm>
+          <a:prstGeom prst="rect">
+            <a:avLst/>
+          </a:prstGeom>
+          <a:noFill/>
+          <a:ln>
+            <a:noFill/>
+          </a:ln>
+        </p:spPr>
+        <p:txBody>
+          <a:bodyPr anchor="ctr"/>
+          <a:lstStyle/>
+          <a:p>
+            <a:pPr algn="ctr">
+              <a:lnSpc>
+                <a:spcPct val="100000"/>
+              </a:lnSpc>
+            </a:pPr>
+            <a:r>
+              <a:rPr lang="en-US" sz="3600" b="0" strike="noStrike" spc="-1" dirty="0">
+                <a:solidFill>
+                  <a:srgbClr val="FFC000"/>
+                </a:solidFill>
+                <a:latin typeface="Calibri"/>
+              </a:rPr>
+              <a:t>DidaktikAPP</a:t>
+            </a:r>
+            <a:endParaRPr lang="en-US" sz="3600" b="0" strike="noStrike" spc="-1" dirty="0">
+              <a:solidFill>
+                <a:srgbClr val="000000"/>
+              </a:solidFill>
+              <a:latin typeface="Calibri"/>
+            </a:endParaRPr>
+          </a:p>
+        </p:txBody>
+      </p:sp>
+      <p:sp>
+        <p:nvSpPr>
+          <p:cNvPr id="5" name="TextShape 3"/>
+          <p:cNvSpPr txBox="1"/>
+          <p:nvPr/>
+        </p:nvSpPr>
+        <p:spPr>
+          <a:xfrm>
+            <a:off x="2552040" y="1707653"/>
+            <a:ext cx="3244096" cy="2900378"/>
+          </a:xfrm>
+          <a:prstGeom prst="rect">
+            <a:avLst/>
+          </a:prstGeom>
+          <a:noFill/>
+          <a:ln>
+            <a:noFill/>
+          </a:ln>
+        </p:spPr>
+        <p:txBody>
+          <a:bodyPr/>
+          <a:lstStyle/>
+          <a:p>
+            <a:pPr marL="342900" indent="-342900">
+              <a:spcBef>
+                <a:spcPts val="479"/>
+              </a:spcBef>
+              <a:buFont typeface="Wingdings" panose="05000000000000000000" pitchFamily="2" charset="2"/>
+              <a:buChar char="ü"/>
+            </a:pPr>
+            <a:r>
+              <a:rPr lang="en-US" sz="2400" spc="-1" dirty="0">
+                <a:solidFill>
+                  <a:srgbClr val="FFFFFF"/>
+                </a:solidFill>
+                <a:latin typeface="Calibri"/>
+              </a:rPr>
+              <a:t>Ligera</a:t>
+            </a:r>
+          </a:p>
+          <a:p>
+            <a:pPr marL="342900" indent="-342900">
+              <a:lnSpc>
+                <a:spcPct val="100000"/>
+              </a:lnSpc>
+              <a:spcBef>
+                <a:spcPts val="479"/>
+              </a:spcBef>
+              <a:buFont typeface="Wingdings" panose="05000000000000000000" pitchFamily="2" charset="2"/>
+              <a:buChar char="ü"/>
+            </a:pPr>
+            <a:r>
+              <a:rPr lang="en-US" sz="2400" spc="-1" dirty="0">
+                <a:solidFill>
+                  <a:srgbClr val="FFFFFF"/>
+                </a:solidFill>
+                <a:latin typeface="Calibri"/>
+              </a:rPr>
+              <a:t>Gratis</a:t>
+            </a:r>
+          </a:p>
+          <a:p>
+            <a:pPr marL="342900" indent="-342900">
+              <a:spcBef>
+                <a:spcPts val="479"/>
+              </a:spcBef>
+              <a:buFont typeface="Wingdings" panose="05000000000000000000" pitchFamily="2" charset="2"/>
+              <a:buChar char="ü"/>
+            </a:pPr>
+            <a:r>
+              <a:rPr lang="en-US" sz="2400" spc="-1" dirty="0">
+                <a:solidFill>
+                  <a:srgbClr val="FFFFFF"/>
+                </a:solidFill>
+                <a:latin typeface="Calibri"/>
+              </a:rPr>
+              <a:t>Intuitiva</a:t>
+            </a:r>
+            <a:endParaRPr lang="en-US" sz="2400" b="0" strike="noStrike" spc="-1" dirty="0">
+              <a:solidFill>
+                <a:srgbClr val="000000"/>
+              </a:solidFill>
+              <a:latin typeface="Calibri"/>
+            </a:endParaRPr>
+          </a:p>
+          <a:p>
+            <a:pPr marL="342900" indent="-342900">
+              <a:lnSpc>
+                <a:spcPct val="100000"/>
+              </a:lnSpc>
+              <a:spcBef>
+                <a:spcPts val="479"/>
+              </a:spcBef>
+              <a:buFont typeface="Wingdings" panose="05000000000000000000" pitchFamily="2" charset="2"/>
+              <a:buChar char="ü"/>
+            </a:pPr>
+            <a:r>
+              <a:rPr lang="en-US" sz="2400" spc="-1" dirty="0">
+                <a:solidFill>
+                  <a:srgbClr val="FFFFFF"/>
+                </a:solidFill>
+                <a:latin typeface="Calibri"/>
+              </a:rPr>
+              <a:t>Didáctica</a:t>
+            </a:r>
+            <a:endParaRPr lang="en-US" sz="2400" b="0" strike="noStrike" spc="-1" dirty="0">
+              <a:solidFill>
+                <a:srgbClr val="000000"/>
+              </a:solidFill>
+              <a:latin typeface="Calibri"/>
+            </a:endParaRPr>
+          </a:p>
+          <a:p>
+            <a:pPr marL="342900" indent="-342900">
+              <a:lnSpc>
+                <a:spcPct val="100000"/>
+              </a:lnSpc>
+              <a:spcBef>
+                <a:spcPts val="479"/>
+              </a:spcBef>
+              <a:buFont typeface="Wingdings" panose="05000000000000000000" pitchFamily="2" charset="2"/>
+              <a:buChar char="ü"/>
+            </a:pPr>
+            <a:r>
+              <a:rPr lang="en-US" sz="2400" b="0" strike="noStrike" spc="-1" dirty="0">
+                <a:solidFill>
+                  <a:srgbClr val="FFFFFF"/>
+                </a:solidFill>
+                <a:latin typeface="Calibri"/>
+              </a:rPr>
+              <a:t>Dinámica</a:t>
+            </a:r>
+            <a:endParaRPr lang="en-US" sz="2400" b="0" strike="noStrike" spc="-1" dirty="0">
+              <a:solidFill>
+                <a:srgbClr val="000000"/>
+              </a:solidFill>
+              <a:latin typeface="Calibri"/>
+            </a:endParaRPr>
+          </a:p>
+          <a:p>
+            <a:pPr marL="342900" indent="-342900">
+              <a:spcBef>
+                <a:spcPts val="479"/>
+              </a:spcBef>
+              <a:buFont typeface="Wingdings" panose="05000000000000000000" pitchFamily="2" charset="2"/>
+              <a:buChar char="ü"/>
+            </a:pPr>
+            <a:r>
+              <a:rPr lang="en-US" sz="2400" spc="-1" dirty="0">
+                <a:solidFill>
+                  <a:srgbClr val="FFFFFF"/>
+                </a:solidFill>
+                <a:latin typeface="Calibri"/>
+              </a:rPr>
+              <a:t>Sin publicidad</a:t>
+            </a:r>
+          </a:p>
+          <a:p>
+            <a:pPr marL="342900" indent="-342900">
+              <a:spcBef>
+                <a:spcPts val="479"/>
+              </a:spcBef>
+              <a:buFont typeface="Arial" pitchFamily="34" charset="0"/>
+              <a:buChar char="•"/>
+            </a:pPr>
+            <a:endParaRPr lang="en-US" sz="2400" spc="-1" dirty="0">
+              <a:solidFill>
+                <a:srgbClr val="000000"/>
+              </a:solidFill>
+              <a:latin typeface="Calibri"/>
+            </a:endParaRPr>
+          </a:p>
+          <a:p>
+            <a:pPr marL="342900" indent="-342900">
+              <a:lnSpc>
+                <a:spcPct val="100000"/>
+              </a:lnSpc>
+              <a:spcBef>
+                <a:spcPts val="479"/>
+              </a:spcBef>
+              <a:buFont typeface="Arial" pitchFamily="34" charset="0"/>
+              <a:buChar char="•"/>
+            </a:pPr>
+            <a:endParaRPr lang="en-US" sz="2400" spc="-1" dirty="0">
+              <a:solidFill>
+                <a:srgbClr val="FFFFFF"/>
+              </a:solidFill>
+              <a:latin typeface="Calibri"/>
+            </a:endParaRPr>
+          </a:p>
+          <a:p>
+            <a:pPr marL="342900" indent="-342900">
+              <a:lnSpc>
+                <a:spcPct val="100000"/>
+              </a:lnSpc>
+              <a:spcBef>
+                <a:spcPts val="479"/>
+              </a:spcBef>
+              <a:buFont typeface="Arial" pitchFamily="34" charset="0"/>
+              <a:buChar char="•"/>
+            </a:pPr>
+            <a:endParaRPr lang="en-US" sz="2400" b="0" strike="noStrike" spc="-1" dirty="0">
+              <a:solidFill>
+                <a:srgbClr val="000000"/>
+              </a:solidFill>
+              <a:latin typeface="Calibri"/>
+            </a:endParaRPr>
+          </a:p>
+        </p:txBody>
+      </p:sp>
+      <p:pic>
+        <p:nvPicPr>
+          <p:cNvPr id="3" name="Imagen 2" descr="Imagen que contiene monitor, electrónica, pantalla, computadora&#10;&#10;Descripción generada automáticamente">
+            <a:extLst>
+              <a:ext uri="{FF2B5EF4-FFF2-40B4-BE49-F238E27FC236}">
+                <a16:creationId xmlns:a16="http://schemas.microsoft.com/office/drawing/2014/main" id="{561E5116-6015-497A-8D22-629799951CD5}"/>
+              </a:ext>
+            </a:extLst>
+          </p:cNvPr>
+          <p:cNvPicPr>
+            <a:picLocks noChangeAspect="1"/>
+          </p:cNvPicPr>
+          <p:nvPr/>
+        </p:nvPicPr>
+        <p:blipFill>
+          <a:blip r:embed="rId2" cstate="print">
+            <a:extLst>
+              <a:ext uri="{28A0092B-C50C-407E-A947-70E740481C1C}">
+                <a14:useLocalDpi xmlns:a14="http://schemas.microsoft.com/office/drawing/2010/main" val="0"/>
+              </a:ext>
+            </a:extLst>
+          </a:blip>
+          <a:stretch>
+            <a:fillRect/>
+          </a:stretch>
+        </p:blipFill>
+        <p:spPr>
+          <a:xfrm>
+            <a:off x="5796136" y="1469211"/>
+            <a:ext cx="1634675" cy="3377263"/>
+          </a:xfrm>
+          <a:prstGeom prst="rect">
+            <a:avLst/>
+          </a:prstGeom>
+        </p:spPr>
+      </p:pic>
+    </p:spTree>
+  </p:cSld>
+  <p:clrMapOvr>
+    <a:masterClrMapping/>
+  </p:clrMapOvr>
+  <p:timing>
+    <p:tnLst>
+      <p:par>
+        <p:cTn id="1" dur="indefinite" restart="never" nodeType="tmRoot">
+          <p:childTnLst>
+            <p:seq>
+              <p:cTn id="2" dur="indefinite" nodeType="mainSeq"/>
+              <p:prevCondLst>
+                <p:cond evt="onPrev" delay="0">
+                  <p:tgtEl>
+                    <p:sldTgt/>
+                  </p:tgtEl>
+                </p:cond>
+              </p:prevCondLst>
+              <p:nextCondLst>
+                <p:cond evt="onNext" delay="0">
+                  <p:tgtEl>
+                    <p:sldTgt/>
+                  </p:tgtEl>
+                </p:cond>
+              </p:nextCondLst>
+            </p:seq>
+          </p:childTnLst>
+        </p:cTn>
+      </p:par>
+    </p:tnLst>
+  </p:timing>
+</p:sld>
+</file>
+
+<file path=ppt/slides/slide11.xml><?xml version="1.0" encoding="utf-8"?>
+<p:sld xmlns:a="http://schemas.openxmlformats.org/drawingml/2006/main" xmlns:r="http://schemas.openxmlformats.org/officeDocument/2006/relationships" xmlns:p="http://schemas.openxmlformats.org/presentationml/2006/main">
+  <p:cSld>
+    <p:spTree>
+      <p:nvGrpSpPr>
+        <p:cNvPr id="1" name=""/>
+        <p:cNvGrpSpPr/>
+        <p:nvPr/>
+      </p:nvGrpSpPr>
+      <p:grpSpPr>
+        <a:xfrm>
+          <a:off x="0" y="0"/>
+          <a:ext cx="0" cy="0"/>
+          <a:chOff x="0" y="0"/>
+          <a:chExt cx="0" cy="0"/>
+        </a:xfrm>
+      </p:grpSpPr>
+      <p:pic>
+        <p:nvPicPr>
+          <p:cNvPr id="12" name="Imagen 11" descr="Pantalla de computadora encendida&#10;&#10;Descripción generada automáticamente">
+            <a:extLst>
+              <a:ext uri="{FF2B5EF4-FFF2-40B4-BE49-F238E27FC236}">
+                <a16:creationId xmlns:a16="http://schemas.microsoft.com/office/drawing/2014/main" id="{1D36BAC8-D375-420F-A11C-AF85E1A8300E}"/>
+              </a:ext>
+            </a:extLst>
+          </p:cNvPr>
+          <p:cNvPicPr>
+            <a:picLocks noChangeAspect="1"/>
+          </p:cNvPicPr>
+          <p:nvPr/>
+        </p:nvPicPr>
+        <p:blipFill>
+          <a:blip r:embed="rId2" cstate="print">
+            <a:extLst>
+              <a:ext uri="{28A0092B-C50C-407E-A947-70E740481C1C}">
+                <a14:useLocalDpi xmlns:a14="http://schemas.microsoft.com/office/drawing/2010/main" val="0"/>
+              </a:ext>
+            </a:extLst>
+          </a:blip>
+          <a:stretch>
+            <a:fillRect/>
+          </a:stretch>
+        </p:blipFill>
+        <p:spPr>
+          <a:xfrm>
+            <a:off x="6913891" y="1748942"/>
+            <a:ext cx="1333538" cy="2728575"/>
+          </a:xfrm>
+          <a:prstGeom prst="rect">
+            <a:avLst/>
+          </a:prstGeom>
+        </p:spPr>
+      </p:pic>
+      <p:sp>
+        <p:nvSpPr>
+          <p:cNvPr id="215" name="TextShape 1"/>
+          <p:cNvSpPr txBox="1"/>
+          <p:nvPr/>
+        </p:nvSpPr>
+        <p:spPr>
+          <a:xfrm>
+            <a:off x="1835696" y="796086"/>
+            <a:ext cx="7056784" cy="763200"/>
+          </a:xfrm>
+          <a:prstGeom prst="rect">
+            <a:avLst/>
+          </a:prstGeom>
+          <a:noFill/>
+          <a:ln>
+            <a:noFill/>
+          </a:ln>
+        </p:spPr>
+        <p:txBody>
+          <a:bodyPr anchor="ctr"/>
+          <a:lstStyle/>
+          <a:p>
+            <a:pPr>
+              <a:lnSpc>
+                <a:spcPct val="100000"/>
+              </a:lnSpc>
+            </a:pPr>
+            <a:r>
+              <a:rPr lang="en-US" sz="3600" b="0" strike="noStrike" spc="-1" dirty="0" err="1">
+                <a:solidFill>
+                  <a:srgbClr val="FFC000"/>
+                </a:solidFill>
+                <a:latin typeface="Calibri"/>
+              </a:rPr>
+              <a:t>Actividades</a:t>
+            </a:r>
+            <a:r>
+              <a:rPr lang="en-US" sz="3600" b="0" strike="noStrike" spc="-1" dirty="0">
+                <a:solidFill>
+                  <a:srgbClr val="FFC000"/>
+                </a:solidFill>
+                <a:latin typeface="Calibri"/>
+              </a:rPr>
+              <a:t> en </a:t>
+            </a:r>
+            <a:r>
+              <a:rPr lang="en-US" sz="3600" b="0" strike="noStrike" spc="-1" dirty="0" err="1">
+                <a:solidFill>
+                  <a:srgbClr val="FFC000"/>
+                </a:solidFill>
+                <a:latin typeface="Calibri"/>
+              </a:rPr>
+              <a:t>DidaktikAPP</a:t>
+            </a:r>
+            <a:endParaRPr lang="en-US" sz="3600" b="0" strike="noStrike" spc="-1" dirty="0">
+              <a:solidFill>
+                <a:srgbClr val="000000"/>
+              </a:solidFill>
+              <a:latin typeface="Calibri"/>
+            </a:endParaRPr>
+          </a:p>
+        </p:txBody>
+      </p:sp>
+      <p:sp>
+        <p:nvSpPr>
+          <p:cNvPr id="216" name="TextShape 2"/>
+          <p:cNvSpPr txBox="1"/>
+          <p:nvPr/>
+        </p:nvSpPr>
+        <p:spPr>
+          <a:xfrm>
+            <a:off x="944943" y="1762361"/>
+            <a:ext cx="1872208" cy="479520"/>
+          </a:xfrm>
+          <a:prstGeom prst="rect">
+            <a:avLst/>
+          </a:prstGeom>
+          <a:noFill/>
+          <a:ln>
+            <a:noFill/>
+          </a:ln>
+        </p:spPr>
+        <p:txBody>
+          <a:bodyPr anchor="b"/>
+          <a:lstStyle/>
+          <a:p>
+            <a:pPr>
+              <a:lnSpc>
+                <a:spcPct val="100000"/>
+              </a:lnSpc>
+              <a:spcBef>
+                <a:spcPts val="479"/>
+              </a:spcBef>
+            </a:pPr>
+            <a:r>
+              <a:rPr lang="en-US" sz="2400" b="1" strike="noStrike" spc="-1" dirty="0">
+                <a:solidFill>
+                  <a:srgbClr val="FFFFFF"/>
+                </a:solidFill>
+                <a:latin typeface="Calibri"/>
+              </a:rPr>
+              <a:t>Menú</a:t>
+            </a:r>
+            <a:endParaRPr lang="en-US" sz="2400" b="0" strike="noStrike" spc="-1" dirty="0">
+              <a:solidFill>
+                <a:srgbClr val="000000"/>
+              </a:solidFill>
+              <a:latin typeface="Calibri"/>
+            </a:endParaRPr>
+          </a:p>
+        </p:txBody>
+      </p:sp>
+      <p:sp>
+        <p:nvSpPr>
+          <p:cNvPr id="217" name="TextShape 3"/>
+          <p:cNvSpPr txBox="1"/>
+          <p:nvPr/>
+        </p:nvSpPr>
+        <p:spPr>
+          <a:xfrm>
+            <a:off x="944943" y="2436332"/>
+            <a:ext cx="2357569" cy="1800200"/>
+          </a:xfrm>
+          <a:prstGeom prst="rect">
+            <a:avLst/>
+          </a:prstGeom>
+          <a:noFill/>
+          <a:ln>
+            <a:noFill/>
+          </a:ln>
+        </p:spPr>
+        <p:txBody>
+          <a:bodyPr/>
+          <a:lstStyle/>
+          <a:p>
+            <a:pPr marL="342900" indent="-342900">
+              <a:lnSpc>
+                <a:spcPct val="100000"/>
+              </a:lnSpc>
+              <a:spcBef>
+                <a:spcPts val="479"/>
+              </a:spcBef>
+              <a:buFont typeface="Wingdings" panose="05000000000000000000" pitchFamily="2" charset="2"/>
+              <a:buChar char="q"/>
+            </a:pPr>
+            <a:r>
+              <a:rPr lang="en-US" sz="2400" b="0" strike="noStrike" spc="-1" dirty="0">
+                <a:solidFill>
+                  <a:srgbClr val="FFFFFF"/>
+                </a:solidFill>
+                <a:latin typeface="Calibri"/>
+              </a:rPr>
+              <a:t>Mapa</a:t>
+            </a:r>
+            <a:endParaRPr lang="en-US" sz="2400" b="0" strike="noStrike" spc="-1" dirty="0">
+              <a:solidFill>
+                <a:srgbClr val="000000"/>
+              </a:solidFill>
+              <a:latin typeface="Calibri"/>
+            </a:endParaRPr>
+          </a:p>
+          <a:p>
+            <a:pPr marL="342900" indent="-342900">
+              <a:lnSpc>
+                <a:spcPct val="100000"/>
+              </a:lnSpc>
+              <a:spcBef>
+                <a:spcPts val="479"/>
+              </a:spcBef>
+              <a:buFont typeface="Wingdings" panose="05000000000000000000" pitchFamily="2" charset="2"/>
+              <a:buChar char="q"/>
+            </a:pPr>
+            <a:r>
+              <a:rPr lang="en-US" sz="2400" b="0" strike="noStrike" spc="-1" dirty="0">
+                <a:solidFill>
+                  <a:srgbClr val="FFFFFF"/>
+                </a:solidFill>
+                <a:latin typeface="Calibri"/>
+              </a:rPr>
+              <a:t>Patrimonios</a:t>
+            </a:r>
+            <a:endParaRPr lang="en-US" sz="2400" b="0" strike="noStrike" spc="-1" dirty="0">
+              <a:solidFill>
+                <a:srgbClr val="000000"/>
+              </a:solidFill>
+              <a:latin typeface="Calibri"/>
+            </a:endParaRPr>
+          </a:p>
+          <a:p>
+            <a:pPr marL="342900" indent="-342900">
+              <a:lnSpc>
+                <a:spcPct val="100000"/>
+              </a:lnSpc>
+              <a:spcBef>
+                <a:spcPts val="479"/>
+              </a:spcBef>
+              <a:buFont typeface="Wingdings" panose="05000000000000000000" pitchFamily="2" charset="2"/>
+              <a:buChar char="q"/>
+            </a:pPr>
+            <a:r>
+              <a:rPr lang="en-US" sz="2400" b="0" strike="noStrike" spc="-1" dirty="0">
+                <a:solidFill>
+                  <a:srgbClr val="FFFFFF"/>
+                </a:solidFill>
+                <a:latin typeface="Calibri"/>
+              </a:rPr>
+              <a:t>Galería</a:t>
+            </a:r>
+            <a:endParaRPr lang="en-US" sz="2400" b="0" strike="noStrike" spc="-1" dirty="0">
+              <a:solidFill>
+                <a:srgbClr val="000000"/>
+              </a:solidFill>
+              <a:latin typeface="Calibri"/>
+            </a:endParaRPr>
+          </a:p>
+          <a:p>
+            <a:pPr marL="342900" indent="-342900">
+              <a:lnSpc>
+                <a:spcPct val="100000"/>
+              </a:lnSpc>
+              <a:spcBef>
+                <a:spcPts val="479"/>
+              </a:spcBef>
+              <a:buFont typeface="Wingdings" panose="05000000000000000000" pitchFamily="2" charset="2"/>
+              <a:buChar char="q"/>
+            </a:pPr>
+            <a:r>
+              <a:rPr lang="en-US" sz="2400" b="0" strike="noStrike" spc="-1" dirty="0">
+                <a:solidFill>
+                  <a:srgbClr val="FFFFFF"/>
+                </a:solidFill>
+                <a:latin typeface="Calibri"/>
+              </a:rPr>
+              <a:t>Participantes</a:t>
+            </a:r>
+            <a:endParaRPr lang="en-US" sz="2400" b="0" strike="noStrike" spc="-1" dirty="0">
+              <a:solidFill>
+                <a:srgbClr val="000000"/>
+              </a:solidFill>
+              <a:latin typeface="Calibri"/>
+            </a:endParaRPr>
+          </a:p>
+        </p:txBody>
+      </p:sp>
+      <p:pic>
+        <p:nvPicPr>
+          <p:cNvPr id="10" name="Imagen 9" descr="Imagen que contiene monitor, electrónica, interior, computadora&#10;&#10;Descripción generada automáticamente">
+            <a:extLst>
+              <a:ext uri="{FF2B5EF4-FFF2-40B4-BE49-F238E27FC236}">
+                <a16:creationId xmlns:a16="http://schemas.microsoft.com/office/drawing/2014/main" id="{82B47561-7208-4550-959F-7BB565FCB045}"/>
+              </a:ext>
+            </a:extLst>
+          </p:cNvPr>
+          <p:cNvPicPr>
+            <a:picLocks noChangeAspect="1"/>
+          </p:cNvPicPr>
+          <p:nvPr/>
+        </p:nvPicPr>
+        <p:blipFill>
+          <a:blip r:embed="rId3" cstate="print">
+            <a:extLst>
+              <a:ext uri="{28A0092B-C50C-407E-A947-70E740481C1C}">
+                <a14:useLocalDpi xmlns:a14="http://schemas.microsoft.com/office/drawing/2010/main" val="0"/>
+              </a:ext>
+            </a:extLst>
+          </a:blip>
+          <a:stretch>
+            <a:fillRect/>
+          </a:stretch>
+        </p:blipFill>
+        <p:spPr>
+          <a:xfrm>
+            <a:off x="5868144" y="1748943"/>
+            <a:ext cx="1333538" cy="2728575"/>
+          </a:xfrm>
+          <a:prstGeom prst="rect">
+            <a:avLst/>
+          </a:prstGeom>
+        </p:spPr>
+      </p:pic>
+      <p:pic>
+        <p:nvPicPr>
+          <p:cNvPr id="8" name="Imagen 7" descr="Imagen que contiene monitor, electrónica, computadora, pantalla&#10;&#10;Descripción generada automáticamente">
+            <a:extLst>
+              <a:ext uri="{FF2B5EF4-FFF2-40B4-BE49-F238E27FC236}">
+                <a16:creationId xmlns:a16="http://schemas.microsoft.com/office/drawing/2014/main" id="{612FE8B7-8445-4512-A46D-07BC657B3725}"/>
+              </a:ext>
+            </a:extLst>
+          </p:cNvPr>
+          <p:cNvPicPr>
+            <a:picLocks noChangeAspect="1"/>
+          </p:cNvPicPr>
+          <p:nvPr/>
+        </p:nvPicPr>
+        <p:blipFill>
+          <a:blip r:embed="rId4" cstate="print">
+            <a:extLst>
+              <a:ext uri="{28A0092B-C50C-407E-A947-70E740481C1C}">
+                <a14:useLocalDpi xmlns:a14="http://schemas.microsoft.com/office/drawing/2010/main" val="0"/>
+              </a:ext>
+            </a:extLst>
+          </a:blip>
+          <a:stretch>
+            <a:fillRect/>
+          </a:stretch>
+        </p:blipFill>
+        <p:spPr>
+          <a:xfrm>
+            <a:off x="4799224" y="1748941"/>
+            <a:ext cx="1333539" cy="2728575"/>
+          </a:xfrm>
+          <a:prstGeom prst="rect">
+            <a:avLst/>
+          </a:prstGeom>
+        </p:spPr>
+      </p:pic>
+      <p:pic>
+        <p:nvPicPr>
+          <p:cNvPr id="4" name="Imagen 3" descr="Pantalla de computadora encendida&#10;&#10;Descripción generada automáticamente">
+            <a:extLst>
+              <a:ext uri="{FF2B5EF4-FFF2-40B4-BE49-F238E27FC236}">
+                <a16:creationId xmlns:a16="http://schemas.microsoft.com/office/drawing/2014/main" id="{6A15F994-ABA9-48EE-88C2-5EA3C0F1A10C}"/>
+              </a:ext>
+            </a:extLst>
+          </p:cNvPr>
+          <p:cNvPicPr>
+            <a:picLocks noChangeAspect="1"/>
+          </p:cNvPicPr>
+          <p:nvPr/>
+        </p:nvPicPr>
+        <p:blipFill>
+          <a:blip r:embed="rId5" cstate="print">
+            <a:extLst>
+              <a:ext uri="{28A0092B-C50C-407E-A947-70E740481C1C}">
+                <a14:useLocalDpi xmlns:a14="http://schemas.microsoft.com/office/drawing/2010/main" val="0"/>
+              </a:ext>
+            </a:extLst>
+          </a:blip>
+          <a:stretch>
+            <a:fillRect/>
+          </a:stretch>
+        </p:blipFill>
+        <p:spPr>
+          <a:xfrm>
+            <a:off x="3678008" y="1748942"/>
+            <a:ext cx="1333538" cy="2728574"/>
+          </a:xfrm>
+          <a:prstGeom prst="rect">
+            <a:avLst/>
+          </a:prstGeom>
+        </p:spPr>
+      </p:pic>
+    </p:spTree>
+    <p:extLst>
+      <p:ext uri="{BB962C8B-B14F-4D97-AF65-F5344CB8AC3E}">
+        <p14:creationId xmlns:p14="http://schemas.microsoft.com/office/powerpoint/2010/main" val="326369432"/>
+      </p:ext>
+    </p:extLst>
+  </p:cSld>
+  <p:clrMapOvr>
+    <a:masterClrMapping/>
+  </p:clrMapOvr>
+  <p:timing>
+    <p:tnLst>
+      <p:par>
+        <p:cTn id="1" dur="indefinite" restart="never" nodeType="tmRoot">
+          <p:childTnLst>
+            <p:seq>
+              <p:cTn id="2" dur="indefinite" nodeType="mainSeq"/>
+              <p:prevCondLst>
+                <p:cond evt="onPrev" delay="0">
+                  <p:tgtEl>
+                    <p:sldTgt/>
+                  </p:tgtEl>
+                </p:cond>
+              </p:prevCondLst>
+              <p:nextCondLst>
+                <p:cond evt="onNext" delay="0">
+                  <p:tgtEl>
+                    <p:sldTgt/>
+                  </p:tgtEl>
+                </p:cond>
+              </p:nextCondLst>
+            </p:seq>
+          </p:childTnLst>
+        </p:cTn>
+      </p:par>
+    </p:tnLst>
+  </p:timing>
+</p:sld>
+</file>
+
+<file path=ppt/slides/slide12.xml><?xml version="1.0" encoding="utf-8"?>
+<p:sld xmlns:a="http://schemas.openxmlformats.org/drawingml/2006/main" xmlns:r="http://schemas.openxmlformats.org/officeDocument/2006/relationships" xmlns:p="http://schemas.openxmlformats.org/presentationml/2006/main">
+  <p:cSld>
+    <p:spTree>
+      <p:nvGrpSpPr>
+        <p:cNvPr id="1" name=""/>
+        <p:cNvGrpSpPr/>
+        <p:nvPr/>
+      </p:nvGrpSpPr>
+      <p:grpSpPr>
+        <a:xfrm>
+          <a:off x="0" y="0"/>
+          <a:ext cx="0" cy="0"/>
+          <a:chOff x="0" y="0"/>
+          <a:chExt cx="0" cy="0"/>
+        </a:xfrm>
+      </p:grpSpPr>
+      <p:sp>
+        <p:nvSpPr>
+          <p:cNvPr id="218" name="TextShape 1"/>
+          <p:cNvSpPr txBox="1"/>
+          <p:nvPr/>
+        </p:nvSpPr>
+        <p:spPr>
+          <a:xfrm>
+            <a:off x="617640" y="575675"/>
+            <a:ext cx="5955120" cy="572400"/>
+          </a:xfrm>
+          <a:prstGeom prst="rect">
+            <a:avLst/>
+          </a:prstGeom>
+          <a:noFill/>
+          <a:ln>
+            <a:noFill/>
+          </a:ln>
+        </p:spPr>
+        <p:txBody>
+          <a:bodyPr anchor="ctr">
+            <a:normAutofit fontScale="92500" lnSpcReduction="10000"/>
+          </a:bodyPr>
+          <a:lstStyle/>
+          <a:p>
+            <a:pPr algn="ctr">
+              <a:lnSpc>
+                <a:spcPct val="100000"/>
+              </a:lnSpc>
+            </a:pPr>
+            <a:r>
+              <a:rPr lang="en-US" sz="3600" spc="-1" dirty="0">
+                <a:solidFill>
+                  <a:srgbClr val="FFC000"/>
+                </a:solidFill>
+                <a:latin typeface="Calibri"/>
+              </a:rPr>
+              <a:t>Créditos</a:t>
+            </a:r>
+            <a:endParaRPr lang="en-US" sz="3600" b="0" strike="noStrike" spc="-1" dirty="0">
+              <a:solidFill>
+                <a:srgbClr val="000000"/>
+              </a:solidFill>
+              <a:latin typeface="Calibri"/>
+            </a:endParaRPr>
+          </a:p>
+        </p:txBody>
+      </p:sp>
+      <p:sp>
+        <p:nvSpPr>
+          <p:cNvPr id="219" name="TextShape 2"/>
+          <p:cNvSpPr txBox="1"/>
+          <p:nvPr/>
+        </p:nvSpPr>
+        <p:spPr>
+          <a:xfrm>
+            <a:off x="539552" y="1419622"/>
+            <a:ext cx="2886928" cy="1944216"/>
+          </a:xfrm>
+          <a:prstGeom prst="rect">
+            <a:avLst/>
+          </a:prstGeom>
+          <a:noFill/>
+          <a:ln>
+            <a:noFill/>
+          </a:ln>
+        </p:spPr>
+        <p:txBody>
+          <a:bodyPr/>
+          <a:lstStyle/>
+          <a:p>
+            <a:pPr marL="360" algn="ctr">
+              <a:lnSpc>
+                <a:spcPct val="100000"/>
+              </a:lnSpc>
+              <a:spcBef>
+                <a:spcPts val="561"/>
+              </a:spcBef>
+              <a:buClr>
+                <a:srgbClr val="FFFFFF"/>
+              </a:buClr>
+            </a:pPr>
+            <a:r>
+              <a:rPr lang="en-US" sz="2800" spc="-1" dirty="0">
+                <a:solidFill>
+                  <a:srgbClr val="FFFFFF"/>
+                </a:solidFill>
+                <a:latin typeface="Calibri"/>
+              </a:rPr>
+              <a:t>	UPV/</a:t>
+            </a:r>
+            <a:r>
+              <a:rPr lang="en-US" sz="2800" spc="-1" dirty="0" err="1">
+                <a:solidFill>
+                  <a:srgbClr val="FFFFFF"/>
+                </a:solidFill>
+                <a:latin typeface="Calibri"/>
+              </a:rPr>
+              <a:t>Leioa</a:t>
+            </a:r>
+            <a:endParaRPr lang="en-US" sz="2800" spc="-1" dirty="0">
+              <a:solidFill>
+                <a:srgbClr val="FFFFFF"/>
+              </a:solidFill>
+              <a:latin typeface="Calibri"/>
+            </a:endParaRPr>
+          </a:p>
+          <a:p>
+            <a:pPr marL="171810" indent="-171450">
+              <a:spcBef>
+                <a:spcPts val="561"/>
+              </a:spcBef>
+              <a:buClr>
+                <a:srgbClr val="FFFFFF"/>
+              </a:buClr>
+              <a:buFont typeface="Wingdings" panose="05000000000000000000" pitchFamily="2" charset="2"/>
+              <a:buChar char="§"/>
+            </a:pPr>
+            <a:r>
+              <a:rPr lang="es-ES" sz="1200" dirty="0">
+                <a:solidFill>
+                  <a:schemeClr val="bg1"/>
+                </a:solidFill>
+              </a:rPr>
+              <a:t>Judith Pérez Sánchez</a:t>
+            </a:r>
+          </a:p>
+          <a:p>
+            <a:pPr marL="171810" indent="-171450">
+              <a:spcBef>
+                <a:spcPts val="561"/>
+              </a:spcBef>
+              <a:buClr>
+                <a:srgbClr val="FFFFFF"/>
+              </a:buClr>
+              <a:buFont typeface="Wingdings" panose="05000000000000000000" pitchFamily="2" charset="2"/>
+              <a:buChar char="§"/>
+            </a:pPr>
+            <a:r>
+              <a:rPr lang="es-ES" sz="1200" dirty="0">
+                <a:solidFill>
+                  <a:schemeClr val="bg1"/>
+                </a:solidFill>
+              </a:rPr>
+              <a:t>Ainhoa Elorza </a:t>
+            </a:r>
+            <a:r>
+              <a:rPr lang="es-ES" sz="1200" dirty="0" err="1">
+                <a:solidFill>
+                  <a:schemeClr val="bg1"/>
+                </a:solidFill>
+              </a:rPr>
+              <a:t>Rodriguez</a:t>
+            </a:r>
+            <a:endParaRPr lang="es-ES" sz="1200" dirty="0">
+              <a:solidFill>
+                <a:schemeClr val="bg1"/>
+              </a:solidFill>
+            </a:endParaRPr>
+          </a:p>
+          <a:p>
+            <a:pPr marL="171810" indent="-171450">
+              <a:spcBef>
+                <a:spcPts val="561"/>
+              </a:spcBef>
+              <a:buClr>
+                <a:srgbClr val="FFFFFF"/>
+              </a:buClr>
+              <a:buFont typeface="Wingdings" panose="05000000000000000000" pitchFamily="2" charset="2"/>
+              <a:buChar char="§"/>
+            </a:pPr>
+            <a:r>
+              <a:rPr lang="es-ES" sz="1200" dirty="0">
+                <a:solidFill>
+                  <a:schemeClr val="bg1"/>
+                </a:solidFill>
+              </a:rPr>
+              <a:t>Naroa Roldan Becerra</a:t>
+            </a:r>
+          </a:p>
+          <a:p>
+            <a:pPr marL="171810" indent="-171450">
+              <a:spcBef>
+                <a:spcPts val="561"/>
+              </a:spcBef>
+              <a:buClr>
+                <a:srgbClr val="FFFFFF"/>
+              </a:buClr>
+              <a:buFont typeface="Wingdings" panose="05000000000000000000" pitchFamily="2" charset="2"/>
+              <a:buChar char="§"/>
+            </a:pPr>
+            <a:r>
+              <a:rPr lang="es-ES" sz="1200" dirty="0">
+                <a:solidFill>
+                  <a:schemeClr val="bg1"/>
+                </a:solidFill>
+              </a:rPr>
+              <a:t>Julene Sada </a:t>
+            </a:r>
+            <a:r>
+              <a:rPr lang="es-ES" sz="1200" dirty="0" err="1">
+                <a:solidFill>
+                  <a:schemeClr val="bg1"/>
+                </a:solidFill>
+              </a:rPr>
+              <a:t>Sologuren</a:t>
+            </a:r>
+            <a:endParaRPr lang="es-ES" sz="1200" dirty="0">
+              <a:solidFill>
+                <a:schemeClr val="bg1"/>
+              </a:solidFill>
+            </a:endParaRPr>
+          </a:p>
+          <a:p>
+            <a:pPr marL="171810" indent="-171450">
+              <a:spcBef>
+                <a:spcPts val="561"/>
+              </a:spcBef>
+              <a:buClr>
+                <a:srgbClr val="FFFFFF"/>
+              </a:buClr>
+              <a:buFont typeface="Wingdings" panose="05000000000000000000" pitchFamily="2" charset="2"/>
+              <a:buChar char="§"/>
+            </a:pPr>
+            <a:r>
+              <a:rPr lang="es-ES" sz="1200" dirty="0">
+                <a:solidFill>
+                  <a:schemeClr val="bg1"/>
+                </a:solidFill>
+              </a:rPr>
+              <a:t>Arrate Ugarte </a:t>
+            </a:r>
+            <a:r>
+              <a:rPr lang="es-ES" sz="1200" dirty="0" err="1">
+                <a:solidFill>
+                  <a:schemeClr val="bg1"/>
+                </a:solidFill>
+              </a:rPr>
+              <a:t>Artieta</a:t>
+            </a:r>
+            <a:endParaRPr lang="es-ES" sz="1200" dirty="0">
+              <a:solidFill>
+                <a:schemeClr val="bg1"/>
+              </a:solidFill>
+            </a:endParaRPr>
+          </a:p>
+          <a:p>
+            <a:pPr marL="360">
+              <a:spcBef>
+                <a:spcPts val="561"/>
+              </a:spcBef>
+              <a:buClr>
+                <a:srgbClr val="FFFFFF"/>
+              </a:buClr>
+            </a:pPr>
+            <a:endParaRPr lang="es-ES" sz="1200" dirty="0">
+              <a:solidFill>
+                <a:schemeClr val="bg1"/>
+              </a:solidFill>
+              <a:effectLst/>
+            </a:endParaRPr>
+          </a:p>
+          <a:p>
+            <a:pPr marL="360">
+              <a:lnSpc>
+                <a:spcPct val="100000"/>
+              </a:lnSpc>
+              <a:spcBef>
+                <a:spcPts val="561"/>
+              </a:spcBef>
+              <a:buClr>
+                <a:srgbClr val="FFFFFF"/>
+              </a:buClr>
+            </a:pPr>
+            <a:endParaRPr lang="en-US" sz="2800" spc="-1" dirty="0">
+              <a:solidFill>
+                <a:srgbClr val="FFFFFF"/>
+              </a:solidFill>
+              <a:latin typeface="Calibri"/>
+            </a:endParaRPr>
+          </a:p>
+          <a:p>
+            <a:pPr marL="360">
+              <a:lnSpc>
+                <a:spcPct val="100000"/>
+              </a:lnSpc>
+              <a:spcBef>
+                <a:spcPts val="561"/>
+              </a:spcBef>
+              <a:buClr>
+                <a:srgbClr val="FFFFFF"/>
+              </a:buClr>
+            </a:pPr>
+            <a:endParaRPr lang="en-US" sz="2800" b="0" strike="noStrike" spc="-1" dirty="0">
+              <a:solidFill>
+                <a:srgbClr val="000000"/>
+              </a:solidFill>
+              <a:latin typeface="Calibri"/>
+            </a:endParaRPr>
+          </a:p>
+        </p:txBody>
+      </p:sp>
+      <p:sp>
+        <p:nvSpPr>
+          <p:cNvPr id="10" name="TextShape 2"/>
+          <p:cNvSpPr txBox="1"/>
+          <p:nvPr/>
+        </p:nvSpPr>
+        <p:spPr>
+          <a:xfrm>
+            <a:off x="3717032" y="1439466"/>
+            <a:ext cx="2886928" cy="1944216"/>
+          </a:xfrm>
+          <a:prstGeom prst="rect">
+            <a:avLst/>
+          </a:prstGeom>
+          <a:noFill/>
+          <a:ln>
+            <a:noFill/>
+          </a:ln>
+        </p:spPr>
+        <p:txBody>
+          <a:bodyPr/>
+          <a:lstStyle/>
+          <a:p>
+            <a:pPr marL="360" algn="ctr">
+              <a:lnSpc>
+                <a:spcPct val="100000"/>
+              </a:lnSpc>
+              <a:spcBef>
+                <a:spcPts val="561"/>
+              </a:spcBef>
+              <a:buClr>
+                <a:srgbClr val="FFFFFF"/>
+              </a:buClr>
+            </a:pPr>
+            <a:r>
+              <a:rPr lang="en-US" sz="2800" spc="-1" dirty="0">
+                <a:solidFill>
+                  <a:srgbClr val="FFFFFF"/>
+                </a:solidFill>
+                <a:latin typeface="Calibri"/>
+              </a:rPr>
+              <a:t>	Instituto Ciudad Jardín</a:t>
+            </a:r>
+          </a:p>
+          <a:p>
+            <a:pPr marL="171810" indent="-171450">
+              <a:spcBef>
+                <a:spcPts val="561"/>
+              </a:spcBef>
+              <a:buClr>
+                <a:srgbClr val="FFFFFF"/>
+              </a:buClr>
+              <a:buFont typeface="Wingdings" panose="05000000000000000000" pitchFamily="2" charset="2"/>
+              <a:buChar char="§"/>
+            </a:pPr>
+            <a:r>
+              <a:rPr lang="es-ES" sz="1200" dirty="0" err="1">
+                <a:solidFill>
+                  <a:schemeClr val="bg1"/>
+                </a:solidFill>
+              </a:rPr>
+              <a:t>Jhonatan</a:t>
+            </a:r>
+            <a:r>
+              <a:rPr lang="es-ES" sz="1200" dirty="0">
+                <a:solidFill>
+                  <a:schemeClr val="bg1"/>
+                </a:solidFill>
+              </a:rPr>
+              <a:t> Andy Contreras Ramos</a:t>
+            </a:r>
+          </a:p>
+          <a:p>
+            <a:pPr marL="171810" indent="-171450">
+              <a:spcBef>
+                <a:spcPts val="561"/>
+              </a:spcBef>
+              <a:buClr>
+                <a:srgbClr val="FFFFFF"/>
+              </a:buClr>
+              <a:buFont typeface="Wingdings" panose="05000000000000000000" pitchFamily="2" charset="2"/>
+              <a:buChar char="§"/>
+            </a:pPr>
+            <a:r>
+              <a:rPr lang="es-ES" sz="1200" dirty="0" err="1">
+                <a:solidFill>
+                  <a:schemeClr val="bg1"/>
+                </a:solidFill>
+              </a:rPr>
+              <a:t>Gian</a:t>
+            </a:r>
+            <a:r>
+              <a:rPr lang="es-ES" sz="1200" dirty="0">
+                <a:solidFill>
+                  <a:schemeClr val="bg1"/>
+                </a:solidFill>
+              </a:rPr>
+              <a:t> Piero Contreras Ramos</a:t>
+            </a:r>
+          </a:p>
+          <a:p>
+            <a:pPr marL="171810" indent="-171450">
+              <a:spcBef>
+                <a:spcPts val="561"/>
+              </a:spcBef>
+              <a:buClr>
+                <a:srgbClr val="FFFFFF"/>
+              </a:buClr>
+              <a:buFont typeface="Wingdings" panose="05000000000000000000" pitchFamily="2" charset="2"/>
+              <a:buChar char="§"/>
+            </a:pPr>
+            <a:r>
+              <a:rPr lang="es-ES_tradnl" sz="1200" dirty="0">
+                <a:solidFill>
+                  <a:schemeClr val="bg1"/>
+                </a:solidFill>
+              </a:rPr>
+              <a:t>Xabier Revuelta García De </a:t>
+            </a:r>
+            <a:r>
+              <a:rPr lang="es-ES_tradnl" sz="1200" dirty="0" err="1">
+                <a:solidFill>
+                  <a:schemeClr val="bg1"/>
+                </a:solidFill>
+              </a:rPr>
+              <a:t>Albeniz</a:t>
+            </a:r>
+            <a:endParaRPr lang="en-US" sz="2800" spc="-1" dirty="0">
+              <a:solidFill>
+                <a:srgbClr val="FFFFFF"/>
+              </a:solidFill>
+              <a:latin typeface="Calibri"/>
+            </a:endParaRPr>
+          </a:p>
+          <a:p>
+            <a:pPr marL="360">
+              <a:lnSpc>
+                <a:spcPct val="100000"/>
+              </a:lnSpc>
+              <a:spcBef>
+                <a:spcPts val="561"/>
+              </a:spcBef>
+              <a:buClr>
+                <a:srgbClr val="FFFFFF"/>
+              </a:buClr>
+            </a:pPr>
+            <a:endParaRPr lang="en-US" sz="2800" b="0" strike="noStrike" spc="-1" dirty="0">
+              <a:solidFill>
+                <a:srgbClr val="000000"/>
+              </a:solidFill>
+              <a:latin typeface="Calibri"/>
+            </a:endParaRPr>
+          </a:p>
+        </p:txBody>
+      </p:sp>
+      <p:pic>
+        <p:nvPicPr>
+          <p:cNvPr id="1027" name="Picture 3"/>
+          <p:cNvPicPr>
+            <a:picLocks noChangeAspect="1" noChangeArrowheads="1"/>
+          </p:cNvPicPr>
+          <p:nvPr/>
+        </p:nvPicPr>
+        <p:blipFill>
+          <a:blip r:embed="rId2" cstate="print">
+            <a:extLst>
+              <a:ext uri="{28A0092B-C50C-407E-A947-70E740481C1C}">
+                <a14:useLocalDpi xmlns:a14="http://schemas.microsoft.com/office/drawing/2010/main" val="0"/>
+              </a:ext>
+            </a:extLst>
+          </a:blip>
+          <a:srcRect/>
+          <a:stretch>
+            <a:fillRect/>
+          </a:stretch>
+        </p:blipFill>
+        <p:spPr bwMode="auto">
+          <a:xfrm>
+            <a:off x="827584" y="3651870"/>
+            <a:ext cx="1983016" cy="915955"/>
+          </a:xfrm>
+          <a:prstGeom prst="rect">
+            <a:avLst/>
+          </a:prstGeom>
+          <a:noFill/>
+          <a:ln>
+            <a:noFill/>
+          </a:ln>
+          <a:effectLst/>
+          <a:extLst>
+            <a:ext uri="{909E8E84-426E-40DD-AFC4-6F175D3DCCD1}">
+              <a14:hiddenFill xmlns:a14="http://schemas.microsoft.com/office/drawing/2010/main">
+                <a:solidFill>
+                  <a:schemeClr val="accent1"/>
+                </a:solidFill>
+              </a14:hiddenFill>
+            </a:ext>
+            <a:ext uri="{91240B29-F687-4F45-9708-019B960494DF}">
+              <a14:hiddenLine xmlns:a14="http://schemas.microsoft.com/office/drawing/2010/main" w="9525">
+                <a:solidFill>
+                  <a:schemeClr val="tx1"/>
+                </a:solidFill>
+                <a:miter lim="800000"/>
+                <a:headEnd/>
+                <a:tailEnd/>
+              </a14:hiddenLine>
+            </a:ext>
+            <a:ext uri="{AF507438-7753-43E0-B8FC-AC1667EBCBE1}">
+              <a14:hiddenEffects xmlns:a14="http://schemas.microsoft.com/office/drawing/2010/main">
+                <a:effectLst>
+                  <a:outerShdw dist="35921" dir="2700000" algn="ctr" rotWithShape="0">
+                    <a:schemeClr val="bg2"/>
+                  </a:outerShdw>
+                </a:effectLst>
+              </a14:hiddenEffects>
+            </a:ext>
+          </a:extLst>
+        </p:spPr>
+      </p:pic>
+      <p:pic>
+        <p:nvPicPr>
+          <p:cNvPr id="3" name="2 Imagen"/>
+          <p:cNvPicPr>
+            <a:picLocks noChangeAspect="1"/>
+          </p:cNvPicPr>
+          <p:nvPr/>
+        </p:nvPicPr>
+        <p:blipFill>
+          <a:blip r:embed="rId3">
+            <a:extLst>
+              <a:ext uri="{28A0092B-C50C-407E-A947-70E740481C1C}">
+                <a14:useLocalDpi xmlns:a14="http://schemas.microsoft.com/office/drawing/2010/main" val="0"/>
+              </a:ext>
+            </a:extLst>
+          </a:blip>
+          <a:stretch>
+            <a:fillRect/>
+          </a:stretch>
+        </p:blipFill>
+        <p:spPr>
+          <a:xfrm>
+            <a:off x="4601871" y="3683438"/>
+            <a:ext cx="834225" cy="892767"/>
+          </a:xfrm>
+          <a:prstGeom prst="rect">
+            <a:avLst/>
+          </a:prstGeom>
+        </p:spPr>
+      </p:pic>
     </p:spTree>
   </p:cSld>
   <p:clrMapOvr>
@@ -9998,8 +11411,8 @@
         </p:nvSpPr>
         <p:spPr>
           <a:xfrm>
-            <a:off x="448920" y="128160"/>
-            <a:ext cx="8245800" cy="891720"/>
+            <a:off x="1583668" y="729425"/>
+            <a:ext cx="5976664" cy="891720"/>
           </a:xfrm>
           <a:prstGeom prst="rect">
             <a:avLst/>
@@ -10013,13 +11426,13 @@
           <a:bodyPr anchor="ctr"/>
           <a:lstStyle/>
           <a:p>
-            <a:pPr>
+            <a:pPr algn="ctr">
               <a:lnSpc>
                 <a:spcPct val="100000"/>
               </a:lnSpc>
             </a:pPr>
             <a:r>
-              <a:rPr lang="en-US" sz="3600" b="0" strike="noStrike" spc="-1">
+              <a:rPr lang="en-US" sz="3600" b="0" strike="noStrike" spc="-1" dirty="0" err="1">
                 <a:solidFill>
                   <a:srgbClr val="FFC000"/>
                 </a:solidFill>
@@ -10027,7 +11440,7 @@
               </a:rPr>
               <a:t>Presentación</a:t>
             </a:r>
-            <a:endParaRPr lang="en-US" sz="3600" b="0" strike="noStrike" spc="-1">
+            <a:endParaRPr lang="en-US" sz="3600" b="0" strike="noStrike" spc="-1" dirty="0">
               <a:solidFill>
                 <a:srgbClr val="000000"/>
               </a:solidFill>
@@ -10044,8 +11457,8 @@
         </p:nvSpPr>
         <p:spPr>
           <a:xfrm>
-            <a:off x="394200" y="2206080"/>
-            <a:ext cx="8245800" cy="1602000"/>
+            <a:off x="398052" y="2014855"/>
+            <a:ext cx="5725800" cy="1891930"/>
           </a:xfrm>
           <a:prstGeom prst="rect">
             <a:avLst/>
@@ -10059,7 +11472,7 @@
           <a:bodyPr/>
           <a:lstStyle/>
           <a:p>
-            <a:pPr marL="343080" indent="-342720">
+            <a:pPr marL="360" algn="ctr">
               <a:lnSpc>
                 <a:spcPct val="100000"/>
               </a:lnSpc>
@@ -10069,27 +11482,55 @@
               <a:buClr>
                 <a:srgbClr val="FFFFFF"/>
               </a:buClr>
-              <a:buFont typeface="Arial"/>
-              <a:buChar char="•"/>
             </a:pPr>
             <a:r>
-              <a:rPr lang="en-US" sz="2800" b="0" strike="noStrike" spc="-1">
+              <a:rPr lang="en-US" sz="2800" b="0" strike="noStrike" spc="-1" dirty="0">
                 <a:solidFill>
                   <a:srgbClr val="FFFFFF"/>
                 </a:solidFill>
                 <a:latin typeface="Calibri"/>
               </a:rPr>
-              <a:t>¿Quiénes somos?</a:t>
+              <a:t>¿</a:t>
             </a:r>
-            <a:endParaRPr lang="en-US" sz="2800" b="0" strike="noStrike" spc="-1">
-              <a:solidFill>
-                <a:srgbClr val="000000"/>
-              </a:solidFill>
-              <a:latin typeface="Calibri"/>
-            </a:endParaRPr>
-          </a:p>
-          <a:p>
-            <a:pPr marL="343080" indent="-342720">
+            <a:r>
+              <a:rPr lang="en-US" sz="2800" b="0" strike="noStrike" spc="-1" dirty="0" err="1">
+                <a:solidFill>
+                  <a:srgbClr val="FFFFFF"/>
+                </a:solidFill>
+                <a:latin typeface="Calibri"/>
+              </a:rPr>
+              <a:t>Quiénes</a:t>
+            </a:r>
+            <a:r>
+              <a:rPr lang="en-US" sz="2800" b="0" strike="noStrike" spc="-1" dirty="0">
+                <a:solidFill>
+                  <a:srgbClr val="FFFFFF"/>
+                </a:solidFill>
+                <a:latin typeface="Calibri"/>
+              </a:rPr>
+              <a:t> </a:t>
+            </a:r>
+            <a:r>
+              <a:rPr lang="en-US" sz="2800" b="0" strike="noStrike" spc="-1" dirty="0" err="1">
+                <a:solidFill>
+                  <a:srgbClr val="FFFFFF"/>
+                </a:solidFill>
+                <a:latin typeface="Calibri"/>
+              </a:rPr>
+              <a:t>somos</a:t>
+            </a:r>
+            <a:r>
+              <a:rPr lang="en-US" sz="2800" b="0" strike="noStrike" spc="-1" dirty="0">
+                <a:solidFill>
+                  <a:srgbClr val="FFFFFF"/>
+                </a:solidFill>
+                <a:latin typeface="Calibri"/>
+              </a:rPr>
+              <a:t>?</a:t>
+            </a:r>
+          </a:p>
+          <a:p>
+            <a:pPr marL="360">
               <a:lnSpc>
                 <a:spcPct val="100000"/>
               </a:lnSpc>
@@ -10099,90 +11540,19 @@
               <a:buClr>
                 <a:srgbClr val="FFFFFF"/>
               </a:buClr>
-              <a:buFont typeface="Arial"/>
-              <a:buChar char="•"/>
             </a:pPr>
             <a:r>
-              <a:rPr lang="en-US" sz="2800" b="0" strike="noStrike" spc="-1">
+              <a:rPr lang="es-ES" sz="2800" spc="-1" dirty="0">
                 <a:solidFill>
-                  <a:srgbClr val="FFFFFF"/>
+                  <a:schemeClr val="bg1"/>
                 </a:solidFill>
                 <a:latin typeface="Calibri"/>
               </a:rPr>
-              <a:t>¿A dónde </a:t>
+              <a:t>Equipo esta conformado por tres programadores entusiastas, responsables, y creativos. </a:t>
             </a:r>
-            <a:r>
-              <a:rPr lang="es-ES" sz="2800" b="0" strike="noStrike" spc="-1">
-                <a:solidFill>
-                  <a:srgbClr val="FFFFFF"/>
-                </a:solidFill>
-                <a:latin typeface="Calibri"/>
-              </a:rPr>
-              <a:t>vamos</a:t>
-            </a:r>
-            <a:r>
-              <a:rPr lang="en-US" sz="2800" b="0" strike="noStrike" spc="-1">
-                <a:solidFill>
-                  <a:srgbClr val="FFFFFF"/>
-                </a:solidFill>
-                <a:latin typeface="Calibri"/>
-              </a:rPr>
-              <a:t>?</a:t>
-            </a:r>
-            <a:endParaRPr lang="en-US" sz="2800" b="0" strike="noStrike" spc="-1">
-              <a:solidFill>
-                <a:srgbClr val="000000"/>
-              </a:solidFill>
-              <a:latin typeface="Calibri"/>
-            </a:endParaRPr>
-          </a:p>
-          <a:p>
-            <a:pPr marL="343080" indent="-342720">
-              <a:lnSpc>
-                <a:spcPct val="100000"/>
-              </a:lnSpc>
-              <a:spcBef>
-                <a:spcPts val="561"/>
-              </a:spcBef>
-              <a:buClr>
-                <a:srgbClr val="FFFFFF"/>
-              </a:buClr>
-              <a:buFont typeface="Arial"/>
-              <a:buChar char="•"/>
-            </a:pPr>
-            <a:r>
-              <a:rPr lang="en-US" sz="2800" b="0" strike="noStrike" spc="-1">
-                <a:solidFill>
-                  <a:srgbClr val="FFFFFF"/>
-                </a:solidFill>
-                <a:latin typeface="Calibri"/>
-              </a:rPr>
-              <a:t>¿De dónde venimos?</a:t>
-            </a:r>
-            <a:endParaRPr lang="en-US" sz="2800" b="0" strike="noStrike" spc="-1">
-              <a:solidFill>
-                <a:srgbClr val="000000"/>
-              </a:solidFill>
-              <a:latin typeface="Calibri"/>
-            </a:endParaRPr>
-          </a:p>
-          <a:p>
-            <a:pPr marL="343080" indent="-342720">
-              <a:lnSpc>
-                <a:spcPct val="100000"/>
-              </a:lnSpc>
-              <a:spcBef>
-                <a:spcPts val="561"/>
-              </a:spcBef>
-              <a:buClr>
-                <a:srgbClr val="FFFFFF"/>
-              </a:buClr>
-              <a:buFont typeface="Arial"/>
-              <a:buChar char="•"/>
-            </a:pPr>
-            <a:endParaRPr lang="en-US" sz="2800" b="0" strike="noStrike" spc="-1">
-              <a:solidFill>
-                <a:srgbClr val="000000"/>
+            <a:endParaRPr lang="en-US" sz="2800" spc="-1" dirty="0">
+              <a:solidFill>
+                <a:schemeClr val="bg1"/>
               </a:solidFill>
               <a:latin typeface="Calibri"/>
             </a:endParaRPr>
@@ -10196,7 +11566,7 @@
                 <a:spcPts val="561"/>
               </a:spcBef>
             </a:pPr>
-            <a:endParaRPr lang="en-US" sz="2800" b="0" strike="noStrike" spc="-1">
+            <a:endParaRPr lang="en-US" sz="2800" b="0" strike="noStrike" spc="-1" dirty="0">
               <a:solidFill>
                 <a:srgbClr val="000000"/>
               </a:solidFill>
@@ -10212,7 +11582,7 @@
                 <a:spcPts val="561"/>
               </a:spcBef>
             </a:pPr>
-            <a:endParaRPr lang="en-US" sz="2800" b="0" strike="noStrike" spc="-1">
+            <a:endParaRPr lang="en-US" sz="2800" b="0" strike="noStrike" spc="-1" dirty="0">
               <a:solidFill>
                 <a:srgbClr val="000000"/>
               </a:solidFill>
@@ -10321,13 +11691,13 @@
           </a:bodyPr>
           <a:lstStyle/>
           <a:p>
-            <a:pPr>
+            <a:pPr algn="ctr">
               <a:lnSpc>
                 <a:spcPct val="100000"/>
               </a:lnSpc>
             </a:pPr>
             <a:r>
-              <a:rPr lang="en-US" sz="3600" b="0" strike="noStrike" spc="-1">
+              <a:rPr lang="en-US" sz="3600" b="0" strike="noStrike" spc="-1" dirty="0" err="1">
                 <a:solidFill>
                   <a:srgbClr val="FFC000"/>
                 </a:solidFill>
@@ -10335,7 +11705,7 @@
               </a:rPr>
               <a:t>Objetivo</a:t>
             </a:r>
-            <a:endParaRPr lang="en-US" sz="3600" b="0" strike="noStrike" spc="-1">
+            <a:endParaRPr lang="en-US" sz="3600" b="0" strike="noStrike" spc="-1" dirty="0">
               <a:solidFill>
                 <a:srgbClr val="000000"/>
               </a:solidFill>
@@ -10367,7 +11737,7 @@
           <a:bodyPr/>
           <a:lstStyle/>
           <a:p>
-            <a:pPr marL="343080" indent="-342720">
+            <a:pPr marL="457560" indent="-457200">
               <a:lnSpc>
                 <a:spcPct val="100000"/>
               </a:lnSpc>
@@ -10377,11 +11747,11 @@
               <a:buClr>
                 <a:srgbClr val="FFFFFF"/>
               </a:buClr>
-              <a:buFont typeface="Arial"/>
-              <a:buChar char="•"/>
+              <a:buFont typeface="Wingdings" panose="05000000000000000000" pitchFamily="2" charset="2"/>
+              <a:buChar char="Ø"/>
             </a:pPr>
             <a:r>
-              <a:rPr lang="en-US" sz="2800" b="0" strike="noStrike" spc="-1">
+              <a:rPr lang="en-US" sz="2800" b="0" strike="noStrike" spc="-1" dirty="0" err="1">
                 <a:solidFill>
                   <a:srgbClr val="FFFFFF"/>
                 </a:solidFill>
@@ -10389,15 +11759,15 @@
               </a:rPr>
               <a:t>Diseñar</a:t>
             </a:r>
-            <a:endParaRPr lang="en-US" sz="2800" b="0" strike="noStrike" spc="-1">
-              <a:solidFill>
-                <a:srgbClr val="000000"/>
-              </a:solidFill>
-              <a:latin typeface="Calibri"/>
-            </a:endParaRPr>
-          </a:p>
-          <a:p>
-            <a:pPr marL="343080" indent="-342720">
+            <a:endParaRPr lang="en-US" sz="2800" b="0" strike="noStrike" spc="-1" dirty="0">
+              <a:solidFill>
+                <a:srgbClr val="000000"/>
+              </a:solidFill>
+              <a:latin typeface="Calibri"/>
+            </a:endParaRPr>
+          </a:p>
+          <a:p>
+            <a:pPr marL="457560" indent="-457200">
               <a:lnSpc>
                 <a:spcPct val="100000"/>
               </a:lnSpc>
@@ -10407,11 +11777,11 @@
               <a:buClr>
                 <a:srgbClr val="FFFFFF"/>
               </a:buClr>
-              <a:buFont typeface="Arial"/>
-              <a:buChar char="•"/>
+              <a:buFont typeface="Wingdings" panose="05000000000000000000" pitchFamily="2" charset="2"/>
+              <a:buChar char="Ø"/>
             </a:pPr>
             <a:r>
-              <a:rPr lang="en-US" sz="2800" b="0" strike="noStrike" spc="-1">
+              <a:rPr lang="en-US" sz="2800" b="0" strike="noStrike" spc="-1" dirty="0" err="1">
                 <a:solidFill>
                   <a:srgbClr val="FFFFFF"/>
                 </a:solidFill>
@@ -10419,15 +11789,15 @@
               </a:rPr>
               <a:t>Implementar</a:t>
             </a:r>
-            <a:endParaRPr lang="en-US" sz="2800" b="0" strike="noStrike" spc="-1">
-              <a:solidFill>
-                <a:srgbClr val="000000"/>
-              </a:solidFill>
-              <a:latin typeface="Calibri"/>
-            </a:endParaRPr>
-          </a:p>
-          <a:p>
-            <a:pPr marL="343080" indent="-342720">
+            <a:endParaRPr lang="en-US" sz="2800" b="0" strike="noStrike" spc="-1" dirty="0">
+              <a:solidFill>
+                <a:srgbClr val="000000"/>
+              </a:solidFill>
+              <a:latin typeface="Calibri"/>
+            </a:endParaRPr>
+          </a:p>
+          <a:p>
+            <a:pPr marL="457560" indent="-457200">
               <a:lnSpc>
                 <a:spcPct val="100000"/>
               </a:lnSpc>
@@ -10437,27 +11807,54 @@
               <a:buClr>
                 <a:srgbClr val="FFFFFF"/>
               </a:buClr>
-              <a:buFont typeface="Arial"/>
-              <a:buChar char="•"/>
+              <a:buFont typeface="Wingdings" panose="05000000000000000000" pitchFamily="2" charset="2"/>
+              <a:buChar char="Ø"/>
             </a:pPr>
             <a:r>
-              <a:rPr lang="en-US" sz="2800" b="0" strike="noStrike" spc="-1">
+              <a:rPr lang="en-US" sz="2800" b="0" strike="noStrike" spc="-1" dirty="0">
                 <a:solidFill>
                   <a:srgbClr val="FFFFFF"/>
                 </a:solidFill>
                 <a:latin typeface="Calibri"/>
               </a:rPr>
-              <a:t>De carácter didáctico</a:t>
+              <a:t>De </a:t>
             </a:r>
-            <a:endParaRPr lang="en-US" sz="2800" b="0" strike="noStrike" spc="-1">
-              <a:solidFill>
-                <a:srgbClr val="000000"/>
-              </a:solidFill>
-              <a:latin typeface="Calibri"/>
-            </a:endParaRPr>
-          </a:p>
-          <a:p>
-            <a:pPr marL="343080" indent="-342720">
+            <a:r>
+              <a:rPr lang="en-US" sz="2800" b="0" strike="noStrike" spc="-1" dirty="0" err="1">
+                <a:solidFill>
+                  <a:srgbClr val="FFFFFF"/>
+                </a:solidFill>
+                <a:latin typeface="Calibri"/>
+              </a:rPr>
+              <a:t>carácter</a:t>
+            </a:r>
+            <a:r>
+              <a:rPr lang="en-US" sz="2800" b="0" strike="noStrike" spc="-1" dirty="0">
+                <a:solidFill>
+                  <a:srgbClr val="FFFFFF"/>
+                </a:solidFill>
+                <a:latin typeface="Calibri"/>
+              </a:rPr>
+              <a:t> </a:t>
+            </a:r>
+            <a:r>
+              <a:rPr lang="en-US" sz="2800" b="0" strike="noStrike" spc="-1" dirty="0" err="1">
+                <a:solidFill>
+                  <a:srgbClr val="FFFFFF"/>
+                </a:solidFill>
+                <a:latin typeface="Calibri"/>
+              </a:rPr>
+              <a:t>didáctico</a:t>
+            </a:r>
+            <a:endParaRPr lang="en-US" sz="2800" b="0" strike="noStrike" spc="-1" dirty="0">
+              <a:solidFill>
+                <a:srgbClr val="000000"/>
+              </a:solidFill>
+              <a:latin typeface="Calibri"/>
+            </a:endParaRPr>
+          </a:p>
+          <a:p>
+            <a:pPr marL="457560" indent="-457200">
               <a:lnSpc>
                 <a:spcPct val="100000"/>
               </a:lnSpc>
@@ -10467,11 +11864,11 @@
               <a:buClr>
                 <a:srgbClr val="FFFFFF"/>
               </a:buClr>
-              <a:buFont typeface="Arial"/>
-              <a:buChar char="•"/>
+              <a:buFont typeface="Wingdings" panose="05000000000000000000" pitchFamily="2" charset="2"/>
+              <a:buChar char="Ø"/>
             </a:pPr>
             <a:r>
-              <a:rPr lang="en-US" sz="2800" b="0" strike="noStrike" spc="-1">
+              <a:rPr lang="en-US" sz="2800" b="0" strike="noStrike" spc="-1" dirty="0">
                 <a:solidFill>
                   <a:srgbClr val="FFFFFF"/>
                 </a:solidFill>
@@ -10479,15 +11876,15 @@
               </a:rPr>
               <a:t>Cultural</a:t>
             </a:r>
-            <a:endParaRPr lang="en-US" sz="2800" b="0" strike="noStrike" spc="-1">
-              <a:solidFill>
-                <a:srgbClr val="000000"/>
-              </a:solidFill>
-              <a:latin typeface="Calibri"/>
-            </a:endParaRPr>
-          </a:p>
-          <a:p>
-            <a:pPr marL="343080" indent="-342720">
+            <a:endParaRPr lang="en-US" sz="2800" b="0" strike="noStrike" spc="-1" dirty="0">
+              <a:solidFill>
+                <a:srgbClr val="000000"/>
+              </a:solidFill>
+              <a:latin typeface="Calibri"/>
+            </a:endParaRPr>
+          </a:p>
+          <a:p>
+            <a:pPr marL="457560" indent="-457200">
               <a:lnSpc>
                 <a:spcPct val="100000"/>
               </a:lnSpc>
@@ -10497,19 +11894,19 @@
               <a:buClr>
                 <a:srgbClr val="FFFFFF"/>
               </a:buClr>
-              <a:buFont typeface="Arial"/>
-              <a:buChar char="•"/>
+              <a:buFont typeface="Wingdings" panose="05000000000000000000" pitchFamily="2" charset="2"/>
+              <a:buChar char="Ø"/>
             </a:pPr>
             <a:r>
-              <a:rPr lang="en-US" sz="2800" b="0" strike="noStrike" spc="-1">
+              <a:rPr lang="en-US" sz="2800" b="0" strike="noStrike" spc="-1" dirty="0" err="1">
                 <a:solidFill>
                   <a:srgbClr val="FFFFFF"/>
                 </a:solidFill>
                 <a:latin typeface="Calibri"/>
               </a:rPr>
-              <a:t>Llodio</a:t>
+              <a:t>Laudio</a:t>
             </a:r>
-            <a:endParaRPr lang="en-US" sz="2800" b="0" strike="noStrike" spc="-1">
+            <a:endParaRPr lang="en-US" sz="2800" b="0" strike="noStrike" spc="-1" dirty="0">
               <a:solidFill>
                 <a:srgbClr val="000000"/>
               </a:solidFill>
@@ -10525,15 +11922,51 @@
                 <a:spcPts val="561"/>
               </a:spcBef>
             </a:pPr>
-            <a:endParaRPr lang="en-US" sz="2800" b="0" strike="noStrike" spc="-1">
-              <a:solidFill>
-                <a:srgbClr val="000000"/>
-              </a:solidFill>
-              <a:latin typeface="Calibri"/>
-            </a:endParaRPr>
-          </a:p>
-        </p:txBody>
-      </p:sp>
+            <a:endParaRPr lang="en-US" sz="2800" b="0" strike="noStrike" spc="-1" dirty="0">
+              <a:solidFill>
+                <a:srgbClr val="000000"/>
+              </a:solidFill>
+              <a:latin typeface="Calibri"/>
+            </a:endParaRPr>
+          </a:p>
+        </p:txBody>
+      </p:sp>
+      <p:pic>
+        <p:nvPicPr>
+          <p:cNvPr id="4" name="Imagen 3" descr="Imagen que contiene flor, alimentos&#10;&#10;Descripción generada automáticamente">
+            <a:extLst>
+              <a:ext uri="{FF2B5EF4-FFF2-40B4-BE49-F238E27FC236}">
+                <a16:creationId xmlns:a16="http://schemas.microsoft.com/office/drawing/2014/main" id="{7920485B-8A5B-416F-951F-1F0631F823DA}"/>
+              </a:ext>
+            </a:extLst>
+          </p:cNvPr>
+          <p:cNvPicPr>
+            <a:picLocks noChangeAspect="1"/>
+          </p:cNvPicPr>
+          <p:nvPr/>
+        </p:nvPicPr>
+        <p:blipFill>
+          <a:blip r:embed="rId2">
+            <a:extLst>
+              <a:ext uri="{28A0092B-C50C-407E-A947-70E740481C1C}">
+                <a14:useLocalDpi xmlns:a14="http://schemas.microsoft.com/office/drawing/2010/main" val="0"/>
+              </a:ext>
+            </a:extLst>
+          </a:blip>
+          <a:stretch>
+            <a:fillRect/>
+          </a:stretch>
+        </p:blipFill>
+        <p:spPr>
+          <a:xfrm>
+            <a:off x="4572000" y="1462730"/>
+            <a:ext cx="1798055" cy="2218039"/>
+          </a:xfrm>
+          <a:prstGeom prst="rect">
+            <a:avLst/>
+          </a:prstGeom>
+        </p:spPr>
+      </p:pic>
     </p:spTree>
   </p:cSld>
   <p:clrMapOvr>
@@ -10588,14 +12021,14 @@
       </p:grpSpPr>
       <p:sp>
         <p:nvSpPr>
-          <p:cNvPr id="215" name="TextShape 1"/>
+          <p:cNvPr id="213" name="TextShape 1"/>
           <p:cNvSpPr txBox="1"/>
           <p:nvPr/>
         </p:nvSpPr>
         <p:spPr>
           <a:xfrm>
-            <a:off x="448920" y="128160"/>
-            <a:ext cx="8245800" cy="763200"/>
+            <a:off x="0" y="555526"/>
+            <a:ext cx="7596336" cy="572400"/>
           </a:xfrm>
           <a:prstGeom prst="rect">
             <a:avLst/>
@@ -10606,14 +12039,25 @@
           </a:ln>
         </p:spPr>
         <p:txBody>
-          <a:bodyPr anchor="ctr"/>
-          <a:lstStyle/>
-          <a:p>
-            <a:pPr>
+          <a:bodyPr anchor="ctr">
+            <a:normAutofit fontScale="92500" lnSpcReduction="10000"/>
+          </a:bodyPr>
+          <a:lstStyle/>
+          <a:p>
+            <a:pPr algn="ctr">
               <a:lnSpc>
                 <a:spcPct val="100000"/>
               </a:lnSpc>
             </a:pPr>
+            <a:r>
+              <a:rPr lang="en-US" sz="3600" b="0" strike="noStrike" spc="-1" dirty="0" err="1">
+                <a:solidFill>
+                  <a:srgbClr val="FFC000"/>
+                </a:solidFill>
+                <a:latin typeface="Calibri"/>
+              </a:rPr>
+              <a:t>Fases</a:t>
+            </a:r>
             <a:r>
               <a:rPr lang="en-US" sz="3600" b="0" strike="noStrike" spc="-1" dirty="0">
                 <a:solidFill>
@@ -10621,455 +12065,68 @@
                 </a:solidFill>
                 <a:latin typeface="Calibri"/>
               </a:rPr>
-              <a:t>DidaktikAPP</a:t>
+              <a:t> del Desarrollo de la </a:t>
             </a:r>
-            <a:endParaRPr lang="en-US" sz="3600" b="0" strike="noStrike" spc="-1" dirty="0">
-              <a:solidFill>
-                <a:srgbClr val="000000"/>
-              </a:solidFill>
-              <a:latin typeface="Calibri"/>
-            </a:endParaRPr>
-          </a:p>
-        </p:txBody>
-      </p:sp>
-      <p:sp>
-        <p:nvSpPr>
-          <p:cNvPr id="216" name="TextShape 2"/>
-          <p:cNvSpPr txBox="1"/>
-          <p:nvPr/>
-        </p:nvSpPr>
-        <p:spPr>
-          <a:xfrm>
-            <a:off x="4684764" y="2596286"/>
-            <a:ext cx="4039920" cy="479520"/>
-          </a:xfrm>
-          <a:prstGeom prst="rect">
-            <a:avLst/>
-          </a:prstGeom>
-          <a:noFill/>
-          <a:ln>
-            <a:noFill/>
-          </a:ln>
-        </p:spPr>
-        <p:txBody>
-          <a:bodyPr anchor="b"/>
-          <a:lstStyle/>
-          <a:p>
-            <a:pPr algn="ctr">
-              <a:lnSpc>
-                <a:spcPct val="100000"/>
-              </a:lnSpc>
-              <a:spcBef>
-                <a:spcPts val="479"/>
-              </a:spcBef>
-            </a:pPr>
             <a:r>
-              <a:rPr lang="en-US" sz="2400" b="1" strike="noStrike" spc="-1" dirty="0">
-                <a:solidFill>
-                  <a:srgbClr val="FFFFFF"/>
-                </a:solidFill>
-                <a:latin typeface="Calibri"/>
-              </a:rPr>
-              <a:t>Menú</a:t>
-            </a:r>
-            <a:endParaRPr lang="en-US" sz="2400" b="0" strike="noStrike" spc="-1" dirty="0">
-              <a:solidFill>
-                <a:srgbClr val="000000"/>
-              </a:solidFill>
-              <a:latin typeface="Calibri"/>
-            </a:endParaRPr>
-          </a:p>
-        </p:txBody>
-      </p:sp>
-      <p:sp>
-        <p:nvSpPr>
-          <p:cNvPr id="217" name="TextShape 3"/>
-          <p:cNvSpPr txBox="1"/>
-          <p:nvPr/>
-        </p:nvSpPr>
-        <p:spPr>
-          <a:xfrm>
-            <a:off x="4684764" y="3075806"/>
-            <a:ext cx="4039920" cy="1800200"/>
-          </a:xfrm>
-          <a:prstGeom prst="rect">
-            <a:avLst/>
-          </a:prstGeom>
-          <a:noFill/>
-          <a:ln>
-            <a:noFill/>
-          </a:ln>
-        </p:spPr>
-        <p:txBody>
-          <a:bodyPr/>
-          <a:lstStyle/>
-          <a:p>
-            <a:pPr marL="342900" indent="-342900">
-              <a:lnSpc>
-                <a:spcPct val="100000"/>
-              </a:lnSpc>
-              <a:spcBef>
-                <a:spcPts val="479"/>
-              </a:spcBef>
-              <a:buFont typeface="Arial" pitchFamily="34" charset="0"/>
-              <a:buChar char="•"/>
-            </a:pPr>
-            <a:r>
-              <a:rPr lang="en-US" sz="2400" b="0" strike="noStrike" spc="-1" dirty="0">
-                <a:solidFill>
-                  <a:srgbClr val="FFFFFF"/>
-                </a:solidFill>
-                <a:latin typeface="Calibri"/>
-              </a:rPr>
-              <a:t>Mapa</a:t>
-            </a:r>
-            <a:endParaRPr lang="en-US" sz="2400" b="0" strike="noStrike" spc="-1" dirty="0">
-              <a:solidFill>
-                <a:srgbClr val="000000"/>
-              </a:solidFill>
-              <a:latin typeface="Calibri"/>
-            </a:endParaRPr>
-          </a:p>
-          <a:p>
-            <a:pPr marL="342900" indent="-342900">
-              <a:lnSpc>
-                <a:spcPct val="100000"/>
-              </a:lnSpc>
-              <a:spcBef>
-                <a:spcPts val="479"/>
-              </a:spcBef>
-              <a:buFont typeface="Arial" pitchFamily="34" charset="0"/>
-              <a:buChar char="•"/>
-            </a:pPr>
-            <a:r>
-              <a:rPr lang="en-US" sz="2400" b="0" strike="noStrike" spc="-1" dirty="0">
-                <a:solidFill>
-                  <a:srgbClr val="FFFFFF"/>
-                </a:solidFill>
-                <a:latin typeface="Calibri"/>
-              </a:rPr>
-              <a:t>Patrimonios</a:t>
-            </a:r>
-            <a:endParaRPr lang="en-US" sz="2400" b="0" strike="noStrike" spc="-1" dirty="0">
-              <a:solidFill>
-                <a:srgbClr val="000000"/>
-              </a:solidFill>
-              <a:latin typeface="Calibri"/>
-            </a:endParaRPr>
-          </a:p>
-          <a:p>
-            <a:pPr marL="342900" indent="-342900">
-              <a:lnSpc>
-                <a:spcPct val="100000"/>
-              </a:lnSpc>
-              <a:spcBef>
-                <a:spcPts val="479"/>
-              </a:spcBef>
-              <a:buFont typeface="Arial" pitchFamily="34" charset="0"/>
-              <a:buChar char="•"/>
-            </a:pPr>
-            <a:r>
-              <a:rPr lang="en-US" sz="2400" b="0" strike="noStrike" spc="-1" dirty="0">
-                <a:solidFill>
-                  <a:srgbClr val="FFFFFF"/>
-                </a:solidFill>
-                <a:latin typeface="Calibri"/>
-              </a:rPr>
-              <a:t>Galería</a:t>
-            </a:r>
-            <a:endParaRPr lang="en-US" sz="2400" b="0" strike="noStrike" spc="-1" dirty="0">
-              <a:solidFill>
-                <a:srgbClr val="000000"/>
-              </a:solidFill>
-              <a:latin typeface="Calibri"/>
-            </a:endParaRPr>
-          </a:p>
-          <a:p>
-            <a:pPr marL="342900" indent="-342900">
-              <a:lnSpc>
-                <a:spcPct val="100000"/>
-              </a:lnSpc>
-              <a:spcBef>
-                <a:spcPts val="479"/>
-              </a:spcBef>
-              <a:buFont typeface="Arial" pitchFamily="34" charset="0"/>
-              <a:buChar char="•"/>
-            </a:pPr>
-            <a:r>
-              <a:rPr lang="en-US" sz="2400" b="0" strike="noStrike" spc="-1" dirty="0">
-                <a:solidFill>
-                  <a:srgbClr val="FFFFFF"/>
-                </a:solidFill>
-                <a:latin typeface="Calibri"/>
-              </a:rPr>
-              <a:t>Participantes</a:t>
-            </a:r>
-            <a:endParaRPr lang="en-US" sz="2400" b="0" strike="noStrike" spc="-1" dirty="0">
-              <a:solidFill>
-                <a:srgbClr val="000000"/>
-              </a:solidFill>
-              <a:latin typeface="Calibri"/>
-            </a:endParaRPr>
-          </a:p>
-        </p:txBody>
-      </p:sp>
-      <p:sp>
-        <p:nvSpPr>
-          <p:cNvPr id="5" name="TextShape 3"/>
-          <p:cNvSpPr txBox="1"/>
-          <p:nvPr/>
-        </p:nvSpPr>
-        <p:spPr>
-          <a:xfrm>
-            <a:off x="323528" y="1419622"/>
-            <a:ext cx="4039920" cy="2900378"/>
-          </a:xfrm>
-          <a:prstGeom prst="rect">
-            <a:avLst/>
-          </a:prstGeom>
-          <a:noFill/>
-          <a:ln>
-            <a:noFill/>
-          </a:ln>
-        </p:spPr>
-        <p:txBody>
-          <a:bodyPr/>
-          <a:lstStyle/>
-          <a:p>
-            <a:pPr marL="342900" indent="-342900">
-              <a:spcBef>
-                <a:spcPts val="479"/>
-              </a:spcBef>
-              <a:buFont typeface="Arial" pitchFamily="34" charset="0"/>
-              <a:buChar char="•"/>
-            </a:pPr>
-            <a:r>
-              <a:rPr lang="en-US" sz="2400" spc="-1" dirty="0" smtClean="0">
-                <a:solidFill>
-                  <a:srgbClr val="FFFFFF"/>
-                </a:solidFill>
-                <a:latin typeface="Calibri"/>
-              </a:rPr>
-              <a:t>Ligera</a:t>
-            </a:r>
-          </a:p>
-          <a:p>
-            <a:pPr marL="342900" indent="-342900">
-              <a:lnSpc>
-                <a:spcPct val="100000"/>
-              </a:lnSpc>
-              <a:spcBef>
-                <a:spcPts val="479"/>
-              </a:spcBef>
-              <a:buFont typeface="Arial" pitchFamily="34" charset="0"/>
-              <a:buChar char="•"/>
-            </a:pPr>
-            <a:r>
-              <a:rPr lang="en-US" sz="2400" spc="-1" dirty="0" smtClean="0">
-                <a:solidFill>
-                  <a:srgbClr val="FFFFFF"/>
-                </a:solidFill>
-                <a:latin typeface="Calibri"/>
-              </a:rPr>
-              <a:t>Gratis</a:t>
-            </a:r>
-          </a:p>
-          <a:p>
-            <a:pPr marL="342900" indent="-342900">
-              <a:spcBef>
-                <a:spcPts val="479"/>
-              </a:spcBef>
-              <a:buFont typeface="Arial" pitchFamily="34" charset="0"/>
-              <a:buChar char="•"/>
-            </a:pPr>
-            <a:r>
-              <a:rPr lang="en-US" sz="2400" spc="-1" dirty="0" smtClean="0">
-                <a:solidFill>
-                  <a:srgbClr val="FFFFFF"/>
-                </a:solidFill>
-                <a:latin typeface="Calibri"/>
-              </a:rPr>
-              <a:t>Intuitiva</a:t>
-            </a:r>
-            <a:endParaRPr lang="en-US" sz="2400" b="0" strike="noStrike" spc="-1" dirty="0">
-              <a:solidFill>
-                <a:srgbClr val="000000"/>
-              </a:solidFill>
-              <a:latin typeface="Calibri"/>
-            </a:endParaRPr>
-          </a:p>
-          <a:p>
-            <a:pPr marL="342900" indent="-342900">
-              <a:lnSpc>
-                <a:spcPct val="100000"/>
-              </a:lnSpc>
-              <a:spcBef>
-                <a:spcPts val="479"/>
-              </a:spcBef>
-              <a:buFont typeface="Arial" pitchFamily="34" charset="0"/>
-              <a:buChar char="•"/>
-            </a:pPr>
-            <a:r>
-              <a:rPr lang="en-US" sz="2400" spc="-1" dirty="0" smtClean="0">
-                <a:solidFill>
-                  <a:srgbClr val="FFFFFF"/>
-                </a:solidFill>
-                <a:latin typeface="Calibri"/>
-              </a:rPr>
-              <a:t>Didáctica</a:t>
-            </a:r>
-            <a:endParaRPr lang="en-US" sz="2400" b="0" strike="noStrike" spc="-1" dirty="0">
-              <a:solidFill>
-                <a:srgbClr val="000000"/>
-              </a:solidFill>
-              <a:latin typeface="Calibri"/>
-            </a:endParaRPr>
-          </a:p>
-          <a:p>
-            <a:pPr marL="342900" indent="-342900">
-              <a:lnSpc>
-                <a:spcPct val="100000"/>
-              </a:lnSpc>
-              <a:spcBef>
-                <a:spcPts val="479"/>
-              </a:spcBef>
-              <a:buFont typeface="Arial" pitchFamily="34" charset="0"/>
-              <a:buChar char="•"/>
-            </a:pPr>
-            <a:r>
-              <a:rPr lang="en-US" sz="2400" b="0" strike="noStrike" spc="-1" dirty="0" smtClean="0">
-                <a:solidFill>
-                  <a:srgbClr val="FFFFFF"/>
-                </a:solidFill>
-                <a:latin typeface="Calibri"/>
-              </a:rPr>
-              <a:t>Dinámica</a:t>
-            </a:r>
-            <a:endParaRPr lang="en-US" sz="2400" b="0" strike="noStrike" spc="-1" dirty="0">
-              <a:solidFill>
-                <a:srgbClr val="000000"/>
-              </a:solidFill>
-              <a:latin typeface="Calibri"/>
-            </a:endParaRPr>
-          </a:p>
-          <a:p>
-            <a:pPr marL="342900" indent="-342900">
-              <a:spcBef>
-                <a:spcPts val="479"/>
-              </a:spcBef>
-              <a:buFont typeface="Arial" pitchFamily="34" charset="0"/>
-              <a:buChar char="•"/>
-            </a:pPr>
-            <a:r>
-              <a:rPr lang="en-US" sz="2400" spc="-1" dirty="0" smtClean="0">
-                <a:solidFill>
-                  <a:srgbClr val="FFFFFF"/>
-                </a:solidFill>
-                <a:latin typeface="Calibri"/>
-              </a:rPr>
-              <a:t>Sin publicidad</a:t>
-            </a:r>
-          </a:p>
-          <a:p>
-            <a:pPr marL="342900" indent="-342900">
-              <a:spcBef>
-                <a:spcPts val="479"/>
-              </a:spcBef>
-              <a:buFont typeface="Arial" pitchFamily="34" charset="0"/>
-              <a:buChar char="•"/>
-            </a:pPr>
-            <a:endParaRPr lang="en-US" sz="2400" spc="-1" dirty="0">
-              <a:solidFill>
-                <a:srgbClr val="000000"/>
-              </a:solidFill>
-              <a:latin typeface="Calibri"/>
-            </a:endParaRPr>
-          </a:p>
-          <a:p>
-            <a:pPr marL="342900" indent="-342900">
-              <a:lnSpc>
-                <a:spcPct val="100000"/>
-              </a:lnSpc>
-              <a:spcBef>
-                <a:spcPts val="479"/>
-              </a:spcBef>
-              <a:buFont typeface="Arial" pitchFamily="34" charset="0"/>
-              <a:buChar char="•"/>
-            </a:pPr>
-            <a:endParaRPr lang="en-US" sz="2400" spc="-1" dirty="0" smtClean="0">
-              <a:solidFill>
-                <a:srgbClr val="FFFFFF"/>
-              </a:solidFill>
-              <a:latin typeface="Calibri"/>
-            </a:endParaRPr>
-          </a:p>
-          <a:p>
-            <a:pPr marL="342900" indent="-342900">
-              <a:lnSpc>
-                <a:spcPct val="100000"/>
-              </a:lnSpc>
-              <a:spcBef>
-                <a:spcPts val="479"/>
-              </a:spcBef>
-              <a:buFont typeface="Arial" pitchFamily="34" charset="0"/>
-              <a:buChar char="•"/>
-            </a:pPr>
-            <a:endParaRPr lang="en-US" sz="2400" b="0" strike="noStrike" spc="-1" dirty="0">
-              <a:solidFill>
-                <a:srgbClr val="000000"/>
-              </a:solidFill>
-              <a:latin typeface="Calibri"/>
-            </a:endParaRPr>
-          </a:p>
-        </p:txBody>
-      </p:sp>
-      <p:sp>
-        <p:nvSpPr>
-          <p:cNvPr id="6" name="TextShape 1"/>
-          <p:cNvSpPr txBox="1"/>
-          <p:nvPr/>
-        </p:nvSpPr>
-        <p:spPr>
-          <a:xfrm>
-            <a:off x="4363448" y="1563638"/>
-            <a:ext cx="4024976" cy="763200"/>
-          </a:xfrm>
-          <a:prstGeom prst="rect">
-            <a:avLst/>
-          </a:prstGeom>
-          <a:noFill/>
-          <a:ln>
-            <a:noFill/>
-          </a:ln>
-        </p:spPr>
-        <p:txBody>
-          <a:bodyPr anchor="ctr"/>
-          <a:lstStyle/>
-          <a:p>
-            <a:pPr>
-              <a:lnSpc>
-                <a:spcPct val="100000"/>
-              </a:lnSpc>
-            </a:pPr>
-            <a:r>
-              <a:rPr lang="en-US" sz="2800" spc="-1" dirty="0" smtClean="0">
+              <a:rPr lang="en-US" sz="3600" b="0" strike="noStrike" spc="-1" dirty="0" err="1">
                 <a:solidFill>
                   <a:srgbClr val="FFC000"/>
                 </a:solidFill>
                 <a:latin typeface="Calibri"/>
               </a:rPr>
-              <a:t>Funciones de DidaktikAPP</a:t>
+              <a:t>aplicación</a:t>
             </a:r>
-            <a:endParaRPr lang="en-US" sz="2800" b="0" strike="noStrike" spc="-1" dirty="0">
-              <a:solidFill>
-                <a:srgbClr val="000000"/>
-              </a:solidFill>
-              <a:latin typeface="Calibri"/>
-            </a:endParaRPr>
-          </a:p>
-        </p:txBody>
-      </p:sp>
+            <a:endParaRPr lang="en-US" sz="3600" spc="-1" dirty="0">
+              <a:solidFill>
+                <a:srgbClr val="FFC000"/>
+              </a:solidFill>
+              <a:latin typeface="Calibri"/>
+            </a:endParaRPr>
+          </a:p>
+        </p:txBody>
+      </p:sp>
+      <p:pic>
+        <p:nvPicPr>
+          <p:cNvPr id="13" name="Imagen 12" descr="Imagen que contiene señal, firmar&#10;&#10;Descripción generada automáticamente">
+            <a:extLst>
+              <a:ext uri="{FF2B5EF4-FFF2-40B4-BE49-F238E27FC236}">
+                <a16:creationId xmlns:a16="http://schemas.microsoft.com/office/drawing/2014/main" id="{89C24964-23F2-4A9A-8768-0F745DEE6715}"/>
+              </a:ext>
+            </a:extLst>
+          </p:cNvPr>
+          <p:cNvPicPr>
+            <a:picLocks noChangeAspect="1"/>
+          </p:cNvPicPr>
+          <p:nvPr/>
+        </p:nvPicPr>
+        <p:blipFill>
+          <a:blip r:embed="rId2">
+            <a:extLst>
+              <a:ext uri="{28A0092B-C50C-407E-A947-70E740481C1C}">
+                <a14:useLocalDpi xmlns:a14="http://schemas.microsoft.com/office/drawing/2010/main" val="0"/>
+              </a:ext>
+            </a:extLst>
+          </a:blip>
+          <a:stretch>
+            <a:fillRect/>
+          </a:stretch>
+        </p:blipFill>
+        <p:spPr>
+          <a:xfrm>
+            <a:off x="1835696" y="1707654"/>
+            <a:ext cx="3660872" cy="2376914"/>
+          </a:xfrm>
+          <a:prstGeom prst="rect">
+            <a:avLst/>
+          </a:prstGeom>
+        </p:spPr>
+      </p:pic>
     </p:spTree>
+    <p:extLst>
+      <p:ext uri="{BB962C8B-B14F-4D97-AF65-F5344CB8AC3E}">
+        <p14:creationId xmlns:p14="http://schemas.microsoft.com/office/powerpoint/2010/main" val="976878018"/>
+      </p:ext>
+    </p:extLst>
   </p:cSld>
   <p:clrMapOvr>
     <a:masterClrMapping/>
@@ -11121,16 +12178,52 @@
           <a:chExt cx="0" cy="0"/>
         </a:xfrm>
       </p:grpSpPr>
-      <p:sp>
-        <p:nvSpPr>
-          <p:cNvPr id="218" name="TextShape 1"/>
+      <p:pic>
+        <p:nvPicPr>
+          <p:cNvPr id="5" name="Imagen 4">
+            <a:extLst>
+              <a:ext uri="{FF2B5EF4-FFF2-40B4-BE49-F238E27FC236}">
+                <a16:creationId xmlns:a16="http://schemas.microsoft.com/office/drawing/2014/main" id="{FDC7F63A-A220-4995-950F-246635C6BF9B}"/>
+              </a:ext>
+            </a:extLst>
+          </p:cNvPr>
+          <p:cNvPicPr>
+            <a:picLocks noChangeAspect="1"/>
+          </p:cNvPicPr>
+          <p:nvPr/>
+        </p:nvPicPr>
+        <p:blipFill>
+          <a:blip r:embed="rId2"/>
+          <a:stretch>
+            <a:fillRect/>
+          </a:stretch>
+        </p:blipFill>
+        <p:spPr>
+          <a:xfrm>
+            <a:off x="0" y="-277"/>
+            <a:ext cx="1257579" cy="5143500"/>
+          </a:xfrm>
+          <a:prstGeom prst="rect">
+            <a:avLst/>
+          </a:prstGeom>
+        </p:spPr>
+      </p:pic>
+      <p:sp>
+        <p:nvSpPr>
+          <p:cNvPr id="7" name="TextShape 2">
+            <a:extLst>
+              <a:ext uri="{FF2B5EF4-FFF2-40B4-BE49-F238E27FC236}">
+                <a16:creationId xmlns:a16="http://schemas.microsoft.com/office/drawing/2014/main" id="{87771207-7583-4651-9AE4-DB6D672BF9F1}"/>
+              </a:ext>
+            </a:extLst>
+          </p:cNvPr>
           <p:cNvSpPr txBox="1"/>
           <p:nvPr/>
         </p:nvSpPr>
         <p:spPr>
           <a:xfrm>
-            <a:off x="539552" y="555526"/>
-            <a:ext cx="5955120" cy="572400"/>
+            <a:off x="3078933" y="3147814"/>
+            <a:ext cx="3600400" cy="1584176"/>
           </a:xfrm>
           <a:prstGeom prst="rect">
             <a:avLst/>
@@ -11141,58 +12234,10 @@
           </a:ln>
         </p:spPr>
         <p:txBody>
-          <a:bodyPr anchor="ctr">
-            <a:normAutofit fontScale="92500" lnSpcReduction="10000"/>
-          </a:bodyPr>
-          <a:lstStyle/>
-          <a:p>
-            <a:pPr algn="ctr">
-              <a:lnSpc>
-                <a:spcPct val="100000"/>
-              </a:lnSpc>
-            </a:pPr>
-            <a:r>
-              <a:rPr lang="en-US" sz="3600" spc="-1" dirty="0" smtClean="0">
-                <a:solidFill>
-                  <a:srgbClr val="FFC000"/>
-                </a:solidFill>
-                <a:latin typeface="Calibri"/>
-              </a:rPr>
-              <a:t>Créditos</a:t>
-            </a:r>
-            <a:endParaRPr lang="en-US" sz="3600" b="0" strike="noStrike" spc="-1" dirty="0">
-              <a:solidFill>
-                <a:srgbClr val="000000"/>
-              </a:solidFill>
-              <a:latin typeface="Calibri"/>
-            </a:endParaRPr>
-          </a:p>
-        </p:txBody>
-      </p:sp>
-      <p:sp>
-        <p:nvSpPr>
-          <p:cNvPr id="219" name="TextShape 2"/>
-          <p:cNvSpPr txBox="1"/>
-          <p:nvPr/>
-        </p:nvSpPr>
-        <p:spPr>
-          <a:xfrm>
-            <a:off x="539552" y="1419622"/>
-            <a:ext cx="2886928" cy="1944216"/>
-          </a:xfrm>
-          <a:prstGeom prst="rect">
-            <a:avLst/>
-          </a:prstGeom>
-          <a:noFill/>
-          <a:ln>
-            <a:noFill/>
-          </a:ln>
-        </p:spPr>
-        <p:txBody>
           <a:bodyPr/>
           <a:lstStyle/>
           <a:p>
-            <a:pPr marL="360" algn="ctr">
+            <a:pPr marL="343260" indent="-342900" algn="just">
               <a:lnSpc>
                 <a:spcPct val="100000"/>
               </a:lnSpc>
@@ -11202,189 +12247,27 @@
               <a:buClr>
                 <a:srgbClr val="FFFFFF"/>
               </a:buClr>
+              <a:buFont typeface="Wingdings" panose="05000000000000000000" pitchFamily="2" charset="2"/>
+              <a:buChar char="v"/>
             </a:pPr>
             <a:r>
-              <a:rPr lang="en-US" sz="2800" spc="-1" dirty="0" smtClean="0">
+              <a:rPr lang="en-US" sz="2000" spc="-1" dirty="0" err="1">
                 <a:solidFill>
                   <a:srgbClr val="FFFFFF"/>
                 </a:solidFill>
                 <a:latin typeface="Calibri"/>
               </a:rPr>
-              <a:t>	UPV/</a:t>
+              <a:t>Documentación</a:t>
             </a:r>
-            <a:r>
-              <a:rPr lang="en-US" sz="2800" spc="-1" dirty="0" err="1" smtClean="0">
-                <a:solidFill>
-                  <a:srgbClr val="FFFFFF"/>
-                </a:solidFill>
-                <a:latin typeface="Calibri"/>
-              </a:rPr>
-              <a:t>Leioa</a:t>
-            </a:r>
-            <a:endParaRPr lang="en-US" sz="2800" spc="-1" dirty="0" smtClean="0">
-              <a:solidFill>
-                <a:srgbClr val="FFFFFF"/>
-              </a:solidFill>
-              <a:latin typeface="Calibri"/>
-            </a:endParaRPr>
-          </a:p>
-          <a:p>
-            <a:pPr marL="171810" indent="-171450">
-              <a:spcBef>
-                <a:spcPts val="561"/>
-              </a:spcBef>
-              <a:buClr>
-                <a:srgbClr val="FFFFFF"/>
-              </a:buClr>
-              <a:buFont typeface="Arial" pitchFamily="34" charset="0"/>
-              <a:buChar char="•"/>
-            </a:pPr>
-            <a:r>
-              <a:rPr lang="es-ES" sz="1200" dirty="0">
-                <a:solidFill>
-                  <a:schemeClr val="bg1"/>
-                </a:solidFill>
-              </a:rPr>
-              <a:t>Judith Pérez Sánchez</a:t>
-            </a:r>
-          </a:p>
-          <a:p>
-            <a:pPr marL="171810" indent="-171450">
-              <a:spcBef>
-                <a:spcPts val="561"/>
-              </a:spcBef>
-              <a:buClr>
-                <a:srgbClr val="FFFFFF"/>
-              </a:buClr>
-              <a:buFont typeface="Arial" pitchFamily="34" charset="0"/>
-              <a:buChar char="•"/>
-            </a:pPr>
-            <a:r>
-              <a:rPr lang="es-ES" sz="1200" dirty="0">
-                <a:solidFill>
-                  <a:schemeClr val="bg1"/>
-                </a:solidFill>
-              </a:rPr>
-              <a:t>Ainhoa Elorza </a:t>
-            </a:r>
-            <a:r>
-              <a:rPr lang="es-ES" sz="1200" dirty="0" err="1">
-                <a:solidFill>
-                  <a:schemeClr val="bg1"/>
-                </a:solidFill>
-              </a:rPr>
-              <a:t>Rodriguez</a:t>
-            </a:r>
-            <a:endParaRPr lang="es-ES" sz="1200" dirty="0">
-              <a:solidFill>
-                <a:schemeClr val="bg1"/>
-              </a:solidFill>
-            </a:endParaRPr>
-          </a:p>
-          <a:p>
-            <a:pPr marL="171810" indent="-171450">
-              <a:spcBef>
-                <a:spcPts val="561"/>
-              </a:spcBef>
-              <a:buClr>
-                <a:srgbClr val="FFFFFF"/>
-              </a:buClr>
-              <a:buFont typeface="Arial" pitchFamily="34" charset="0"/>
-              <a:buChar char="•"/>
-            </a:pPr>
-            <a:r>
-              <a:rPr lang="es-ES" sz="1200" dirty="0">
-                <a:solidFill>
-                  <a:schemeClr val="bg1"/>
-                </a:solidFill>
-              </a:rPr>
-              <a:t>Naroa Roldan Becerra</a:t>
-            </a:r>
-          </a:p>
-          <a:p>
-            <a:pPr marL="171810" indent="-171450">
-              <a:spcBef>
-                <a:spcPts val="561"/>
-              </a:spcBef>
-              <a:buClr>
-                <a:srgbClr val="FFFFFF"/>
-              </a:buClr>
-              <a:buFont typeface="Arial" pitchFamily="34" charset="0"/>
-              <a:buChar char="•"/>
-            </a:pPr>
-            <a:r>
-              <a:rPr lang="es-ES" sz="1200" dirty="0">
-                <a:solidFill>
-                  <a:schemeClr val="bg1"/>
-                </a:solidFill>
-              </a:rPr>
-              <a:t>Julene Sada </a:t>
-            </a:r>
-            <a:r>
-              <a:rPr lang="es-ES" sz="1200" dirty="0" err="1">
-                <a:solidFill>
-                  <a:schemeClr val="bg1"/>
-                </a:solidFill>
-              </a:rPr>
-              <a:t>Sologuren</a:t>
-            </a:r>
-            <a:endParaRPr lang="es-ES" sz="1200" dirty="0">
-              <a:solidFill>
-                <a:schemeClr val="bg1"/>
-              </a:solidFill>
-            </a:endParaRPr>
-          </a:p>
-          <a:p>
-            <a:pPr marL="171810" indent="-171450">
-              <a:spcBef>
-                <a:spcPts val="561"/>
-              </a:spcBef>
-              <a:buClr>
-                <a:srgbClr val="FFFFFF"/>
-              </a:buClr>
-              <a:buFont typeface="Arial" pitchFamily="34" charset="0"/>
-              <a:buChar char="•"/>
-            </a:pPr>
-            <a:r>
-              <a:rPr lang="es-ES" sz="1200" dirty="0">
-                <a:solidFill>
-                  <a:schemeClr val="bg1"/>
-                </a:solidFill>
-              </a:rPr>
-              <a:t>Arrate Ugarte </a:t>
-            </a:r>
-            <a:r>
-              <a:rPr lang="es-ES" sz="1200" dirty="0" err="1">
-                <a:solidFill>
-                  <a:schemeClr val="bg1"/>
-                </a:solidFill>
-              </a:rPr>
-              <a:t>Artieta</a:t>
-            </a:r>
-            <a:endParaRPr lang="es-ES" sz="1200" dirty="0">
-              <a:solidFill>
-                <a:schemeClr val="bg1"/>
-              </a:solidFill>
-            </a:endParaRPr>
-          </a:p>
-          <a:p>
-            <a:pPr marL="360">
-              <a:spcBef>
-                <a:spcPts val="561"/>
-              </a:spcBef>
-              <a:buClr>
-                <a:srgbClr val="FFFFFF"/>
-              </a:buClr>
-            </a:pPr>
-            <a:endParaRPr lang="es-ES" sz="1200" dirty="0" smtClean="0">
-              <a:solidFill>
-                <a:schemeClr val="bg1"/>
-              </a:solidFill>
-              <a:effectLst/>
-            </a:endParaRPr>
-          </a:p>
-          <a:p>
-            <a:pPr marL="360">
+            <a:endParaRPr lang="en-US" sz="2000" b="0" strike="noStrike" spc="-1" dirty="0">
+              <a:solidFill>
+                <a:srgbClr val="000000"/>
+              </a:solidFill>
+              <a:latin typeface="Calibri"/>
+            </a:endParaRPr>
+          </a:p>
+          <a:p>
+            <a:pPr marL="343260" indent="-342900" algn="just">
               <a:lnSpc>
                 <a:spcPct val="100000"/>
               </a:lnSpc>
@@ -11394,16 +12277,27 @@
               <a:buClr>
                 <a:srgbClr val="FFFFFF"/>
               </a:buClr>
+              <a:buFont typeface="Wingdings" panose="05000000000000000000" pitchFamily="2" charset="2"/>
+              <a:buChar char="v"/>
             </a:pPr>
-            <a:endParaRPr lang="en-US" sz="2800" spc="-1" dirty="0" smtClean="0">
-              <a:solidFill>
-                <a:srgbClr val="FFFFFF"/>
-              </a:solidFill>
-              <a:latin typeface="Calibri"/>
-            </a:endParaRPr>
-          </a:p>
-          <a:p>
-            <a:pPr marL="360">
+            <a:r>
+              <a:rPr lang="en-US" sz="2000" b="0" strike="noStrike" spc="-1" dirty="0" err="1">
+                <a:solidFill>
+                  <a:srgbClr val="FFFFFF"/>
+                </a:solidFill>
+                <a:latin typeface="Calibri"/>
+              </a:rPr>
+              <a:t>Recursos</a:t>
+            </a:r>
+            <a:endParaRPr lang="en-US" sz="2000" b="0" strike="noStrike" spc="-1" dirty="0">
+              <a:solidFill>
+                <a:srgbClr val="000000"/>
+              </a:solidFill>
+              <a:latin typeface="Calibri"/>
+            </a:endParaRPr>
+          </a:p>
+          <a:p>
+            <a:pPr marL="343260" indent="-342900" algn="just">
               <a:lnSpc>
                 <a:spcPct val="100000"/>
               </a:lnSpc>
@@ -11413,40 +12307,45 @@
               <a:buClr>
                 <a:srgbClr val="FFFFFF"/>
               </a:buClr>
+              <a:buFont typeface="Wingdings" panose="05000000000000000000" pitchFamily="2" charset="2"/>
+              <a:buChar char="v"/>
             </a:pPr>
-            <a:endParaRPr lang="en-US" sz="2800" b="0" strike="noStrike" spc="-1" dirty="0">
-              <a:solidFill>
-                <a:srgbClr val="000000"/>
-              </a:solidFill>
-              <a:latin typeface="Calibri"/>
-            </a:endParaRPr>
-          </a:p>
-        </p:txBody>
-      </p:sp>
-      <p:sp>
-        <p:nvSpPr>
-          <p:cNvPr id="10" name="TextShape 2"/>
-          <p:cNvSpPr txBox="1"/>
-          <p:nvPr/>
-        </p:nvSpPr>
-        <p:spPr>
-          <a:xfrm>
-            <a:off x="3717032" y="1439466"/>
-            <a:ext cx="2886928" cy="1944216"/>
-          </a:xfrm>
-          <a:prstGeom prst="rect">
-            <a:avLst/>
-          </a:prstGeom>
-          <a:noFill/>
-          <a:ln>
-            <a:noFill/>
-          </a:ln>
-        </p:spPr>
-        <p:txBody>
-          <a:bodyPr/>
-          <a:lstStyle/>
-          <a:p>
-            <a:pPr marL="360" algn="ctr">
+            <a:r>
+              <a:rPr lang="en-US" sz="2000" b="0" strike="noStrike" spc="-1" dirty="0" err="1">
+                <a:solidFill>
+                  <a:srgbClr val="FFFFFF"/>
+                </a:solidFill>
+                <a:latin typeface="Calibri"/>
+              </a:rPr>
+              <a:t>Características</a:t>
+            </a:r>
+            <a:r>
+              <a:rPr lang="en-US" sz="2000" b="0" strike="noStrike" spc="-1" dirty="0">
+                <a:solidFill>
+                  <a:srgbClr val="FFFFFF"/>
+                </a:solidFill>
+                <a:latin typeface="Calibri"/>
+              </a:rPr>
+              <a:t> y </a:t>
+            </a:r>
+            <a:r>
+              <a:rPr lang="en-US" sz="2000" b="0" strike="noStrike" spc="-1" dirty="0" err="1">
+                <a:solidFill>
+                  <a:srgbClr val="FFFFFF"/>
+                </a:solidFill>
+                <a:latin typeface="Calibri"/>
+              </a:rPr>
+              <a:t>funciones</a:t>
+            </a:r>
+            <a:endParaRPr lang="en-US" sz="2000" b="0" strike="noStrike" spc="-1" dirty="0">
+              <a:solidFill>
+                <a:srgbClr val="000000"/>
+              </a:solidFill>
+              <a:latin typeface="Calibri"/>
+            </a:endParaRPr>
+          </a:p>
+          <a:p>
+            <a:pPr marL="343260" indent="-342900" algn="just">
               <a:lnSpc>
                 <a:spcPct val="100000"/>
               </a:lnSpc>
@@ -11456,124 +12355,18 @@
               <a:buClr>
                 <a:srgbClr val="FFFFFF"/>
               </a:buClr>
+              <a:buFont typeface="Wingdings" panose="05000000000000000000" pitchFamily="2" charset="2"/>
+              <a:buChar char="v"/>
             </a:pPr>
             <a:r>
-              <a:rPr lang="en-US" sz="2800" spc="-1" dirty="0" smtClean="0">
+              <a:rPr lang="en-US" sz="2000" b="0" strike="noStrike" spc="-1" dirty="0" err="1">
                 <a:solidFill>
                   <a:srgbClr val="FFFFFF"/>
                 </a:solidFill>
                 <a:latin typeface="Calibri"/>
               </a:rPr>
-              <a:t>	Instituto Ciudad Jardín</a:t>
+              <a:t>Autoevaluación</a:t>
             </a:r>
-          </a:p>
-          <a:p>
-            <a:pPr marL="171810" indent="-171450">
-              <a:spcBef>
-                <a:spcPts val="561"/>
-              </a:spcBef>
-              <a:buClr>
-                <a:srgbClr val="FFFFFF"/>
-              </a:buClr>
-              <a:buFont typeface="Arial" pitchFamily="34" charset="0"/>
-              <a:buChar char="•"/>
-            </a:pPr>
-            <a:r>
-              <a:rPr lang="es-ES" sz="1200" dirty="0" err="1" smtClean="0">
-                <a:solidFill>
-                  <a:schemeClr val="bg1"/>
-                </a:solidFill>
-              </a:rPr>
-              <a:t>Jhonatan</a:t>
-            </a:r>
-            <a:r>
-              <a:rPr lang="es-ES" sz="1200" dirty="0" smtClean="0">
-                <a:solidFill>
-                  <a:schemeClr val="bg1"/>
-                </a:solidFill>
-              </a:rPr>
-              <a:t> Andy Contreras Ramos</a:t>
-            </a:r>
-            <a:endParaRPr lang="es-ES" sz="1200" dirty="0">
-              <a:solidFill>
-                <a:schemeClr val="bg1"/>
-              </a:solidFill>
-            </a:endParaRPr>
-          </a:p>
-          <a:p>
-            <a:pPr marL="171810" indent="-171450">
-              <a:spcBef>
-                <a:spcPts val="561"/>
-              </a:spcBef>
-              <a:buClr>
-                <a:srgbClr val="FFFFFF"/>
-              </a:buClr>
-              <a:buFont typeface="Arial" pitchFamily="34" charset="0"/>
-              <a:buChar char="•"/>
-            </a:pPr>
-            <a:r>
-              <a:rPr lang="es-ES" sz="1200" dirty="0" err="1" smtClean="0">
-                <a:solidFill>
-                  <a:schemeClr val="bg1"/>
-                </a:solidFill>
-              </a:rPr>
-              <a:t>Gian</a:t>
-            </a:r>
-            <a:r>
-              <a:rPr lang="es-ES" sz="1200" dirty="0" smtClean="0">
-                <a:solidFill>
-                  <a:schemeClr val="bg1"/>
-                </a:solidFill>
-              </a:rPr>
-              <a:t> Piero Contreras Ramos</a:t>
-            </a:r>
-          </a:p>
-          <a:p>
-            <a:pPr marL="171810" indent="-171450">
-              <a:spcBef>
-                <a:spcPts val="561"/>
-              </a:spcBef>
-              <a:buClr>
-                <a:srgbClr val="FFFFFF"/>
-              </a:buClr>
-              <a:buFont typeface="Arial" pitchFamily="34" charset="0"/>
-              <a:buChar char="•"/>
-            </a:pPr>
-            <a:r>
-              <a:rPr lang="es-ES_tradnl" sz="1200" dirty="0" smtClean="0">
-                <a:solidFill>
-                  <a:schemeClr val="bg1"/>
-                </a:solidFill>
-              </a:rPr>
-              <a:t>Xabier Revuelta García De </a:t>
-            </a:r>
-            <a:r>
-              <a:rPr lang="es-ES_tradnl" sz="1200" dirty="0" err="1" smtClean="0">
-                <a:solidFill>
-                  <a:schemeClr val="bg1"/>
-                </a:solidFill>
-              </a:rPr>
-              <a:t>Albeniz</a:t>
-            </a:r>
-            <a:endParaRPr lang="en-US" sz="2800" spc="-1" dirty="0" smtClean="0">
-              <a:solidFill>
-                <a:srgbClr val="FFFFFF"/>
-              </a:solidFill>
-              <a:latin typeface="Calibri"/>
-            </a:endParaRPr>
-          </a:p>
-          <a:p>
-            <a:pPr marL="360">
-              <a:lnSpc>
-                <a:spcPct val="100000"/>
-              </a:lnSpc>
-              <a:spcBef>
-                <a:spcPts val="561"/>
-              </a:spcBef>
-              <a:buClr>
-                <a:srgbClr val="FFFFFF"/>
-              </a:buClr>
-            </a:pPr>
             <a:endParaRPr lang="en-US" sz="2800" b="0" strike="noStrike" spc="-1" dirty="0">
               <a:solidFill>
                 <a:srgbClr val="000000"/>
@@ -11585,71 +12378,136 @@
       </p:sp>
       <p:pic>
         <p:nvPicPr>
-          <p:cNvPr id="1027" name="Picture 3"/>
+          <p:cNvPr id="10" name="Imagen 9" descr="Imagen que contiene cuarto, reloj&#10;&#10;Descripción generada automáticamente">
+            <a:extLst>
+              <a:ext uri="{FF2B5EF4-FFF2-40B4-BE49-F238E27FC236}">
+                <a16:creationId xmlns:a16="http://schemas.microsoft.com/office/drawing/2014/main" id="{F0655347-5D6F-4570-A9F9-4CB714AA8F1B}"/>
+              </a:ext>
+            </a:extLst>
+          </p:cNvPr>
           <p:cNvPicPr>
-            <a:picLocks noChangeAspect="1" noChangeArrowheads="1"/>
+            <a:picLocks noChangeAspect="1"/>
           </p:cNvPicPr>
           <p:nvPr/>
         </p:nvPicPr>
         <p:blipFill>
-          <a:blip r:embed="rId2" cstate="print">
+          <a:blip r:embed="rId3" cstate="print">
             <a:extLst>
               <a:ext uri="{28A0092B-C50C-407E-A947-70E740481C1C}">
                 <a14:useLocalDpi xmlns:a14="http://schemas.microsoft.com/office/drawing/2010/main" val="0"/>
               </a:ext>
             </a:extLst>
           </a:blip>
-          <a:srcRect/>
           <a:stretch>
             <a:fillRect/>
           </a:stretch>
         </p:blipFill>
-        <p:spPr bwMode="auto">
-          <a:xfrm>
-            <a:off x="827584" y="3651870"/>
-            <a:ext cx="1983016" cy="915955"/>
-          </a:xfrm>
-          <a:prstGeom prst="rect">
-            <a:avLst/>
-          </a:prstGeom>
-          <a:noFill/>
-          <a:ln>
-            <a:noFill/>
-          </a:ln>
-          <a:effectLst/>
-          <a:extLst>
-            <a:ext uri="{909E8E84-426E-40DD-AFC4-6F175D3DCCD1}">
-              <a14:hiddenFill xmlns:a14="http://schemas.microsoft.com/office/drawing/2010/main">
-                <a:solidFill>
-                  <a:schemeClr val="accent1"/>
-                </a:solidFill>
-              </a14:hiddenFill>
-            </a:ext>
-            <a:ext uri="{91240B29-F687-4F45-9708-019B960494DF}">
-              <a14:hiddenLine xmlns:a14="http://schemas.microsoft.com/office/drawing/2010/main" w="9525">
-                <a:solidFill>
-                  <a:schemeClr val="tx1"/>
-                </a:solidFill>
-                <a:miter lim="800000"/>
-                <a:headEnd/>
-                <a:tailEnd/>
-              </a14:hiddenLine>
-            </a:ext>
-            <a:ext uri="{AF507438-7753-43E0-B8FC-AC1667EBCBE1}">
-              <a14:hiddenEffects xmlns:a14="http://schemas.microsoft.com/office/drawing/2010/main">
-                <a:effectLst>
-                  <a:outerShdw dist="35921" dir="2700000" algn="ctr" rotWithShape="0">
-                    <a:schemeClr val="bg2"/>
-                  </a:outerShdw>
-                </a:effectLst>
-              </a14:hiddenEffects>
-            </a:ext>
-          </a:extLst>
+        <p:spPr>
+          <a:xfrm>
+            <a:off x="3078933" y="260670"/>
+            <a:ext cx="2808312" cy="2815136"/>
+          </a:xfrm>
+          <a:prstGeom prst="rect">
+            <a:avLst/>
+          </a:prstGeom>
+        </p:spPr>
+      </p:pic>
+    </p:spTree>
+    <p:extLst>
+      <p:ext uri="{BB962C8B-B14F-4D97-AF65-F5344CB8AC3E}">
+        <p14:creationId xmlns:p14="http://schemas.microsoft.com/office/powerpoint/2010/main" val="1921673648"/>
+      </p:ext>
+    </p:extLst>
+  </p:cSld>
+  <p:clrMapOvr>
+    <a:masterClrMapping/>
+  </p:clrMapOvr>
+  <p:timing>
+    <p:tnLst>
+      <p:par>
+        <p:cTn id="1" dur="indefinite" restart="never" nodeType="tmRoot">
+          <p:childTnLst>
+            <p:seq>
+              <p:cTn id="2" dur="indefinite" nodeType="mainSeq"/>
+              <p:prevCondLst>
+                <p:cond evt="onPrev" delay="0">
+                  <p:tgtEl>
+                    <p:sldTgt/>
+                  </p:tgtEl>
+                </p:cond>
+              </p:prevCondLst>
+              <p:nextCondLst>
+                <p:cond evt="onNext" delay="0">
+                  <p:tgtEl>
+                    <p:sldTgt/>
+                  </p:tgtEl>
+                </p:cond>
+              </p:nextCondLst>
+            </p:seq>
+          </p:childTnLst>
+        </p:cTn>
+      </p:par>
+    </p:tnLst>
+  </p:timing>
+</p:sld>
+</file>
+
+<file path=ppt/slides/slide6.xml><?xml version="1.0" encoding="utf-8"?>
+<p:sld xmlns:a="http://schemas.openxmlformats.org/drawingml/2006/main" xmlns:r="http://schemas.openxmlformats.org/officeDocument/2006/relationships" xmlns:p="http://schemas.openxmlformats.org/presentationml/2006/main">
+  <p:cSld>
+    <p:spTree>
+      <p:nvGrpSpPr>
+        <p:cNvPr id="1" name=""/>
+        <p:cNvGrpSpPr/>
+        <p:nvPr/>
+      </p:nvGrpSpPr>
+      <p:grpSpPr>
+        <a:xfrm>
+          <a:off x="0" y="0"/>
+          <a:ext cx="0" cy="0"/>
+          <a:chOff x="0" y="0"/>
+          <a:chExt cx="0" cy="0"/>
+        </a:xfrm>
+      </p:grpSpPr>
+      <p:pic>
+        <p:nvPicPr>
+          <p:cNvPr id="4" name="Imagen 3">
+            <a:extLst>
+              <a:ext uri="{FF2B5EF4-FFF2-40B4-BE49-F238E27FC236}">
+                <a16:creationId xmlns:a16="http://schemas.microsoft.com/office/drawing/2014/main" id="{E72C9EE1-7C40-48CB-9910-D3319264AEA0}"/>
+              </a:ext>
+            </a:extLst>
+          </p:cNvPr>
+          <p:cNvPicPr>
+            <a:picLocks noChangeAspect="1"/>
+          </p:cNvPicPr>
+          <p:nvPr/>
+        </p:nvPicPr>
+        <p:blipFill>
+          <a:blip r:embed="rId2"/>
+          <a:stretch>
+            <a:fillRect/>
+          </a:stretch>
+        </p:blipFill>
+        <p:spPr>
+          <a:xfrm>
+            <a:off x="0" y="0"/>
+            <a:ext cx="1251292" cy="5143500"/>
+          </a:xfrm>
+          <a:prstGeom prst="rect">
+            <a:avLst/>
+          </a:prstGeom>
         </p:spPr>
       </p:pic>
       <p:pic>
         <p:nvPicPr>
-          <p:cNvPr id="3" name="2 Imagen"/>
+          <p:cNvPr id="10" name="Imagen 9" descr="Una caricatura de una persona&#10;&#10;Descripción generada automáticamente">
+            <a:extLst>
+              <a:ext uri="{FF2B5EF4-FFF2-40B4-BE49-F238E27FC236}">
+                <a16:creationId xmlns:a16="http://schemas.microsoft.com/office/drawing/2014/main" id="{D341725C-1B3A-4EBF-9B87-444095B6FEFE}"/>
+              </a:ext>
+            </a:extLst>
+          </p:cNvPr>
           <p:cNvPicPr>
             <a:picLocks noChangeAspect="1"/>
           </p:cNvPicPr>
@@ -11669,15 +12527,1420 @@
         </p:blipFill>
         <p:spPr>
           <a:xfrm>
-            <a:off x="4601871" y="3335244"/>
-            <a:ext cx="1447619" cy="1549206"/>
+            <a:off x="3059832" y="2283718"/>
+            <a:ext cx="2765634" cy="2611693"/>
           </a:xfrm>
           <a:prstGeom prst="rect">
             <a:avLst/>
           </a:prstGeom>
         </p:spPr>
       </p:pic>
+      <p:sp>
+        <p:nvSpPr>
+          <p:cNvPr id="11" name="TextShape 2">
+            <a:extLst>
+              <a:ext uri="{FF2B5EF4-FFF2-40B4-BE49-F238E27FC236}">
+                <a16:creationId xmlns:a16="http://schemas.microsoft.com/office/drawing/2014/main" id="{ACC4518D-9120-44C3-AB52-AFBBD459C4FD}"/>
+              </a:ext>
+            </a:extLst>
+          </p:cNvPr>
+          <p:cNvSpPr txBox="1"/>
+          <p:nvPr/>
+        </p:nvSpPr>
+        <p:spPr>
+          <a:xfrm>
+            <a:off x="3434537" y="555526"/>
+            <a:ext cx="2016224" cy="1584176"/>
+          </a:xfrm>
+          <a:prstGeom prst="rect">
+            <a:avLst/>
+          </a:prstGeom>
+          <a:noFill/>
+          <a:ln>
+            <a:noFill/>
+          </a:ln>
+        </p:spPr>
+        <p:txBody>
+          <a:bodyPr/>
+          <a:lstStyle/>
+          <a:p>
+            <a:pPr marL="343260" indent="-342900" algn="just">
+              <a:lnSpc>
+                <a:spcPct val="100000"/>
+              </a:lnSpc>
+              <a:spcBef>
+                <a:spcPts val="561"/>
+              </a:spcBef>
+              <a:buClr>
+                <a:srgbClr val="FFFFFF"/>
+              </a:buClr>
+              <a:buFont typeface="Wingdings" panose="05000000000000000000" pitchFamily="2" charset="2"/>
+              <a:buChar char="v"/>
+            </a:pPr>
+            <a:r>
+              <a:rPr lang="en-US" sz="2000" b="0" strike="noStrike" spc="-1" dirty="0">
+                <a:solidFill>
+                  <a:srgbClr val="FFFFFF"/>
+                </a:solidFill>
+                <a:latin typeface="Calibri"/>
+              </a:rPr>
+              <a:t>Ideas</a:t>
+            </a:r>
+            <a:endParaRPr lang="en-US" sz="2000" b="0" strike="noStrike" spc="-1" dirty="0">
+              <a:solidFill>
+                <a:srgbClr val="000000"/>
+              </a:solidFill>
+              <a:latin typeface="Calibri"/>
+            </a:endParaRPr>
+          </a:p>
+          <a:p>
+            <a:pPr marL="343260" indent="-342900" algn="just">
+              <a:lnSpc>
+                <a:spcPct val="100000"/>
+              </a:lnSpc>
+              <a:spcBef>
+                <a:spcPts val="561"/>
+              </a:spcBef>
+              <a:buClr>
+                <a:srgbClr val="FFFFFF"/>
+              </a:buClr>
+              <a:buFont typeface="Wingdings" panose="05000000000000000000" pitchFamily="2" charset="2"/>
+              <a:buChar char="v"/>
+            </a:pPr>
+            <a:r>
+              <a:rPr lang="en-US" sz="2000" b="0" strike="noStrike" spc="-1" dirty="0" err="1">
+                <a:solidFill>
+                  <a:srgbClr val="FFFFFF"/>
+                </a:solidFill>
+                <a:latin typeface="Calibri"/>
+              </a:rPr>
+              <a:t>Actividades</a:t>
+            </a:r>
+            <a:endParaRPr lang="en-US" sz="2000" b="0" strike="noStrike" spc="-1" dirty="0">
+              <a:solidFill>
+                <a:srgbClr val="000000"/>
+              </a:solidFill>
+              <a:latin typeface="Calibri"/>
+            </a:endParaRPr>
+          </a:p>
+          <a:p>
+            <a:pPr marL="343260" indent="-342900" algn="just">
+              <a:lnSpc>
+                <a:spcPct val="100000"/>
+              </a:lnSpc>
+              <a:spcBef>
+                <a:spcPts val="561"/>
+              </a:spcBef>
+              <a:buClr>
+                <a:srgbClr val="FFFFFF"/>
+              </a:buClr>
+              <a:buFont typeface="Wingdings" panose="05000000000000000000" pitchFamily="2" charset="2"/>
+              <a:buChar char="v"/>
+            </a:pPr>
+            <a:r>
+              <a:rPr lang="en-US" sz="2000" spc="-1" dirty="0" err="1">
+                <a:solidFill>
+                  <a:srgbClr val="FFFFFF"/>
+                </a:solidFill>
+                <a:latin typeface="Calibri"/>
+              </a:rPr>
+              <a:t>Interfaz</a:t>
+            </a:r>
+            <a:endParaRPr lang="en-US" sz="2000" spc="-1" dirty="0">
+              <a:solidFill>
+                <a:srgbClr val="FFFFFF"/>
+              </a:solidFill>
+              <a:latin typeface="Calibri"/>
+            </a:endParaRPr>
+          </a:p>
+          <a:p>
+            <a:pPr marL="343260" indent="-342900" algn="just">
+              <a:lnSpc>
+                <a:spcPct val="100000"/>
+              </a:lnSpc>
+              <a:spcBef>
+                <a:spcPts val="561"/>
+              </a:spcBef>
+              <a:buClr>
+                <a:srgbClr val="FFFFFF"/>
+              </a:buClr>
+              <a:buFont typeface="Wingdings" panose="05000000000000000000" pitchFamily="2" charset="2"/>
+              <a:buChar char="v"/>
+            </a:pPr>
+            <a:r>
+              <a:rPr lang="en-US" sz="2000" b="0" strike="noStrike" spc="-1" dirty="0" err="1">
+                <a:solidFill>
+                  <a:srgbClr val="FFFFFF"/>
+                </a:solidFill>
+                <a:latin typeface="Calibri"/>
+              </a:rPr>
+              <a:t>Prototipos</a:t>
+            </a:r>
+            <a:endParaRPr lang="en-US" sz="2000" b="0" strike="noStrike" spc="-1" dirty="0">
+              <a:solidFill>
+                <a:srgbClr val="FFFFFF"/>
+              </a:solidFill>
+              <a:latin typeface="Calibri"/>
+            </a:endParaRPr>
+          </a:p>
+        </p:txBody>
+      </p:sp>
     </p:spTree>
+    <p:extLst>
+      <p:ext uri="{BB962C8B-B14F-4D97-AF65-F5344CB8AC3E}">
+        <p14:creationId xmlns:p14="http://schemas.microsoft.com/office/powerpoint/2010/main" val="1118075969"/>
+      </p:ext>
+    </p:extLst>
+  </p:cSld>
+  <p:clrMapOvr>
+    <a:masterClrMapping/>
+  </p:clrMapOvr>
+  <p:timing>
+    <p:tnLst>
+      <p:par>
+        <p:cTn id="1" dur="indefinite" restart="never" nodeType="tmRoot">
+          <p:childTnLst>
+            <p:seq>
+              <p:cTn id="2" dur="indefinite" nodeType="mainSeq"/>
+              <p:prevCondLst>
+                <p:cond evt="onPrev" delay="0">
+                  <p:tgtEl>
+                    <p:sldTgt/>
+                  </p:tgtEl>
+                </p:cond>
+              </p:prevCondLst>
+              <p:nextCondLst>
+                <p:cond evt="onNext" delay="0">
+                  <p:tgtEl>
+                    <p:sldTgt/>
+                  </p:tgtEl>
+                </p:cond>
+              </p:nextCondLst>
+            </p:seq>
+          </p:childTnLst>
+        </p:cTn>
+      </p:par>
+    </p:tnLst>
+  </p:timing>
+</p:sld>
+</file>
+
+<file path=ppt/slides/slide7.xml><?xml version="1.0" encoding="utf-8"?>
+<p:sld xmlns:a="http://schemas.openxmlformats.org/drawingml/2006/main" xmlns:r="http://schemas.openxmlformats.org/officeDocument/2006/relationships" xmlns:p="http://schemas.openxmlformats.org/presentationml/2006/main">
+  <p:cSld>
+    <p:spTree>
+      <p:nvGrpSpPr>
+        <p:cNvPr id="1" name=""/>
+        <p:cNvGrpSpPr/>
+        <p:nvPr/>
+      </p:nvGrpSpPr>
+      <p:grpSpPr>
+        <a:xfrm>
+          <a:off x="0" y="0"/>
+          <a:ext cx="0" cy="0"/>
+          <a:chOff x="0" y="0"/>
+          <a:chExt cx="0" cy="0"/>
+        </a:xfrm>
+      </p:grpSpPr>
+      <p:sp>
+        <p:nvSpPr>
+          <p:cNvPr id="5" name="TextShape 1">
+            <a:extLst>
+              <a:ext uri="{FF2B5EF4-FFF2-40B4-BE49-F238E27FC236}">
+                <a16:creationId xmlns:a16="http://schemas.microsoft.com/office/drawing/2014/main" id="{7D38DF2A-8A4D-43C5-8888-F6BBE3737504}"/>
+              </a:ext>
+            </a:extLst>
+          </p:cNvPr>
+          <p:cNvSpPr txBox="1"/>
+          <p:nvPr/>
+        </p:nvSpPr>
+        <p:spPr>
+          <a:xfrm>
+            <a:off x="0" y="555526"/>
+            <a:ext cx="7596336" cy="572400"/>
+          </a:xfrm>
+          <a:prstGeom prst="rect">
+            <a:avLst/>
+          </a:prstGeom>
+          <a:noFill/>
+          <a:ln>
+            <a:noFill/>
+          </a:ln>
+        </p:spPr>
+        <p:txBody>
+          <a:bodyPr anchor="ctr">
+            <a:normAutofit fontScale="92500" lnSpcReduction="10000"/>
+          </a:bodyPr>
+          <a:lstStyle/>
+          <a:p>
+            <a:pPr algn="ctr">
+              <a:lnSpc>
+                <a:spcPct val="100000"/>
+              </a:lnSpc>
+            </a:pPr>
+            <a:r>
+              <a:rPr lang="en-US" sz="3600" b="0" strike="noStrike" spc="-1" dirty="0" err="1">
+                <a:solidFill>
+                  <a:schemeClr val="bg1"/>
+                </a:solidFill>
+                <a:latin typeface="Calibri"/>
+              </a:rPr>
+              <a:t>Prototipos</a:t>
+            </a:r>
+            <a:endParaRPr lang="en-US" sz="3600" spc="-1" dirty="0">
+              <a:solidFill>
+                <a:schemeClr val="bg1"/>
+              </a:solidFill>
+              <a:latin typeface="Calibri"/>
+            </a:endParaRPr>
+          </a:p>
+        </p:txBody>
+      </p:sp>
+      <p:pic>
+        <p:nvPicPr>
+          <p:cNvPr id="15" name="Imagen 14" descr="Imagen que contiene computadora, espejo&#10;&#10;Descripción generada automáticamente">
+            <a:extLst>
+              <a:ext uri="{FF2B5EF4-FFF2-40B4-BE49-F238E27FC236}">
+                <a16:creationId xmlns:a16="http://schemas.microsoft.com/office/drawing/2014/main" id="{D3C1E216-21C7-4CB3-B305-22505AE8CF55}"/>
+              </a:ext>
+            </a:extLst>
+          </p:cNvPr>
+          <p:cNvPicPr>
+            <a:picLocks noChangeAspect="1"/>
+          </p:cNvPicPr>
+          <p:nvPr/>
+        </p:nvPicPr>
+        <p:blipFill>
+          <a:blip r:embed="rId2" cstate="print">
+            <a:extLst>
+              <a:ext uri="{28A0092B-C50C-407E-A947-70E740481C1C}">
+                <a14:useLocalDpi xmlns:a14="http://schemas.microsoft.com/office/drawing/2010/main" val="0"/>
+              </a:ext>
+            </a:extLst>
+          </a:blip>
+          <a:stretch>
+            <a:fillRect/>
+          </a:stretch>
+        </p:blipFill>
+        <p:spPr>
+          <a:xfrm>
+            <a:off x="179512" y="1563638"/>
+            <a:ext cx="1462591" cy="2859782"/>
+          </a:xfrm>
+          <a:prstGeom prst="rect">
+            <a:avLst/>
+          </a:prstGeom>
+        </p:spPr>
+      </p:pic>
+      <p:pic>
+        <p:nvPicPr>
+          <p:cNvPr id="17" name="Imagen 16" descr="Imagen que contiene pasto, electrónica, foto, monitor&#10;&#10;Descripción generada automáticamente">
+            <a:extLst>
+              <a:ext uri="{FF2B5EF4-FFF2-40B4-BE49-F238E27FC236}">
+                <a16:creationId xmlns:a16="http://schemas.microsoft.com/office/drawing/2014/main" id="{518B2771-BF12-4108-A4CF-6DADF01A2334}"/>
+              </a:ext>
+            </a:extLst>
+          </p:cNvPr>
+          <p:cNvPicPr>
+            <a:picLocks noChangeAspect="1"/>
+          </p:cNvPicPr>
+          <p:nvPr/>
+        </p:nvPicPr>
+        <p:blipFill>
+          <a:blip r:embed="rId3" cstate="print">
+            <a:extLst>
+              <a:ext uri="{28A0092B-C50C-407E-A947-70E740481C1C}">
+                <a14:useLocalDpi xmlns:a14="http://schemas.microsoft.com/office/drawing/2010/main" val="0"/>
+              </a:ext>
+            </a:extLst>
+          </a:blip>
+          <a:stretch>
+            <a:fillRect/>
+          </a:stretch>
+        </p:blipFill>
+        <p:spPr>
+          <a:xfrm>
+            <a:off x="1979712" y="1563638"/>
+            <a:ext cx="1470149" cy="2859782"/>
+          </a:xfrm>
+          <a:prstGeom prst="rect">
+            <a:avLst/>
+          </a:prstGeom>
+        </p:spPr>
+      </p:pic>
+      <p:pic>
+        <p:nvPicPr>
+          <p:cNvPr id="19" name="Imagen 18" descr="Una captura de pantalla de un celular con texto e imagen&#10;&#10;Descripción generada automáticamente">
+            <a:extLst>
+              <a:ext uri="{FF2B5EF4-FFF2-40B4-BE49-F238E27FC236}">
+                <a16:creationId xmlns:a16="http://schemas.microsoft.com/office/drawing/2014/main" id="{9F51BD7E-672E-4C11-B7F6-CB9B701DD752}"/>
+              </a:ext>
+            </a:extLst>
+          </p:cNvPr>
+          <p:cNvPicPr>
+            <a:picLocks noChangeAspect="1"/>
+          </p:cNvPicPr>
+          <p:nvPr/>
+        </p:nvPicPr>
+        <p:blipFill>
+          <a:blip r:embed="rId4" cstate="print">
+            <a:extLst>
+              <a:ext uri="{28A0092B-C50C-407E-A947-70E740481C1C}">
+                <a14:useLocalDpi xmlns:a14="http://schemas.microsoft.com/office/drawing/2010/main" val="0"/>
+              </a:ext>
+            </a:extLst>
+          </a:blip>
+          <a:stretch>
+            <a:fillRect/>
+          </a:stretch>
+        </p:blipFill>
+        <p:spPr>
+          <a:xfrm>
+            <a:off x="3788042" y="1563636"/>
+            <a:ext cx="1464257" cy="2859783"/>
+          </a:xfrm>
+          <a:prstGeom prst="rect">
+            <a:avLst/>
+          </a:prstGeom>
+        </p:spPr>
+      </p:pic>
+      <p:pic>
+        <p:nvPicPr>
+          <p:cNvPr id="23" name="Imagen 22" descr="Imagen que contiene monitor, tabla, computadora, escritorio&#10;&#10;Descripción generada automáticamente">
+            <a:extLst>
+              <a:ext uri="{FF2B5EF4-FFF2-40B4-BE49-F238E27FC236}">
+                <a16:creationId xmlns:a16="http://schemas.microsoft.com/office/drawing/2014/main" id="{1C87ECA7-4831-43D8-AD05-3B610389196B}"/>
+              </a:ext>
+            </a:extLst>
+          </p:cNvPr>
+          <p:cNvPicPr>
+            <a:picLocks noChangeAspect="1"/>
+          </p:cNvPicPr>
+          <p:nvPr/>
+        </p:nvPicPr>
+        <p:blipFill>
+          <a:blip r:embed="rId5">
+            <a:extLst>
+              <a:ext uri="{28A0092B-C50C-407E-A947-70E740481C1C}">
+                <a14:useLocalDpi xmlns:a14="http://schemas.microsoft.com/office/drawing/2010/main" val="0"/>
+              </a:ext>
+            </a:extLst>
+          </a:blip>
+          <a:stretch>
+            <a:fillRect/>
+          </a:stretch>
+        </p:blipFill>
+        <p:spPr>
+          <a:xfrm>
+            <a:off x="5591215" y="1563636"/>
+            <a:ext cx="1456759" cy="2859784"/>
+          </a:xfrm>
+          <a:prstGeom prst="rect">
+            <a:avLst/>
+          </a:prstGeom>
+        </p:spPr>
+      </p:pic>
+      <p:sp>
+        <p:nvSpPr>
+          <p:cNvPr id="25" name="TextShape 1">
+            <a:extLst>
+              <a:ext uri="{FF2B5EF4-FFF2-40B4-BE49-F238E27FC236}">
+                <a16:creationId xmlns:a16="http://schemas.microsoft.com/office/drawing/2014/main" id="{501959D5-DD76-4AFB-BEA0-18A5D198AC10}"/>
+              </a:ext>
+            </a:extLst>
+          </p:cNvPr>
+          <p:cNvSpPr txBox="1"/>
+          <p:nvPr/>
+        </p:nvSpPr>
+        <p:spPr>
+          <a:xfrm>
+            <a:off x="211451" y="1198876"/>
+            <a:ext cx="1390583" cy="364760"/>
+          </a:xfrm>
+          <a:prstGeom prst="rect">
+            <a:avLst/>
+          </a:prstGeom>
+          <a:noFill/>
+          <a:ln>
+            <a:noFill/>
+          </a:ln>
+        </p:spPr>
+        <p:txBody>
+          <a:bodyPr anchor="ctr">
+            <a:normAutofit/>
+          </a:bodyPr>
+          <a:lstStyle/>
+          <a:p>
+            <a:pPr algn="ctr">
+              <a:lnSpc>
+                <a:spcPct val="100000"/>
+              </a:lnSpc>
+            </a:pPr>
+            <a:r>
+              <a:rPr lang="es-ES" sz="1500" spc="-1" dirty="0">
+                <a:solidFill>
+                  <a:schemeClr val="bg1"/>
+                </a:solidFill>
+                <a:latin typeface="Calibri"/>
+              </a:rPr>
+              <a:t>M</a:t>
+            </a:r>
+            <a:r>
+              <a:rPr lang="en-US" sz="1500" spc="-1" dirty="0" err="1">
+                <a:solidFill>
+                  <a:schemeClr val="bg1"/>
+                </a:solidFill>
+                <a:latin typeface="Calibri"/>
+              </a:rPr>
+              <a:t>enú</a:t>
+            </a:r>
+            <a:endParaRPr lang="en-US" sz="1500" spc="-1" dirty="0">
+              <a:solidFill>
+                <a:schemeClr val="bg1"/>
+              </a:solidFill>
+              <a:latin typeface="Calibri"/>
+            </a:endParaRPr>
+          </a:p>
+        </p:txBody>
+      </p:sp>
+      <p:sp>
+        <p:nvSpPr>
+          <p:cNvPr id="26" name="TextShape 1">
+            <a:extLst>
+              <a:ext uri="{FF2B5EF4-FFF2-40B4-BE49-F238E27FC236}">
+                <a16:creationId xmlns:a16="http://schemas.microsoft.com/office/drawing/2014/main" id="{F8DD4371-4CAF-431F-B906-E406D122F740}"/>
+              </a:ext>
+            </a:extLst>
+          </p:cNvPr>
+          <p:cNvSpPr txBox="1"/>
+          <p:nvPr/>
+        </p:nvSpPr>
+        <p:spPr>
+          <a:xfrm>
+            <a:off x="2019494" y="1198876"/>
+            <a:ext cx="1390583" cy="364760"/>
+          </a:xfrm>
+          <a:prstGeom prst="rect">
+            <a:avLst/>
+          </a:prstGeom>
+          <a:noFill/>
+          <a:ln>
+            <a:noFill/>
+          </a:ln>
+        </p:spPr>
+        <p:txBody>
+          <a:bodyPr anchor="ctr">
+            <a:normAutofit/>
+          </a:bodyPr>
+          <a:lstStyle/>
+          <a:p>
+            <a:pPr algn="ctr">
+              <a:lnSpc>
+                <a:spcPct val="100000"/>
+              </a:lnSpc>
+            </a:pPr>
+            <a:r>
+              <a:rPr lang="es-ES" sz="1500" spc="-1" dirty="0">
+                <a:solidFill>
+                  <a:schemeClr val="bg1"/>
+                </a:solidFill>
+                <a:latin typeface="Calibri"/>
+              </a:rPr>
+              <a:t>Rompecabezas</a:t>
+            </a:r>
+            <a:endParaRPr lang="en-US" sz="1500" spc="-1" dirty="0">
+              <a:solidFill>
+                <a:schemeClr val="bg1"/>
+              </a:solidFill>
+              <a:latin typeface="Calibri"/>
+            </a:endParaRPr>
+          </a:p>
+        </p:txBody>
+      </p:sp>
+      <p:sp>
+        <p:nvSpPr>
+          <p:cNvPr id="27" name="TextShape 1">
+            <a:extLst>
+              <a:ext uri="{FF2B5EF4-FFF2-40B4-BE49-F238E27FC236}">
+                <a16:creationId xmlns:a16="http://schemas.microsoft.com/office/drawing/2014/main" id="{F41526DD-1E3E-48FC-B64B-00721762D26B}"/>
+              </a:ext>
+            </a:extLst>
+          </p:cNvPr>
+          <p:cNvSpPr txBox="1"/>
+          <p:nvPr/>
+        </p:nvSpPr>
+        <p:spPr>
+          <a:xfrm>
+            <a:off x="3824159" y="1198876"/>
+            <a:ext cx="1390583" cy="364760"/>
+          </a:xfrm>
+          <a:prstGeom prst="rect">
+            <a:avLst/>
+          </a:prstGeom>
+          <a:noFill/>
+          <a:ln>
+            <a:noFill/>
+          </a:ln>
+        </p:spPr>
+        <p:txBody>
+          <a:bodyPr anchor="ctr">
+            <a:normAutofit/>
+          </a:bodyPr>
+          <a:lstStyle/>
+          <a:p>
+            <a:pPr algn="ctr">
+              <a:lnSpc>
+                <a:spcPct val="100000"/>
+              </a:lnSpc>
+            </a:pPr>
+            <a:r>
+              <a:rPr lang="es-ES" sz="1500" spc="-1" dirty="0">
+                <a:solidFill>
+                  <a:schemeClr val="bg1"/>
+                </a:solidFill>
+                <a:latin typeface="Calibri"/>
+              </a:rPr>
+              <a:t>Rellenar texto</a:t>
+            </a:r>
+            <a:endParaRPr lang="en-US" sz="1500" spc="-1" dirty="0">
+              <a:solidFill>
+                <a:schemeClr val="bg1"/>
+              </a:solidFill>
+              <a:latin typeface="Calibri"/>
+            </a:endParaRPr>
+          </a:p>
+        </p:txBody>
+      </p:sp>
+      <p:sp>
+        <p:nvSpPr>
+          <p:cNvPr id="28" name="TextShape 1">
+            <a:extLst>
+              <a:ext uri="{FF2B5EF4-FFF2-40B4-BE49-F238E27FC236}">
+                <a16:creationId xmlns:a16="http://schemas.microsoft.com/office/drawing/2014/main" id="{F5F307D7-7620-4D9D-9C8A-397F8BD2622A}"/>
+              </a:ext>
+            </a:extLst>
+          </p:cNvPr>
+          <p:cNvSpPr txBox="1"/>
+          <p:nvPr/>
+        </p:nvSpPr>
+        <p:spPr>
+          <a:xfrm>
+            <a:off x="5624302" y="1198876"/>
+            <a:ext cx="1390583" cy="364760"/>
+          </a:xfrm>
+          <a:prstGeom prst="rect">
+            <a:avLst/>
+          </a:prstGeom>
+          <a:noFill/>
+          <a:ln>
+            <a:noFill/>
+          </a:ln>
+        </p:spPr>
+        <p:txBody>
+          <a:bodyPr anchor="ctr">
+            <a:normAutofit/>
+          </a:bodyPr>
+          <a:lstStyle/>
+          <a:p>
+            <a:pPr algn="ctr">
+              <a:lnSpc>
+                <a:spcPct val="100000"/>
+              </a:lnSpc>
+            </a:pPr>
+            <a:r>
+              <a:rPr lang="es-ES" sz="1500" spc="-1" dirty="0">
+                <a:solidFill>
+                  <a:schemeClr val="bg1"/>
+                </a:solidFill>
+                <a:latin typeface="Calibri"/>
+              </a:rPr>
+              <a:t>Sopa de letras</a:t>
+            </a:r>
+            <a:endParaRPr lang="en-US" sz="1500" spc="-1" dirty="0">
+              <a:solidFill>
+                <a:schemeClr val="bg1"/>
+              </a:solidFill>
+              <a:latin typeface="Calibri"/>
+            </a:endParaRPr>
+          </a:p>
+        </p:txBody>
+      </p:sp>
+    </p:spTree>
+    <p:extLst>
+      <p:ext uri="{BB962C8B-B14F-4D97-AF65-F5344CB8AC3E}">
+        <p14:creationId xmlns:p14="http://schemas.microsoft.com/office/powerpoint/2010/main" val="3344630007"/>
+      </p:ext>
+    </p:extLst>
+  </p:cSld>
+  <p:clrMapOvr>
+    <a:masterClrMapping/>
+  </p:clrMapOvr>
+  <p:timing>
+    <p:tnLst>
+      <p:par>
+        <p:cTn id="1" dur="indefinite" restart="never" nodeType="tmRoot">
+          <p:childTnLst>
+            <p:seq>
+              <p:cTn id="2" dur="indefinite" nodeType="mainSeq"/>
+              <p:prevCondLst>
+                <p:cond evt="onPrev" delay="0">
+                  <p:tgtEl>
+                    <p:sldTgt/>
+                  </p:tgtEl>
+                </p:cond>
+              </p:prevCondLst>
+              <p:nextCondLst>
+                <p:cond evt="onNext" delay="0">
+                  <p:tgtEl>
+                    <p:sldTgt/>
+                  </p:tgtEl>
+                </p:cond>
+              </p:nextCondLst>
+            </p:seq>
+          </p:childTnLst>
+        </p:cTn>
+      </p:par>
+    </p:tnLst>
+  </p:timing>
+</p:sld>
+</file>
+
+<file path=ppt/slides/slide8.xml><?xml version="1.0" encoding="utf-8"?>
+<p:sld xmlns:a="http://schemas.openxmlformats.org/drawingml/2006/main" xmlns:r="http://schemas.openxmlformats.org/officeDocument/2006/relationships" xmlns:p="http://schemas.openxmlformats.org/presentationml/2006/main">
+  <p:cSld>
+    <p:spTree>
+      <p:nvGrpSpPr>
+        <p:cNvPr id="1" name=""/>
+        <p:cNvGrpSpPr/>
+        <p:nvPr/>
+      </p:nvGrpSpPr>
+      <p:grpSpPr>
+        <a:xfrm>
+          <a:off x="0" y="0"/>
+          <a:ext cx="0" cy="0"/>
+          <a:chOff x="0" y="0"/>
+          <a:chExt cx="0" cy="0"/>
+        </a:xfrm>
+      </p:grpSpPr>
+      <p:pic>
+        <p:nvPicPr>
+          <p:cNvPr id="4" name="Imagen 3">
+            <a:extLst>
+              <a:ext uri="{FF2B5EF4-FFF2-40B4-BE49-F238E27FC236}">
+                <a16:creationId xmlns:a16="http://schemas.microsoft.com/office/drawing/2014/main" id="{A1CF9F40-D38E-480E-9CF0-B0D260819436}"/>
+              </a:ext>
+            </a:extLst>
+          </p:cNvPr>
+          <p:cNvPicPr>
+            <a:picLocks noChangeAspect="1"/>
+          </p:cNvPicPr>
+          <p:nvPr/>
+        </p:nvPicPr>
+        <p:blipFill>
+          <a:blip r:embed="rId2"/>
+          <a:stretch>
+            <a:fillRect/>
+          </a:stretch>
+        </p:blipFill>
+        <p:spPr>
+          <a:xfrm>
+            <a:off x="0" y="0"/>
+            <a:ext cx="1248055" cy="5143500"/>
+          </a:xfrm>
+          <a:prstGeom prst="rect">
+            <a:avLst/>
+          </a:prstGeom>
+        </p:spPr>
+      </p:pic>
+      <p:pic>
+        <p:nvPicPr>
+          <p:cNvPr id="10" name="Imagen 9">
+            <a:extLst>
+              <a:ext uri="{FF2B5EF4-FFF2-40B4-BE49-F238E27FC236}">
+                <a16:creationId xmlns:a16="http://schemas.microsoft.com/office/drawing/2014/main" id="{5EEF222D-4A1E-4D61-8645-6FDD5F0ABB86}"/>
+              </a:ext>
+            </a:extLst>
+          </p:cNvPr>
+          <p:cNvPicPr>
+            <a:picLocks noChangeAspect="1"/>
+          </p:cNvPicPr>
+          <p:nvPr/>
+        </p:nvPicPr>
+        <p:blipFill>
+          <a:blip r:embed="rId3"/>
+          <a:stretch>
+            <a:fillRect/>
+          </a:stretch>
+        </p:blipFill>
+        <p:spPr>
+          <a:xfrm>
+            <a:off x="1402265" y="392992"/>
+            <a:ext cx="2799958" cy="771153"/>
+          </a:xfrm>
+          <a:prstGeom prst="rect">
+            <a:avLst/>
+          </a:prstGeom>
+        </p:spPr>
+      </p:pic>
+      <p:pic>
+        <p:nvPicPr>
+          <p:cNvPr id="11" name="Imagen 10">
+            <a:extLst>
+              <a:ext uri="{FF2B5EF4-FFF2-40B4-BE49-F238E27FC236}">
+                <a16:creationId xmlns:a16="http://schemas.microsoft.com/office/drawing/2014/main" id="{9552ABBF-205E-4624-94F3-235F11B27F68}"/>
+              </a:ext>
+            </a:extLst>
+          </p:cNvPr>
+          <p:cNvPicPr>
+            <a:picLocks noChangeAspect="1"/>
+          </p:cNvPicPr>
+          <p:nvPr/>
+        </p:nvPicPr>
+        <p:blipFill>
+          <a:blip r:embed="rId4"/>
+          <a:stretch>
+            <a:fillRect/>
+          </a:stretch>
+        </p:blipFill>
+        <p:spPr>
+          <a:xfrm>
+            <a:off x="2430090" y="1493350"/>
+            <a:ext cx="2832539" cy="1656184"/>
+          </a:xfrm>
+          <a:prstGeom prst="rect">
+            <a:avLst/>
+          </a:prstGeom>
+        </p:spPr>
+      </p:pic>
+      <p:pic>
+        <p:nvPicPr>
+          <p:cNvPr id="12" name="Imagen 11">
+            <a:extLst>
+              <a:ext uri="{FF2B5EF4-FFF2-40B4-BE49-F238E27FC236}">
+                <a16:creationId xmlns:a16="http://schemas.microsoft.com/office/drawing/2014/main" id="{F1288E24-3B5C-43DD-93FE-7F0188801EB3}"/>
+              </a:ext>
+            </a:extLst>
+          </p:cNvPr>
+          <p:cNvPicPr>
+            <a:picLocks noChangeAspect="1"/>
+          </p:cNvPicPr>
+          <p:nvPr/>
+        </p:nvPicPr>
+        <p:blipFill>
+          <a:blip r:embed="rId5"/>
+          <a:stretch>
+            <a:fillRect/>
+          </a:stretch>
+        </p:blipFill>
+        <p:spPr>
+          <a:xfrm>
+            <a:off x="3419872" y="3457310"/>
+            <a:ext cx="2828168" cy="522045"/>
+          </a:xfrm>
+          <a:prstGeom prst="rect">
+            <a:avLst/>
+          </a:prstGeom>
+        </p:spPr>
+      </p:pic>
+      <p:pic>
+        <p:nvPicPr>
+          <p:cNvPr id="13" name="Imagen 12">
+            <a:extLst>
+              <a:ext uri="{FF2B5EF4-FFF2-40B4-BE49-F238E27FC236}">
+                <a16:creationId xmlns:a16="http://schemas.microsoft.com/office/drawing/2014/main" id="{1930CCBD-94EF-44B8-989C-76928DEE755D}"/>
+              </a:ext>
+            </a:extLst>
+          </p:cNvPr>
+          <p:cNvPicPr>
+            <a:picLocks noChangeAspect="1"/>
+          </p:cNvPicPr>
+          <p:nvPr/>
+        </p:nvPicPr>
+        <p:blipFill>
+          <a:blip r:embed="rId6"/>
+          <a:stretch>
+            <a:fillRect/>
+          </a:stretch>
+        </p:blipFill>
+        <p:spPr>
+          <a:xfrm>
+            <a:off x="4283968" y="4299942"/>
+            <a:ext cx="2828168" cy="457128"/>
+          </a:xfrm>
+          <a:prstGeom prst="rect">
+            <a:avLst/>
+          </a:prstGeom>
+        </p:spPr>
+      </p:pic>
+      <p:sp>
+        <p:nvSpPr>
+          <p:cNvPr id="14" name="TextShape 1">
+            <a:extLst>
+              <a:ext uri="{FF2B5EF4-FFF2-40B4-BE49-F238E27FC236}">
+                <a16:creationId xmlns:a16="http://schemas.microsoft.com/office/drawing/2014/main" id="{5484A265-D90E-41A4-9183-4A79A34B8F4F}"/>
+              </a:ext>
+            </a:extLst>
+          </p:cNvPr>
+          <p:cNvSpPr txBox="1"/>
+          <p:nvPr/>
+        </p:nvSpPr>
+        <p:spPr>
+          <a:xfrm>
+            <a:off x="1758128" y="34534"/>
+            <a:ext cx="2088232" cy="364760"/>
+          </a:xfrm>
+          <a:prstGeom prst="rect">
+            <a:avLst/>
+          </a:prstGeom>
+          <a:noFill/>
+          <a:ln>
+            <a:noFill/>
+          </a:ln>
+        </p:spPr>
+        <p:txBody>
+          <a:bodyPr anchor="ctr">
+            <a:normAutofit fontScale="70000" lnSpcReduction="20000"/>
+          </a:bodyPr>
+          <a:lstStyle/>
+          <a:p>
+            <a:pPr algn="ctr">
+              <a:lnSpc>
+                <a:spcPct val="100000"/>
+              </a:lnSpc>
+            </a:pPr>
+            <a:r>
+              <a:rPr lang="es-ES" sz="1500" spc="-1" dirty="0">
+                <a:solidFill>
+                  <a:schemeClr val="bg1"/>
+                </a:solidFill>
+                <a:latin typeface="Calibri"/>
+              </a:rPr>
+              <a:t>Desarrollo de la documentación</a:t>
+            </a:r>
+            <a:endParaRPr lang="en-US" sz="1500" spc="-1" dirty="0">
+              <a:solidFill>
+                <a:schemeClr val="bg1"/>
+              </a:solidFill>
+              <a:latin typeface="Calibri"/>
+            </a:endParaRPr>
+          </a:p>
+        </p:txBody>
+      </p:sp>
+      <p:sp>
+        <p:nvSpPr>
+          <p:cNvPr id="15" name="TextShape 1">
+            <a:extLst>
+              <a:ext uri="{FF2B5EF4-FFF2-40B4-BE49-F238E27FC236}">
+                <a16:creationId xmlns:a16="http://schemas.microsoft.com/office/drawing/2014/main" id="{02C202D7-D8EF-45C4-841A-90CCF1D56959}"/>
+              </a:ext>
+            </a:extLst>
+          </p:cNvPr>
+          <p:cNvSpPr txBox="1"/>
+          <p:nvPr/>
+        </p:nvSpPr>
+        <p:spPr>
+          <a:xfrm>
+            <a:off x="2986216" y="1164145"/>
+            <a:ext cx="1600562" cy="364760"/>
+          </a:xfrm>
+          <a:prstGeom prst="rect">
+            <a:avLst/>
+          </a:prstGeom>
+          <a:noFill/>
+          <a:ln>
+            <a:noFill/>
+          </a:ln>
+        </p:spPr>
+        <p:txBody>
+          <a:bodyPr anchor="ctr">
+            <a:normAutofit fontScale="77500" lnSpcReduction="20000"/>
+          </a:bodyPr>
+          <a:lstStyle/>
+          <a:p>
+            <a:pPr algn="ctr">
+              <a:lnSpc>
+                <a:spcPct val="100000"/>
+              </a:lnSpc>
+            </a:pPr>
+            <a:r>
+              <a:rPr lang="es-ES" sz="1500" spc="-1" dirty="0">
+                <a:solidFill>
+                  <a:schemeClr val="bg1"/>
+                </a:solidFill>
+                <a:latin typeface="Calibri"/>
+              </a:rPr>
+              <a:t>Diseño de las pantallas</a:t>
+            </a:r>
+            <a:endParaRPr lang="en-US" sz="1500" spc="-1" dirty="0">
+              <a:solidFill>
+                <a:schemeClr val="bg1"/>
+              </a:solidFill>
+              <a:latin typeface="Calibri"/>
+            </a:endParaRPr>
+          </a:p>
+        </p:txBody>
+      </p:sp>
+      <p:sp>
+        <p:nvSpPr>
+          <p:cNvPr id="16" name="TextShape 1">
+            <a:extLst>
+              <a:ext uri="{FF2B5EF4-FFF2-40B4-BE49-F238E27FC236}">
+                <a16:creationId xmlns:a16="http://schemas.microsoft.com/office/drawing/2014/main" id="{75F222F4-D921-4B5E-93FE-BE6136C966E5}"/>
+              </a:ext>
+            </a:extLst>
+          </p:cNvPr>
+          <p:cNvSpPr txBox="1"/>
+          <p:nvPr/>
+        </p:nvSpPr>
+        <p:spPr>
+          <a:xfrm>
+            <a:off x="3846359" y="3149534"/>
+            <a:ext cx="1600562" cy="364760"/>
+          </a:xfrm>
+          <a:prstGeom prst="rect">
+            <a:avLst/>
+          </a:prstGeom>
+          <a:noFill/>
+          <a:ln>
+            <a:noFill/>
+          </a:ln>
+        </p:spPr>
+        <p:txBody>
+          <a:bodyPr anchor="ctr">
+            <a:normAutofit/>
+          </a:bodyPr>
+          <a:lstStyle/>
+          <a:p>
+            <a:pPr algn="ctr">
+              <a:lnSpc>
+                <a:spcPct val="100000"/>
+              </a:lnSpc>
+            </a:pPr>
+            <a:r>
+              <a:rPr lang="es-ES" sz="1200" spc="-1" dirty="0">
+                <a:solidFill>
+                  <a:schemeClr val="bg1"/>
+                </a:solidFill>
+                <a:latin typeface="Calibri"/>
+              </a:rPr>
+              <a:t>Programación</a:t>
+            </a:r>
+            <a:endParaRPr lang="en-US" sz="1200" spc="-1" dirty="0">
+              <a:solidFill>
+                <a:schemeClr val="bg1"/>
+              </a:solidFill>
+              <a:latin typeface="Calibri"/>
+            </a:endParaRPr>
+          </a:p>
+        </p:txBody>
+      </p:sp>
+      <p:sp>
+        <p:nvSpPr>
+          <p:cNvPr id="17" name="Rectángulo 16">
+            <a:extLst>
+              <a:ext uri="{FF2B5EF4-FFF2-40B4-BE49-F238E27FC236}">
+                <a16:creationId xmlns:a16="http://schemas.microsoft.com/office/drawing/2014/main" id="{E432E3EF-37E4-445A-8546-E88672DA15BD}"/>
+              </a:ext>
+            </a:extLst>
+          </p:cNvPr>
+          <p:cNvSpPr/>
+          <p:nvPr/>
+        </p:nvSpPr>
+        <p:spPr>
+          <a:xfrm>
+            <a:off x="5201184" y="4022943"/>
+            <a:ext cx="993735" cy="276999"/>
+          </a:xfrm>
+          <a:prstGeom prst="rect">
+            <a:avLst/>
+          </a:prstGeom>
+        </p:spPr>
+        <p:txBody>
+          <a:bodyPr wrap="none">
+            <a:spAutoFit/>
+          </a:bodyPr>
+          <a:lstStyle/>
+          <a:p>
+            <a:pPr algn="ctr">
+              <a:lnSpc>
+                <a:spcPct val="100000"/>
+              </a:lnSpc>
+            </a:pPr>
+            <a:r>
+              <a:rPr lang="es-ES" sz="1200" spc="-1" dirty="0">
+                <a:solidFill>
+                  <a:schemeClr val="bg1"/>
+                </a:solidFill>
+                <a:latin typeface="Calibri"/>
+              </a:rPr>
+              <a:t>Presentación</a:t>
+            </a:r>
+            <a:endParaRPr lang="en-US" sz="1200" spc="-1" dirty="0">
+              <a:solidFill>
+                <a:schemeClr val="bg1"/>
+              </a:solidFill>
+              <a:latin typeface="Calibri"/>
+            </a:endParaRPr>
+          </a:p>
+        </p:txBody>
+      </p:sp>
+    </p:spTree>
+    <p:extLst>
+      <p:ext uri="{BB962C8B-B14F-4D97-AF65-F5344CB8AC3E}">
+        <p14:creationId xmlns:p14="http://schemas.microsoft.com/office/powerpoint/2010/main" val="1086037107"/>
+      </p:ext>
+    </p:extLst>
+  </p:cSld>
+  <p:clrMapOvr>
+    <a:masterClrMapping/>
+  </p:clrMapOvr>
+  <p:timing>
+    <p:tnLst>
+      <p:par>
+        <p:cTn id="1" dur="indefinite" restart="never" nodeType="tmRoot">
+          <p:childTnLst>
+            <p:seq>
+              <p:cTn id="2" dur="indefinite" nodeType="mainSeq"/>
+              <p:prevCondLst>
+                <p:cond evt="onPrev" delay="0">
+                  <p:tgtEl>
+                    <p:sldTgt/>
+                  </p:tgtEl>
+                </p:cond>
+              </p:prevCondLst>
+              <p:nextCondLst>
+                <p:cond evt="onNext" delay="0">
+                  <p:tgtEl>
+                    <p:sldTgt/>
+                  </p:tgtEl>
+                </p:cond>
+              </p:nextCondLst>
+            </p:seq>
+          </p:childTnLst>
+        </p:cTn>
+      </p:par>
+    </p:tnLst>
+  </p:timing>
+</p:sld>
+</file>
+
+<file path=ppt/slides/slide9.xml><?xml version="1.0" encoding="utf-8"?>
+<p:sld xmlns:a="http://schemas.openxmlformats.org/drawingml/2006/main" xmlns:r="http://schemas.openxmlformats.org/officeDocument/2006/relationships" xmlns:p="http://schemas.openxmlformats.org/presentationml/2006/main">
+  <p:cSld>
+    <p:spTree>
+      <p:nvGrpSpPr>
+        <p:cNvPr id="1" name=""/>
+        <p:cNvGrpSpPr/>
+        <p:nvPr/>
+      </p:nvGrpSpPr>
+      <p:grpSpPr>
+        <a:xfrm>
+          <a:off x="0" y="0"/>
+          <a:ext cx="0" cy="0"/>
+          <a:chOff x="0" y="0"/>
+          <a:chExt cx="0" cy="0"/>
+        </a:xfrm>
+      </p:grpSpPr>
+      <p:pic>
+        <p:nvPicPr>
+          <p:cNvPr id="5" name="Imagen 4">
+            <a:extLst>
+              <a:ext uri="{FF2B5EF4-FFF2-40B4-BE49-F238E27FC236}">
+                <a16:creationId xmlns:a16="http://schemas.microsoft.com/office/drawing/2014/main" id="{C1B168BC-46F8-4524-80F5-E50EE32C4E1F}"/>
+              </a:ext>
+            </a:extLst>
+          </p:cNvPr>
+          <p:cNvPicPr>
+            <a:picLocks noChangeAspect="1"/>
+          </p:cNvPicPr>
+          <p:nvPr/>
+        </p:nvPicPr>
+        <p:blipFill>
+          <a:blip r:embed="rId2"/>
+          <a:stretch>
+            <a:fillRect/>
+          </a:stretch>
+        </p:blipFill>
+        <p:spPr>
+          <a:xfrm>
+            <a:off x="0" y="0"/>
+            <a:ext cx="1246528" cy="5143500"/>
+          </a:xfrm>
+          <a:prstGeom prst="rect">
+            <a:avLst/>
+          </a:prstGeom>
+        </p:spPr>
+      </p:pic>
+      <p:pic>
+        <p:nvPicPr>
+          <p:cNvPr id="6" name="Imagen 5">
+            <a:extLst>
+              <a:ext uri="{FF2B5EF4-FFF2-40B4-BE49-F238E27FC236}">
+                <a16:creationId xmlns:a16="http://schemas.microsoft.com/office/drawing/2014/main" id="{03105398-FB47-4B96-BFC6-1681270C1470}"/>
+              </a:ext>
+            </a:extLst>
+          </p:cNvPr>
+          <p:cNvPicPr>
+            <a:picLocks noChangeAspect="1"/>
+          </p:cNvPicPr>
+          <p:nvPr/>
+        </p:nvPicPr>
+        <p:blipFill>
+          <a:blip r:embed="rId3"/>
+          <a:stretch>
+            <a:fillRect/>
+          </a:stretch>
+        </p:blipFill>
+        <p:spPr>
+          <a:xfrm>
+            <a:off x="1907704" y="267494"/>
+            <a:ext cx="4752528" cy="2514879"/>
+          </a:xfrm>
+          <a:prstGeom prst="rect">
+            <a:avLst/>
+          </a:prstGeom>
+        </p:spPr>
+      </p:pic>
+      <p:sp>
+        <p:nvSpPr>
+          <p:cNvPr id="7" name="TextShape 3">
+            <a:extLst>
+              <a:ext uri="{FF2B5EF4-FFF2-40B4-BE49-F238E27FC236}">
+                <a16:creationId xmlns:a16="http://schemas.microsoft.com/office/drawing/2014/main" id="{EBEA7A72-740E-4E88-9B03-39D23884FC99}"/>
+              </a:ext>
+            </a:extLst>
+          </p:cNvPr>
+          <p:cNvSpPr txBox="1"/>
+          <p:nvPr/>
+        </p:nvSpPr>
+        <p:spPr>
+          <a:xfrm>
+            <a:off x="1331640" y="2931790"/>
+            <a:ext cx="2389368" cy="2036281"/>
+          </a:xfrm>
+          <a:prstGeom prst="rect">
+            <a:avLst/>
+          </a:prstGeom>
+          <a:noFill/>
+          <a:ln>
+            <a:noFill/>
+          </a:ln>
+        </p:spPr>
+        <p:txBody>
+          <a:bodyPr/>
+          <a:lstStyle/>
+          <a:p>
+            <a:pPr marL="342900" indent="-342900">
+              <a:spcBef>
+                <a:spcPts val="479"/>
+              </a:spcBef>
+              <a:buFont typeface="Wingdings" panose="05000000000000000000" pitchFamily="2" charset="2"/>
+              <a:buChar char="v"/>
+            </a:pPr>
+            <a:r>
+              <a:rPr lang="en-US" spc="-1" dirty="0" err="1">
+                <a:solidFill>
+                  <a:srgbClr val="FFFFFF"/>
+                </a:solidFill>
+                <a:latin typeface="Calibri"/>
+              </a:rPr>
+              <a:t>Programación</a:t>
+            </a:r>
+            <a:endParaRPr lang="en-US" spc="-1" dirty="0">
+              <a:solidFill>
+                <a:srgbClr val="FFFFFF"/>
+              </a:solidFill>
+              <a:latin typeface="Calibri"/>
+            </a:endParaRPr>
+          </a:p>
+          <a:p>
+            <a:pPr marL="342900" indent="-342900">
+              <a:lnSpc>
+                <a:spcPct val="100000"/>
+              </a:lnSpc>
+              <a:spcBef>
+                <a:spcPts val="479"/>
+              </a:spcBef>
+              <a:buFont typeface="Wingdings" panose="05000000000000000000" pitchFamily="2" charset="2"/>
+              <a:buChar char="v"/>
+            </a:pPr>
+            <a:r>
+              <a:rPr lang="en-US" spc="-1" dirty="0" err="1">
+                <a:solidFill>
+                  <a:srgbClr val="FFFFFF"/>
+                </a:solidFill>
+                <a:latin typeface="Calibri"/>
+              </a:rPr>
+              <a:t>Dudas</a:t>
+            </a:r>
+            <a:endParaRPr lang="en-US" spc="-1" dirty="0">
+              <a:solidFill>
+                <a:srgbClr val="FFFFFF"/>
+              </a:solidFill>
+              <a:latin typeface="Calibri"/>
+            </a:endParaRPr>
+          </a:p>
+          <a:p>
+            <a:pPr marL="342900" indent="-342900">
+              <a:spcBef>
+                <a:spcPts val="479"/>
+              </a:spcBef>
+              <a:buFont typeface="Wingdings" panose="05000000000000000000" pitchFamily="2" charset="2"/>
+              <a:buChar char="v"/>
+            </a:pPr>
+            <a:r>
+              <a:rPr lang="en-US" spc="-1" dirty="0" err="1">
+                <a:solidFill>
+                  <a:srgbClr val="FFFFFF"/>
+                </a:solidFill>
+                <a:latin typeface="Calibri"/>
+              </a:rPr>
+              <a:t>Problemas</a:t>
+            </a:r>
+            <a:endParaRPr lang="en-US" b="0" strike="noStrike" spc="-1" dirty="0">
+              <a:solidFill>
+                <a:srgbClr val="000000"/>
+              </a:solidFill>
+              <a:latin typeface="Calibri"/>
+            </a:endParaRPr>
+          </a:p>
+          <a:p>
+            <a:pPr marL="342900" indent="-342900">
+              <a:lnSpc>
+                <a:spcPct val="100000"/>
+              </a:lnSpc>
+              <a:spcBef>
+                <a:spcPts val="479"/>
+              </a:spcBef>
+              <a:buFont typeface="Wingdings" panose="05000000000000000000" pitchFamily="2" charset="2"/>
+              <a:buChar char="v"/>
+            </a:pPr>
+            <a:r>
+              <a:rPr lang="en-US" b="0" strike="noStrike" spc="-1" dirty="0" err="1">
+                <a:solidFill>
+                  <a:srgbClr val="FFFFFF"/>
+                </a:solidFill>
+                <a:latin typeface="Calibri"/>
+              </a:rPr>
+              <a:t>Soluciones</a:t>
+            </a:r>
+            <a:endParaRPr lang="en-US" b="0" strike="noStrike" spc="-1" dirty="0">
+              <a:solidFill>
+                <a:srgbClr val="000000"/>
+              </a:solidFill>
+              <a:latin typeface="Calibri"/>
+            </a:endParaRPr>
+          </a:p>
+          <a:p>
+            <a:pPr marL="342900" indent="-342900">
+              <a:lnSpc>
+                <a:spcPct val="100000"/>
+              </a:lnSpc>
+              <a:spcBef>
+                <a:spcPts val="479"/>
+              </a:spcBef>
+              <a:buFont typeface="Wingdings" panose="05000000000000000000" pitchFamily="2" charset="2"/>
+              <a:buChar char="v"/>
+            </a:pPr>
+            <a:r>
+              <a:rPr lang="en-US" b="0" strike="noStrike" spc="-1" dirty="0" err="1">
+                <a:solidFill>
+                  <a:srgbClr val="FFFFFF"/>
+                </a:solidFill>
+                <a:latin typeface="Calibri"/>
+              </a:rPr>
+              <a:t>Retos</a:t>
+            </a:r>
+            <a:endParaRPr lang="en-US" b="0" strike="noStrike" spc="-1" dirty="0">
+              <a:solidFill>
+                <a:srgbClr val="000000"/>
+              </a:solidFill>
+              <a:latin typeface="Calibri"/>
+            </a:endParaRPr>
+          </a:p>
+          <a:p>
+            <a:pPr marL="342900" indent="-342900">
+              <a:spcBef>
+                <a:spcPts val="479"/>
+              </a:spcBef>
+              <a:buFont typeface="Wingdings" panose="05000000000000000000" pitchFamily="2" charset="2"/>
+              <a:buChar char="v"/>
+            </a:pPr>
+            <a:r>
+              <a:rPr lang="en-US" spc="-1" dirty="0" err="1">
+                <a:solidFill>
+                  <a:srgbClr val="FFFFFF"/>
+                </a:solidFill>
+                <a:latin typeface="Calibri"/>
+              </a:rPr>
+              <a:t>Documentación</a:t>
+            </a:r>
+            <a:endParaRPr lang="en-US" spc="-1" dirty="0">
+              <a:solidFill>
+                <a:srgbClr val="FFFFFF"/>
+              </a:solidFill>
+              <a:latin typeface="Calibri"/>
+            </a:endParaRPr>
+          </a:p>
+          <a:p>
+            <a:pPr marL="342900" indent="-342900">
+              <a:spcBef>
+                <a:spcPts val="479"/>
+              </a:spcBef>
+              <a:buFont typeface="Arial" pitchFamily="34" charset="0"/>
+              <a:buChar char="•"/>
+            </a:pPr>
+            <a:endParaRPr lang="en-US" sz="2400" spc="-1" dirty="0">
+              <a:solidFill>
+                <a:srgbClr val="000000"/>
+              </a:solidFill>
+              <a:latin typeface="Calibri"/>
+            </a:endParaRPr>
+          </a:p>
+          <a:p>
+            <a:pPr marL="342900" indent="-342900">
+              <a:lnSpc>
+                <a:spcPct val="100000"/>
+              </a:lnSpc>
+              <a:spcBef>
+                <a:spcPts val="479"/>
+              </a:spcBef>
+              <a:buFont typeface="Arial" pitchFamily="34" charset="0"/>
+              <a:buChar char="•"/>
+            </a:pPr>
+            <a:endParaRPr lang="en-US" sz="2400" spc="-1" dirty="0">
+              <a:solidFill>
+                <a:srgbClr val="FFFFFF"/>
+              </a:solidFill>
+              <a:latin typeface="Calibri"/>
+            </a:endParaRPr>
+          </a:p>
+          <a:p>
+            <a:pPr marL="342900" indent="-342900">
+              <a:lnSpc>
+                <a:spcPct val="100000"/>
+              </a:lnSpc>
+              <a:spcBef>
+                <a:spcPts val="479"/>
+              </a:spcBef>
+              <a:buFont typeface="Arial" pitchFamily="34" charset="0"/>
+              <a:buChar char="•"/>
+            </a:pPr>
+            <a:endParaRPr lang="en-US" sz="2400" b="0" strike="noStrike" spc="-1" dirty="0">
+              <a:solidFill>
+                <a:srgbClr val="000000"/>
+              </a:solidFill>
+              <a:latin typeface="Calibri"/>
+            </a:endParaRPr>
+          </a:p>
+        </p:txBody>
+      </p:sp>
+    </p:spTree>
+    <p:extLst>
+      <p:ext uri="{BB962C8B-B14F-4D97-AF65-F5344CB8AC3E}">
+        <p14:creationId xmlns:p14="http://schemas.microsoft.com/office/powerpoint/2010/main" val="3861013028"/>
+      </p:ext>
+    </p:extLst>
   </p:cSld>
   <p:clrMapOvr>
     <a:masterClrMapping/>

--- a/DidaktikApp.pptx
+++ b/DidaktikApp.pptx
@@ -11,16 +11,17 @@
   <p:sldIdLst>
     <p:sldId id="256" r:id="rId6"/>
     <p:sldId id="257" r:id="rId7"/>
-    <p:sldId id="258" r:id="rId8"/>
-    <p:sldId id="262" r:id="rId9"/>
-    <p:sldId id="263" r:id="rId10"/>
-    <p:sldId id="264" r:id="rId11"/>
-    <p:sldId id="267" r:id="rId12"/>
-    <p:sldId id="265" r:id="rId13"/>
-    <p:sldId id="266" r:id="rId14"/>
-    <p:sldId id="259" r:id="rId15"/>
-    <p:sldId id="261" r:id="rId16"/>
-    <p:sldId id="260" r:id="rId17"/>
+    <p:sldId id="268" r:id="rId8"/>
+    <p:sldId id="258" r:id="rId9"/>
+    <p:sldId id="262" r:id="rId10"/>
+    <p:sldId id="263" r:id="rId11"/>
+    <p:sldId id="264" r:id="rId12"/>
+    <p:sldId id="267" r:id="rId13"/>
+    <p:sldId id="265" r:id="rId14"/>
+    <p:sldId id="266" r:id="rId15"/>
+    <p:sldId id="259" r:id="rId16"/>
+    <p:sldId id="261" r:id="rId17"/>
+    <p:sldId id="260" r:id="rId18"/>
   </p:sldIdLst>
   <p:sldSz cx="9144000" cy="5143500" type="screen16x9"/>
   <p:notesSz cx="7559675" cy="10691813"/>
@@ -10010,62 +10011,82 @@
           <a:chExt cx="0" cy="0"/>
         </a:xfrm>
       </p:grpSpPr>
-      <p:sp>
-        <p:nvSpPr>
-          <p:cNvPr id="215" name="TextShape 1"/>
+      <p:pic>
+        <p:nvPicPr>
+          <p:cNvPr id="5" name="Imagen 4">
+            <a:extLst>
+              <a:ext uri="{FF2B5EF4-FFF2-40B4-BE49-F238E27FC236}">
+                <a16:creationId xmlns:a16="http://schemas.microsoft.com/office/drawing/2014/main" id="{C1B168BC-46F8-4524-80F5-E50EE32C4E1F}"/>
+              </a:ext>
+            </a:extLst>
+          </p:cNvPr>
+          <p:cNvPicPr>
+            <a:picLocks noChangeAspect="1"/>
+          </p:cNvPicPr>
+          <p:nvPr/>
+        </p:nvPicPr>
+        <p:blipFill>
+          <a:blip r:embed="rId2"/>
+          <a:stretch>
+            <a:fillRect/>
+          </a:stretch>
+        </p:blipFill>
+        <p:spPr>
+          <a:xfrm>
+            <a:off x="0" y="0"/>
+            <a:ext cx="1246528" cy="5143500"/>
+          </a:xfrm>
+          <a:prstGeom prst="rect">
+            <a:avLst/>
+          </a:prstGeom>
+        </p:spPr>
+      </p:pic>
+      <p:pic>
+        <p:nvPicPr>
+          <p:cNvPr id="6" name="Imagen 5">
+            <a:extLst>
+              <a:ext uri="{FF2B5EF4-FFF2-40B4-BE49-F238E27FC236}">
+                <a16:creationId xmlns:a16="http://schemas.microsoft.com/office/drawing/2014/main" id="{03105398-FB47-4B96-BFC6-1681270C1470}"/>
+              </a:ext>
+            </a:extLst>
+          </p:cNvPr>
+          <p:cNvPicPr>
+            <a:picLocks noChangeAspect="1"/>
+          </p:cNvPicPr>
+          <p:nvPr/>
+        </p:nvPicPr>
+        <p:blipFill>
+          <a:blip r:embed="rId3"/>
+          <a:stretch>
+            <a:fillRect/>
+          </a:stretch>
+        </p:blipFill>
+        <p:spPr>
+          <a:xfrm>
+            <a:off x="1907704" y="267494"/>
+            <a:ext cx="4752528" cy="2514879"/>
+          </a:xfrm>
+          <a:prstGeom prst="rect">
+            <a:avLst/>
+          </a:prstGeom>
+        </p:spPr>
+      </p:pic>
+      <p:sp>
+        <p:nvSpPr>
+          <p:cNvPr id="7" name="TextShape 3">
+            <a:extLst>
+              <a:ext uri="{FF2B5EF4-FFF2-40B4-BE49-F238E27FC236}">
+                <a16:creationId xmlns:a16="http://schemas.microsoft.com/office/drawing/2014/main" id="{EBEA7A72-740E-4E88-9B03-39D23884FC99}"/>
+              </a:ext>
+            </a:extLst>
+          </p:cNvPr>
           <p:cNvSpPr txBox="1"/>
           <p:nvPr/>
         </p:nvSpPr>
         <p:spPr>
           <a:xfrm>
-            <a:off x="3031300" y="864740"/>
-            <a:ext cx="2664296" cy="763200"/>
-          </a:xfrm>
-          <a:prstGeom prst="rect">
-            <a:avLst/>
-          </a:prstGeom>
-          <a:noFill/>
-          <a:ln>
-            <a:noFill/>
-          </a:ln>
-        </p:spPr>
-        <p:txBody>
-          <a:bodyPr anchor="ctr"/>
-          <a:lstStyle/>
-          <a:p>
-            <a:pPr algn="ctr">
-              <a:lnSpc>
-                <a:spcPct val="100000"/>
-              </a:lnSpc>
-            </a:pPr>
-            <a:r>
-              <a:rPr lang="en-US" sz="3600" b="0" strike="noStrike" spc="-1" dirty="0">
-                <a:solidFill>
-                  <a:srgbClr val="FFC000"/>
-                </a:solidFill>
-                <a:latin typeface="Calibri"/>
-              </a:rPr>
-              <a:t>DidaktikAPP</a:t>
-            </a:r>
-            <a:endParaRPr lang="en-US" sz="3600" b="0" strike="noStrike" spc="-1" dirty="0">
-              <a:solidFill>
-                <a:srgbClr val="000000"/>
-              </a:solidFill>
-              <a:latin typeface="Calibri"/>
-            </a:endParaRPr>
-          </a:p>
-        </p:txBody>
-      </p:sp>
-      <p:sp>
-        <p:nvSpPr>
-          <p:cNvPr id="5" name="TextShape 3"/>
-          <p:cNvSpPr txBox="1"/>
-          <p:nvPr/>
-        </p:nvSpPr>
-        <p:spPr>
-          <a:xfrm>
-            <a:off x="2552040" y="1707653"/>
-            <a:ext cx="3244096" cy="2900378"/>
+            <a:off x="1331640" y="2931790"/>
+            <a:ext cx="2389368" cy="2036281"/>
           </a:xfrm>
           <a:prstGeom prst="rect">
             <a:avLst/>
@@ -10084,17 +10105,23 @@
                 <a:spcPts val="479"/>
               </a:spcBef>
               <a:buFont typeface="Wingdings" panose="05000000000000000000" pitchFamily="2" charset="2"/>
-              <a:buChar char="ü"/>
+              <a:buChar char="v"/>
             </a:pPr>
             <a:r>
-              <a:rPr lang="en-US" sz="2400" spc="-1" dirty="0">
+              <a:rPr lang="en-US" spc="-1" dirty="0" err="1">
                 <a:solidFill>
                   <a:srgbClr val="FFFFFF"/>
                 </a:solidFill>
                 <a:latin typeface="Calibri"/>
               </a:rPr>
-              <a:t>Ligera</a:t>
+              <a:t>Programación</a:t>
             </a:r>
+            <a:endParaRPr lang="en-US" spc="-1" dirty="0">
+              <a:solidFill>
+                <a:srgbClr val="FFFFFF"/>
+              </a:solidFill>
+              <a:latin typeface="Calibri"/>
+            </a:endParaRPr>
           </a:p>
           <a:p>
             <a:pPr marL="342900" indent="-342900">
@@ -10105,17 +10132,23 @@
                 <a:spcPts val="479"/>
               </a:spcBef>
               <a:buFont typeface="Wingdings" panose="05000000000000000000" pitchFamily="2" charset="2"/>
-              <a:buChar char="ü"/>
+              <a:buChar char="v"/>
             </a:pPr>
             <a:r>
-              <a:rPr lang="en-US" sz="2400" spc="-1" dirty="0">
+              <a:rPr lang="en-US" spc="-1" dirty="0" err="1">
                 <a:solidFill>
                   <a:srgbClr val="FFFFFF"/>
                 </a:solidFill>
                 <a:latin typeface="Calibri"/>
               </a:rPr>
-              <a:t>Gratis</a:t>
+              <a:t>Dudas</a:t>
             </a:r>
+            <a:endParaRPr lang="en-US" spc="-1" dirty="0">
+              <a:solidFill>
+                <a:srgbClr val="FFFFFF"/>
+              </a:solidFill>
+              <a:latin typeface="Calibri"/>
+            </a:endParaRPr>
           </a:p>
           <a:p>
             <a:pPr marL="342900" indent="-342900">
@@ -10123,18 +10156,18 @@
                 <a:spcPts val="479"/>
               </a:spcBef>
               <a:buFont typeface="Wingdings" panose="05000000000000000000" pitchFamily="2" charset="2"/>
-              <a:buChar char="ü"/>
+              <a:buChar char="v"/>
             </a:pPr>
             <a:r>
-              <a:rPr lang="en-US" sz="2400" spc="-1" dirty="0">
+              <a:rPr lang="en-US" spc="-1" dirty="0" err="1">
                 <a:solidFill>
                   <a:srgbClr val="FFFFFF"/>
                 </a:solidFill>
                 <a:latin typeface="Calibri"/>
               </a:rPr>
-              <a:t>Intuitiva</a:t>
+              <a:t>Problemas</a:t>
             </a:r>
-            <a:endParaRPr lang="en-US" sz="2400" b="0" strike="noStrike" spc="-1" dirty="0">
+            <a:endParaRPr lang="en-US" b="0" strike="noStrike" spc="-1" dirty="0">
               <a:solidFill>
                 <a:srgbClr val="000000"/>
               </a:solidFill>
@@ -10150,18 +10183,18 @@
                 <a:spcPts val="479"/>
               </a:spcBef>
               <a:buFont typeface="Wingdings" panose="05000000000000000000" pitchFamily="2" charset="2"/>
-              <a:buChar char="ü"/>
+              <a:buChar char="v"/>
             </a:pPr>
             <a:r>
-              <a:rPr lang="en-US" sz="2400" spc="-1" dirty="0">
+              <a:rPr lang="en-US" b="0" strike="noStrike" spc="-1" dirty="0" err="1">
                 <a:solidFill>
                   <a:srgbClr val="FFFFFF"/>
                 </a:solidFill>
                 <a:latin typeface="Calibri"/>
               </a:rPr>
-              <a:t>Didáctica</a:t>
+              <a:t>Soluciones</a:t>
             </a:r>
-            <a:endParaRPr lang="en-US" sz="2400" b="0" strike="noStrike" spc="-1" dirty="0">
+            <a:endParaRPr lang="en-US" b="0" strike="noStrike" spc="-1" dirty="0">
               <a:solidFill>
                 <a:srgbClr val="000000"/>
               </a:solidFill>
@@ -10177,18 +10210,18 @@
                 <a:spcPts val="479"/>
               </a:spcBef>
               <a:buFont typeface="Wingdings" panose="05000000000000000000" pitchFamily="2" charset="2"/>
-              <a:buChar char="ü"/>
+              <a:buChar char="v"/>
             </a:pPr>
             <a:r>
-              <a:rPr lang="en-US" sz="2400" b="0" strike="noStrike" spc="-1" dirty="0">
+              <a:rPr lang="en-US" b="0" strike="noStrike" spc="-1" dirty="0" err="1">
                 <a:solidFill>
                   <a:srgbClr val="FFFFFF"/>
                 </a:solidFill>
                 <a:latin typeface="Calibri"/>
               </a:rPr>
-              <a:t>Dinámica</a:t>
+              <a:t>Retos</a:t>
             </a:r>
-            <a:endParaRPr lang="en-US" sz="2400" b="0" strike="noStrike" spc="-1" dirty="0">
+            <a:endParaRPr lang="en-US" b="0" strike="noStrike" spc="-1" dirty="0">
               <a:solidFill>
                 <a:srgbClr val="000000"/>
               </a:solidFill>
@@ -10201,17 +10234,23 @@
                 <a:spcPts val="479"/>
               </a:spcBef>
               <a:buFont typeface="Wingdings" panose="05000000000000000000" pitchFamily="2" charset="2"/>
-              <a:buChar char="ü"/>
+              <a:buChar char="v"/>
             </a:pPr>
             <a:r>
-              <a:rPr lang="en-US" sz="2400" spc="-1" dirty="0">
+              <a:rPr lang="en-US" spc="-1" dirty="0" err="1">
                 <a:solidFill>
                   <a:srgbClr val="FFFFFF"/>
                 </a:solidFill>
                 <a:latin typeface="Calibri"/>
               </a:rPr>
-              <a:t>Sin publicidad</a:t>
+              <a:t>Documentación</a:t>
             </a:r>
+            <a:endParaRPr lang="en-US" spc="-1" dirty="0">
+              <a:solidFill>
+                <a:srgbClr val="FFFFFF"/>
+              </a:solidFill>
+              <a:latin typeface="Calibri"/>
+            </a:endParaRPr>
           </a:p>
           <a:p>
             <a:pPr marL="342900" indent="-342900">
@@ -10266,43 +10305,12 @@
           </a:p>
         </p:txBody>
       </p:sp>
-      <p:pic>
-        <p:nvPicPr>
-          <p:cNvPr id="3" name="Imagen 2" descr="Imagen que contiene monitor, electrónica, pantalla, computadora&#10;&#10;Descripción generada automáticamente">
-            <a:extLst>
-              <a:ext uri="{FF2B5EF4-FFF2-40B4-BE49-F238E27FC236}">
-                <a16:creationId xmlns:a16="http://schemas.microsoft.com/office/drawing/2014/main" id="{561E5116-6015-497A-8D22-629799951CD5}"/>
-              </a:ext>
-            </a:extLst>
-          </p:cNvPr>
-          <p:cNvPicPr>
-            <a:picLocks noChangeAspect="1"/>
-          </p:cNvPicPr>
-          <p:nvPr/>
-        </p:nvPicPr>
-        <p:blipFill>
-          <a:blip r:embed="rId2" cstate="print">
-            <a:extLst>
-              <a:ext uri="{28A0092B-C50C-407E-A947-70E740481C1C}">
-                <a14:useLocalDpi xmlns:a14="http://schemas.microsoft.com/office/drawing/2010/main" val="0"/>
-              </a:ext>
-            </a:extLst>
-          </a:blip>
-          <a:stretch>
-            <a:fillRect/>
-          </a:stretch>
-        </p:blipFill>
-        <p:spPr>
-          <a:xfrm>
-            <a:off x="5796136" y="1469211"/>
-            <a:ext cx="1634675" cy="3377263"/>
-          </a:xfrm>
-          <a:prstGeom prst="rect">
-            <a:avLst/>
-          </a:prstGeom>
-        </p:spPr>
-      </p:pic>
     </p:spTree>
+    <p:extLst>
+      <p:ext uri="{BB962C8B-B14F-4D97-AF65-F5344CB8AC3E}">
+        <p14:creationId xmlns:p14="http://schemas.microsoft.com/office/powerpoint/2010/main" val="3861013028"/>
+      </p:ext>
+    </p:extLst>
   </p:cSld>
   <p:clrMapOvr>
     <a:masterClrMapping/>
@@ -10354,12 +10362,268 @@
           <a:chExt cx="0" cy="0"/>
         </a:xfrm>
       </p:grpSpPr>
+      <p:sp>
+        <p:nvSpPr>
+          <p:cNvPr id="215" name="TextShape 1"/>
+          <p:cNvSpPr txBox="1"/>
+          <p:nvPr/>
+        </p:nvSpPr>
+        <p:spPr>
+          <a:xfrm>
+            <a:off x="3031300" y="864740"/>
+            <a:ext cx="2664296" cy="763200"/>
+          </a:xfrm>
+          <a:prstGeom prst="rect">
+            <a:avLst/>
+          </a:prstGeom>
+          <a:noFill/>
+          <a:ln>
+            <a:noFill/>
+          </a:ln>
+        </p:spPr>
+        <p:txBody>
+          <a:bodyPr anchor="ctr"/>
+          <a:lstStyle/>
+          <a:p>
+            <a:pPr algn="ctr">
+              <a:lnSpc>
+                <a:spcPct val="100000"/>
+              </a:lnSpc>
+            </a:pPr>
+            <a:r>
+              <a:rPr lang="en-US" sz="3600" b="0" strike="noStrike" spc="-1" dirty="0">
+                <a:solidFill>
+                  <a:srgbClr val="FFC000"/>
+                </a:solidFill>
+                <a:latin typeface="Calibri"/>
+              </a:rPr>
+              <a:t>DidaktikAPP</a:t>
+            </a:r>
+            <a:endParaRPr lang="en-US" sz="3600" b="0" strike="noStrike" spc="-1" dirty="0">
+              <a:solidFill>
+                <a:srgbClr val="000000"/>
+              </a:solidFill>
+              <a:latin typeface="Calibri"/>
+            </a:endParaRPr>
+          </a:p>
+        </p:txBody>
+      </p:sp>
+      <p:sp>
+        <p:nvSpPr>
+          <p:cNvPr id="5" name="TextShape 3"/>
+          <p:cNvSpPr txBox="1"/>
+          <p:nvPr/>
+        </p:nvSpPr>
+        <p:spPr>
+          <a:xfrm>
+            <a:off x="2552040" y="1707653"/>
+            <a:ext cx="3244096" cy="2900378"/>
+          </a:xfrm>
+          <a:prstGeom prst="rect">
+            <a:avLst/>
+          </a:prstGeom>
+          <a:noFill/>
+          <a:ln>
+            <a:noFill/>
+          </a:ln>
+        </p:spPr>
+        <p:txBody>
+          <a:bodyPr/>
+          <a:lstStyle/>
+          <a:p>
+            <a:pPr marL="342900" indent="-342900">
+              <a:spcBef>
+                <a:spcPts val="479"/>
+              </a:spcBef>
+              <a:buFont typeface="Wingdings" panose="05000000000000000000" pitchFamily="2" charset="2"/>
+              <a:buChar char="ü"/>
+            </a:pPr>
+            <a:r>
+              <a:rPr lang="en-US" sz="2400" spc="-1" dirty="0">
+                <a:solidFill>
+                  <a:srgbClr val="FFFFFF"/>
+                </a:solidFill>
+                <a:latin typeface="Calibri"/>
+              </a:rPr>
+              <a:t>Ligera</a:t>
+            </a:r>
+          </a:p>
+          <a:p>
+            <a:pPr marL="342900" indent="-342900">
+              <a:lnSpc>
+                <a:spcPct val="100000"/>
+              </a:lnSpc>
+              <a:spcBef>
+                <a:spcPts val="479"/>
+              </a:spcBef>
+              <a:buFont typeface="Wingdings" panose="05000000000000000000" pitchFamily="2" charset="2"/>
+              <a:buChar char="ü"/>
+            </a:pPr>
+            <a:r>
+              <a:rPr lang="en-US" sz="2400" spc="-1" dirty="0">
+                <a:solidFill>
+                  <a:srgbClr val="FFFFFF"/>
+                </a:solidFill>
+                <a:latin typeface="Calibri"/>
+              </a:rPr>
+              <a:t>Gratis</a:t>
+            </a:r>
+          </a:p>
+          <a:p>
+            <a:pPr marL="342900" indent="-342900">
+              <a:spcBef>
+                <a:spcPts val="479"/>
+              </a:spcBef>
+              <a:buFont typeface="Wingdings" panose="05000000000000000000" pitchFamily="2" charset="2"/>
+              <a:buChar char="ü"/>
+            </a:pPr>
+            <a:r>
+              <a:rPr lang="en-US" sz="2400" spc="-1" dirty="0">
+                <a:solidFill>
+                  <a:srgbClr val="FFFFFF"/>
+                </a:solidFill>
+                <a:latin typeface="Calibri"/>
+              </a:rPr>
+              <a:t>Intuitiva</a:t>
+            </a:r>
+            <a:endParaRPr lang="en-US" sz="2400" b="0" strike="noStrike" spc="-1" dirty="0">
+              <a:solidFill>
+                <a:srgbClr val="000000"/>
+              </a:solidFill>
+              <a:latin typeface="Calibri"/>
+            </a:endParaRPr>
+          </a:p>
+          <a:p>
+            <a:pPr marL="342900" indent="-342900">
+              <a:lnSpc>
+                <a:spcPct val="100000"/>
+              </a:lnSpc>
+              <a:spcBef>
+                <a:spcPts val="479"/>
+              </a:spcBef>
+              <a:buFont typeface="Wingdings" panose="05000000000000000000" pitchFamily="2" charset="2"/>
+              <a:buChar char="ü"/>
+            </a:pPr>
+            <a:r>
+              <a:rPr lang="en-US" sz="2400" spc="-1" dirty="0">
+                <a:solidFill>
+                  <a:srgbClr val="FFFFFF"/>
+                </a:solidFill>
+                <a:latin typeface="Calibri"/>
+              </a:rPr>
+              <a:t>Didáctica</a:t>
+            </a:r>
+            <a:endParaRPr lang="en-US" sz="2400" b="0" strike="noStrike" spc="-1" dirty="0">
+              <a:solidFill>
+                <a:srgbClr val="000000"/>
+              </a:solidFill>
+              <a:latin typeface="Calibri"/>
+            </a:endParaRPr>
+          </a:p>
+          <a:p>
+            <a:pPr marL="342900" indent="-342900">
+              <a:lnSpc>
+                <a:spcPct val="100000"/>
+              </a:lnSpc>
+              <a:spcBef>
+                <a:spcPts val="479"/>
+              </a:spcBef>
+              <a:buFont typeface="Wingdings" panose="05000000000000000000" pitchFamily="2" charset="2"/>
+              <a:buChar char="ü"/>
+            </a:pPr>
+            <a:r>
+              <a:rPr lang="en-US" sz="2400" b="0" strike="noStrike" spc="-1" dirty="0">
+                <a:solidFill>
+                  <a:srgbClr val="FFFFFF"/>
+                </a:solidFill>
+                <a:latin typeface="Calibri"/>
+              </a:rPr>
+              <a:t>Dinámica</a:t>
+            </a:r>
+            <a:endParaRPr lang="en-US" sz="2400" b="0" strike="noStrike" spc="-1" dirty="0">
+              <a:solidFill>
+                <a:srgbClr val="000000"/>
+              </a:solidFill>
+              <a:latin typeface="Calibri"/>
+            </a:endParaRPr>
+          </a:p>
+          <a:p>
+            <a:pPr marL="342900" indent="-342900">
+              <a:spcBef>
+                <a:spcPts val="479"/>
+              </a:spcBef>
+              <a:buFont typeface="Wingdings" panose="05000000000000000000" pitchFamily="2" charset="2"/>
+              <a:buChar char="ü"/>
+            </a:pPr>
+            <a:r>
+              <a:rPr lang="en-US" sz="2400" spc="-1" dirty="0">
+                <a:solidFill>
+                  <a:srgbClr val="FFFFFF"/>
+                </a:solidFill>
+                <a:latin typeface="Calibri"/>
+              </a:rPr>
+              <a:t>Sin publicidad</a:t>
+            </a:r>
+          </a:p>
+          <a:p>
+            <a:pPr marL="342900" indent="-342900">
+              <a:spcBef>
+                <a:spcPts val="479"/>
+              </a:spcBef>
+              <a:buFont typeface="Arial" pitchFamily="34" charset="0"/>
+              <a:buChar char="•"/>
+            </a:pPr>
+            <a:endParaRPr lang="en-US" sz="2400" spc="-1" dirty="0">
+              <a:solidFill>
+                <a:srgbClr val="000000"/>
+              </a:solidFill>
+              <a:latin typeface="Calibri"/>
+            </a:endParaRPr>
+          </a:p>
+          <a:p>
+            <a:pPr marL="342900" indent="-342900">
+              <a:lnSpc>
+                <a:spcPct val="100000"/>
+              </a:lnSpc>
+              <a:spcBef>
+                <a:spcPts val="479"/>
+              </a:spcBef>
+              <a:buFont typeface="Arial" pitchFamily="34" charset="0"/>
+              <a:buChar char="•"/>
+            </a:pPr>
+            <a:endParaRPr lang="en-US" sz="2400" spc="-1" dirty="0">
+              <a:solidFill>
+                <a:srgbClr val="FFFFFF"/>
+              </a:solidFill>
+              <a:latin typeface="Calibri"/>
+            </a:endParaRPr>
+          </a:p>
+          <a:p>
+            <a:pPr marL="342900" indent="-342900">
+              <a:lnSpc>
+                <a:spcPct val="100000"/>
+              </a:lnSpc>
+              <a:spcBef>
+                <a:spcPts val="479"/>
+              </a:spcBef>
+              <a:buFont typeface="Arial" pitchFamily="34" charset="0"/>
+              <a:buChar char="•"/>
+            </a:pPr>
+            <a:endParaRPr lang="en-US" sz="2400" b="0" strike="noStrike" spc="-1" dirty="0">
+              <a:solidFill>
+                <a:srgbClr val="000000"/>
+              </a:solidFill>
+              <a:latin typeface="Calibri"/>
+            </a:endParaRPr>
+          </a:p>
+        </p:txBody>
+      </p:sp>
       <p:pic>
         <p:nvPicPr>
-          <p:cNvPr id="12" name="Imagen 11" descr="Pantalla de computadora encendida&#10;&#10;Descripción generada automáticamente">
+          <p:cNvPr id="3" name="Imagen 2" descr="Imagen que contiene monitor, electrónica, pantalla, computadora&#10;&#10;Descripción generada automáticamente">
             <a:extLst>
               <a:ext uri="{FF2B5EF4-FFF2-40B4-BE49-F238E27FC236}">
-                <a16:creationId xmlns:a16="http://schemas.microsoft.com/office/drawing/2014/main" id="{1D36BAC8-D375-420F-A11C-AF85E1A8300E}"/>
+                <a16:creationId xmlns:a16="http://schemas.microsoft.com/office/drawing/2014/main" id="{561E5116-6015-497A-8D22-629799951CD5}"/>
               </a:ext>
             </a:extLst>
           </p:cNvPr>
@@ -10382,361 +10646,8 @@
         </p:blipFill>
         <p:spPr>
           <a:xfrm>
-            <a:off x="6913891" y="1748942"/>
-            <a:ext cx="1333538" cy="2728575"/>
-          </a:xfrm>
-          <a:prstGeom prst="rect">
-            <a:avLst/>
-          </a:prstGeom>
-        </p:spPr>
-      </p:pic>
-      <p:sp>
-        <p:nvSpPr>
-          <p:cNvPr id="215" name="TextShape 1"/>
-          <p:cNvSpPr txBox="1"/>
-          <p:nvPr/>
-        </p:nvSpPr>
-        <p:spPr>
-          <a:xfrm>
-            <a:off x="1835696" y="796086"/>
-            <a:ext cx="7056784" cy="763200"/>
-          </a:xfrm>
-          <a:prstGeom prst="rect">
-            <a:avLst/>
-          </a:prstGeom>
-          <a:noFill/>
-          <a:ln>
-            <a:noFill/>
-          </a:ln>
-        </p:spPr>
-        <p:txBody>
-          <a:bodyPr anchor="ctr"/>
-          <a:lstStyle/>
-          <a:p>
-            <a:pPr>
-              <a:lnSpc>
-                <a:spcPct val="100000"/>
-              </a:lnSpc>
-            </a:pPr>
-            <a:r>
-              <a:rPr lang="en-US" sz="3600" b="0" strike="noStrike" spc="-1" dirty="0" err="1">
-                <a:solidFill>
-                  <a:srgbClr val="FFC000"/>
-                </a:solidFill>
-                <a:latin typeface="Calibri"/>
-              </a:rPr>
-              <a:t>Actividades</a:t>
-            </a:r>
-            <a:r>
-              <a:rPr lang="en-US" sz="3600" b="0" strike="noStrike" spc="-1" dirty="0">
-                <a:solidFill>
-                  <a:srgbClr val="FFC000"/>
-                </a:solidFill>
-                <a:latin typeface="Calibri"/>
-              </a:rPr>
-              <a:t> en </a:t>
-            </a:r>
-            <a:r>
-              <a:rPr lang="en-US" sz="3600" b="0" strike="noStrike" spc="-1" dirty="0" err="1">
-                <a:solidFill>
-                  <a:srgbClr val="FFC000"/>
-                </a:solidFill>
-                <a:latin typeface="Calibri"/>
-              </a:rPr>
-              <a:t>DidaktikAPP</a:t>
-            </a:r>
-            <a:endParaRPr lang="en-US" sz="3600" b="0" strike="noStrike" spc="-1" dirty="0">
-              <a:solidFill>
-                <a:srgbClr val="000000"/>
-              </a:solidFill>
-              <a:latin typeface="Calibri"/>
-            </a:endParaRPr>
-          </a:p>
-        </p:txBody>
-      </p:sp>
-      <p:sp>
-        <p:nvSpPr>
-          <p:cNvPr id="216" name="TextShape 2"/>
-          <p:cNvSpPr txBox="1"/>
-          <p:nvPr/>
-        </p:nvSpPr>
-        <p:spPr>
-          <a:xfrm>
-            <a:off x="944943" y="1762361"/>
-            <a:ext cx="1872208" cy="479520"/>
-          </a:xfrm>
-          <a:prstGeom prst="rect">
-            <a:avLst/>
-          </a:prstGeom>
-          <a:noFill/>
-          <a:ln>
-            <a:noFill/>
-          </a:ln>
-        </p:spPr>
-        <p:txBody>
-          <a:bodyPr anchor="b"/>
-          <a:lstStyle/>
-          <a:p>
-            <a:pPr>
-              <a:lnSpc>
-                <a:spcPct val="100000"/>
-              </a:lnSpc>
-              <a:spcBef>
-                <a:spcPts val="479"/>
-              </a:spcBef>
-            </a:pPr>
-            <a:r>
-              <a:rPr lang="en-US" sz="2400" b="1" strike="noStrike" spc="-1" dirty="0">
-                <a:solidFill>
-                  <a:srgbClr val="FFFFFF"/>
-                </a:solidFill>
-                <a:latin typeface="Calibri"/>
-              </a:rPr>
-              <a:t>Menú</a:t>
-            </a:r>
-            <a:endParaRPr lang="en-US" sz="2400" b="0" strike="noStrike" spc="-1" dirty="0">
-              <a:solidFill>
-                <a:srgbClr val="000000"/>
-              </a:solidFill>
-              <a:latin typeface="Calibri"/>
-            </a:endParaRPr>
-          </a:p>
-        </p:txBody>
-      </p:sp>
-      <p:sp>
-        <p:nvSpPr>
-          <p:cNvPr id="217" name="TextShape 3"/>
-          <p:cNvSpPr txBox="1"/>
-          <p:nvPr/>
-        </p:nvSpPr>
-        <p:spPr>
-          <a:xfrm>
-            <a:off x="944943" y="2436332"/>
-            <a:ext cx="2357569" cy="1800200"/>
-          </a:xfrm>
-          <a:prstGeom prst="rect">
-            <a:avLst/>
-          </a:prstGeom>
-          <a:noFill/>
-          <a:ln>
-            <a:noFill/>
-          </a:ln>
-        </p:spPr>
-        <p:txBody>
-          <a:bodyPr/>
-          <a:lstStyle/>
-          <a:p>
-            <a:pPr marL="342900" indent="-342900">
-              <a:lnSpc>
-                <a:spcPct val="100000"/>
-              </a:lnSpc>
-              <a:spcBef>
-                <a:spcPts val="479"/>
-              </a:spcBef>
-              <a:buFont typeface="Wingdings" panose="05000000000000000000" pitchFamily="2" charset="2"/>
-              <a:buChar char="q"/>
-            </a:pPr>
-            <a:r>
-              <a:rPr lang="en-US" sz="2400" b="0" strike="noStrike" spc="-1" dirty="0">
-                <a:solidFill>
-                  <a:srgbClr val="FFFFFF"/>
-                </a:solidFill>
-                <a:latin typeface="Calibri"/>
-              </a:rPr>
-              <a:t>Mapa</a:t>
-            </a:r>
-            <a:endParaRPr lang="en-US" sz="2400" b="0" strike="noStrike" spc="-1" dirty="0">
-              <a:solidFill>
-                <a:srgbClr val="000000"/>
-              </a:solidFill>
-              <a:latin typeface="Calibri"/>
-            </a:endParaRPr>
-          </a:p>
-          <a:p>
-            <a:pPr marL="342900" indent="-342900">
-              <a:lnSpc>
-                <a:spcPct val="100000"/>
-              </a:lnSpc>
-              <a:spcBef>
-                <a:spcPts val="479"/>
-              </a:spcBef>
-              <a:buFont typeface="Wingdings" panose="05000000000000000000" pitchFamily="2" charset="2"/>
-              <a:buChar char="q"/>
-            </a:pPr>
-            <a:r>
-              <a:rPr lang="en-US" sz="2400" b="0" strike="noStrike" spc="-1" dirty="0">
-                <a:solidFill>
-                  <a:srgbClr val="FFFFFF"/>
-                </a:solidFill>
-                <a:latin typeface="Calibri"/>
-              </a:rPr>
-              <a:t>Patrimonios</a:t>
-            </a:r>
-            <a:endParaRPr lang="en-US" sz="2400" b="0" strike="noStrike" spc="-1" dirty="0">
-              <a:solidFill>
-                <a:srgbClr val="000000"/>
-              </a:solidFill>
-              <a:latin typeface="Calibri"/>
-            </a:endParaRPr>
-          </a:p>
-          <a:p>
-            <a:pPr marL="342900" indent="-342900">
-              <a:lnSpc>
-                <a:spcPct val="100000"/>
-              </a:lnSpc>
-              <a:spcBef>
-                <a:spcPts val="479"/>
-              </a:spcBef>
-              <a:buFont typeface="Wingdings" panose="05000000000000000000" pitchFamily="2" charset="2"/>
-              <a:buChar char="q"/>
-            </a:pPr>
-            <a:r>
-              <a:rPr lang="en-US" sz="2400" b="0" strike="noStrike" spc="-1" dirty="0">
-                <a:solidFill>
-                  <a:srgbClr val="FFFFFF"/>
-                </a:solidFill>
-                <a:latin typeface="Calibri"/>
-              </a:rPr>
-              <a:t>Galería</a:t>
-            </a:r>
-            <a:endParaRPr lang="en-US" sz="2400" b="0" strike="noStrike" spc="-1" dirty="0">
-              <a:solidFill>
-                <a:srgbClr val="000000"/>
-              </a:solidFill>
-              <a:latin typeface="Calibri"/>
-            </a:endParaRPr>
-          </a:p>
-          <a:p>
-            <a:pPr marL="342900" indent="-342900">
-              <a:lnSpc>
-                <a:spcPct val="100000"/>
-              </a:lnSpc>
-              <a:spcBef>
-                <a:spcPts val="479"/>
-              </a:spcBef>
-              <a:buFont typeface="Wingdings" panose="05000000000000000000" pitchFamily="2" charset="2"/>
-              <a:buChar char="q"/>
-            </a:pPr>
-            <a:r>
-              <a:rPr lang="en-US" sz="2400" b="0" strike="noStrike" spc="-1" dirty="0">
-                <a:solidFill>
-                  <a:srgbClr val="FFFFFF"/>
-                </a:solidFill>
-                <a:latin typeface="Calibri"/>
-              </a:rPr>
-              <a:t>Participantes</a:t>
-            </a:r>
-            <a:endParaRPr lang="en-US" sz="2400" b="0" strike="noStrike" spc="-1" dirty="0">
-              <a:solidFill>
-                <a:srgbClr val="000000"/>
-              </a:solidFill>
-              <a:latin typeface="Calibri"/>
-            </a:endParaRPr>
-          </a:p>
-        </p:txBody>
-      </p:sp>
-      <p:pic>
-        <p:nvPicPr>
-          <p:cNvPr id="10" name="Imagen 9" descr="Imagen que contiene monitor, electrónica, interior, computadora&#10;&#10;Descripción generada automáticamente">
-            <a:extLst>
-              <a:ext uri="{FF2B5EF4-FFF2-40B4-BE49-F238E27FC236}">
-                <a16:creationId xmlns:a16="http://schemas.microsoft.com/office/drawing/2014/main" id="{82B47561-7208-4550-959F-7BB565FCB045}"/>
-              </a:ext>
-            </a:extLst>
-          </p:cNvPr>
-          <p:cNvPicPr>
-            <a:picLocks noChangeAspect="1"/>
-          </p:cNvPicPr>
-          <p:nvPr/>
-        </p:nvPicPr>
-        <p:blipFill>
-          <a:blip r:embed="rId3" cstate="print">
-            <a:extLst>
-              <a:ext uri="{28A0092B-C50C-407E-A947-70E740481C1C}">
-                <a14:useLocalDpi xmlns:a14="http://schemas.microsoft.com/office/drawing/2010/main" val="0"/>
-              </a:ext>
-            </a:extLst>
-          </a:blip>
-          <a:stretch>
-            <a:fillRect/>
-          </a:stretch>
-        </p:blipFill>
-        <p:spPr>
-          <a:xfrm>
-            <a:off x="5868144" y="1748943"/>
-            <a:ext cx="1333538" cy="2728575"/>
-          </a:xfrm>
-          <a:prstGeom prst="rect">
-            <a:avLst/>
-          </a:prstGeom>
-        </p:spPr>
-      </p:pic>
-      <p:pic>
-        <p:nvPicPr>
-          <p:cNvPr id="8" name="Imagen 7" descr="Imagen que contiene monitor, electrónica, computadora, pantalla&#10;&#10;Descripción generada automáticamente">
-            <a:extLst>
-              <a:ext uri="{FF2B5EF4-FFF2-40B4-BE49-F238E27FC236}">
-                <a16:creationId xmlns:a16="http://schemas.microsoft.com/office/drawing/2014/main" id="{612FE8B7-8445-4512-A46D-07BC657B3725}"/>
-              </a:ext>
-            </a:extLst>
-          </p:cNvPr>
-          <p:cNvPicPr>
-            <a:picLocks noChangeAspect="1"/>
-          </p:cNvPicPr>
-          <p:nvPr/>
-        </p:nvPicPr>
-        <p:blipFill>
-          <a:blip r:embed="rId4" cstate="print">
-            <a:extLst>
-              <a:ext uri="{28A0092B-C50C-407E-A947-70E740481C1C}">
-                <a14:useLocalDpi xmlns:a14="http://schemas.microsoft.com/office/drawing/2010/main" val="0"/>
-              </a:ext>
-            </a:extLst>
-          </a:blip>
-          <a:stretch>
-            <a:fillRect/>
-          </a:stretch>
-        </p:blipFill>
-        <p:spPr>
-          <a:xfrm>
-            <a:off x="4799224" y="1748941"/>
-            <a:ext cx="1333539" cy="2728575"/>
-          </a:xfrm>
-          <a:prstGeom prst="rect">
-            <a:avLst/>
-          </a:prstGeom>
-        </p:spPr>
-      </p:pic>
-      <p:pic>
-        <p:nvPicPr>
-          <p:cNvPr id="4" name="Imagen 3" descr="Pantalla de computadora encendida&#10;&#10;Descripción generada automáticamente">
-            <a:extLst>
-              <a:ext uri="{FF2B5EF4-FFF2-40B4-BE49-F238E27FC236}">
-                <a16:creationId xmlns:a16="http://schemas.microsoft.com/office/drawing/2014/main" id="{6A15F994-ABA9-48EE-88C2-5EA3C0F1A10C}"/>
-              </a:ext>
-            </a:extLst>
-          </p:cNvPr>
-          <p:cNvPicPr>
-            <a:picLocks noChangeAspect="1"/>
-          </p:cNvPicPr>
-          <p:nvPr/>
-        </p:nvPicPr>
-        <p:blipFill>
-          <a:blip r:embed="rId5" cstate="print">
-            <a:extLst>
-              <a:ext uri="{28A0092B-C50C-407E-A947-70E740481C1C}">
-                <a14:useLocalDpi xmlns:a14="http://schemas.microsoft.com/office/drawing/2010/main" val="0"/>
-              </a:ext>
-            </a:extLst>
-          </a:blip>
-          <a:stretch>
-            <a:fillRect/>
-          </a:stretch>
-        </p:blipFill>
-        <p:spPr>
-          <a:xfrm>
-            <a:off x="3678008" y="1748942"/>
-            <a:ext cx="1333538" cy="2728574"/>
+            <a:off x="5796136" y="1469211"/>
+            <a:ext cx="1634675" cy="3377263"/>
           </a:xfrm>
           <a:prstGeom prst="rect">
             <a:avLst/>
@@ -10744,11 +10655,6 @@
         </p:spPr>
       </p:pic>
     </p:spTree>
-    <p:extLst>
-      <p:ext uri="{BB962C8B-B14F-4D97-AF65-F5344CB8AC3E}">
-        <p14:creationId xmlns:p14="http://schemas.microsoft.com/office/powerpoint/2010/main" val="326369432"/>
-      </p:ext>
-    </p:extLst>
   </p:cSld>
   <p:clrMapOvr>
     <a:masterClrMapping/>
@@ -10800,6 +10706,452 @@
           <a:chExt cx="0" cy="0"/>
         </a:xfrm>
       </p:grpSpPr>
+      <p:pic>
+        <p:nvPicPr>
+          <p:cNvPr id="12" name="Imagen 11" descr="Pantalla de computadora encendida&#10;&#10;Descripción generada automáticamente">
+            <a:extLst>
+              <a:ext uri="{FF2B5EF4-FFF2-40B4-BE49-F238E27FC236}">
+                <a16:creationId xmlns:a16="http://schemas.microsoft.com/office/drawing/2014/main" id="{1D36BAC8-D375-420F-A11C-AF85E1A8300E}"/>
+              </a:ext>
+            </a:extLst>
+          </p:cNvPr>
+          <p:cNvPicPr>
+            <a:picLocks noChangeAspect="1"/>
+          </p:cNvPicPr>
+          <p:nvPr/>
+        </p:nvPicPr>
+        <p:blipFill>
+          <a:blip r:embed="rId2" cstate="print">
+            <a:extLst>
+              <a:ext uri="{28A0092B-C50C-407E-A947-70E740481C1C}">
+                <a14:useLocalDpi xmlns:a14="http://schemas.microsoft.com/office/drawing/2010/main" val="0"/>
+              </a:ext>
+            </a:extLst>
+          </a:blip>
+          <a:stretch>
+            <a:fillRect/>
+          </a:stretch>
+        </p:blipFill>
+        <p:spPr>
+          <a:xfrm>
+            <a:off x="6913891" y="1748942"/>
+            <a:ext cx="1333538" cy="2728575"/>
+          </a:xfrm>
+          <a:prstGeom prst="rect">
+            <a:avLst/>
+          </a:prstGeom>
+        </p:spPr>
+      </p:pic>
+      <p:sp>
+        <p:nvSpPr>
+          <p:cNvPr id="215" name="TextShape 1"/>
+          <p:cNvSpPr txBox="1"/>
+          <p:nvPr/>
+        </p:nvSpPr>
+        <p:spPr>
+          <a:xfrm>
+            <a:off x="1835696" y="796086"/>
+            <a:ext cx="7056784" cy="763200"/>
+          </a:xfrm>
+          <a:prstGeom prst="rect">
+            <a:avLst/>
+          </a:prstGeom>
+          <a:noFill/>
+          <a:ln>
+            <a:noFill/>
+          </a:ln>
+        </p:spPr>
+        <p:txBody>
+          <a:bodyPr anchor="ctr"/>
+          <a:lstStyle/>
+          <a:p>
+            <a:pPr>
+              <a:lnSpc>
+                <a:spcPct val="100000"/>
+              </a:lnSpc>
+            </a:pPr>
+            <a:r>
+              <a:rPr lang="en-US" sz="3600" b="0" strike="noStrike" spc="-1" dirty="0" err="1">
+                <a:solidFill>
+                  <a:srgbClr val="FFC000"/>
+                </a:solidFill>
+                <a:latin typeface="Calibri"/>
+              </a:rPr>
+              <a:t>Actividades</a:t>
+            </a:r>
+            <a:r>
+              <a:rPr lang="en-US" sz="3600" b="0" strike="noStrike" spc="-1" dirty="0">
+                <a:solidFill>
+                  <a:srgbClr val="FFC000"/>
+                </a:solidFill>
+                <a:latin typeface="Calibri"/>
+              </a:rPr>
+              <a:t> en </a:t>
+            </a:r>
+            <a:r>
+              <a:rPr lang="en-US" sz="3600" b="0" strike="noStrike" spc="-1" dirty="0" err="1">
+                <a:solidFill>
+                  <a:srgbClr val="FFC000"/>
+                </a:solidFill>
+                <a:latin typeface="Calibri"/>
+              </a:rPr>
+              <a:t>DidaktikAPP</a:t>
+            </a:r>
+            <a:endParaRPr lang="en-US" sz="3600" b="0" strike="noStrike" spc="-1" dirty="0">
+              <a:solidFill>
+                <a:srgbClr val="000000"/>
+              </a:solidFill>
+              <a:latin typeface="Calibri"/>
+            </a:endParaRPr>
+          </a:p>
+        </p:txBody>
+      </p:sp>
+      <p:sp>
+        <p:nvSpPr>
+          <p:cNvPr id="216" name="TextShape 2"/>
+          <p:cNvSpPr txBox="1"/>
+          <p:nvPr/>
+        </p:nvSpPr>
+        <p:spPr>
+          <a:xfrm>
+            <a:off x="944943" y="1762361"/>
+            <a:ext cx="1872208" cy="479520"/>
+          </a:xfrm>
+          <a:prstGeom prst="rect">
+            <a:avLst/>
+          </a:prstGeom>
+          <a:noFill/>
+          <a:ln>
+            <a:noFill/>
+          </a:ln>
+        </p:spPr>
+        <p:txBody>
+          <a:bodyPr anchor="b"/>
+          <a:lstStyle/>
+          <a:p>
+            <a:pPr>
+              <a:lnSpc>
+                <a:spcPct val="100000"/>
+              </a:lnSpc>
+              <a:spcBef>
+                <a:spcPts val="479"/>
+              </a:spcBef>
+            </a:pPr>
+            <a:r>
+              <a:rPr lang="en-US" sz="2400" b="1" strike="noStrike" spc="-1" dirty="0">
+                <a:solidFill>
+                  <a:srgbClr val="FFFFFF"/>
+                </a:solidFill>
+                <a:latin typeface="Calibri"/>
+              </a:rPr>
+              <a:t>Menú</a:t>
+            </a:r>
+            <a:endParaRPr lang="en-US" sz="2400" b="0" strike="noStrike" spc="-1" dirty="0">
+              <a:solidFill>
+                <a:srgbClr val="000000"/>
+              </a:solidFill>
+              <a:latin typeface="Calibri"/>
+            </a:endParaRPr>
+          </a:p>
+        </p:txBody>
+      </p:sp>
+      <p:sp>
+        <p:nvSpPr>
+          <p:cNvPr id="217" name="TextShape 3"/>
+          <p:cNvSpPr txBox="1"/>
+          <p:nvPr/>
+        </p:nvSpPr>
+        <p:spPr>
+          <a:xfrm>
+            <a:off x="944943" y="2436332"/>
+            <a:ext cx="2357569" cy="1800200"/>
+          </a:xfrm>
+          <a:prstGeom prst="rect">
+            <a:avLst/>
+          </a:prstGeom>
+          <a:noFill/>
+          <a:ln>
+            <a:noFill/>
+          </a:ln>
+        </p:spPr>
+        <p:txBody>
+          <a:bodyPr/>
+          <a:lstStyle/>
+          <a:p>
+            <a:pPr marL="342900" indent="-342900">
+              <a:lnSpc>
+                <a:spcPct val="100000"/>
+              </a:lnSpc>
+              <a:spcBef>
+                <a:spcPts val="479"/>
+              </a:spcBef>
+              <a:buFont typeface="Wingdings" panose="05000000000000000000" pitchFamily="2" charset="2"/>
+              <a:buChar char="q"/>
+            </a:pPr>
+            <a:r>
+              <a:rPr lang="en-US" sz="2400" b="0" strike="noStrike" spc="-1" dirty="0">
+                <a:solidFill>
+                  <a:srgbClr val="FFFFFF"/>
+                </a:solidFill>
+                <a:latin typeface="Calibri"/>
+              </a:rPr>
+              <a:t>Mapa</a:t>
+            </a:r>
+            <a:endParaRPr lang="en-US" sz="2400" b="0" strike="noStrike" spc="-1" dirty="0">
+              <a:solidFill>
+                <a:srgbClr val="000000"/>
+              </a:solidFill>
+              <a:latin typeface="Calibri"/>
+            </a:endParaRPr>
+          </a:p>
+          <a:p>
+            <a:pPr marL="342900" indent="-342900">
+              <a:lnSpc>
+                <a:spcPct val="100000"/>
+              </a:lnSpc>
+              <a:spcBef>
+                <a:spcPts val="479"/>
+              </a:spcBef>
+              <a:buFont typeface="Wingdings" panose="05000000000000000000" pitchFamily="2" charset="2"/>
+              <a:buChar char="q"/>
+            </a:pPr>
+            <a:r>
+              <a:rPr lang="en-US" sz="2400" b="0" strike="noStrike" spc="-1" dirty="0">
+                <a:solidFill>
+                  <a:srgbClr val="FFFFFF"/>
+                </a:solidFill>
+                <a:latin typeface="Calibri"/>
+              </a:rPr>
+              <a:t>Patrimonios</a:t>
+            </a:r>
+            <a:endParaRPr lang="en-US" sz="2400" b="0" strike="noStrike" spc="-1" dirty="0">
+              <a:solidFill>
+                <a:srgbClr val="000000"/>
+              </a:solidFill>
+              <a:latin typeface="Calibri"/>
+            </a:endParaRPr>
+          </a:p>
+          <a:p>
+            <a:pPr marL="342900" indent="-342900">
+              <a:lnSpc>
+                <a:spcPct val="100000"/>
+              </a:lnSpc>
+              <a:spcBef>
+                <a:spcPts val="479"/>
+              </a:spcBef>
+              <a:buFont typeface="Wingdings" panose="05000000000000000000" pitchFamily="2" charset="2"/>
+              <a:buChar char="q"/>
+            </a:pPr>
+            <a:r>
+              <a:rPr lang="en-US" sz="2400" b="0" strike="noStrike" spc="-1" dirty="0">
+                <a:solidFill>
+                  <a:srgbClr val="FFFFFF"/>
+                </a:solidFill>
+                <a:latin typeface="Calibri"/>
+              </a:rPr>
+              <a:t>Galería</a:t>
+            </a:r>
+            <a:endParaRPr lang="en-US" sz="2400" b="0" strike="noStrike" spc="-1" dirty="0">
+              <a:solidFill>
+                <a:srgbClr val="000000"/>
+              </a:solidFill>
+              <a:latin typeface="Calibri"/>
+            </a:endParaRPr>
+          </a:p>
+          <a:p>
+            <a:pPr marL="342900" indent="-342900">
+              <a:lnSpc>
+                <a:spcPct val="100000"/>
+              </a:lnSpc>
+              <a:spcBef>
+                <a:spcPts val="479"/>
+              </a:spcBef>
+              <a:buFont typeface="Wingdings" panose="05000000000000000000" pitchFamily="2" charset="2"/>
+              <a:buChar char="q"/>
+            </a:pPr>
+            <a:r>
+              <a:rPr lang="en-US" sz="2400" b="0" strike="noStrike" spc="-1" dirty="0">
+                <a:solidFill>
+                  <a:srgbClr val="FFFFFF"/>
+                </a:solidFill>
+                <a:latin typeface="Calibri"/>
+              </a:rPr>
+              <a:t>Participantes</a:t>
+            </a:r>
+            <a:endParaRPr lang="en-US" sz="2400" b="0" strike="noStrike" spc="-1" dirty="0">
+              <a:solidFill>
+                <a:srgbClr val="000000"/>
+              </a:solidFill>
+              <a:latin typeface="Calibri"/>
+            </a:endParaRPr>
+          </a:p>
+        </p:txBody>
+      </p:sp>
+      <p:pic>
+        <p:nvPicPr>
+          <p:cNvPr id="10" name="Imagen 9" descr="Imagen que contiene monitor, electrónica, interior, computadora&#10;&#10;Descripción generada automáticamente">
+            <a:extLst>
+              <a:ext uri="{FF2B5EF4-FFF2-40B4-BE49-F238E27FC236}">
+                <a16:creationId xmlns:a16="http://schemas.microsoft.com/office/drawing/2014/main" id="{82B47561-7208-4550-959F-7BB565FCB045}"/>
+              </a:ext>
+            </a:extLst>
+          </p:cNvPr>
+          <p:cNvPicPr>
+            <a:picLocks noChangeAspect="1"/>
+          </p:cNvPicPr>
+          <p:nvPr/>
+        </p:nvPicPr>
+        <p:blipFill>
+          <a:blip r:embed="rId3" cstate="print">
+            <a:extLst>
+              <a:ext uri="{28A0092B-C50C-407E-A947-70E740481C1C}">
+                <a14:useLocalDpi xmlns:a14="http://schemas.microsoft.com/office/drawing/2010/main" val="0"/>
+              </a:ext>
+            </a:extLst>
+          </a:blip>
+          <a:stretch>
+            <a:fillRect/>
+          </a:stretch>
+        </p:blipFill>
+        <p:spPr>
+          <a:xfrm>
+            <a:off x="5868144" y="1748943"/>
+            <a:ext cx="1333538" cy="2728575"/>
+          </a:xfrm>
+          <a:prstGeom prst="rect">
+            <a:avLst/>
+          </a:prstGeom>
+        </p:spPr>
+      </p:pic>
+      <p:pic>
+        <p:nvPicPr>
+          <p:cNvPr id="8" name="Imagen 7" descr="Imagen que contiene monitor, electrónica, computadora, pantalla&#10;&#10;Descripción generada automáticamente">
+            <a:extLst>
+              <a:ext uri="{FF2B5EF4-FFF2-40B4-BE49-F238E27FC236}">
+                <a16:creationId xmlns:a16="http://schemas.microsoft.com/office/drawing/2014/main" id="{612FE8B7-8445-4512-A46D-07BC657B3725}"/>
+              </a:ext>
+            </a:extLst>
+          </p:cNvPr>
+          <p:cNvPicPr>
+            <a:picLocks noChangeAspect="1"/>
+          </p:cNvPicPr>
+          <p:nvPr/>
+        </p:nvPicPr>
+        <p:blipFill>
+          <a:blip r:embed="rId4" cstate="print">
+            <a:extLst>
+              <a:ext uri="{28A0092B-C50C-407E-A947-70E740481C1C}">
+                <a14:useLocalDpi xmlns:a14="http://schemas.microsoft.com/office/drawing/2010/main" val="0"/>
+              </a:ext>
+            </a:extLst>
+          </a:blip>
+          <a:stretch>
+            <a:fillRect/>
+          </a:stretch>
+        </p:blipFill>
+        <p:spPr>
+          <a:xfrm>
+            <a:off x="4799224" y="1748941"/>
+            <a:ext cx="1333539" cy="2728575"/>
+          </a:xfrm>
+          <a:prstGeom prst="rect">
+            <a:avLst/>
+          </a:prstGeom>
+        </p:spPr>
+      </p:pic>
+      <p:pic>
+        <p:nvPicPr>
+          <p:cNvPr id="4" name="Imagen 3" descr="Pantalla de computadora encendida&#10;&#10;Descripción generada automáticamente">
+            <a:extLst>
+              <a:ext uri="{FF2B5EF4-FFF2-40B4-BE49-F238E27FC236}">
+                <a16:creationId xmlns:a16="http://schemas.microsoft.com/office/drawing/2014/main" id="{6A15F994-ABA9-48EE-88C2-5EA3C0F1A10C}"/>
+              </a:ext>
+            </a:extLst>
+          </p:cNvPr>
+          <p:cNvPicPr>
+            <a:picLocks noChangeAspect="1"/>
+          </p:cNvPicPr>
+          <p:nvPr/>
+        </p:nvPicPr>
+        <p:blipFill>
+          <a:blip r:embed="rId5" cstate="print">
+            <a:extLst>
+              <a:ext uri="{28A0092B-C50C-407E-A947-70E740481C1C}">
+                <a14:useLocalDpi xmlns:a14="http://schemas.microsoft.com/office/drawing/2010/main" val="0"/>
+              </a:ext>
+            </a:extLst>
+          </a:blip>
+          <a:stretch>
+            <a:fillRect/>
+          </a:stretch>
+        </p:blipFill>
+        <p:spPr>
+          <a:xfrm>
+            <a:off x="3678008" y="1748942"/>
+            <a:ext cx="1333538" cy="2728574"/>
+          </a:xfrm>
+          <a:prstGeom prst="rect">
+            <a:avLst/>
+          </a:prstGeom>
+        </p:spPr>
+      </p:pic>
+    </p:spTree>
+    <p:extLst>
+      <p:ext uri="{BB962C8B-B14F-4D97-AF65-F5344CB8AC3E}">
+        <p14:creationId xmlns:p14="http://schemas.microsoft.com/office/powerpoint/2010/main" val="326369432"/>
+      </p:ext>
+    </p:extLst>
+  </p:cSld>
+  <p:clrMapOvr>
+    <a:masterClrMapping/>
+  </p:clrMapOvr>
+  <p:timing>
+    <p:tnLst>
+      <p:par>
+        <p:cTn id="1" dur="indefinite" restart="never" nodeType="tmRoot">
+          <p:childTnLst>
+            <p:seq>
+              <p:cTn id="2" dur="indefinite" nodeType="mainSeq"/>
+              <p:prevCondLst>
+                <p:cond evt="onPrev" delay="0">
+                  <p:tgtEl>
+                    <p:sldTgt/>
+                  </p:tgtEl>
+                </p:cond>
+              </p:prevCondLst>
+              <p:nextCondLst>
+                <p:cond evt="onNext" delay="0">
+                  <p:tgtEl>
+                    <p:sldTgt/>
+                  </p:tgtEl>
+                </p:cond>
+              </p:nextCondLst>
+            </p:seq>
+          </p:childTnLst>
+        </p:cTn>
+      </p:par>
+    </p:tnLst>
+  </p:timing>
+</p:sld>
+</file>
+
+<file path=ppt/slides/slide13.xml><?xml version="1.0" encoding="utf-8"?>
+<p:sld xmlns:a="http://schemas.openxmlformats.org/drawingml/2006/main" xmlns:r="http://schemas.openxmlformats.org/officeDocument/2006/relationships" xmlns:p="http://schemas.openxmlformats.org/presentationml/2006/main">
+  <p:cSld>
+    <p:spTree>
+      <p:nvGrpSpPr>
+        <p:cNvPr id="1" name=""/>
+        <p:cNvGrpSpPr/>
+        <p:nvPr/>
+      </p:nvGrpSpPr>
+      <p:grpSpPr>
+        <a:xfrm>
+          <a:off x="0" y="0"/>
+          <a:ext cx="0" cy="0"/>
+          <a:chOff x="0" y="0"/>
+          <a:chExt cx="0" cy="0"/>
+        </a:xfrm>
+      </p:grpSpPr>
       <p:sp>
         <p:nvSpPr>
           <p:cNvPr id="218" name="TextShape 1"/>
@@ -11387,6 +11739,515 @@
 </file>
 
 <file path=ppt/slides/slide2.xml><?xml version="1.0" encoding="utf-8"?>
+<p:sld xmlns:a="http://schemas.openxmlformats.org/drawingml/2006/main" xmlns:r="http://schemas.openxmlformats.org/officeDocument/2006/relationships" xmlns:p="http://schemas.openxmlformats.org/presentationml/2006/main">
+  <p:cSld>
+    <p:spTree>
+      <p:nvGrpSpPr>
+        <p:cNvPr id="1" name=""/>
+        <p:cNvGrpSpPr/>
+        <p:nvPr/>
+      </p:nvGrpSpPr>
+      <p:grpSpPr>
+        <a:xfrm>
+          <a:off x="0" y="0"/>
+          <a:ext cx="0" cy="0"/>
+          <a:chOff x="0" y="0"/>
+          <a:chExt cx="0" cy="0"/>
+        </a:xfrm>
+      </p:grpSpPr>
+      <p:sp>
+        <p:nvSpPr>
+          <p:cNvPr id="210" name="TextShape 1"/>
+          <p:cNvSpPr txBox="1"/>
+          <p:nvPr/>
+        </p:nvSpPr>
+        <p:spPr>
+          <a:xfrm>
+            <a:off x="1583668" y="729425"/>
+            <a:ext cx="5976664" cy="891720"/>
+          </a:xfrm>
+          <a:prstGeom prst="rect">
+            <a:avLst/>
+          </a:prstGeom>
+          <a:noFill/>
+          <a:ln>
+            <a:noFill/>
+          </a:ln>
+        </p:spPr>
+        <p:txBody>
+          <a:bodyPr anchor="ctr"/>
+          <a:lstStyle/>
+          <a:p>
+            <a:pPr algn="ctr">
+              <a:lnSpc>
+                <a:spcPct val="100000"/>
+              </a:lnSpc>
+            </a:pPr>
+            <a:r>
+              <a:rPr lang="es-ES" sz="3600" spc="-1" dirty="0">
+                <a:solidFill>
+                  <a:srgbClr val="FFC000"/>
+                </a:solidFill>
+                <a:latin typeface="Calibri"/>
+              </a:rPr>
+              <a:t>Í</a:t>
+            </a:r>
+            <a:r>
+              <a:rPr lang="en-US" sz="3600" spc="-1" dirty="0" err="1">
+                <a:solidFill>
+                  <a:srgbClr val="FFC000"/>
+                </a:solidFill>
+                <a:latin typeface="Calibri"/>
+              </a:rPr>
+              <a:t>ndice</a:t>
+            </a:r>
+            <a:endParaRPr lang="en-US" sz="3600" b="0" strike="noStrike" spc="-1" dirty="0">
+              <a:solidFill>
+                <a:srgbClr val="000000"/>
+              </a:solidFill>
+              <a:latin typeface="Calibri"/>
+            </a:endParaRPr>
+          </a:p>
+        </p:txBody>
+      </p:sp>
+      <p:sp>
+        <p:nvSpPr>
+          <p:cNvPr id="211" name="TextShape 2"/>
+          <p:cNvSpPr txBox="1"/>
+          <p:nvPr/>
+        </p:nvSpPr>
+        <p:spPr>
+          <a:xfrm>
+            <a:off x="2555776" y="1491630"/>
+            <a:ext cx="2736304" cy="2501111"/>
+          </a:xfrm>
+          <a:prstGeom prst="rect">
+            <a:avLst/>
+          </a:prstGeom>
+          <a:noFill/>
+          <a:ln>
+            <a:noFill/>
+          </a:ln>
+        </p:spPr>
+        <p:txBody>
+          <a:bodyPr/>
+          <a:lstStyle/>
+          <a:p>
+            <a:pPr marL="228600" indent="-228600">
+              <a:lnSpc>
+                <a:spcPct val="100000"/>
+              </a:lnSpc>
+              <a:spcBef>
+                <a:spcPts val="561"/>
+              </a:spcBef>
+              <a:buFont typeface="+mj-lt"/>
+              <a:buAutoNum type="arabicPeriod"/>
+            </a:pPr>
+            <a:r>
+              <a:rPr lang="en-US" sz="1400" spc="-1" dirty="0" err="1">
+                <a:solidFill>
+                  <a:schemeClr val="bg1"/>
+                </a:solidFill>
+                <a:latin typeface="Calibri"/>
+              </a:rPr>
+              <a:t>Presentación</a:t>
+            </a:r>
+            <a:endParaRPr lang="en-US" sz="1400" spc="-1" dirty="0">
+              <a:solidFill>
+                <a:schemeClr val="bg1"/>
+              </a:solidFill>
+              <a:latin typeface="Calibri"/>
+            </a:endParaRPr>
+          </a:p>
+          <a:p>
+            <a:pPr marL="228600" indent="-228600">
+              <a:lnSpc>
+                <a:spcPct val="100000"/>
+              </a:lnSpc>
+              <a:spcBef>
+                <a:spcPts val="561"/>
+              </a:spcBef>
+              <a:buFont typeface="+mj-lt"/>
+              <a:buAutoNum type="arabicPeriod"/>
+            </a:pPr>
+            <a:r>
+              <a:rPr lang="en-US" sz="1400" b="0" strike="noStrike" spc="-1" dirty="0" err="1">
+                <a:solidFill>
+                  <a:schemeClr val="bg1"/>
+                </a:solidFill>
+                <a:latin typeface="Calibri"/>
+              </a:rPr>
+              <a:t>Objetivo</a:t>
+            </a:r>
+            <a:endParaRPr lang="en-US" sz="1400" b="0" strike="noStrike" spc="-1" dirty="0">
+              <a:solidFill>
+                <a:schemeClr val="bg1"/>
+              </a:solidFill>
+              <a:latin typeface="Calibri"/>
+            </a:endParaRPr>
+          </a:p>
+          <a:p>
+            <a:pPr marL="228600" indent="-228600">
+              <a:lnSpc>
+                <a:spcPct val="100000"/>
+              </a:lnSpc>
+              <a:spcBef>
+                <a:spcPts val="561"/>
+              </a:spcBef>
+              <a:buFont typeface="+mj-lt"/>
+              <a:buAutoNum type="arabicPeriod"/>
+            </a:pPr>
+            <a:r>
+              <a:rPr lang="en-US" sz="1400" b="0" strike="noStrike" spc="-1" dirty="0">
+                <a:solidFill>
+                  <a:schemeClr val="bg1"/>
+                </a:solidFill>
+                <a:latin typeface="Calibri"/>
+              </a:rPr>
+              <a:t>Desarrollo de la </a:t>
+            </a:r>
+            <a:r>
+              <a:rPr lang="en-US" sz="1400" b="0" strike="noStrike" spc="-1" dirty="0" err="1">
+                <a:solidFill>
+                  <a:schemeClr val="bg1"/>
+                </a:solidFill>
+                <a:latin typeface="Calibri"/>
+              </a:rPr>
+              <a:t>aplicación</a:t>
+            </a:r>
+            <a:endParaRPr lang="en-US" sz="1400" b="0" strike="noStrike" spc="-1" dirty="0">
+              <a:solidFill>
+                <a:schemeClr val="bg1"/>
+              </a:solidFill>
+              <a:latin typeface="Calibri"/>
+            </a:endParaRPr>
+          </a:p>
+          <a:p>
+            <a:pPr marL="685800" lvl="1" indent="-228600">
+              <a:spcBef>
+                <a:spcPts val="561"/>
+              </a:spcBef>
+              <a:buFont typeface="+mj-lt"/>
+              <a:buAutoNum type="arabicParenR"/>
+            </a:pPr>
+            <a:r>
+              <a:rPr lang="en-US" sz="1400" b="0" strike="noStrike" spc="-1" dirty="0" err="1">
+                <a:solidFill>
+                  <a:schemeClr val="bg1"/>
+                </a:solidFill>
+                <a:latin typeface="Calibri"/>
+              </a:rPr>
+              <a:t>Análisis</a:t>
+            </a:r>
+            <a:endParaRPr lang="en-US" sz="1400" b="0" strike="noStrike" spc="-1" dirty="0">
+              <a:solidFill>
+                <a:schemeClr val="bg1"/>
+              </a:solidFill>
+              <a:latin typeface="Calibri"/>
+            </a:endParaRPr>
+          </a:p>
+          <a:p>
+            <a:pPr marL="685800" lvl="1" indent="-228600">
+              <a:spcBef>
+                <a:spcPts val="561"/>
+              </a:spcBef>
+              <a:buFont typeface="+mj-lt"/>
+              <a:buAutoNum type="arabicParenR"/>
+            </a:pPr>
+            <a:r>
+              <a:rPr lang="en-US" sz="1400" spc="-1" dirty="0" err="1">
+                <a:solidFill>
+                  <a:schemeClr val="bg1"/>
+                </a:solidFill>
+                <a:latin typeface="Calibri"/>
+              </a:rPr>
+              <a:t>Diseño</a:t>
+            </a:r>
+            <a:endParaRPr lang="en-US" sz="1400" spc="-1" dirty="0">
+              <a:solidFill>
+                <a:schemeClr val="bg1"/>
+              </a:solidFill>
+              <a:latin typeface="Calibri"/>
+            </a:endParaRPr>
+          </a:p>
+          <a:p>
+            <a:pPr marL="1200150" lvl="2" indent="-285750">
+              <a:spcBef>
+                <a:spcPts val="561"/>
+              </a:spcBef>
+              <a:buFont typeface="+mj-lt"/>
+              <a:buAutoNum type="romanUcPeriod"/>
+            </a:pPr>
+            <a:r>
+              <a:rPr lang="en-US" sz="1400" spc="-1" dirty="0" err="1">
+                <a:solidFill>
+                  <a:schemeClr val="bg1"/>
+                </a:solidFill>
+                <a:latin typeface="Calibri"/>
+              </a:rPr>
+              <a:t>Prototipos</a:t>
+            </a:r>
+            <a:endParaRPr lang="en-US" sz="1400" spc="-1" dirty="0">
+              <a:solidFill>
+                <a:schemeClr val="bg1"/>
+              </a:solidFill>
+              <a:latin typeface="Calibri"/>
+            </a:endParaRPr>
+          </a:p>
+          <a:p>
+            <a:pPr marL="685800" lvl="1" indent="-228600">
+              <a:spcBef>
+                <a:spcPts val="561"/>
+              </a:spcBef>
+              <a:buFont typeface="+mj-lt"/>
+              <a:buAutoNum type="arabicParenR"/>
+            </a:pPr>
+            <a:r>
+              <a:rPr lang="en-US" sz="1400" b="0" strike="noStrike" spc="-1" dirty="0" err="1">
+                <a:solidFill>
+                  <a:schemeClr val="bg1"/>
+                </a:solidFill>
+                <a:latin typeface="Calibri"/>
+              </a:rPr>
+              <a:t>Planificación</a:t>
+            </a:r>
+            <a:endParaRPr lang="en-US" sz="1400" b="0" strike="noStrike" spc="-1" dirty="0">
+              <a:solidFill>
+                <a:schemeClr val="bg1"/>
+              </a:solidFill>
+              <a:latin typeface="Calibri"/>
+            </a:endParaRPr>
+          </a:p>
+          <a:p>
+            <a:pPr marL="685800" lvl="1" indent="-228600">
+              <a:spcBef>
+                <a:spcPts val="561"/>
+              </a:spcBef>
+              <a:buFont typeface="+mj-lt"/>
+              <a:buAutoNum type="arabicParenR"/>
+            </a:pPr>
+            <a:r>
+              <a:rPr lang="en-US" sz="1400" spc="-1" dirty="0" err="1">
+                <a:solidFill>
+                  <a:schemeClr val="bg1"/>
+                </a:solidFill>
+                <a:latin typeface="Calibri"/>
+              </a:rPr>
+              <a:t>Ejecución</a:t>
+            </a:r>
+            <a:endParaRPr lang="en-US" sz="1400" b="0" strike="noStrike" spc="-1" dirty="0">
+              <a:solidFill>
+                <a:schemeClr val="bg1"/>
+              </a:solidFill>
+              <a:latin typeface="Calibri"/>
+            </a:endParaRPr>
+          </a:p>
+          <a:p>
+            <a:pPr marL="228600" indent="-228600">
+              <a:lnSpc>
+                <a:spcPct val="100000"/>
+              </a:lnSpc>
+              <a:spcBef>
+                <a:spcPts val="561"/>
+              </a:spcBef>
+              <a:buFont typeface="+mj-lt"/>
+              <a:buAutoNum type="arabicPeriod"/>
+            </a:pPr>
+            <a:r>
+              <a:rPr lang="en-US" sz="1400" spc="-1" dirty="0" err="1">
+                <a:solidFill>
+                  <a:schemeClr val="bg1"/>
+                </a:solidFill>
+                <a:latin typeface="Calibri"/>
+              </a:rPr>
+              <a:t>DidaktikAPP</a:t>
+            </a:r>
+            <a:endParaRPr lang="en-US" sz="1400" spc="-1" dirty="0">
+              <a:solidFill>
+                <a:schemeClr val="bg1"/>
+              </a:solidFill>
+              <a:latin typeface="Calibri"/>
+            </a:endParaRPr>
+          </a:p>
+          <a:p>
+            <a:pPr marL="685800" lvl="1" indent="-228600">
+              <a:spcBef>
+                <a:spcPts val="561"/>
+              </a:spcBef>
+              <a:buFont typeface="+mj-lt"/>
+              <a:buAutoNum type="arabicParenR"/>
+            </a:pPr>
+            <a:r>
+              <a:rPr lang="en-US" sz="1400" spc="-1" dirty="0" err="1">
+                <a:solidFill>
+                  <a:schemeClr val="bg1"/>
+                </a:solidFill>
+                <a:latin typeface="Calibri"/>
+              </a:rPr>
+              <a:t>Actividades</a:t>
+            </a:r>
+            <a:r>
+              <a:rPr lang="en-US" sz="1400" spc="-1" dirty="0">
+                <a:solidFill>
+                  <a:schemeClr val="bg1"/>
+                </a:solidFill>
+                <a:latin typeface="Calibri"/>
+              </a:rPr>
+              <a:t> de </a:t>
+            </a:r>
+            <a:r>
+              <a:rPr lang="en-US" sz="1400" spc="-1" dirty="0" err="1">
+                <a:solidFill>
+                  <a:schemeClr val="bg1"/>
+                </a:solidFill>
+                <a:latin typeface="Calibri"/>
+              </a:rPr>
+              <a:t>DidaktikAPP</a:t>
+            </a:r>
+            <a:endParaRPr lang="en-US" sz="1400" spc="-1" dirty="0">
+              <a:solidFill>
+                <a:schemeClr val="bg1"/>
+              </a:solidFill>
+              <a:latin typeface="Calibri"/>
+            </a:endParaRPr>
+          </a:p>
+          <a:p>
+            <a:pPr marL="228600" indent="-228600">
+              <a:lnSpc>
+                <a:spcPct val="100000"/>
+              </a:lnSpc>
+              <a:spcBef>
+                <a:spcPts val="561"/>
+              </a:spcBef>
+              <a:buFont typeface="+mj-lt"/>
+              <a:buAutoNum type="arabicPeriod"/>
+            </a:pPr>
+            <a:r>
+              <a:rPr lang="en-US" sz="1400" b="0" strike="noStrike" spc="-1" dirty="0" err="1">
+                <a:solidFill>
+                  <a:schemeClr val="bg1"/>
+                </a:solidFill>
+                <a:latin typeface="Calibri"/>
+              </a:rPr>
+              <a:t>Créditos</a:t>
+            </a:r>
+            <a:endParaRPr lang="en-US" sz="1400" b="0" strike="noStrike" spc="-1" dirty="0">
+              <a:solidFill>
+                <a:schemeClr val="bg1"/>
+              </a:solidFill>
+              <a:latin typeface="Calibri"/>
+            </a:endParaRPr>
+          </a:p>
+          <a:p>
+            <a:pPr marL="514350" indent="-514350">
+              <a:lnSpc>
+                <a:spcPct val="100000"/>
+              </a:lnSpc>
+              <a:spcBef>
+                <a:spcPts val="561"/>
+              </a:spcBef>
+              <a:buFont typeface="+mj-lt"/>
+              <a:buAutoNum type="arabicPeriod"/>
+            </a:pPr>
+            <a:endParaRPr lang="en-US" sz="1200" spc="-1" dirty="0">
+              <a:solidFill>
+                <a:schemeClr val="bg1"/>
+              </a:solidFill>
+              <a:latin typeface="Calibri"/>
+            </a:endParaRPr>
+          </a:p>
+          <a:p>
+            <a:pPr marL="971550" lvl="1" indent="-514350">
+              <a:spcBef>
+                <a:spcPts val="561"/>
+              </a:spcBef>
+              <a:buFont typeface="+mj-lt"/>
+              <a:buAutoNum type="arabicPeriod"/>
+            </a:pPr>
+            <a:endParaRPr lang="en-US" sz="1200" b="0" strike="noStrike" spc="-1" dirty="0">
+              <a:solidFill>
+                <a:schemeClr val="bg1"/>
+              </a:solidFill>
+              <a:latin typeface="Calibri"/>
+            </a:endParaRPr>
+          </a:p>
+          <a:p>
+            <a:pPr>
+              <a:lnSpc>
+                <a:spcPct val="100000"/>
+              </a:lnSpc>
+              <a:spcBef>
+                <a:spcPts val="561"/>
+              </a:spcBef>
+            </a:pPr>
+            <a:endParaRPr lang="en-US" sz="2800" b="0" strike="noStrike" spc="-1" dirty="0">
+              <a:solidFill>
+                <a:srgbClr val="000000"/>
+              </a:solidFill>
+              <a:latin typeface="Calibri"/>
+            </a:endParaRPr>
+          </a:p>
+        </p:txBody>
+      </p:sp>
+      <p:pic>
+        <p:nvPicPr>
+          <p:cNvPr id="212" name="211 Imagen"/>
+          <p:cNvPicPr/>
+          <p:nvPr/>
+        </p:nvPicPr>
+        <p:blipFill>
+          <a:blip r:embed="rId2"/>
+          <a:stretch/>
+        </p:blipFill>
+        <p:spPr>
+          <a:xfrm>
+            <a:off x="6120000" y="1818000"/>
+            <a:ext cx="2285640" cy="2285640"/>
+          </a:xfrm>
+          <a:prstGeom prst="rect">
+            <a:avLst/>
+          </a:prstGeom>
+          <a:ln>
+            <a:noFill/>
+          </a:ln>
+        </p:spPr>
+      </p:pic>
+    </p:spTree>
+  </p:cSld>
+  <p:clrMapOvr>
+    <a:masterClrMapping/>
+  </p:clrMapOvr>
+  <p:timing>
+    <p:tnLst>
+      <p:par>
+        <p:cTn id="1" dur="indefinite" restart="never" nodeType="tmRoot">
+          <p:childTnLst>
+            <p:seq>
+              <p:cTn id="2" dur="indefinite" nodeType="mainSeq"/>
+              <p:prevCondLst>
+                <p:cond evt="onPrev" delay="0">
+                  <p:tgtEl>
+                    <p:sldTgt/>
+                  </p:tgtEl>
+                </p:cond>
+              </p:prevCondLst>
+              <p:nextCondLst>
+                <p:cond evt="onNext" delay="0">
+                  <p:tgtEl>
+                    <p:sldTgt/>
+                  </p:tgtEl>
+                </p:cond>
+              </p:nextCondLst>
+            </p:seq>
+          </p:childTnLst>
+        </p:cTn>
+      </p:par>
+    </p:tnLst>
+  </p:timing>
+</p:sld>
+</file>
+
+<file path=ppt/slides/slide3.xml><?xml version="1.0" encoding="utf-8"?>
 <p:sld xmlns:a="http://schemas.openxmlformats.org/drawingml/2006/main" xmlns:r="http://schemas.openxmlformats.org/officeDocument/2006/relationships" xmlns:p="http://schemas.openxmlformats.org/presentationml/2006/main">
   <p:cSld>
     <p:spTree>
@@ -11542,7 +12403,7 @@
               </a:buClr>
             </a:pPr>
             <a:r>
-              <a:rPr lang="es-ES" sz="2800" spc="-1" dirty="0">
+              <a:rPr lang="es-ES" sz="2000" spc="-1" dirty="0">
                 <a:solidFill>
                   <a:schemeClr val="bg1"/>
                 </a:solidFill>
@@ -11550,7 +12411,7 @@
               </a:rPr>
               <a:t>Equipo esta conformado por tres programadores entusiastas, responsables, y creativos. </a:t>
             </a:r>
-            <a:endParaRPr lang="en-US" sz="2800" spc="-1" dirty="0">
+            <a:endParaRPr lang="en-US" sz="2000" spc="-1" dirty="0">
               <a:solidFill>
                 <a:schemeClr val="bg1"/>
               </a:solidFill>
@@ -11615,359 +12476,11 @@
         </p:spPr>
       </p:pic>
     </p:spTree>
-  </p:cSld>
-  <p:clrMapOvr>
-    <a:masterClrMapping/>
-  </p:clrMapOvr>
-  <p:timing>
-    <p:tnLst>
-      <p:par>
-        <p:cTn id="1" dur="indefinite" restart="never" nodeType="tmRoot">
-          <p:childTnLst>
-            <p:seq>
-              <p:cTn id="2" dur="indefinite" nodeType="mainSeq"/>
-              <p:prevCondLst>
-                <p:cond evt="onPrev" delay="0">
-                  <p:tgtEl>
-                    <p:sldTgt/>
-                  </p:tgtEl>
-                </p:cond>
-              </p:prevCondLst>
-              <p:nextCondLst>
-                <p:cond evt="onNext" delay="0">
-                  <p:tgtEl>
-                    <p:sldTgt/>
-                  </p:tgtEl>
-                </p:cond>
-              </p:nextCondLst>
-            </p:seq>
-          </p:childTnLst>
-        </p:cTn>
-      </p:par>
-    </p:tnLst>
-  </p:timing>
-</p:sld>
-</file>
-
-<file path=ppt/slides/slide3.xml><?xml version="1.0" encoding="utf-8"?>
-<p:sld xmlns:a="http://schemas.openxmlformats.org/drawingml/2006/main" xmlns:r="http://schemas.openxmlformats.org/officeDocument/2006/relationships" xmlns:p="http://schemas.openxmlformats.org/presentationml/2006/main">
-  <p:cSld>
-    <p:spTree>
-      <p:nvGrpSpPr>
-        <p:cNvPr id="1" name=""/>
-        <p:cNvGrpSpPr/>
-        <p:nvPr/>
-      </p:nvGrpSpPr>
-      <p:grpSpPr>
-        <a:xfrm>
-          <a:off x="0" y="0"/>
-          <a:ext cx="0" cy="0"/>
-          <a:chOff x="0" y="0"/>
-          <a:chExt cx="0" cy="0"/>
-        </a:xfrm>
-      </p:grpSpPr>
-      <p:sp>
-        <p:nvSpPr>
-          <p:cNvPr id="213" name="TextShape 1"/>
-          <p:cNvSpPr txBox="1"/>
-          <p:nvPr/>
-        </p:nvSpPr>
-        <p:spPr>
-          <a:xfrm>
-            <a:off x="448920" y="433440"/>
-            <a:ext cx="5955120" cy="572400"/>
-          </a:xfrm>
-          <a:prstGeom prst="rect">
-            <a:avLst/>
-          </a:prstGeom>
-          <a:noFill/>
-          <a:ln>
-            <a:noFill/>
-          </a:ln>
-        </p:spPr>
-        <p:txBody>
-          <a:bodyPr anchor="ctr">
-            <a:normAutofit fontScale="92500" lnSpcReduction="10000"/>
-          </a:bodyPr>
-          <a:lstStyle/>
-          <a:p>
-            <a:pPr algn="ctr">
-              <a:lnSpc>
-                <a:spcPct val="100000"/>
-              </a:lnSpc>
-            </a:pPr>
-            <a:r>
-              <a:rPr lang="en-US" sz="3600" b="0" strike="noStrike" spc="-1" dirty="0" err="1">
-                <a:solidFill>
-                  <a:srgbClr val="FFC000"/>
-                </a:solidFill>
-                <a:latin typeface="Calibri"/>
-              </a:rPr>
-              <a:t>Objetivo</a:t>
-            </a:r>
-            <a:endParaRPr lang="en-US" sz="3600" b="0" strike="noStrike" spc="-1" dirty="0">
-              <a:solidFill>
-                <a:srgbClr val="000000"/>
-              </a:solidFill>
-              <a:latin typeface="Calibri"/>
-            </a:endParaRPr>
-          </a:p>
-        </p:txBody>
-      </p:sp>
-      <p:sp>
-        <p:nvSpPr>
-          <p:cNvPr id="214" name="TextShape 2"/>
-          <p:cNvSpPr txBox="1"/>
-          <p:nvPr/>
-        </p:nvSpPr>
-        <p:spPr>
-          <a:xfrm>
-            <a:off x="448920" y="1198080"/>
-            <a:ext cx="5955120" cy="3510720"/>
-          </a:xfrm>
-          <a:prstGeom prst="rect">
-            <a:avLst/>
-          </a:prstGeom>
-          <a:noFill/>
-          <a:ln>
-            <a:noFill/>
-          </a:ln>
-        </p:spPr>
-        <p:txBody>
-          <a:bodyPr/>
-          <a:lstStyle/>
-          <a:p>
-            <a:pPr marL="457560" indent="-457200">
-              <a:lnSpc>
-                <a:spcPct val="100000"/>
-              </a:lnSpc>
-              <a:spcBef>
-                <a:spcPts val="561"/>
-              </a:spcBef>
-              <a:buClr>
-                <a:srgbClr val="FFFFFF"/>
-              </a:buClr>
-              <a:buFont typeface="Wingdings" panose="05000000000000000000" pitchFamily="2" charset="2"/>
-              <a:buChar char="Ø"/>
-            </a:pPr>
-            <a:r>
-              <a:rPr lang="en-US" sz="2800" b="0" strike="noStrike" spc="-1" dirty="0" err="1">
-                <a:solidFill>
-                  <a:srgbClr val="FFFFFF"/>
-                </a:solidFill>
-                <a:latin typeface="Calibri"/>
-              </a:rPr>
-              <a:t>Diseñar</a:t>
-            </a:r>
-            <a:endParaRPr lang="en-US" sz="2800" b="0" strike="noStrike" spc="-1" dirty="0">
-              <a:solidFill>
-                <a:srgbClr val="000000"/>
-              </a:solidFill>
-              <a:latin typeface="Calibri"/>
-            </a:endParaRPr>
-          </a:p>
-          <a:p>
-            <a:pPr marL="457560" indent="-457200">
-              <a:lnSpc>
-                <a:spcPct val="100000"/>
-              </a:lnSpc>
-              <a:spcBef>
-                <a:spcPts val="561"/>
-              </a:spcBef>
-              <a:buClr>
-                <a:srgbClr val="FFFFFF"/>
-              </a:buClr>
-              <a:buFont typeface="Wingdings" panose="05000000000000000000" pitchFamily="2" charset="2"/>
-              <a:buChar char="Ø"/>
-            </a:pPr>
-            <a:r>
-              <a:rPr lang="en-US" sz="2800" b="0" strike="noStrike" spc="-1" dirty="0" err="1">
-                <a:solidFill>
-                  <a:srgbClr val="FFFFFF"/>
-                </a:solidFill>
-                <a:latin typeface="Calibri"/>
-              </a:rPr>
-              <a:t>Implementar</a:t>
-            </a:r>
-            <a:endParaRPr lang="en-US" sz="2800" b="0" strike="noStrike" spc="-1" dirty="0">
-              <a:solidFill>
-                <a:srgbClr val="000000"/>
-              </a:solidFill>
-              <a:latin typeface="Calibri"/>
-            </a:endParaRPr>
-          </a:p>
-          <a:p>
-            <a:pPr marL="457560" indent="-457200">
-              <a:lnSpc>
-                <a:spcPct val="100000"/>
-              </a:lnSpc>
-              <a:spcBef>
-                <a:spcPts val="561"/>
-              </a:spcBef>
-              <a:buClr>
-                <a:srgbClr val="FFFFFF"/>
-              </a:buClr>
-              <a:buFont typeface="Wingdings" panose="05000000000000000000" pitchFamily="2" charset="2"/>
-              <a:buChar char="Ø"/>
-            </a:pPr>
-            <a:r>
-              <a:rPr lang="en-US" sz="2800" b="0" strike="noStrike" spc="-1" dirty="0">
-                <a:solidFill>
-                  <a:srgbClr val="FFFFFF"/>
-                </a:solidFill>
-                <a:latin typeface="Calibri"/>
-              </a:rPr>
-              <a:t>De </a:t>
-            </a:r>
-            <a:r>
-              <a:rPr lang="en-US" sz="2800" b="0" strike="noStrike" spc="-1" dirty="0" err="1">
-                <a:solidFill>
-                  <a:srgbClr val="FFFFFF"/>
-                </a:solidFill>
-                <a:latin typeface="Calibri"/>
-              </a:rPr>
-              <a:t>carácter</a:t>
-            </a:r>
-            <a:r>
-              <a:rPr lang="en-US" sz="2800" b="0" strike="noStrike" spc="-1" dirty="0">
-                <a:solidFill>
-                  <a:srgbClr val="FFFFFF"/>
-                </a:solidFill>
-                <a:latin typeface="Calibri"/>
-              </a:rPr>
-              <a:t> </a:t>
-            </a:r>
-            <a:r>
-              <a:rPr lang="en-US" sz="2800" b="0" strike="noStrike" spc="-1" dirty="0" err="1">
-                <a:solidFill>
-                  <a:srgbClr val="FFFFFF"/>
-                </a:solidFill>
-                <a:latin typeface="Calibri"/>
-              </a:rPr>
-              <a:t>didáctico</a:t>
-            </a:r>
-            <a:endParaRPr lang="en-US" sz="2800" b="0" strike="noStrike" spc="-1" dirty="0">
-              <a:solidFill>
-                <a:srgbClr val="000000"/>
-              </a:solidFill>
-              <a:latin typeface="Calibri"/>
-            </a:endParaRPr>
-          </a:p>
-          <a:p>
-            <a:pPr marL="457560" indent="-457200">
-              <a:lnSpc>
-                <a:spcPct val="100000"/>
-              </a:lnSpc>
-              <a:spcBef>
-                <a:spcPts val="561"/>
-              </a:spcBef>
-              <a:buClr>
-                <a:srgbClr val="FFFFFF"/>
-              </a:buClr>
-              <a:buFont typeface="Wingdings" panose="05000000000000000000" pitchFamily="2" charset="2"/>
-              <a:buChar char="Ø"/>
-            </a:pPr>
-            <a:r>
-              <a:rPr lang="en-US" sz="2800" b="0" strike="noStrike" spc="-1" dirty="0">
-                <a:solidFill>
-                  <a:srgbClr val="FFFFFF"/>
-                </a:solidFill>
-                <a:latin typeface="Calibri"/>
-              </a:rPr>
-              <a:t>Cultural</a:t>
-            </a:r>
-            <a:endParaRPr lang="en-US" sz="2800" b="0" strike="noStrike" spc="-1" dirty="0">
-              <a:solidFill>
-                <a:srgbClr val="000000"/>
-              </a:solidFill>
-              <a:latin typeface="Calibri"/>
-            </a:endParaRPr>
-          </a:p>
-          <a:p>
-            <a:pPr marL="457560" indent="-457200">
-              <a:lnSpc>
-                <a:spcPct val="100000"/>
-              </a:lnSpc>
-              <a:spcBef>
-                <a:spcPts val="561"/>
-              </a:spcBef>
-              <a:buClr>
-                <a:srgbClr val="FFFFFF"/>
-              </a:buClr>
-              <a:buFont typeface="Wingdings" panose="05000000000000000000" pitchFamily="2" charset="2"/>
-              <a:buChar char="Ø"/>
-            </a:pPr>
-            <a:r>
-              <a:rPr lang="en-US" sz="2800" b="0" strike="noStrike" spc="-1" dirty="0" err="1">
-                <a:solidFill>
-                  <a:srgbClr val="FFFFFF"/>
-                </a:solidFill>
-                <a:latin typeface="Calibri"/>
-              </a:rPr>
-              <a:t>Laudio</a:t>
-            </a:r>
-            <a:endParaRPr lang="en-US" sz="2800" b="0" strike="noStrike" spc="-1" dirty="0">
-              <a:solidFill>
-                <a:srgbClr val="000000"/>
-              </a:solidFill>
-              <a:latin typeface="Calibri"/>
-            </a:endParaRPr>
-          </a:p>
-          <a:p>
-            <a:pPr>
-              <a:lnSpc>
-                <a:spcPct val="100000"/>
-              </a:lnSpc>
-              <a:spcBef>
-                <a:spcPts val="561"/>
-              </a:spcBef>
-            </a:pPr>
-            <a:endParaRPr lang="en-US" sz="2800" b="0" strike="noStrike" spc="-1" dirty="0">
-              <a:solidFill>
-                <a:srgbClr val="000000"/>
-              </a:solidFill>
-              <a:latin typeface="Calibri"/>
-            </a:endParaRPr>
-          </a:p>
-        </p:txBody>
-      </p:sp>
-      <p:pic>
-        <p:nvPicPr>
-          <p:cNvPr id="4" name="Imagen 3" descr="Imagen que contiene flor, alimentos&#10;&#10;Descripción generada automáticamente">
-            <a:extLst>
-              <a:ext uri="{FF2B5EF4-FFF2-40B4-BE49-F238E27FC236}">
-                <a16:creationId xmlns:a16="http://schemas.microsoft.com/office/drawing/2014/main" id="{7920485B-8A5B-416F-951F-1F0631F823DA}"/>
-              </a:ext>
-            </a:extLst>
-          </p:cNvPr>
-          <p:cNvPicPr>
-            <a:picLocks noChangeAspect="1"/>
-          </p:cNvPicPr>
-          <p:nvPr/>
-        </p:nvPicPr>
-        <p:blipFill>
-          <a:blip r:embed="rId2">
-            <a:extLst>
-              <a:ext uri="{28A0092B-C50C-407E-A947-70E740481C1C}">
-                <a14:useLocalDpi xmlns:a14="http://schemas.microsoft.com/office/drawing/2010/main" val="0"/>
-              </a:ext>
-            </a:extLst>
-          </a:blip>
-          <a:stretch>
-            <a:fillRect/>
-          </a:stretch>
-        </p:blipFill>
-        <p:spPr>
-          <a:xfrm>
-            <a:off x="4572000" y="1462730"/>
-            <a:ext cx="1798055" cy="2218039"/>
-          </a:xfrm>
-          <a:prstGeom prst="rect">
-            <a:avLst/>
-          </a:prstGeom>
-        </p:spPr>
-      </p:pic>
-    </p:spTree>
+    <p:extLst>
+      <p:ext uri="{BB962C8B-B14F-4D97-AF65-F5344CB8AC3E}">
+        <p14:creationId xmlns:p14="http://schemas.microsoft.com/office/powerpoint/2010/main" val="776874033"/>
+      </p:ext>
+    </p:extLst>
   </p:cSld>
   <p:clrMapOvr>
     <a:masterClrMapping/>
@@ -12027,8 +12540,8 @@
         </p:nvSpPr>
         <p:spPr>
           <a:xfrm>
-            <a:off x="0" y="555526"/>
-            <a:ext cx="7596336" cy="572400"/>
+            <a:off x="448920" y="433440"/>
+            <a:ext cx="5955120" cy="572400"/>
           </a:xfrm>
           <a:prstGeom prst="rect">
             <a:avLst/>
@@ -12056,29 +12569,228 @@
                 </a:solidFill>
                 <a:latin typeface="Calibri"/>
               </a:rPr>
-              <a:t>Fases</a:t>
+              <a:t>Objetivo</a:t>
             </a:r>
+            <a:endParaRPr lang="en-US" sz="3600" b="0" strike="noStrike" spc="-1" dirty="0">
+              <a:solidFill>
+                <a:srgbClr val="000000"/>
+              </a:solidFill>
+              <a:latin typeface="Calibri"/>
+            </a:endParaRPr>
+          </a:p>
+        </p:txBody>
+      </p:sp>
+      <p:sp>
+        <p:nvSpPr>
+          <p:cNvPr id="214" name="TextShape 2"/>
+          <p:cNvSpPr txBox="1"/>
+          <p:nvPr/>
+        </p:nvSpPr>
+        <p:spPr>
+          <a:xfrm>
+            <a:off x="448920" y="1198080"/>
+            <a:ext cx="5955120" cy="3510720"/>
+          </a:xfrm>
+          <a:prstGeom prst="rect">
+            <a:avLst/>
+          </a:prstGeom>
+          <a:noFill/>
+          <a:ln>
+            <a:noFill/>
+          </a:ln>
+        </p:spPr>
+        <p:txBody>
+          <a:bodyPr/>
+          <a:lstStyle/>
+          <a:p>
+            <a:pPr marL="457560" indent="-457200">
+              <a:lnSpc>
+                <a:spcPct val="100000"/>
+              </a:lnSpc>
+              <a:spcBef>
+                <a:spcPts val="561"/>
+              </a:spcBef>
+              <a:buClr>
+                <a:srgbClr val="FFFFFF"/>
+              </a:buClr>
+              <a:buFont typeface="Wingdings" panose="05000000000000000000" pitchFamily="2" charset="2"/>
+              <a:buChar char="Ø"/>
+            </a:pPr>
             <a:r>
-              <a:rPr lang="en-US" sz="3600" b="0" strike="noStrike" spc="-1" dirty="0">
+              <a:rPr lang="en-US" sz="2800" b="0" strike="noStrike" spc="-1" dirty="0" err="1">
                 <a:solidFill>
-                  <a:srgbClr val="FFC000"/>
+                  <a:srgbClr val="FFFFFF"/>
                 </a:solidFill>
                 <a:latin typeface="Calibri"/>
               </a:rPr>
-              <a:t> del Desarrollo de la </a:t>
+              <a:t>Diseñar</a:t>
             </a:r>
+            <a:endParaRPr lang="en-US" sz="2800" b="0" strike="noStrike" spc="-1" dirty="0">
+              <a:solidFill>
+                <a:srgbClr val="000000"/>
+              </a:solidFill>
+              <a:latin typeface="Calibri"/>
+            </a:endParaRPr>
+          </a:p>
+          <a:p>
+            <a:pPr marL="457560" indent="-457200">
+              <a:lnSpc>
+                <a:spcPct val="100000"/>
+              </a:lnSpc>
+              <a:spcBef>
+                <a:spcPts val="561"/>
+              </a:spcBef>
+              <a:buClr>
+                <a:srgbClr val="FFFFFF"/>
+              </a:buClr>
+              <a:buFont typeface="Wingdings" panose="05000000000000000000" pitchFamily="2" charset="2"/>
+              <a:buChar char="Ø"/>
+            </a:pPr>
             <a:r>
-              <a:rPr lang="en-US" sz="3600" b="0" strike="noStrike" spc="-1" dirty="0" err="1">
+              <a:rPr lang="en-US" sz="2800" b="0" strike="noStrike" spc="-1" dirty="0" err="1">
                 <a:solidFill>
-                  <a:srgbClr val="FFC000"/>
+                  <a:srgbClr val="FFFFFF"/>
                 </a:solidFill>
                 <a:latin typeface="Calibri"/>
               </a:rPr>
-              <a:t>aplicación</a:t>
+              <a:t>Implementar</a:t>
             </a:r>
-            <a:endParaRPr lang="en-US" sz="3600" spc="-1" dirty="0">
-              <a:solidFill>
-                <a:srgbClr val="FFC000"/>
+            <a:endParaRPr lang="en-US" sz="2800" b="0" strike="noStrike" spc="-1" dirty="0">
+              <a:solidFill>
+                <a:srgbClr val="000000"/>
+              </a:solidFill>
+              <a:latin typeface="Calibri"/>
+            </a:endParaRPr>
+          </a:p>
+          <a:p>
+            <a:pPr marL="457560" indent="-457200">
+              <a:lnSpc>
+                <a:spcPct val="100000"/>
+              </a:lnSpc>
+              <a:spcBef>
+                <a:spcPts val="561"/>
+              </a:spcBef>
+              <a:buClr>
+                <a:srgbClr val="FFFFFF"/>
+              </a:buClr>
+              <a:buFont typeface="Wingdings" panose="05000000000000000000" pitchFamily="2" charset="2"/>
+              <a:buChar char="Ø"/>
+            </a:pPr>
+            <a:r>
+              <a:rPr lang="en-US" sz="2800" b="0" strike="noStrike" spc="-1" dirty="0">
+                <a:solidFill>
+                  <a:srgbClr val="FFFFFF"/>
+                </a:solidFill>
+                <a:latin typeface="Calibri"/>
+              </a:rPr>
+              <a:t>De </a:t>
+            </a:r>
+            <a:r>
+              <a:rPr lang="en-US" sz="2800" b="0" strike="noStrike" spc="-1" dirty="0" err="1">
+                <a:solidFill>
+                  <a:srgbClr val="FFFFFF"/>
+                </a:solidFill>
+                <a:latin typeface="Calibri"/>
+              </a:rPr>
+              <a:t>carácter</a:t>
+            </a:r>
+            <a:r>
+              <a:rPr lang="en-US" sz="2800" b="0" strike="noStrike" spc="-1" dirty="0">
+                <a:solidFill>
+                  <a:srgbClr val="FFFFFF"/>
+                </a:solidFill>
+                <a:latin typeface="Calibri"/>
+              </a:rPr>
+              <a:t> </a:t>
+            </a:r>
+            <a:r>
+              <a:rPr lang="en-US" sz="2800" b="0" strike="noStrike" spc="-1" dirty="0" err="1">
+                <a:solidFill>
+                  <a:srgbClr val="FFFFFF"/>
+                </a:solidFill>
+                <a:latin typeface="Calibri"/>
+              </a:rPr>
+              <a:t>didáctico</a:t>
+            </a:r>
+            <a:endParaRPr lang="en-US" sz="2800" b="0" strike="noStrike" spc="-1" dirty="0">
+              <a:solidFill>
+                <a:srgbClr val="000000"/>
+              </a:solidFill>
+              <a:latin typeface="Calibri"/>
+            </a:endParaRPr>
+          </a:p>
+          <a:p>
+            <a:pPr marL="457560" indent="-457200">
+              <a:lnSpc>
+                <a:spcPct val="100000"/>
+              </a:lnSpc>
+              <a:spcBef>
+                <a:spcPts val="561"/>
+              </a:spcBef>
+              <a:buClr>
+                <a:srgbClr val="FFFFFF"/>
+              </a:buClr>
+              <a:buFont typeface="Wingdings" panose="05000000000000000000" pitchFamily="2" charset="2"/>
+              <a:buChar char="Ø"/>
+            </a:pPr>
+            <a:r>
+              <a:rPr lang="en-US" sz="2800" b="0" strike="noStrike" spc="-1" dirty="0">
+                <a:solidFill>
+                  <a:srgbClr val="FFFFFF"/>
+                </a:solidFill>
+                <a:latin typeface="Calibri"/>
+              </a:rPr>
+              <a:t>Cultural</a:t>
+            </a:r>
+            <a:endParaRPr lang="en-US" sz="2800" b="0" strike="noStrike" spc="-1" dirty="0">
+              <a:solidFill>
+                <a:srgbClr val="000000"/>
+              </a:solidFill>
+              <a:latin typeface="Calibri"/>
+            </a:endParaRPr>
+          </a:p>
+          <a:p>
+            <a:pPr marL="457560" indent="-457200">
+              <a:lnSpc>
+                <a:spcPct val="100000"/>
+              </a:lnSpc>
+              <a:spcBef>
+                <a:spcPts val="561"/>
+              </a:spcBef>
+              <a:buClr>
+                <a:srgbClr val="FFFFFF"/>
+              </a:buClr>
+              <a:buFont typeface="Wingdings" panose="05000000000000000000" pitchFamily="2" charset="2"/>
+              <a:buChar char="Ø"/>
+            </a:pPr>
+            <a:r>
+              <a:rPr lang="en-US" sz="2800" b="0" strike="noStrike" spc="-1" dirty="0" err="1">
+                <a:solidFill>
+                  <a:srgbClr val="FFFFFF"/>
+                </a:solidFill>
+                <a:latin typeface="Calibri"/>
+              </a:rPr>
+              <a:t>Laudio</a:t>
+            </a:r>
+            <a:endParaRPr lang="en-US" sz="2800" b="0" strike="noStrike" spc="-1" dirty="0">
+              <a:solidFill>
+                <a:srgbClr val="000000"/>
+              </a:solidFill>
+              <a:latin typeface="Calibri"/>
+            </a:endParaRPr>
+          </a:p>
+          <a:p>
+            <a:pPr>
+              <a:lnSpc>
+                <a:spcPct val="100000"/>
+              </a:lnSpc>
+              <a:spcBef>
+                <a:spcPts val="561"/>
+              </a:spcBef>
+            </a:pPr>
+            <a:endParaRPr lang="en-US" sz="2800" b="0" strike="noStrike" spc="-1" dirty="0">
+              <a:solidFill>
+                <a:srgbClr val="000000"/>
               </a:solidFill>
               <a:latin typeface="Calibri"/>
             </a:endParaRPr>
@@ -12087,10 +12799,10 @@
       </p:sp>
       <p:pic>
         <p:nvPicPr>
-          <p:cNvPr id="13" name="Imagen 12" descr="Imagen que contiene señal, firmar&#10;&#10;Descripción generada automáticamente">
+          <p:cNvPr id="4" name="Imagen 3" descr="Imagen que contiene flor, alimentos&#10;&#10;Descripción generada automáticamente">
             <a:extLst>
               <a:ext uri="{FF2B5EF4-FFF2-40B4-BE49-F238E27FC236}">
-                <a16:creationId xmlns:a16="http://schemas.microsoft.com/office/drawing/2014/main" id="{89C24964-23F2-4A9A-8768-0F745DEE6715}"/>
+                <a16:creationId xmlns:a16="http://schemas.microsoft.com/office/drawing/2014/main" id="{7920485B-8A5B-416F-951F-1F0631F823DA}"/>
               </a:ext>
             </a:extLst>
           </p:cNvPr>
@@ -12113,8 +12825,8 @@
         </p:blipFill>
         <p:spPr>
           <a:xfrm>
-            <a:off x="1835696" y="1707654"/>
-            <a:ext cx="3660872" cy="2376914"/>
+            <a:off x="4572000" y="1462730"/>
+            <a:ext cx="1798055" cy="2218039"/>
           </a:xfrm>
           <a:prstGeom prst="rect">
             <a:avLst/>
@@ -12122,11 +12834,6 @@
         </p:spPr>
       </p:pic>
     </p:spTree>
-    <p:extLst>
-      <p:ext uri="{BB962C8B-B14F-4D97-AF65-F5344CB8AC3E}">
-        <p14:creationId xmlns:p14="http://schemas.microsoft.com/office/powerpoint/2010/main" val="976878018"/>
-      </p:ext>
-    </p:extLst>
   </p:cSld>
   <p:clrMapOvr>
     <a:masterClrMapping/>
@@ -12178,12 +12885,78 @@
           <a:chExt cx="0" cy="0"/>
         </a:xfrm>
       </p:grpSpPr>
+      <p:sp>
+        <p:nvSpPr>
+          <p:cNvPr id="213" name="TextShape 1"/>
+          <p:cNvSpPr txBox="1"/>
+          <p:nvPr/>
+        </p:nvSpPr>
+        <p:spPr>
+          <a:xfrm>
+            <a:off x="0" y="555526"/>
+            <a:ext cx="7596336" cy="572400"/>
+          </a:xfrm>
+          <a:prstGeom prst="rect">
+            <a:avLst/>
+          </a:prstGeom>
+          <a:noFill/>
+          <a:ln>
+            <a:noFill/>
+          </a:ln>
+        </p:spPr>
+        <p:txBody>
+          <a:bodyPr anchor="ctr">
+            <a:normAutofit fontScale="92500" lnSpcReduction="10000"/>
+          </a:bodyPr>
+          <a:lstStyle/>
+          <a:p>
+            <a:pPr algn="ctr">
+              <a:lnSpc>
+                <a:spcPct val="100000"/>
+              </a:lnSpc>
+            </a:pPr>
+            <a:r>
+              <a:rPr lang="en-US" sz="3600" b="0" strike="noStrike" spc="-1" dirty="0" err="1">
+                <a:solidFill>
+                  <a:srgbClr val="FFC000"/>
+                </a:solidFill>
+                <a:latin typeface="Calibri"/>
+              </a:rPr>
+              <a:t>Fases</a:t>
+            </a:r>
+            <a:r>
+              <a:rPr lang="en-US" sz="3600" b="0" strike="noStrike" spc="-1" dirty="0">
+                <a:solidFill>
+                  <a:srgbClr val="FFC000"/>
+                </a:solidFill>
+                <a:latin typeface="Calibri"/>
+              </a:rPr>
+              <a:t> del Desarrollo de la </a:t>
+            </a:r>
+            <a:r>
+              <a:rPr lang="en-US" sz="3600" b="0" strike="noStrike" spc="-1" dirty="0" err="1">
+                <a:solidFill>
+                  <a:srgbClr val="FFC000"/>
+                </a:solidFill>
+                <a:latin typeface="Calibri"/>
+              </a:rPr>
+              <a:t>aplicación</a:t>
+            </a:r>
+            <a:endParaRPr lang="en-US" sz="3600" spc="-1" dirty="0">
+              <a:solidFill>
+                <a:srgbClr val="FFC000"/>
+              </a:solidFill>
+              <a:latin typeface="Calibri"/>
+            </a:endParaRPr>
+          </a:p>
+        </p:txBody>
+      </p:sp>
       <p:pic>
         <p:nvPicPr>
-          <p:cNvPr id="5" name="Imagen 4">
+          <p:cNvPr id="13" name="Imagen 12" descr="Imagen que contiene señal, firmar&#10;&#10;Descripción generada automáticamente">
             <a:extLst>
               <a:ext uri="{FF2B5EF4-FFF2-40B4-BE49-F238E27FC236}">
-                <a16:creationId xmlns:a16="http://schemas.microsoft.com/office/drawing/2014/main" id="{FDC7F63A-A220-4995-950F-246635C6BF9B}"/>
+                <a16:creationId xmlns:a16="http://schemas.microsoft.com/office/drawing/2014/main" id="{89C24964-23F2-4A9A-8768-0F745DEE6715}"/>
               </a:ext>
             </a:extLst>
           </p:cNvPr>
@@ -12193,205 +12966,7 @@
           <p:nvPr/>
         </p:nvPicPr>
         <p:blipFill>
-          <a:blip r:embed="rId2"/>
-          <a:stretch>
-            <a:fillRect/>
-          </a:stretch>
-        </p:blipFill>
-        <p:spPr>
-          <a:xfrm>
-            <a:off x="0" y="-277"/>
-            <a:ext cx="1257579" cy="5143500"/>
-          </a:xfrm>
-          <a:prstGeom prst="rect">
-            <a:avLst/>
-          </a:prstGeom>
-        </p:spPr>
-      </p:pic>
-      <p:sp>
-        <p:nvSpPr>
-          <p:cNvPr id="7" name="TextShape 2">
-            <a:extLst>
-              <a:ext uri="{FF2B5EF4-FFF2-40B4-BE49-F238E27FC236}">
-                <a16:creationId xmlns:a16="http://schemas.microsoft.com/office/drawing/2014/main" id="{87771207-7583-4651-9AE4-DB6D672BF9F1}"/>
-              </a:ext>
-            </a:extLst>
-          </p:cNvPr>
-          <p:cNvSpPr txBox="1"/>
-          <p:nvPr/>
-        </p:nvSpPr>
-        <p:spPr>
-          <a:xfrm>
-            <a:off x="3078933" y="3147814"/>
-            <a:ext cx="3600400" cy="1584176"/>
-          </a:xfrm>
-          <a:prstGeom prst="rect">
-            <a:avLst/>
-          </a:prstGeom>
-          <a:noFill/>
-          <a:ln>
-            <a:noFill/>
-          </a:ln>
-        </p:spPr>
-        <p:txBody>
-          <a:bodyPr/>
-          <a:lstStyle/>
-          <a:p>
-            <a:pPr marL="343260" indent="-342900" algn="just">
-              <a:lnSpc>
-                <a:spcPct val="100000"/>
-              </a:lnSpc>
-              <a:spcBef>
-                <a:spcPts val="561"/>
-              </a:spcBef>
-              <a:buClr>
-                <a:srgbClr val="FFFFFF"/>
-              </a:buClr>
-              <a:buFont typeface="Wingdings" panose="05000000000000000000" pitchFamily="2" charset="2"/>
-              <a:buChar char="v"/>
-            </a:pPr>
-            <a:r>
-              <a:rPr lang="en-US" sz="2000" spc="-1" dirty="0" err="1">
-                <a:solidFill>
-                  <a:srgbClr val="FFFFFF"/>
-                </a:solidFill>
-                <a:latin typeface="Calibri"/>
-              </a:rPr>
-              <a:t>Documentación</a:t>
-            </a:r>
-            <a:endParaRPr lang="en-US" sz="2000" b="0" strike="noStrike" spc="-1" dirty="0">
-              <a:solidFill>
-                <a:srgbClr val="000000"/>
-              </a:solidFill>
-              <a:latin typeface="Calibri"/>
-            </a:endParaRPr>
-          </a:p>
-          <a:p>
-            <a:pPr marL="343260" indent="-342900" algn="just">
-              <a:lnSpc>
-                <a:spcPct val="100000"/>
-              </a:lnSpc>
-              <a:spcBef>
-                <a:spcPts val="561"/>
-              </a:spcBef>
-              <a:buClr>
-                <a:srgbClr val="FFFFFF"/>
-              </a:buClr>
-              <a:buFont typeface="Wingdings" panose="05000000000000000000" pitchFamily="2" charset="2"/>
-              <a:buChar char="v"/>
-            </a:pPr>
-            <a:r>
-              <a:rPr lang="en-US" sz="2000" b="0" strike="noStrike" spc="-1" dirty="0" err="1">
-                <a:solidFill>
-                  <a:srgbClr val="FFFFFF"/>
-                </a:solidFill>
-                <a:latin typeface="Calibri"/>
-              </a:rPr>
-              <a:t>Recursos</a:t>
-            </a:r>
-            <a:endParaRPr lang="en-US" sz="2000" b="0" strike="noStrike" spc="-1" dirty="0">
-              <a:solidFill>
-                <a:srgbClr val="000000"/>
-              </a:solidFill>
-              <a:latin typeface="Calibri"/>
-            </a:endParaRPr>
-          </a:p>
-          <a:p>
-            <a:pPr marL="343260" indent="-342900" algn="just">
-              <a:lnSpc>
-                <a:spcPct val="100000"/>
-              </a:lnSpc>
-              <a:spcBef>
-                <a:spcPts val="561"/>
-              </a:spcBef>
-              <a:buClr>
-                <a:srgbClr val="FFFFFF"/>
-              </a:buClr>
-              <a:buFont typeface="Wingdings" panose="05000000000000000000" pitchFamily="2" charset="2"/>
-              <a:buChar char="v"/>
-            </a:pPr>
-            <a:r>
-              <a:rPr lang="en-US" sz="2000" b="0" strike="noStrike" spc="-1" dirty="0" err="1">
-                <a:solidFill>
-                  <a:srgbClr val="FFFFFF"/>
-                </a:solidFill>
-                <a:latin typeface="Calibri"/>
-              </a:rPr>
-              <a:t>Características</a:t>
-            </a:r>
-            <a:r>
-              <a:rPr lang="en-US" sz="2000" b="0" strike="noStrike" spc="-1" dirty="0">
-                <a:solidFill>
-                  <a:srgbClr val="FFFFFF"/>
-                </a:solidFill>
-                <a:latin typeface="Calibri"/>
-              </a:rPr>
-              <a:t> y </a:t>
-            </a:r>
-            <a:r>
-              <a:rPr lang="en-US" sz="2000" b="0" strike="noStrike" spc="-1" dirty="0" err="1">
-                <a:solidFill>
-                  <a:srgbClr val="FFFFFF"/>
-                </a:solidFill>
-                <a:latin typeface="Calibri"/>
-              </a:rPr>
-              <a:t>funciones</a:t>
-            </a:r>
-            <a:endParaRPr lang="en-US" sz="2000" b="0" strike="noStrike" spc="-1" dirty="0">
-              <a:solidFill>
-                <a:srgbClr val="000000"/>
-              </a:solidFill>
-              <a:latin typeface="Calibri"/>
-            </a:endParaRPr>
-          </a:p>
-          <a:p>
-            <a:pPr marL="343260" indent="-342900" algn="just">
-              <a:lnSpc>
-                <a:spcPct val="100000"/>
-              </a:lnSpc>
-              <a:spcBef>
-                <a:spcPts val="561"/>
-              </a:spcBef>
-              <a:buClr>
-                <a:srgbClr val="FFFFFF"/>
-              </a:buClr>
-              <a:buFont typeface="Wingdings" panose="05000000000000000000" pitchFamily="2" charset="2"/>
-              <a:buChar char="v"/>
-            </a:pPr>
-            <a:r>
-              <a:rPr lang="en-US" sz="2000" b="0" strike="noStrike" spc="-1" dirty="0" err="1">
-                <a:solidFill>
-                  <a:srgbClr val="FFFFFF"/>
-                </a:solidFill>
-                <a:latin typeface="Calibri"/>
-              </a:rPr>
-              <a:t>Autoevaluación</a:t>
-            </a:r>
-            <a:endParaRPr lang="en-US" sz="2800" b="0" strike="noStrike" spc="-1" dirty="0">
-              <a:solidFill>
-                <a:srgbClr val="000000"/>
-              </a:solidFill>
-              <a:latin typeface="Calibri"/>
-            </a:endParaRPr>
-          </a:p>
-        </p:txBody>
-      </p:sp>
-      <p:pic>
-        <p:nvPicPr>
-          <p:cNvPr id="10" name="Imagen 9" descr="Imagen que contiene cuarto, reloj&#10;&#10;Descripción generada automáticamente">
-            <a:extLst>
-              <a:ext uri="{FF2B5EF4-FFF2-40B4-BE49-F238E27FC236}">
-                <a16:creationId xmlns:a16="http://schemas.microsoft.com/office/drawing/2014/main" id="{F0655347-5D6F-4570-A9F9-4CB714AA8F1B}"/>
-              </a:ext>
-            </a:extLst>
-          </p:cNvPr>
-          <p:cNvPicPr>
-            <a:picLocks noChangeAspect="1"/>
-          </p:cNvPicPr>
-          <p:nvPr/>
-        </p:nvPicPr>
-        <p:blipFill>
-          <a:blip r:embed="rId3" cstate="print">
+          <a:blip r:embed="rId2">
             <a:extLst>
               <a:ext uri="{28A0092B-C50C-407E-A947-70E740481C1C}">
                 <a14:useLocalDpi xmlns:a14="http://schemas.microsoft.com/office/drawing/2010/main" val="0"/>
@@ -12404,8 +12979,8 @@
         </p:blipFill>
         <p:spPr>
           <a:xfrm>
-            <a:off x="3078933" y="260670"/>
-            <a:ext cx="2808312" cy="2815136"/>
+            <a:off x="1835696" y="1707654"/>
+            <a:ext cx="3660872" cy="2376914"/>
           </a:xfrm>
           <a:prstGeom prst="rect">
             <a:avLst/>
@@ -12415,7 +12990,7 @@
     </p:spTree>
     <p:extLst>
       <p:ext uri="{BB962C8B-B14F-4D97-AF65-F5344CB8AC3E}">
-        <p14:creationId xmlns:p14="http://schemas.microsoft.com/office/powerpoint/2010/main" val="1921673648"/>
+        <p14:creationId xmlns:p14="http://schemas.microsoft.com/office/powerpoint/2010/main" val="976878018"/>
       </p:ext>
     </p:extLst>
   </p:cSld>
@@ -12471,10 +13046,10 @@
       </p:grpSpPr>
       <p:pic>
         <p:nvPicPr>
-          <p:cNvPr id="4" name="Imagen 3">
+          <p:cNvPr id="5" name="Imagen 4">
             <a:extLst>
               <a:ext uri="{FF2B5EF4-FFF2-40B4-BE49-F238E27FC236}">
-                <a16:creationId xmlns:a16="http://schemas.microsoft.com/office/drawing/2014/main" id="{E72C9EE1-7C40-48CB-9910-D3319264AEA0}"/>
+                <a16:creationId xmlns:a16="http://schemas.microsoft.com/office/drawing/2014/main" id="{FDC7F63A-A220-4995-950F-246635C6BF9B}"/>
               </a:ext>
             </a:extLst>
           </p:cNvPr>
@@ -12491,56 +13066,20 @@
         </p:blipFill>
         <p:spPr>
           <a:xfrm>
-            <a:off x="0" y="0"/>
-            <a:ext cx="1251292" cy="5143500"/>
+            <a:off x="0" y="-277"/>
+            <a:ext cx="1257579" cy="5143500"/>
           </a:xfrm>
           <a:prstGeom prst="rect">
             <a:avLst/>
           </a:prstGeom>
         </p:spPr>
       </p:pic>
-      <p:pic>
-        <p:nvPicPr>
-          <p:cNvPr id="10" name="Imagen 9" descr="Una caricatura de una persona&#10;&#10;Descripción generada automáticamente">
+      <p:sp>
+        <p:nvSpPr>
+          <p:cNvPr id="7" name="TextShape 2">
             <a:extLst>
               <a:ext uri="{FF2B5EF4-FFF2-40B4-BE49-F238E27FC236}">
-                <a16:creationId xmlns:a16="http://schemas.microsoft.com/office/drawing/2014/main" id="{D341725C-1B3A-4EBF-9B87-444095B6FEFE}"/>
-              </a:ext>
-            </a:extLst>
-          </p:cNvPr>
-          <p:cNvPicPr>
-            <a:picLocks noChangeAspect="1"/>
-          </p:cNvPicPr>
-          <p:nvPr/>
-        </p:nvPicPr>
-        <p:blipFill>
-          <a:blip r:embed="rId3">
-            <a:extLst>
-              <a:ext uri="{28A0092B-C50C-407E-A947-70E740481C1C}">
-                <a14:useLocalDpi xmlns:a14="http://schemas.microsoft.com/office/drawing/2010/main" val="0"/>
-              </a:ext>
-            </a:extLst>
-          </a:blip>
-          <a:stretch>
-            <a:fillRect/>
-          </a:stretch>
-        </p:blipFill>
-        <p:spPr>
-          <a:xfrm>
-            <a:off x="3059832" y="2283718"/>
-            <a:ext cx="2765634" cy="2611693"/>
-          </a:xfrm>
-          <a:prstGeom prst="rect">
-            <a:avLst/>
-          </a:prstGeom>
-        </p:spPr>
-      </p:pic>
-      <p:sp>
-        <p:nvSpPr>
-          <p:cNvPr id="11" name="TextShape 2">
-            <a:extLst>
-              <a:ext uri="{FF2B5EF4-FFF2-40B4-BE49-F238E27FC236}">
-                <a16:creationId xmlns:a16="http://schemas.microsoft.com/office/drawing/2014/main" id="{ACC4518D-9120-44C3-AB52-AFBBD459C4FD}"/>
+                <a16:creationId xmlns:a16="http://schemas.microsoft.com/office/drawing/2014/main" id="{87771207-7583-4651-9AE4-DB6D672BF9F1}"/>
               </a:ext>
             </a:extLst>
           </p:cNvPr>
@@ -12549,8 +13088,8 @@
         </p:nvSpPr>
         <p:spPr>
           <a:xfrm>
-            <a:off x="3434537" y="555526"/>
-            <a:ext cx="2016224" cy="1584176"/>
+            <a:off x="3078933" y="3147814"/>
+            <a:ext cx="3600400" cy="1584176"/>
           </a:xfrm>
           <a:prstGeom prst="rect">
             <a:avLst/>
@@ -12578,13 +13117,13 @@
               <a:buChar char="v"/>
             </a:pPr>
             <a:r>
-              <a:rPr lang="en-US" sz="2000" b="0" strike="noStrike" spc="-1" dirty="0">
+              <a:rPr lang="en-US" sz="2000" spc="-1" dirty="0" err="1">
                 <a:solidFill>
                   <a:srgbClr val="FFFFFF"/>
                 </a:solidFill>
                 <a:latin typeface="Calibri"/>
               </a:rPr>
-              <a:t>Ideas</a:t>
+              <a:t>Documentación</a:t>
             </a:r>
             <a:endParaRPr lang="en-US" sz="2000" b="0" strike="noStrike" spc="-1" dirty="0">
               <a:solidFill>
@@ -12614,41 +13153,11 @@
                 </a:solidFill>
                 <a:latin typeface="Calibri"/>
               </a:rPr>
-              <a:t>Actividades</a:t>
+              <a:t>Recursos</a:t>
             </a:r>
             <a:endParaRPr lang="en-US" sz="2000" b="0" strike="noStrike" spc="-1" dirty="0">
               <a:solidFill>
                 <a:srgbClr val="000000"/>
-              </a:solidFill>
-              <a:latin typeface="Calibri"/>
-            </a:endParaRPr>
-          </a:p>
-          <a:p>
-            <a:pPr marL="343260" indent="-342900" algn="just">
-              <a:lnSpc>
-                <a:spcPct val="100000"/>
-              </a:lnSpc>
-              <a:spcBef>
-                <a:spcPts val="561"/>
-              </a:spcBef>
-              <a:buClr>
-                <a:srgbClr val="FFFFFF"/>
-              </a:buClr>
-              <a:buFont typeface="Wingdings" panose="05000000000000000000" pitchFamily="2" charset="2"/>
-              <a:buChar char="v"/>
-            </a:pPr>
-            <a:r>
-              <a:rPr lang="en-US" sz="2000" spc="-1" dirty="0" err="1">
-                <a:solidFill>
-                  <a:srgbClr val="FFFFFF"/>
-                </a:solidFill>
-                <a:latin typeface="Calibri"/>
-              </a:rPr>
-              <a:t>Interfaz</a:t>
-            </a:r>
-            <a:endParaRPr lang="en-US" sz="2000" spc="-1" dirty="0">
-              <a:solidFill>
-                <a:srgbClr val="FFFFFF"/>
               </a:solidFill>
               <a:latin typeface="Calibri"/>
             </a:endParaRPr>
@@ -12674,21 +13183,105 @@
                 </a:solidFill>
                 <a:latin typeface="Calibri"/>
               </a:rPr>
-              <a:t>Prototipos</a:t>
+              <a:t>Características</a:t>
+            </a:r>
+            <a:r>
+              <a:rPr lang="en-US" sz="2000" b="0" strike="noStrike" spc="-1" dirty="0">
+                <a:solidFill>
+                  <a:srgbClr val="FFFFFF"/>
+                </a:solidFill>
+                <a:latin typeface="Calibri"/>
+              </a:rPr>
+              <a:t> y </a:t>
+            </a:r>
+            <a:r>
+              <a:rPr lang="en-US" sz="2000" b="0" strike="noStrike" spc="-1" dirty="0" err="1">
+                <a:solidFill>
+                  <a:srgbClr val="FFFFFF"/>
+                </a:solidFill>
+                <a:latin typeface="Calibri"/>
+              </a:rPr>
+              <a:t>funciones</a:t>
             </a:r>
             <a:endParaRPr lang="en-US" sz="2000" b="0" strike="noStrike" spc="-1" dirty="0">
               <a:solidFill>
+                <a:srgbClr val="000000"/>
+              </a:solidFill>
+              <a:latin typeface="Calibri"/>
+            </a:endParaRPr>
+          </a:p>
+          <a:p>
+            <a:pPr marL="343260" indent="-342900" algn="just">
+              <a:lnSpc>
+                <a:spcPct val="100000"/>
+              </a:lnSpc>
+              <a:spcBef>
+                <a:spcPts val="561"/>
+              </a:spcBef>
+              <a:buClr>
                 <a:srgbClr val="FFFFFF"/>
-              </a:solidFill>
-              <a:latin typeface="Calibri"/>
-            </a:endParaRPr>
-          </a:p>
-        </p:txBody>
-      </p:sp>
+              </a:buClr>
+              <a:buFont typeface="Wingdings" panose="05000000000000000000" pitchFamily="2" charset="2"/>
+              <a:buChar char="v"/>
+            </a:pPr>
+            <a:r>
+              <a:rPr lang="en-US" sz="2000" b="0" strike="noStrike" spc="-1" dirty="0" err="1">
+                <a:solidFill>
+                  <a:srgbClr val="FFFFFF"/>
+                </a:solidFill>
+                <a:latin typeface="Calibri"/>
+              </a:rPr>
+              <a:t>Autoevaluación</a:t>
+            </a:r>
+            <a:endParaRPr lang="en-US" sz="2800" b="0" strike="noStrike" spc="-1" dirty="0">
+              <a:solidFill>
+                <a:srgbClr val="000000"/>
+              </a:solidFill>
+              <a:latin typeface="Calibri"/>
+            </a:endParaRPr>
+          </a:p>
+        </p:txBody>
+      </p:sp>
+      <p:pic>
+        <p:nvPicPr>
+          <p:cNvPr id="10" name="Imagen 9" descr="Imagen que contiene cuarto, reloj&#10;&#10;Descripción generada automáticamente">
+            <a:extLst>
+              <a:ext uri="{FF2B5EF4-FFF2-40B4-BE49-F238E27FC236}">
+                <a16:creationId xmlns:a16="http://schemas.microsoft.com/office/drawing/2014/main" id="{F0655347-5D6F-4570-A9F9-4CB714AA8F1B}"/>
+              </a:ext>
+            </a:extLst>
+          </p:cNvPr>
+          <p:cNvPicPr>
+            <a:picLocks noChangeAspect="1"/>
+          </p:cNvPicPr>
+          <p:nvPr/>
+        </p:nvPicPr>
+        <p:blipFill>
+          <a:blip r:embed="rId3" cstate="print">
+            <a:extLst>
+              <a:ext uri="{28A0092B-C50C-407E-A947-70E740481C1C}">
+                <a14:useLocalDpi xmlns:a14="http://schemas.microsoft.com/office/drawing/2010/main" val="0"/>
+              </a:ext>
+            </a:extLst>
+          </a:blip>
+          <a:stretch>
+            <a:fillRect/>
+          </a:stretch>
+        </p:blipFill>
+        <p:spPr>
+          <a:xfrm>
+            <a:off x="3078933" y="260670"/>
+            <a:ext cx="2808312" cy="2815136"/>
+          </a:xfrm>
+          <a:prstGeom prst="rect">
+            <a:avLst/>
+          </a:prstGeom>
+        </p:spPr>
+      </p:pic>
     </p:spTree>
     <p:extLst>
       <p:ext uri="{BB962C8B-B14F-4D97-AF65-F5344CB8AC3E}">
-        <p14:creationId xmlns:p14="http://schemas.microsoft.com/office/powerpoint/2010/main" val="1118075969"/>
+        <p14:creationId xmlns:p14="http://schemas.microsoft.com/office/powerpoint/2010/main" val="1921673648"/>
       </p:ext>
     </p:extLst>
   </p:cSld>
@@ -12742,66 +13335,12 @@
           <a:chExt cx="0" cy="0"/>
         </a:xfrm>
       </p:grpSpPr>
-      <p:sp>
-        <p:nvSpPr>
-          <p:cNvPr id="5" name="TextShape 1">
+      <p:pic>
+        <p:nvPicPr>
+          <p:cNvPr id="4" name="Imagen 3">
             <a:extLst>
               <a:ext uri="{FF2B5EF4-FFF2-40B4-BE49-F238E27FC236}">
-                <a16:creationId xmlns:a16="http://schemas.microsoft.com/office/drawing/2014/main" id="{7D38DF2A-8A4D-43C5-8888-F6BBE3737504}"/>
-              </a:ext>
-            </a:extLst>
-          </p:cNvPr>
-          <p:cNvSpPr txBox="1"/>
-          <p:nvPr/>
-        </p:nvSpPr>
-        <p:spPr>
-          <a:xfrm>
-            <a:off x="0" y="555526"/>
-            <a:ext cx="7596336" cy="572400"/>
-          </a:xfrm>
-          <a:prstGeom prst="rect">
-            <a:avLst/>
-          </a:prstGeom>
-          <a:noFill/>
-          <a:ln>
-            <a:noFill/>
-          </a:ln>
-        </p:spPr>
-        <p:txBody>
-          <a:bodyPr anchor="ctr">
-            <a:normAutofit fontScale="92500" lnSpcReduction="10000"/>
-          </a:bodyPr>
-          <a:lstStyle/>
-          <a:p>
-            <a:pPr algn="ctr">
-              <a:lnSpc>
-                <a:spcPct val="100000"/>
-              </a:lnSpc>
-            </a:pPr>
-            <a:r>
-              <a:rPr lang="en-US" sz="3600" b="0" strike="noStrike" spc="-1" dirty="0" err="1">
-                <a:solidFill>
-                  <a:schemeClr val="bg1"/>
-                </a:solidFill>
-                <a:latin typeface="Calibri"/>
-              </a:rPr>
-              <a:t>Prototipos</a:t>
-            </a:r>
-            <a:endParaRPr lang="en-US" sz="3600" spc="-1" dirty="0">
-              <a:solidFill>
-                <a:schemeClr val="bg1"/>
-              </a:solidFill>
-              <a:latin typeface="Calibri"/>
-            </a:endParaRPr>
-          </a:p>
-        </p:txBody>
-      </p:sp>
-      <p:pic>
-        <p:nvPicPr>
-          <p:cNvPr id="15" name="Imagen 14" descr="Imagen que contiene computadora, espejo&#10;&#10;Descripción generada automáticamente">
-            <a:extLst>
-              <a:ext uri="{FF2B5EF4-FFF2-40B4-BE49-F238E27FC236}">
-                <a16:creationId xmlns:a16="http://schemas.microsoft.com/office/drawing/2014/main" id="{D3C1E216-21C7-4CB3-B305-22505AE8CF55}"/>
+                <a16:creationId xmlns:a16="http://schemas.microsoft.com/office/drawing/2014/main" id="{E72C9EE1-7C40-48CB-9910-D3319264AEA0}"/>
               </a:ext>
             </a:extLst>
           </p:cNvPr>
@@ -12811,7 +13350,37 @@
           <p:nvPr/>
         </p:nvPicPr>
         <p:blipFill>
-          <a:blip r:embed="rId2" cstate="print">
+          <a:blip r:embed="rId2"/>
+          <a:stretch>
+            <a:fillRect/>
+          </a:stretch>
+        </p:blipFill>
+        <p:spPr>
+          <a:xfrm>
+            <a:off x="0" y="0"/>
+            <a:ext cx="1251292" cy="5143500"/>
+          </a:xfrm>
+          <a:prstGeom prst="rect">
+            <a:avLst/>
+          </a:prstGeom>
+        </p:spPr>
+      </p:pic>
+      <p:pic>
+        <p:nvPicPr>
+          <p:cNvPr id="10" name="Imagen 9" descr="Una caricatura de una persona&#10;&#10;Descripción generada automáticamente">
+            <a:extLst>
+              <a:ext uri="{FF2B5EF4-FFF2-40B4-BE49-F238E27FC236}">
+                <a16:creationId xmlns:a16="http://schemas.microsoft.com/office/drawing/2014/main" id="{D341725C-1B3A-4EBF-9B87-444095B6FEFE}"/>
+              </a:ext>
+            </a:extLst>
+          </p:cNvPr>
+          <p:cNvPicPr>
+            <a:picLocks noChangeAspect="1"/>
+          </p:cNvPicPr>
+          <p:nvPr/>
+        </p:nvPicPr>
+        <p:blipFill>
+          <a:blip r:embed="rId3">
             <a:extLst>
               <a:ext uri="{28A0092B-C50C-407E-A947-70E740481C1C}">
                 <a14:useLocalDpi xmlns:a14="http://schemas.microsoft.com/office/drawing/2010/main" val="0"/>
@@ -12824,128 +13393,20 @@
         </p:blipFill>
         <p:spPr>
           <a:xfrm>
-            <a:off x="179512" y="1563638"/>
-            <a:ext cx="1462591" cy="2859782"/>
+            <a:off x="3059832" y="2283718"/>
+            <a:ext cx="2765634" cy="2611693"/>
           </a:xfrm>
           <a:prstGeom prst="rect">
             <a:avLst/>
           </a:prstGeom>
         </p:spPr>
       </p:pic>
-      <p:pic>
-        <p:nvPicPr>
-          <p:cNvPr id="17" name="Imagen 16" descr="Imagen que contiene pasto, electrónica, foto, monitor&#10;&#10;Descripción generada automáticamente">
+      <p:sp>
+        <p:nvSpPr>
+          <p:cNvPr id="11" name="TextShape 2">
             <a:extLst>
               <a:ext uri="{FF2B5EF4-FFF2-40B4-BE49-F238E27FC236}">
-                <a16:creationId xmlns:a16="http://schemas.microsoft.com/office/drawing/2014/main" id="{518B2771-BF12-4108-A4CF-6DADF01A2334}"/>
-              </a:ext>
-            </a:extLst>
-          </p:cNvPr>
-          <p:cNvPicPr>
-            <a:picLocks noChangeAspect="1"/>
-          </p:cNvPicPr>
-          <p:nvPr/>
-        </p:nvPicPr>
-        <p:blipFill>
-          <a:blip r:embed="rId3" cstate="print">
-            <a:extLst>
-              <a:ext uri="{28A0092B-C50C-407E-A947-70E740481C1C}">
-                <a14:useLocalDpi xmlns:a14="http://schemas.microsoft.com/office/drawing/2010/main" val="0"/>
-              </a:ext>
-            </a:extLst>
-          </a:blip>
-          <a:stretch>
-            <a:fillRect/>
-          </a:stretch>
-        </p:blipFill>
-        <p:spPr>
-          <a:xfrm>
-            <a:off x="1979712" y="1563638"/>
-            <a:ext cx="1470149" cy="2859782"/>
-          </a:xfrm>
-          <a:prstGeom prst="rect">
-            <a:avLst/>
-          </a:prstGeom>
-        </p:spPr>
-      </p:pic>
-      <p:pic>
-        <p:nvPicPr>
-          <p:cNvPr id="19" name="Imagen 18" descr="Una captura de pantalla de un celular con texto e imagen&#10;&#10;Descripción generada automáticamente">
-            <a:extLst>
-              <a:ext uri="{FF2B5EF4-FFF2-40B4-BE49-F238E27FC236}">
-                <a16:creationId xmlns:a16="http://schemas.microsoft.com/office/drawing/2014/main" id="{9F51BD7E-672E-4C11-B7F6-CB9B701DD752}"/>
-              </a:ext>
-            </a:extLst>
-          </p:cNvPr>
-          <p:cNvPicPr>
-            <a:picLocks noChangeAspect="1"/>
-          </p:cNvPicPr>
-          <p:nvPr/>
-        </p:nvPicPr>
-        <p:blipFill>
-          <a:blip r:embed="rId4" cstate="print">
-            <a:extLst>
-              <a:ext uri="{28A0092B-C50C-407E-A947-70E740481C1C}">
-                <a14:useLocalDpi xmlns:a14="http://schemas.microsoft.com/office/drawing/2010/main" val="0"/>
-              </a:ext>
-            </a:extLst>
-          </a:blip>
-          <a:stretch>
-            <a:fillRect/>
-          </a:stretch>
-        </p:blipFill>
-        <p:spPr>
-          <a:xfrm>
-            <a:off x="3788042" y="1563636"/>
-            <a:ext cx="1464257" cy="2859783"/>
-          </a:xfrm>
-          <a:prstGeom prst="rect">
-            <a:avLst/>
-          </a:prstGeom>
-        </p:spPr>
-      </p:pic>
-      <p:pic>
-        <p:nvPicPr>
-          <p:cNvPr id="23" name="Imagen 22" descr="Imagen que contiene monitor, tabla, computadora, escritorio&#10;&#10;Descripción generada automáticamente">
-            <a:extLst>
-              <a:ext uri="{FF2B5EF4-FFF2-40B4-BE49-F238E27FC236}">
-                <a16:creationId xmlns:a16="http://schemas.microsoft.com/office/drawing/2014/main" id="{1C87ECA7-4831-43D8-AD05-3B610389196B}"/>
-              </a:ext>
-            </a:extLst>
-          </p:cNvPr>
-          <p:cNvPicPr>
-            <a:picLocks noChangeAspect="1"/>
-          </p:cNvPicPr>
-          <p:nvPr/>
-        </p:nvPicPr>
-        <p:blipFill>
-          <a:blip r:embed="rId5">
-            <a:extLst>
-              <a:ext uri="{28A0092B-C50C-407E-A947-70E740481C1C}">
-                <a14:useLocalDpi xmlns:a14="http://schemas.microsoft.com/office/drawing/2010/main" val="0"/>
-              </a:ext>
-            </a:extLst>
-          </a:blip>
-          <a:stretch>
-            <a:fillRect/>
-          </a:stretch>
-        </p:blipFill>
-        <p:spPr>
-          <a:xfrm>
-            <a:off x="5591215" y="1563636"/>
-            <a:ext cx="1456759" cy="2859784"/>
-          </a:xfrm>
-          <a:prstGeom prst="rect">
-            <a:avLst/>
-          </a:prstGeom>
-        </p:spPr>
-      </p:pic>
-      <p:sp>
-        <p:nvSpPr>
-          <p:cNvPr id="25" name="TextShape 1">
-            <a:extLst>
-              <a:ext uri="{FF2B5EF4-FFF2-40B4-BE49-F238E27FC236}">
-                <a16:creationId xmlns:a16="http://schemas.microsoft.com/office/drawing/2014/main" id="{501959D5-DD76-4AFB-BEA0-18A5D198AC10}"/>
+                <a16:creationId xmlns:a16="http://schemas.microsoft.com/office/drawing/2014/main" id="{ACC4518D-9120-44C3-AB52-AFBBD459C4FD}"/>
               </a:ext>
             </a:extLst>
           </p:cNvPr>
@@ -12954,8 +13415,8 @@
         </p:nvSpPr>
         <p:spPr>
           <a:xfrm>
-            <a:off x="211451" y="1198876"/>
-            <a:ext cx="1390583" cy="364760"/>
+            <a:off x="3434537" y="555526"/>
+            <a:ext cx="2016224" cy="1584176"/>
           </a:xfrm>
           <a:prstGeom prst="rect">
             <a:avLst/>
@@ -12966,199 +13427,124 @@
           </a:ln>
         </p:spPr>
         <p:txBody>
-          <a:bodyPr anchor="ctr">
-            <a:normAutofit/>
-          </a:bodyPr>
-          <a:lstStyle/>
-          <a:p>
-            <a:pPr algn="ctr">
+          <a:bodyPr/>
+          <a:lstStyle/>
+          <a:p>
+            <a:pPr marL="343260" indent="-342900" algn="just">
               <a:lnSpc>
                 <a:spcPct val="100000"/>
               </a:lnSpc>
+              <a:spcBef>
+                <a:spcPts val="561"/>
+              </a:spcBef>
+              <a:buClr>
+                <a:srgbClr val="FFFFFF"/>
+              </a:buClr>
+              <a:buFont typeface="Wingdings" panose="05000000000000000000" pitchFamily="2" charset="2"/>
+              <a:buChar char="v"/>
             </a:pPr>
             <a:r>
-              <a:rPr lang="es-ES" sz="1500" spc="-1" dirty="0">
+              <a:rPr lang="en-US" sz="2000" b="0" strike="noStrike" spc="-1" dirty="0">
                 <a:solidFill>
-                  <a:schemeClr val="bg1"/>
+                  <a:srgbClr val="FFFFFF"/>
                 </a:solidFill>
                 <a:latin typeface="Calibri"/>
               </a:rPr>
-              <a:t>M</a:t>
+              <a:t>Ideas</a:t>
             </a:r>
+            <a:endParaRPr lang="en-US" sz="2000" b="0" strike="noStrike" spc="-1" dirty="0">
+              <a:solidFill>
+                <a:srgbClr val="000000"/>
+              </a:solidFill>
+              <a:latin typeface="Calibri"/>
+            </a:endParaRPr>
+          </a:p>
+          <a:p>
+            <a:pPr marL="343260" indent="-342900" algn="just">
+              <a:lnSpc>
+                <a:spcPct val="100000"/>
+              </a:lnSpc>
+              <a:spcBef>
+                <a:spcPts val="561"/>
+              </a:spcBef>
+              <a:buClr>
+                <a:srgbClr val="FFFFFF"/>
+              </a:buClr>
+              <a:buFont typeface="Wingdings" panose="05000000000000000000" pitchFamily="2" charset="2"/>
+              <a:buChar char="v"/>
+            </a:pPr>
             <a:r>
-              <a:rPr lang="en-US" sz="1500" spc="-1" dirty="0" err="1">
+              <a:rPr lang="en-US" sz="2000" b="0" strike="noStrike" spc="-1" dirty="0" err="1">
                 <a:solidFill>
-                  <a:schemeClr val="bg1"/>
+                  <a:srgbClr val="FFFFFF"/>
                 </a:solidFill>
                 <a:latin typeface="Calibri"/>
               </a:rPr>
-              <a:t>enú</a:t>
+              <a:t>Actividades</a:t>
             </a:r>
-            <a:endParaRPr lang="en-US" sz="1500" spc="-1" dirty="0">
-              <a:solidFill>
-                <a:schemeClr val="bg1"/>
-              </a:solidFill>
-              <a:latin typeface="Calibri"/>
-            </a:endParaRPr>
-          </a:p>
-        </p:txBody>
-      </p:sp>
-      <p:sp>
-        <p:nvSpPr>
-          <p:cNvPr id="26" name="TextShape 1">
-            <a:extLst>
-              <a:ext uri="{FF2B5EF4-FFF2-40B4-BE49-F238E27FC236}">
-                <a16:creationId xmlns:a16="http://schemas.microsoft.com/office/drawing/2014/main" id="{F8DD4371-4CAF-431F-B906-E406D122F740}"/>
-              </a:ext>
-            </a:extLst>
-          </p:cNvPr>
-          <p:cNvSpPr txBox="1"/>
-          <p:nvPr/>
-        </p:nvSpPr>
-        <p:spPr>
-          <a:xfrm>
-            <a:off x="2019494" y="1198876"/>
-            <a:ext cx="1390583" cy="364760"/>
-          </a:xfrm>
-          <a:prstGeom prst="rect">
-            <a:avLst/>
-          </a:prstGeom>
-          <a:noFill/>
-          <a:ln>
-            <a:noFill/>
-          </a:ln>
-        </p:spPr>
-        <p:txBody>
-          <a:bodyPr anchor="ctr">
-            <a:normAutofit/>
-          </a:bodyPr>
-          <a:lstStyle/>
-          <a:p>
-            <a:pPr algn="ctr">
+            <a:endParaRPr lang="en-US" sz="2000" b="0" strike="noStrike" spc="-1" dirty="0">
+              <a:solidFill>
+                <a:srgbClr val="000000"/>
+              </a:solidFill>
+              <a:latin typeface="Calibri"/>
+            </a:endParaRPr>
+          </a:p>
+          <a:p>
+            <a:pPr marL="343260" indent="-342900" algn="just">
               <a:lnSpc>
                 <a:spcPct val="100000"/>
               </a:lnSpc>
+              <a:spcBef>
+                <a:spcPts val="561"/>
+              </a:spcBef>
+              <a:buClr>
+                <a:srgbClr val="FFFFFF"/>
+              </a:buClr>
+              <a:buFont typeface="Wingdings" panose="05000000000000000000" pitchFamily="2" charset="2"/>
+              <a:buChar char="v"/>
             </a:pPr>
             <a:r>
-              <a:rPr lang="es-ES" sz="1500" spc="-1" dirty="0">
+              <a:rPr lang="en-US" sz="2000" spc="-1" dirty="0" err="1">
                 <a:solidFill>
-                  <a:schemeClr val="bg1"/>
+                  <a:srgbClr val="FFFFFF"/>
                 </a:solidFill>
                 <a:latin typeface="Calibri"/>
               </a:rPr>
-              <a:t>Rompecabezas</a:t>
+              <a:t>Interfaz</a:t>
             </a:r>
-            <a:endParaRPr lang="en-US" sz="1500" spc="-1" dirty="0">
-              <a:solidFill>
-                <a:schemeClr val="bg1"/>
-              </a:solidFill>
-              <a:latin typeface="Calibri"/>
-            </a:endParaRPr>
-          </a:p>
-        </p:txBody>
-      </p:sp>
-      <p:sp>
-        <p:nvSpPr>
-          <p:cNvPr id="27" name="TextShape 1">
-            <a:extLst>
-              <a:ext uri="{FF2B5EF4-FFF2-40B4-BE49-F238E27FC236}">
-                <a16:creationId xmlns:a16="http://schemas.microsoft.com/office/drawing/2014/main" id="{F41526DD-1E3E-48FC-B64B-00721762D26B}"/>
-              </a:ext>
-            </a:extLst>
-          </p:cNvPr>
-          <p:cNvSpPr txBox="1"/>
-          <p:nvPr/>
-        </p:nvSpPr>
-        <p:spPr>
-          <a:xfrm>
-            <a:off x="3824159" y="1198876"/>
-            <a:ext cx="1390583" cy="364760"/>
-          </a:xfrm>
-          <a:prstGeom prst="rect">
-            <a:avLst/>
-          </a:prstGeom>
-          <a:noFill/>
-          <a:ln>
-            <a:noFill/>
-          </a:ln>
-        </p:spPr>
-        <p:txBody>
-          <a:bodyPr anchor="ctr">
-            <a:normAutofit/>
-          </a:bodyPr>
-          <a:lstStyle/>
-          <a:p>
-            <a:pPr algn="ctr">
+            <a:endParaRPr lang="en-US" sz="2000" spc="-1" dirty="0">
+              <a:solidFill>
+                <a:srgbClr val="FFFFFF"/>
+              </a:solidFill>
+              <a:latin typeface="Calibri"/>
+            </a:endParaRPr>
+          </a:p>
+          <a:p>
+            <a:pPr marL="343260" indent="-342900" algn="just">
               <a:lnSpc>
                 <a:spcPct val="100000"/>
               </a:lnSpc>
+              <a:spcBef>
+                <a:spcPts val="561"/>
+              </a:spcBef>
+              <a:buClr>
+                <a:srgbClr val="FFFFFF"/>
+              </a:buClr>
+              <a:buFont typeface="Wingdings" panose="05000000000000000000" pitchFamily="2" charset="2"/>
+              <a:buChar char="v"/>
             </a:pPr>
             <a:r>
-              <a:rPr lang="es-ES" sz="1500" spc="-1" dirty="0">
+              <a:rPr lang="en-US" sz="2000" b="0" strike="noStrike" spc="-1" dirty="0" err="1">
                 <a:solidFill>
-                  <a:schemeClr val="bg1"/>
+                  <a:srgbClr val="FFFFFF"/>
                 </a:solidFill>
                 <a:latin typeface="Calibri"/>
               </a:rPr>
-              <a:t>Rellenar texto</a:t>
+              <a:t>Prototipos</a:t>
             </a:r>
-            <a:endParaRPr lang="en-US" sz="1500" spc="-1" dirty="0">
-              <a:solidFill>
-                <a:schemeClr val="bg1"/>
-              </a:solidFill>
-              <a:latin typeface="Calibri"/>
-            </a:endParaRPr>
-          </a:p>
-        </p:txBody>
-      </p:sp>
-      <p:sp>
-        <p:nvSpPr>
-          <p:cNvPr id="28" name="TextShape 1">
-            <a:extLst>
-              <a:ext uri="{FF2B5EF4-FFF2-40B4-BE49-F238E27FC236}">
-                <a16:creationId xmlns:a16="http://schemas.microsoft.com/office/drawing/2014/main" id="{F5F307D7-7620-4D9D-9C8A-397F8BD2622A}"/>
-              </a:ext>
-            </a:extLst>
-          </p:cNvPr>
-          <p:cNvSpPr txBox="1"/>
-          <p:nvPr/>
-        </p:nvSpPr>
-        <p:spPr>
-          <a:xfrm>
-            <a:off x="5624302" y="1198876"/>
-            <a:ext cx="1390583" cy="364760"/>
-          </a:xfrm>
-          <a:prstGeom prst="rect">
-            <a:avLst/>
-          </a:prstGeom>
-          <a:noFill/>
-          <a:ln>
-            <a:noFill/>
-          </a:ln>
-        </p:spPr>
-        <p:txBody>
-          <a:bodyPr anchor="ctr">
-            <a:normAutofit/>
-          </a:bodyPr>
-          <a:lstStyle/>
-          <a:p>
-            <a:pPr algn="ctr">
-              <a:lnSpc>
-                <a:spcPct val="100000"/>
-              </a:lnSpc>
-            </a:pPr>
-            <a:r>
-              <a:rPr lang="es-ES" sz="1500" spc="-1" dirty="0">
-                <a:solidFill>
-                  <a:schemeClr val="bg1"/>
-                </a:solidFill>
-                <a:latin typeface="Calibri"/>
-              </a:rPr>
-              <a:t>Sopa de letras</a:t>
-            </a:r>
-            <a:endParaRPr lang="en-US" sz="1500" spc="-1" dirty="0">
-              <a:solidFill>
-                <a:schemeClr val="bg1"/>
+            <a:endParaRPr lang="en-US" sz="2000" b="0" strike="noStrike" spc="-1" dirty="0">
+              <a:solidFill>
+                <a:srgbClr val="FFFFFF"/>
               </a:solidFill>
               <a:latin typeface="Calibri"/>
             </a:endParaRPr>
@@ -13168,7 +13554,7 @@
     </p:spTree>
     <p:extLst>
       <p:ext uri="{BB962C8B-B14F-4D97-AF65-F5344CB8AC3E}">
-        <p14:creationId xmlns:p14="http://schemas.microsoft.com/office/powerpoint/2010/main" val="3344630007"/>
+        <p14:creationId xmlns:p14="http://schemas.microsoft.com/office/powerpoint/2010/main" val="1118075969"/>
       </p:ext>
     </p:extLst>
   </p:cSld>
@@ -13222,12 +13608,66 @@
           <a:chExt cx="0" cy="0"/>
         </a:xfrm>
       </p:grpSpPr>
+      <p:sp>
+        <p:nvSpPr>
+          <p:cNvPr id="5" name="TextShape 1">
+            <a:extLst>
+              <a:ext uri="{FF2B5EF4-FFF2-40B4-BE49-F238E27FC236}">
+                <a16:creationId xmlns:a16="http://schemas.microsoft.com/office/drawing/2014/main" id="{7D38DF2A-8A4D-43C5-8888-F6BBE3737504}"/>
+              </a:ext>
+            </a:extLst>
+          </p:cNvPr>
+          <p:cNvSpPr txBox="1"/>
+          <p:nvPr/>
+        </p:nvSpPr>
+        <p:spPr>
+          <a:xfrm>
+            <a:off x="0" y="555526"/>
+            <a:ext cx="7596336" cy="572400"/>
+          </a:xfrm>
+          <a:prstGeom prst="rect">
+            <a:avLst/>
+          </a:prstGeom>
+          <a:noFill/>
+          <a:ln>
+            <a:noFill/>
+          </a:ln>
+        </p:spPr>
+        <p:txBody>
+          <a:bodyPr anchor="ctr">
+            <a:normAutofit fontScale="92500" lnSpcReduction="10000"/>
+          </a:bodyPr>
+          <a:lstStyle/>
+          <a:p>
+            <a:pPr algn="ctr">
+              <a:lnSpc>
+                <a:spcPct val="100000"/>
+              </a:lnSpc>
+            </a:pPr>
+            <a:r>
+              <a:rPr lang="en-US" sz="3600" b="0" strike="noStrike" spc="-1" dirty="0" err="1">
+                <a:solidFill>
+                  <a:schemeClr val="bg1"/>
+                </a:solidFill>
+                <a:latin typeface="Calibri"/>
+              </a:rPr>
+              <a:t>Prototipos</a:t>
+            </a:r>
+            <a:endParaRPr lang="en-US" sz="3600" spc="-1" dirty="0">
+              <a:solidFill>
+                <a:schemeClr val="bg1"/>
+              </a:solidFill>
+              <a:latin typeface="Calibri"/>
+            </a:endParaRPr>
+          </a:p>
+        </p:txBody>
+      </p:sp>
       <p:pic>
         <p:nvPicPr>
-          <p:cNvPr id="4" name="Imagen 3">
+          <p:cNvPr id="15" name="Imagen 14" descr="Imagen que contiene computadora, espejo&#10;&#10;Descripción generada automáticamente">
             <a:extLst>
               <a:ext uri="{FF2B5EF4-FFF2-40B4-BE49-F238E27FC236}">
-                <a16:creationId xmlns:a16="http://schemas.microsoft.com/office/drawing/2014/main" id="{A1CF9F40-D38E-480E-9CF0-B0D260819436}"/>
+                <a16:creationId xmlns:a16="http://schemas.microsoft.com/office/drawing/2014/main" id="{D3C1E216-21C7-4CB3-B305-22505AE8CF55}"/>
               </a:ext>
             </a:extLst>
           </p:cNvPr>
@@ -13237,15 +13677,21 @@
           <p:nvPr/>
         </p:nvPicPr>
         <p:blipFill>
-          <a:blip r:embed="rId2"/>
+          <a:blip r:embed="rId2" cstate="print">
+            <a:extLst>
+              <a:ext uri="{28A0092B-C50C-407E-A947-70E740481C1C}">
+                <a14:useLocalDpi xmlns:a14="http://schemas.microsoft.com/office/drawing/2010/main" val="0"/>
+              </a:ext>
+            </a:extLst>
+          </a:blip>
           <a:stretch>
             <a:fillRect/>
           </a:stretch>
         </p:blipFill>
         <p:spPr>
           <a:xfrm>
-            <a:off x="0" y="0"/>
-            <a:ext cx="1248055" cy="5143500"/>
+            <a:off x="179512" y="1563638"/>
+            <a:ext cx="1462591" cy="2859782"/>
           </a:xfrm>
           <a:prstGeom prst="rect">
             <a:avLst/>
@@ -13254,10 +13700,10 @@
       </p:pic>
       <p:pic>
         <p:nvPicPr>
-          <p:cNvPr id="10" name="Imagen 9">
+          <p:cNvPr id="17" name="Imagen 16" descr="Imagen que contiene pasto, electrónica, foto, monitor&#10;&#10;Descripción generada automáticamente">
             <a:extLst>
               <a:ext uri="{FF2B5EF4-FFF2-40B4-BE49-F238E27FC236}">
-                <a16:creationId xmlns:a16="http://schemas.microsoft.com/office/drawing/2014/main" id="{5EEF222D-4A1E-4D61-8645-6FDD5F0ABB86}"/>
+                <a16:creationId xmlns:a16="http://schemas.microsoft.com/office/drawing/2014/main" id="{518B2771-BF12-4108-A4CF-6DADF01A2334}"/>
               </a:ext>
             </a:extLst>
           </p:cNvPr>
@@ -13267,15 +13713,21 @@
           <p:nvPr/>
         </p:nvPicPr>
         <p:blipFill>
-          <a:blip r:embed="rId3"/>
+          <a:blip r:embed="rId3" cstate="print">
+            <a:extLst>
+              <a:ext uri="{28A0092B-C50C-407E-A947-70E740481C1C}">
+                <a14:useLocalDpi xmlns:a14="http://schemas.microsoft.com/office/drawing/2010/main" val="0"/>
+              </a:ext>
+            </a:extLst>
+          </a:blip>
           <a:stretch>
             <a:fillRect/>
           </a:stretch>
         </p:blipFill>
         <p:spPr>
           <a:xfrm>
-            <a:off x="1402265" y="392992"/>
-            <a:ext cx="2799958" cy="771153"/>
+            <a:off x="1979712" y="1563638"/>
+            <a:ext cx="1470149" cy="2859782"/>
           </a:xfrm>
           <a:prstGeom prst="rect">
             <a:avLst/>
@@ -13284,10 +13736,10 @@
       </p:pic>
       <p:pic>
         <p:nvPicPr>
-          <p:cNvPr id="11" name="Imagen 10">
+          <p:cNvPr id="19" name="Imagen 18" descr="Una captura de pantalla de un celular con texto e imagen&#10;&#10;Descripción generada automáticamente">
             <a:extLst>
               <a:ext uri="{FF2B5EF4-FFF2-40B4-BE49-F238E27FC236}">
-                <a16:creationId xmlns:a16="http://schemas.microsoft.com/office/drawing/2014/main" id="{9552ABBF-205E-4624-94F3-235F11B27F68}"/>
+                <a16:creationId xmlns:a16="http://schemas.microsoft.com/office/drawing/2014/main" id="{9F51BD7E-672E-4C11-B7F6-CB9B701DD752}"/>
               </a:ext>
             </a:extLst>
           </p:cNvPr>
@@ -13297,15 +13749,21 @@
           <p:nvPr/>
         </p:nvPicPr>
         <p:blipFill>
-          <a:blip r:embed="rId4"/>
+          <a:blip r:embed="rId4" cstate="print">
+            <a:extLst>
+              <a:ext uri="{28A0092B-C50C-407E-A947-70E740481C1C}">
+                <a14:useLocalDpi xmlns:a14="http://schemas.microsoft.com/office/drawing/2010/main" val="0"/>
+              </a:ext>
+            </a:extLst>
+          </a:blip>
           <a:stretch>
             <a:fillRect/>
           </a:stretch>
         </p:blipFill>
         <p:spPr>
           <a:xfrm>
-            <a:off x="2430090" y="1493350"/>
-            <a:ext cx="2832539" cy="1656184"/>
+            <a:off x="3788042" y="1563636"/>
+            <a:ext cx="1464257" cy="2859783"/>
           </a:xfrm>
           <a:prstGeom prst="rect">
             <a:avLst/>
@@ -13314,10 +13772,10 @@
       </p:pic>
       <p:pic>
         <p:nvPicPr>
-          <p:cNvPr id="12" name="Imagen 11">
+          <p:cNvPr id="23" name="Imagen 22" descr="Imagen que contiene monitor, tabla, computadora, escritorio&#10;&#10;Descripción generada automáticamente">
             <a:extLst>
               <a:ext uri="{FF2B5EF4-FFF2-40B4-BE49-F238E27FC236}">
-                <a16:creationId xmlns:a16="http://schemas.microsoft.com/office/drawing/2014/main" id="{F1288E24-3B5C-43DD-93FE-7F0188801EB3}"/>
+                <a16:creationId xmlns:a16="http://schemas.microsoft.com/office/drawing/2014/main" id="{1C87ECA7-4831-43D8-AD05-3B610389196B}"/>
               </a:ext>
             </a:extLst>
           </p:cNvPr>
@@ -13327,57 +13785,33 @@
           <p:nvPr/>
         </p:nvPicPr>
         <p:blipFill>
-          <a:blip r:embed="rId5"/>
+          <a:blip r:embed="rId5">
+            <a:extLst>
+              <a:ext uri="{28A0092B-C50C-407E-A947-70E740481C1C}">
+                <a14:useLocalDpi xmlns:a14="http://schemas.microsoft.com/office/drawing/2010/main" val="0"/>
+              </a:ext>
+            </a:extLst>
+          </a:blip>
           <a:stretch>
             <a:fillRect/>
           </a:stretch>
         </p:blipFill>
         <p:spPr>
           <a:xfrm>
-            <a:off x="3419872" y="3457310"/>
-            <a:ext cx="2828168" cy="522045"/>
+            <a:off x="5591215" y="1563636"/>
+            <a:ext cx="1456759" cy="2859784"/>
           </a:xfrm>
           <a:prstGeom prst="rect">
             <a:avLst/>
           </a:prstGeom>
         </p:spPr>
       </p:pic>
-      <p:pic>
-        <p:nvPicPr>
-          <p:cNvPr id="13" name="Imagen 12">
+      <p:sp>
+        <p:nvSpPr>
+          <p:cNvPr id="25" name="TextShape 1">
             <a:extLst>
               <a:ext uri="{FF2B5EF4-FFF2-40B4-BE49-F238E27FC236}">
-                <a16:creationId xmlns:a16="http://schemas.microsoft.com/office/drawing/2014/main" id="{1930CCBD-94EF-44B8-989C-76928DEE755D}"/>
-              </a:ext>
-            </a:extLst>
-          </p:cNvPr>
-          <p:cNvPicPr>
-            <a:picLocks noChangeAspect="1"/>
-          </p:cNvPicPr>
-          <p:nvPr/>
-        </p:nvPicPr>
-        <p:blipFill>
-          <a:blip r:embed="rId6"/>
-          <a:stretch>
-            <a:fillRect/>
-          </a:stretch>
-        </p:blipFill>
-        <p:spPr>
-          <a:xfrm>
-            <a:off x="4283968" y="4299942"/>
-            <a:ext cx="2828168" cy="457128"/>
-          </a:xfrm>
-          <a:prstGeom prst="rect">
-            <a:avLst/>
-          </a:prstGeom>
-        </p:spPr>
-      </p:pic>
-      <p:sp>
-        <p:nvSpPr>
-          <p:cNvPr id="14" name="TextShape 1">
-            <a:extLst>
-              <a:ext uri="{FF2B5EF4-FFF2-40B4-BE49-F238E27FC236}">
-                <a16:creationId xmlns:a16="http://schemas.microsoft.com/office/drawing/2014/main" id="{5484A265-D90E-41A4-9183-4A79A34B8F4F}"/>
+                <a16:creationId xmlns:a16="http://schemas.microsoft.com/office/drawing/2014/main" id="{501959D5-DD76-4AFB-BEA0-18A5D198AC10}"/>
               </a:ext>
             </a:extLst>
           </p:cNvPr>
@@ -13386,8 +13820,8 @@
         </p:nvSpPr>
         <p:spPr>
           <a:xfrm>
-            <a:off x="1758128" y="34534"/>
-            <a:ext cx="2088232" cy="364760"/>
+            <a:off x="211451" y="1198876"/>
+            <a:ext cx="1390583" cy="364760"/>
           </a:xfrm>
           <a:prstGeom prst="rect">
             <a:avLst/>
@@ -13399,7 +13833,7 @@
         </p:spPr>
         <p:txBody>
           <a:bodyPr anchor="ctr">
-            <a:normAutofit fontScale="70000" lnSpcReduction="20000"/>
+            <a:normAutofit/>
           </a:bodyPr>
           <a:lstStyle/>
           <a:p>
@@ -13415,7 +13849,16 @@
                 </a:solidFill>
                 <a:latin typeface="Calibri"/>
               </a:rPr>
-              <a:t>Desarrollo de la documentación</a:t>
+              <a:t>M</a:t>
+            </a:r>
+            <a:r>
+              <a:rPr lang="en-US" sz="1500" spc="-1" dirty="0" err="1">
+                <a:solidFill>
+                  <a:schemeClr val="bg1"/>
+                </a:solidFill>
+                <a:latin typeface="Calibri"/>
+              </a:rPr>
+              <a:t>enú</a:t>
             </a:r>
             <a:endParaRPr lang="en-US" sz="1500" spc="-1" dirty="0">
               <a:solidFill>
@@ -13428,10 +13871,10 @@
       </p:sp>
       <p:sp>
         <p:nvSpPr>
-          <p:cNvPr id="15" name="TextShape 1">
+          <p:cNvPr id="26" name="TextShape 1">
             <a:extLst>
               <a:ext uri="{FF2B5EF4-FFF2-40B4-BE49-F238E27FC236}">
-                <a16:creationId xmlns:a16="http://schemas.microsoft.com/office/drawing/2014/main" id="{02C202D7-D8EF-45C4-841A-90CCF1D56959}"/>
+                <a16:creationId xmlns:a16="http://schemas.microsoft.com/office/drawing/2014/main" id="{F8DD4371-4CAF-431F-B906-E406D122F740}"/>
               </a:ext>
             </a:extLst>
           </p:cNvPr>
@@ -13440,8 +13883,8 @@
         </p:nvSpPr>
         <p:spPr>
           <a:xfrm>
-            <a:off x="2986216" y="1164145"/>
-            <a:ext cx="1600562" cy="364760"/>
+            <a:off x="2019494" y="1198876"/>
+            <a:ext cx="1390583" cy="364760"/>
           </a:xfrm>
           <a:prstGeom prst="rect">
             <a:avLst/>
@@ -13453,7 +13896,7 @@
         </p:spPr>
         <p:txBody>
           <a:bodyPr anchor="ctr">
-            <a:normAutofit fontScale="77500" lnSpcReduction="20000"/>
+            <a:normAutofit/>
           </a:bodyPr>
           <a:lstStyle/>
           <a:p>
@@ -13469,7 +13912,7 @@
                 </a:solidFill>
                 <a:latin typeface="Calibri"/>
               </a:rPr>
-              <a:t>Diseño de las pantallas</a:t>
+              <a:t>Rompecabezas</a:t>
             </a:r>
             <a:endParaRPr lang="en-US" sz="1500" spc="-1" dirty="0">
               <a:solidFill>
@@ -13482,10 +13925,10 @@
       </p:sp>
       <p:sp>
         <p:nvSpPr>
-          <p:cNvPr id="16" name="TextShape 1">
+          <p:cNvPr id="27" name="TextShape 1">
             <a:extLst>
               <a:ext uri="{FF2B5EF4-FFF2-40B4-BE49-F238E27FC236}">
-                <a16:creationId xmlns:a16="http://schemas.microsoft.com/office/drawing/2014/main" id="{75F222F4-D921-4B5E-93FE-BE6136C966E5}"/>
+                <a16:creationId xmlns:a16="http://schemas.microsoft.com/office/drawing/2014/main" id="{F41526DD-1E3E-48FC-B64B-00721762D26B}"/>
               </a:ext>
             </a:extLst>
           </p:cNvPr>
@@ -13494,8 +13937,8 @@
         </p:nvSpPr>
         <p:spPr>
           <a:xfrm>
-            <a:off x="3846359" y="3149534"/>
-            <a:ext cx="1600562" cy="364760"/>
+            <a:off x="3824159" y="1198876"/>
+            <a:ext cx="1390583" cy="364760"/>
           </a:xfrm>
           <a:prstGeom prst="rect">
             <a:avLst/>
@@ -13517,15 +13960,15 @@
               </a:lnSpc>
             </a:pPr>
             <a:r>
-              <a:rPr lang="es-ES" sz="1200" spc="-1" dirty="0">
+              <a:rPr lang="es-ES" sz="1500" spc="-1" dirty="0">
                 <a:solidFill>
                   <a:schemeClr val="bg1"/>
                 </a:solidFill>
                 <a:latin typeface="Calibri"/>
               </a:rPr>
-              <a:t>Programación</a:t>
+              <a:t>Rellenar texto</a:t>
             </a:r>
-            <a:endParaRPr lang="en-US" sz="1200" spc="-1" dirty="0">
+            <a:endParaRPr lang="en-US" sz="1500" spc="-1" dirty="0">
               <a:solidFill>
                 <a:schemeClr val="bg1"/>
               </a:solidFill>
@@ -13536,28 +13979,32 @@
       </p:sp>
       <p:sp>
         <p:nvSpPr>
-          <p:cNvPr id="17" name="Rectángulo 16">
+          <p:cNvPr id="28" name="TextShape 1">
             <a:extLst>
               <a:ext uri="{FF2B5EF4-FFF2-40B4-BE49-F238E27FC236}">
-                <a16:creationId xmlns:a16="http://schemas.microsoft.com/office/drawing/2014/main" id="{E432E3EF-37E4-445A-8546-E88672DA15BD}"/>
+                <a16:creationId xmlns:a16="http://schemas.microsoft.com/office/drawing/2014/main" id="{F5F307D7-7620-4D9D-9C8A-397F8BD2622A}"/>
               </a:ext>
             </a:extLst>
           </p:cNvPr>
-          <p:cNvSpPr/>
+          <p:cNvSpPr txBox="1"/>
           <p:nvPr/>
         </p:nvSpPr>
         <p:spPr>
           <a:xfrm>
-            <a:off x="5201184" y="4022943"/>
-            <a:ext cx="993735" cy="276999"/>
-          </a:xfrm>
-          <a:prstGeom prst="rect">
-            <a:avLst/>
-          </a:prstGeom>
-        </p:spPr>
-        <p:txBody>
-          <a:bodyPr wrap="none">
-            <a:spAutoFit/>
+            <a:off x="5624302" y="1198876"/>
+            <a:ext cx="1390583" cy="364760"/>
+          </a:xfrm>
+          <a:prstGeom prst="rect">
+            <a:avLst/>
+          </a:prstGeom>
+          <a:noFill/>
+          <a:ln>
+            <a:noFill/>
+          </a:ln>
+        </p:spPr>
+        <p:txBody>
+          <a:bodyPr anchor="ctr">
+            <a:normAutofit/>
           </a:bodyPr>
           <a:lstStyle/>
           <a:p>
@@ -13567,15 +14014,15 @@
               </a:lnSpc>
             </a:pPr>
             <a:r>
-              <a:rPr lang="es-ES" sz="1200" spc="-1" dirty="0">
+              <a:rPr lang="es-ES" sz="1500" spc="-1" dirty="0">
                 <a:solidFill>
                   <a:schemeClr val="bg1"/>
                 </a:solidFill>
                 <a:latin typeface="Calibri"/>
               </a:rPr>
-              <a:t>Presentación</a:t>
+              <a:t>Sopa de letras</a:t>
             </a:r>
-            <a:endParaRPr lang="en-US" sz="1200" spc="-1" dirty="0">
+            <a:endParaRPr lang="en-US" sz="1500" spc="-1" dirty="0">
               <a:solidFill>
                 <a:schemeClr val="bg1"/>
               </a:solidFill>
@@ -13587,7 +14034,7 @@
     </p:spTree>
     <p:extLst>
       <p:ext uri="{BB962C8B-B14F-4D97-AF65-F5344CB8AC3E}">
-        <p14:creationId xmlns:p14="http://schemas.microsoft.com/office/powerpoint/2010/main" val="1086037107"/>
+        <p14:creationId xmlns:p14="http://schemas.microsoft.com/office/powerpoint/2010/main" val="3344630007"/>
       </p:ext>
     </p:extLst>
   </p:cSld>
@@ -13643,10 +14090,10 @@
       </p:grpSpPr>
       <p:pic>
         <p:nvPicPr>
-          <p:cNvPr id="5" name="Imagen 4">
+          <p:cNvPr id="4" name="Imagen 3">
             <a:extLst>
               <a:ext uri="{FF2B5EF4-FFF2-40B4-BE49-F238E27FC236}">
-                <a16:creationId xmlns:a16="http://schemas.microsoft.com/office/drawing/2014/main" id="{C1B168BC-46F8-4524-80F5-E50EE32C4E1F}"/>
+                <a16:creationId xmlns:a16="http://schemas.microsoft.com/office/drawing/2014/main" id="{A1CF9F40-D38E-480E-9CF0-B0D260819436}"/>
               </a:ext>
             </a:extLst>
           </p:cNvPr>
@@ -13664,7 +14111,7 @@
         <p:spPr>
           <a:xfrm>
             <a:off x="0" y="0"/>
-            <a:ext cx="1246528" cy="5143500"/>
+            <a:ext cx="1248055" cy="5143500"/>
           </a:xfrm>
           <a:prstGeom prst="rect">
             <a:avLst/>
@@ -13673,10 +14120,10 @@
       </p:pic>
       <p:pic>
         <p:nvPicPr>
-          <p:cNvPr id="6" name="Imagen 5">
+          <p:cNvPr id="10" name="Imagen 9">
             <a:extLst>
               <a:ext uri="{FF2B5EF4-FFF2-40B4-BE49-F238E27FC236}">
-                <a16:creationId xmlns:a16="http://schemas.microsoft.com/office/drawing/2014/main" id="{03105398-FB47-4B96-BFC6-1681270C1470}"/>
+                <a16:creationId xmlns:a16="http://schemas.microsoft.com/office/drawing/2014/main" id="{5EEF222D-4A1E-4D61-8645-6FDD5F0ABB86}"/>
               </a:ext>
             </a:extLst>
           </p:cNvPr>
@@ -13693,20 +14140,110 @@
         </p:blipFill>
         <p:spPr>
           <a:xfrm>
-            <a:off x="1907704" y="267494"/>
-            <a:ext cx="4752528" cy="2514879"/>
+            <a:off x="1402265" y="392992"/>
+            <a:ext cx="2799958" cy="771153"/>
           </a:xfrm>
           <a:prstGeom prst="rect">
             <a:avLst/>
           </a:prstGeom>
         </p:spPr>
       </p:pic>
-      <p:sp>
-        <p:nvSpPr>
-          <p:cNvPr id="7" name="TextShape 3">
+      <p:pic>
+        <p:nvPicPr>
+          <p:cNvPr id="11" name="Imagen 10">
             <a:extLst>
               <a:ext uri="{FF2B5EF4-FFF2-40B4-BE49-F238E27FC236}">
-                <a16:creationId xmlns:a16="http://schemas.microsoft.com/office/drawing/2014/main" id="{EBEA7A72-740E-4E88-9B03-39D23884FC99}"/>
+                <a16:creationId xmlns:a16="http://schemas.microsoft.com/office/drawing/2014/main" id="{9552ABBF-205E-4624-94F3-235F11B27F68}"/>
+              </a:ext>
+            </a:extLst>
+          </p:cNvPr>
+          <p:cNvPicPr>
+            <a:picLocks noChangeAspect="1"/>
+          </p:cNvPicPr>
+          <p:nvPr/>
+        </p:nvPicPr>
+        <p:blipFill>
+          <a:blip r:embed="rId4"/>
+          <a:stretch>
+            <a:fillRect/>
+          </a:stretch>
+        </p:blipFill>
+        <p:spPr>
+          <a:xfrm>
+            <a:off x="2430090" y="1493350"/>
+            <a:ext cx="2832539" cy="1656184"/>
+          </a:xfrm>
+          <a:prstGeom prst="rect">
+            <a:avLst/>
+          </a:prstGeom>
+        </p:spPr>
+      </p:pic>
+      <p:pic>
+        <p:nvPicPr>
+          <p:cNvPr id="12" name="Imagen 11">
+            <a:extLst>
+              <a:ext uri="{FF2B5EF4-FFF2-40B4-BE49-F238E27FC236}">
+                <a16:creationId xmlns:a16="http://schemas.microsoft.com/office/drawing/2014/main" id="{F1288E24-3B5C-43DD-93FE-7F0188801EB3}"/>
+              </a:ext>
+            </a:extLst>
+          </p:cNvPr>
+          <p:cNvPicPr>
+            <a:picLocks noChangeAspect="1"/>
+          </p:cNvPicPr>
+          <p:nvPr/>
+        </p:nvPicPr>
+        <p:blipFill>
+          <a:blip r:embed="rId5"/>
+          <a:stretch>
+            <a:fillRect/>
+          </a:stretch>
+        </p:blipFill>
+        <p:spPr>
+          <a:xfrm>
+            <a:off x="3419872" y="3457310"/>
+            <a:ext cx="2828168" cy="522045"/>
+          </a:xfrm>
+          <a:prstGeom prst="rect">
+            <a:avLst/>
+          </a:prstGeom>
+        </p:spPr>
+      </p:pic>
+      <p:pic>
+        <p:nvPicPr>
+          <p:cNvPr id="13" name="Imagen 12">
+            <a:extLst>
+              <a:ext uri="{FF2B5EF4-FFF2-40B4-BE49-F238E27FC236}">
+                <a16:creationId xmlns:a16="http://schemas.microsoft.com/office/drawing/2014/main" id="{1930CCBD-94EF-44B8-989C-76928DEE755D}"/>
+              </a:ext>
+            </a:extLst>
+          </p:cNvPr>
+          <p:cNvPicPr>
+            <a:picLocks noChangeAspect="1"/>
+          </p:cNvPicPr>
+          <p:nvPr/>
+        </p:nvPicPr>
+        <p:blipFill>
+          <a:blip r:embed="rId6"/>
+          <a:stretch>
+            <a:fillRect/>
+          </a:stretch>
+        </p:blipFill>
+        <p:spPr>
+          <a:xfrm>
+            <a:off x="4283968" y="4299942"/>
+            <a:ext cx="2828168" cy="457128"/>
+          </a:xfrm>
+          <a:prstGeom prst="rect">
+            <a:avLst/>
+          </a:prstGeom>
+        </p:spPr>
+      </p:pic>
+      <p:sp>
+        <p:nvSpPr>
+          <p:cNvPr id="14" name="TextShape 1">
+            <a:extLst>
+              <a:ext uri="{FF2B5EF4-FFF2-40B4-BE49-F238E27FC236}">
+                <a16:creationId xmlns:a16="http://schemas.microsoft.com/office/drawing/2014/main" id="{5484A265-D90E-41A4-9183-4A79A34B8F4F}"/>
               </a:ext>
             </a:extLst>
           </p:cNvPr>
@@ -13715,8 +14252,8 @@
         </p:nvSpPr>
         <p:spPr>
           <a:xfrm>
-            <a:off x="1331640" y="2931790"/>
-            <a:ext cx="2389368" cy="2036281"/>
+            <a:off x="1758128" y="34534"/>
+            <a:ext cx="2088232" cy="364760"/>
           </a:xfrm>
           <a:prstGeom prst="rect">
             <a:avLst/>
@@ -13727,208 +14264,186 @@
           </a:ln>
         </p:spPr>
         <p:txBody>
-          <a:bodyPr/>
-          <a:lstStyle/>
-          <a:p>
-            <a:pPr marL="342900" indent="-342900">
-              <a:spcBef>
-                <a:spcPts val="479"/>
-              </a:spcBef>
-              <a:buFont typeface="Wingdings" panose="05000000000000000000" pitchFamily="2" charset="2"/>
-              <a:buChar char="v"/>
+          <a:bodyPr anchor="ctr">
+            <a:normAutofit fontScale="70000" lnSpcReduction="20000"/>
+          </a:bodyPr>
+          <a:lstStyle/>
+          <a:p>
+            <a:pPr algn="ctr">
+              <a:lnSpc>
+                <a:spcPct val="100000"/>
+              </a:lnSpc>
             </a:pPr>
             <a:r>
-              <a:rPr lang="en-US" spc="-1" dirty="0" err="1">
+              <a:rPr lang="es-ES" sz="1500" spc="-1" dirty="0">
                 <a:solidFill>
-                  <a:srgbClr val="FFFFFF"/>
+                  <a:schemeClr val="bg1"/>
+                </a:solidFill>
+                <a:latin typeface="Calibri"/>
+              </a:rPr>
+              <a:t>Desarrollo de la documentación</a:t>
+            </a:r>
+            <a:endParaRPr lang="en-US" sz="1500" spc="-1" dirty="0">
+              <a:solidFill>
+                <a:schemeClr val="bg1"/>
+              </a:solidFill>
+              <a:latin typeface="Calibri"/>
+            </a:endParaRPr>
+          </a:p>
+        </p:txBody>
+      </p:sp>
+      <p:sp>
+        <p:nvSpPr>
+          <p:cNvPr id="15" name="TextShape 1">
+            <a:extLst>
+              <a:ext uri="{FF2B5EF4-FFF2-40B4-BE49-F238E27FC236}">
+                <a16:creationId xmlns:a16="http://schemas.microsoft.com/office/drawing/2014/main" id="{02C202D7-D8EF-45C4-841A-90CCF1D56959}"/>
+              </a:ext>
+            </a:extLst>
+          </p:cNvPr>
+          <p:cNvSpPr txBox="1"/>
+          <p:nvPr/>
+        </p:nvSpPr>
+        <p:spPr>
+          <a:xfrm>
+            <a:off x="2986216" y="1164145"/>
+            <a:ext cx="1600562" cy="364760"/>
+          </a:xfrm>
+          <a:prstGeom prst="rect">
+            <a:avLst/>
+          </a:prstGeom>
+          <a:noFill/>
+          <a:ln>
+            <a:noFill/>
+          </a:ln>
+        </p:spPr>
+        <p:txBody>
+          <a:bodyPr anchor="ctr">
+            <a:normAutofit fontScale="77500" lnSpcReduction="20000"/>
+          </a:bodyPr>
+          <a:lstStyle/>
+          <a:p>
+            <a:pPr algn="ctr">
+              <a:lnSpc>
+                <a:spcPct val="100000"/>
+              </a:lnSpc>
+            </a:pPr>
+            <a:r>
+              <a:rPr lang="es-ES" sz="1500" spc="-1" dirty="0">
+                <a:solidFill>
+                  <a:schemeClr val="bg1"/>
+                </a:solidFill>
+                <a:latin typeface="Calibri"/>
+              </a:rPr>
+              <a:t>Diseño de las pantallas</a:t>
+            </a:r>
+            <a:endParaRPr lang="en-US" sz="1500" spc="-1" dirty="0">
+              <a:solidFill>
+                <a:schemeClr val="bg1"/>
+              </a:solidFill>
+              <a:latin typeface="Calibri"/>
+            </a:endParaRPr>
+          </a:p>
+        </p:txBody>
+      </p:sp>
+      <p:sp>
+        <p:nvSpPr>
+          <p:cNvPr id="16" name="TextShape 1">
+            <a:extLst>
+              <a:ext uri="{FF2B5EF4-FFF2-40B4-BE49-F238E27FC236}">
+                <a16:creationId xmlns:a16="http://schemas.microsoft.com/office/drawing/2014/main" id="{75F222F4-D921-4B5E-93FE-BE6136C966E5}"/>
+              </a:ext>
+            </a:extLst>
+          </p:cNvPr>
+          <p:cNvSpPr txBox="1"/>
+          <p:nvPr/>
+        </p:nvSpPr>
+        <p:spPr>
+          <a:xfrm>
+            <a:off x="3846359" y="3149534"/>
+            <a:ext cx="1600562" cy="364760"/>
+          </a:xfrm>
+          <a:prstGeom prst="rect">
+            <a:avLst/>
+          </a:prstGeom>
+          <a:noFill/>
+          <a:ln>
+            <a:noFill/>
+          </a:ln>
+        </p:spPr>
+        <p:txBody>
+          <a:bodyPr anchor="ctr">
+            <a:normAutofit/>
+          </a:bodyPr>
+          <a:lstStyle/>
+          <a:p>
+            <a:pPr algn="ctr">
+              <a:lnSpc>
+                <a:spcPct val="100000"/>
+              </a:lnSpc>
+            </a:pPr>
+            <a:r>
+              <a:rPr lang="es-ES" sz="1200" spc="-1" dirty="0">
+                <a:solidFill>
+                  <a:schemeClr val="bg1"/>
                 </a:solidFill>
                 <a:latin typeface="Calibri"/>
               </a:rPr>
               <a:t>Programación</a:t>
             </a:r>
-            <a:endParaRPr lang="en-US" spc="-1" dirty="0">
-              <a:solidFill>
-                <a:srgbClr val="FFFFFF"/>
-              </a:solidFill>
-              <a:latin typeface="Calibri"/>
-            </a:endParaRPr>
-          </a:p>
-          <a:p>
-            <a:pPr marL="342900" indent="-342900">
+            <a:endParaRPr lang="en-US" sz="1200" spc="-1" dirty="0">
+              <a:solidFill>
+                <a:schemeClr val="bg1"/>
+              </a:solidFill>
+              <a:latin typeface="Calibri"/>
+            </a:endParaRPr>
+          </a:p>
+        </p:txBody>
+      </p:sp>
+      <p:sp>
+        <p:nvSpPr>
+          <p:cNvPr id="17" name="Rectángulo 16">
+            <a:extLst>
+              <a:ext uri="{FF2B5EF4-FFF2-40B4-BE49-F238E27FC236}">
+                <a16:creationId xmlns:a16="http://schemas.microsoft.com/office/drawing/2014/main" id="{E432E3EF-37E4-445A-8546-E88672DA15BD}"/>
+              </a:ext>
+            </a:extLst>
+          </p:cNvPr>
+          <p:cNvSpPr/>
+          <p:nvPr/>
+        </p:nvSpPr>
+        <p:spPr>
+          <a:xfrm>
+            <a:off x="5201184" y="4022943"/>
+            <a:ext cx="993735" cy="276999"/>
+          </a:xfrm>
+          <a:prstGeom prst="rect">
+            <a:avLst/>
+          </a:prstGeom>
+        </p:spPr>
+        <p:txBody>
+          <a:bodyPr wrap="none">
+            <a:spAutoFit/>
+          </a:bodyPr>
+          <a:lstStyle/>
+          <a:p>
+            <a:pPr algn="ctr">
               <a:lnSpc>
                 <a:spcPct val="100000"/>
               </a:lnSpc>
-              <a:spcBef>
-                <a:spcPts val="479"/>
-              </a:spcBef>
-              <a:buFont typeface="Wingdings" panose="05000000000000000000" pitchFamily="2" charset="2"/>
-              <a:buChar char="v"/>
             </a:pPr>
             <a:r>
-              <a:rPr lang="en-US" spc="-1" dirty="0" err="1">
+              <a:rPr lang="es-ES" sz="1200" spc="-1" dirty="0">
                 <a:solidFill>
-                  <a:srgbClr val="FFFFFF"/>
+                  <a:schemeClr val="bg1"/>
                 </a:solidFill>
                 <a:latin typeface="Calibri"/>
               </a:rPr>
-              <a:t>Dudas</a:t>
+              <a:t>Presentación</a:t>
             </a:r>
-            <a:endParaRPr lang="en-US" spc="-1" dirty="0">
-              <a:solidFill>
-                <a:srgbClr val="FFFFFF"/>
-              </a:solidFill>
-              <a:latin typeface="Calibri"/>
-            </a:endParaRPr>
-          </a:p>
-          <a:p>
-            <a:pPr marL="342900" indent="-342900">
-              <a:spcBef>
-                <a:spcPts val="479"/>
-              </a:spcBef>
-              <a:buFont typeface="Wingdings" panose="05000000000000000000" pitchFamily="2" charset="2"/>
-              <a:buChar char="v"/>
-            </a:pPr>
-            <a:r>
-              <a:rPr lang="en-US" spc="-1" dirty="0" err="1">
-                <a:solidFill>
-                  <a:srgbClr val="FFFFFF"/>
-                </a:solidFill>
-                <a:latin typeface="Calibri"/>
-              </a:rPr>
-              <a:t>Problemas</a:t>
-            </a:r>
-            <a:endParaRPr lang="en-US" b="0" strike="noStrike" spc="-1" dirty="0">
-              <a:solidFill>
-                <a:srgbClr val="000000"/>
-              </a:solidFill>
-              <a:latin typeface="Calibri"/>
-            </a:endParaRPr>
-          </a:p>
-          <a:p>
-            <a:pPr marL="342900" indent="-342900">
-              <a:lnSpc>
-                <a:spcPct val="100000"/>
-              </a:lnSpc>
-              <a:spcBef>
-                <a:spcPts val="479"/>
-              </a:spcBef>
-              <a:buFont typeface="Wingdings" panose="05000000000000000000" pitchFamily="2" charset="2"/>
-              <a:buChar char="v"/>
-            </a:pPr>
-            <a:r>
-              <a:rPr lang="en-US" b="0" strike="noStrike" spc="-1" dirty="0" err="1">
-                <a:solidFill>
-                  <a:srgbClr val="FFFFFF"/>
-                </a:solidFill>
-                <a:latin typeface="Calibri"/>
-              </a:rPr>
-              <a:t>Soluciones</a:t>
-            </a:r>
-            <a:endParaRPr lang="en-US" b="0" strike="noStrike" spc="-1" dirty="0">
-              <a:solidFill>
-                <a:srgbClr val="000000"/>
-              </a:solidFill>
-              <a:latin typeface="Calibri"/>
-            </a:endParaRPr>
-          </a:p>
-          <a:p>
-            <a:pPr marL="342900" indent="-342900">
-              <a:lnSpc>
-                <a:spcPct val="100000"/>
-              </a:lnSpc>
-              <a:spcBef>
-                <a:spcPts val="479"/>
-              </a:spcBef>
-              <a:buFont typeface="Wingdings" panose="05000000000000000000" pitchFamily="2" charset="2"/>
-              <a:buChar char="v"/>
-            </a:pPr>
-            <a:r>
-              <a:rPr lang="en-US" b="0" strike="noStrike" spc="-1" dirty="0" err="1">
-                <a:solidFill>
-                  <a:srgbClr val="FFFFFF"/>
-                </a:solidFill>
-                <a:latin typeface="Calibri"/>
-              </a:rPr>
-              <a:t>Retos</a:t>
-            </a:r>
-            <a:endParaRPr lang="en-US" b="0" strike="noStrike" spc="-1" dirty="0">
-              <a:solidFill>
-                <a:srgbClr val="000000"/>
-              </a:solidFill>
-              <a:latin typeface="Calibri"/>
-            </a:endParaRPr>
-          </a:p>
-          <a:p>
-            <a:pPr marL="342900" indent="-342900">
-              <a:spcBef>
-                <a:spcPts val="479"/>
-              </a:spcBef>
-              <a:buFont typeface="Wingdings" panose="05000000000000000000" pitchFamily="2" charset="2"/>
-              <a:buChar char="v"/>
-            </a:pPr>
-            <a:r>
-              <a:rPr lang="en-US" spc="-1" dirty="0" err="1">
-                <a:solidFill>
-                  <a:srgbClr val="FFFFFF"/>
-                </a:solidFill>
-                <a:latin typeface="Calibri"/>
-              </a:rPr>
-              <a:t>Documentación</a:t>
-            </a:r>
-            <a:endParaRPr lang="en-US" spc="-1" dirty="0">
-              <a:solidFill>
-                <a:srgbClr val="FFFFFF"/>
-              </a:solidFill>
-              <a:latin typeface="Calibri"/>
-            </a:endParaRPr>
-          </a:p>
-          <a:p>
-            <a:pPr marL="342900" indent="-342900">
-              <a:spcBef>
-                <a:spcPts val="479"/>
-              </a:spcBef>
-              <a:buFont typeface="Arial" pitchFamily="34" charset="0"/>
-              <a:buChar char="•"/>
-            </a:pPr>
-            <a:endParaRPr lang="en-US" sz="2400" spc="-1" dirty="0">
-              <a:solidFill>
-                <a:srgbClr val="000000"/>
-              </a:solidFill>
-              <a:latin typeface="Calibri"/>
-            </a:endParaRPr>
-          </a:p>
-          <a:p>
-            <a:pPr marL="342900" indent="-342900">
-              <a:lnSpc>
-                <a:spcPct val="100000"/>
-              </a:lnSpc>
-              <a:spcBef>
-                <a:spcPts val="479"/>
-              </a:spcBef>
-              <a:buFont typeface="Arial" pitchFamily="34" charset="0"/>
-              <a:buChar char="•"/>
-            </a:pPr>
-            <a:endParaRPr lang="en-US" sz="2400" spc="-1" dirty="0">
-              <a:solidFill>
-                <a:srgbClr val="FFFFFF"/>
-              </a:solidFill>
-              <a:latin typeface="Calibri"/>
-            </a:endParaRPr>
-          </a:p>
-          <a:p>
-            <a:pPr marL="342900" indent="-342900">
-              <a:lnSpc>
-                <a:spcPct val="100000"/>
-              </a:lnSpc>
-              <a:spcBef>
-                <a:spcPts val="479"/>
-              </a:spcBef>
-              <a:buFont typeface="Arial" pitchFamily="34" charset="0"/>
-              <a:buChar char="•"/>
-            </a:pPr>
-            <a:endParaRPr lang="en-US" sz="2400" b="0" strike="noStrike" spc="-1" dirty="0">
-              <a:solidFill>
-                <a:srgbClr val="000000"/>
+            <a:endParaRPr lang="en-US" sz="1200" spc="-1" dirty="0">
+              <a:solidFill>
+                <a:schemeClr val="bg1"/>
               </a:solidFill>
               <a:latin typeface="Calibri"/>
             </a:endParaRPr>
@@ -13938,7 +14453,7 @@
     </p:spTree>
     <p:extLst>
       <p:ext uri="{BB962C8B-B14F-4D97-AF65-F5344CB8AC3E}">
-        <p14:creationId xmlns:p14="http://schemas.microsoft.com/office/powerpoint/2010/main" val="3861013028"/>
+        <p14:creationId xmlns:p14="http://schemas.microsoft.com/office/powerpoint/2010/main" val="1086037107"/>
       </p:ext>
     </p:extLst>
   </p:cSld>

--- a/DidaktikApp.pptx
+++ b/DidaktikApp.pptx
@@ -21,7 +21,10 @@
     <p:sldId id="266" r:id="rId15"/>
     <p:sldId id="259" r:id="rId16"/>
     <p:sldId id="261" r:id="rId17"/>
-    <p:sldId id="260" r:id="rId18"/>
+    <p:sldId id="269" r:id="rId18"/>
+    <p:sldId id="270" r:id="rId19"/>
+    <p:sldId id="260" r:id="rId20"/>
+    <p:sldId id="272" r:id="rId21"/>
   </p:sldIdLst>
   <p:sldSz cx="9144000" cy="5143500" type="screen16x9"/>
   <p:notesSz cx="7559675" cy="10691813"/>
@@ -10125,6 +10128,30 @@
           </a:p>
           <a:p>
             <a:pPr marL="342900" indent="-342900">
+              <a:spcBef>
+                <a:spcPts val="479"/>
+              </a:spcBef>
+              <a:buFont typeface="Wingdings" panose="05000000000000000000" pitchFamily="2" charset="2"/>
+              <a:buChar char="v"/>
+            </a:pPr>
+            <a:r>
+              <a:rPr lang="en-US" spc="-1" dirty="0" err="1">
+                <a:solidFill>
+                  <a:srgbClr val="FFFFFF"/>
+                </a:solidFill>
+                <a:latin typeface="Calibri"/>
+              </a:rPr>
+              <a:t>Retos</a:t>
+            </a:r>
+            <a:endParaRPr lang="en-US" spc="-1" dirty="0">
+              <a:solidFill>
+                <a:srgbClr val="FFFFFF"/>
+              </a:solidFill>
+              <a:latin typeface="Calibri"/>
+            </a:endParaRPr>
+          </a:p>
+          <a:p>
+            <a:pPr marL="342900" indent="-342900">
               <a:lnSpc>
                 <a:spcPct val="100000"/>
               </a:lnSpc>
@@ -10193,33 +10220,6 @@
                 <a:latin typeface="Calibri"/>
               </a:rPr>
               <a:t>Soluciones</a:t>
-            </a:r>
-            <a:endParaRPr lang="en-US" b="0" strike="noStrike" spc="-1" dirty="0">
-              <a:solidFill>
-                <a:srgbClr val="000000"/>
-              </a:solidFill>
-              <a:latin typeface="Calibri"/>
-            </a:endParaRPr>
-          </a:p>
-          <a:p>
-            <a:pPr marL="342900" indent="-342900">
-              <a:lnSpc>
-                <a:spcPct val="100000"/>
-              </a:lnSpc>
-              <a:spcBef>
-                <a:spcPts val="479"/>
-              </a:spcBef>
-              <a:buFont typeface="Wingdings" panose="05000000000000000000" pitchFamily="2" charset="2"/>
-              <a:buChar char="v"/>
-            </a:pPr>
-            <a:r>
-              <a:rPr lang="en-US" b="0" strike="noStrike" spc="-1" dirty="0" err="1">
-                <a:solidFill>
-                  <a:srgbClr val="FFFFFF"/>
-                </a:solidFill>
-                <a:latin typeface="Calibri"/>
-              </a:rPr>
-              <a:t>Retos</a:t>
             </a:r>
             <a:endParaRPr lang="en-US" b="0" strike="noStrike" spc="-1" dirty="0">
               <a:solidFill>
@@ -10370,7 +10370,7 @@
         </p:nvSpPr>
         <p:spPr>
           <a:xfrm>
-            <a:off x="3031300" y="864740"/>
+            <a:off x="2841940" y="918951"/>
             <a:ext cx="2664296" cy="763200"/>
           </a:xfrm>
           <a:prstGeom prst="rect">
@@ -10750,7 +10750,7 @@
         </p:nvSpPr>
         <p:spPr>
           <a:xfrm>
-            <a:off x="1835696" y="796086"/>
+            <a:off x="1483154" y="804710"/>
             <a:ext cx="7056784" cy="763200"/>
           </a:xfrm>
           <a:prstGeom prst="rect">
@@ -10765,29 +10765,11 @@
           <a:bodyPr anchor="ctr"/>
           <a:lstStyle/>
           <a:p>
-            <a:pPr>
+            <a:pPr algn="ctr">
               <a:lnSpc>
                 <a:spcPct val="100000"/>
               </a:lnSpc>
             </a:pPr>
-            <a:r>
-              <a:rPr lang="en-US" sz="3600" b="0" strike="noStrike" spc="-1" dirty="0" err="1">
-                <a:solidFill>
-                  <a:srgbClr val="FFC000"/>
-                </a:solidFill>
-                <a:latin typeface="Calibri"/>
-              </a:rPr>
-              <a:t>Actividades</a:t>
-            </a:r>
-            <a:r>
-              <a:rPr lang="en-US" sz="3600" b="0" strike="noStrike" spc="-1" dirty="0">
-                <a:solidFill>
-                  <a:srgbClr val="FFC000"/>
-                </a:solidFill>
-                <a:latin typeface="Calibri"/>
-              </a:rPr>
-              <a:t> en </a:t>
-            </a:r>
             <a:r>
               <a:rPr lang="en-US" sz="3600" b="0" strike="noStrike" spc="-1" dirty="0" err="1">
                 <a:solidFill>
@@ -11154,6 +11136,574 @@
       </p:grpSpPr>
       <p:sp>
         <p:nvSpPr>
+          <p:cNvPr id="215" name="TextShape 1"/>
+          <p:cNvSpPr txBox="1"/>
+          <p:nvPr/>
+        </p:nvSpPr>
+        <p:spPr>
+          <a:xfrm>
+            <a:off x="1043608" y="813384"/>
+            <a:ext cx="7056784" cy="763200"/>
+          </a:xfrm>
+          <a:prstGeom prst="rect">
+            <a:avLst/>
+          </a:prstGeom>
+          <a:noFill/>
+          <a:ln>
+            <a:noFill/>
+          </a:ln>
+        </p:spPr>
+        <p:txBody>
+          <a:bodyPr anchor="ctr"/>
+          <a:lstStyle/>
+          <a:p>
+            <a:pPr algn="ctr">
+              <a:lnSpc>
+                <a:spcPct val="100000"/>
+              </a:lnSpc>
+            </a:pPr>
+            <a:r>
+              <a:rPr lang="en-US" sz="3600" b="0" strike="noStrike" spc="-1" dirty="0">
+                <a:solidFill>
+                  <a:srgbClr val="FFC000"/>
+                </a:solidFill>
+                <a:latin typeface="Calibri"/>
+              </a:rPr>
+              <a:t>El </a:t>
+            </a:r>
+            <a:r>
+              <a:rPr lang="en-US" sz="3600" b="0" strike="noStrike" spc="-1" dirty="0" err="1">
+                <a:solidFill>
+                  <a:srgbClr val="FFC000"/>
+                </a:solidFill>
+                <a:latin typeface="Calibri"/>
+              </a:rPr>
+              <a:t>Futuro</a:t>
+            </a:r>
+            <a:r>
+              <a:rPr lang="en-US" sz="3600" b="0" strike="noStrike" spc="-1" dirty="0">
+                <a:solidFill>
+                  <a:srgbClr val="FFC000"/>
+                </a:solidFill>
+                <a:latin typeface="Calibri"/>
+              </a:rPr>
+              <a:t> de </a:t>
+            </a:r>
+            <a:r>
+              <a:rPr lang="en-US" sz="3600" b="0" strike="noStrike" spc="-1" dirty="0" err="1">
+                <a:solidFill>
+                  <a:srgbClr val="FFC000"/>
+                </a:solidFill>
+                <a:latin typeface="Calibri"/>
+              </a:rPr>
+              <a:t>DidaktikAPP</a:t>
+            </a:r>
+            <a:endParaRPr lang="en-US" sz="3600" b="0" strike="noStrike" spc="-1" dirty="0">
+              <a:solidFill>
+                <a:srgbClr val="000000"/>
+              </a:solidFill>
+              <a:latin typeface="Calibri"/>
+            </a:endParaRPr>
+          </a:p>
+        </p:txBody>
+      </p:sp>
+      <p:sp>
+        <p:nvSpPr>
+          <p:cNvPr id="216" name="TextShape 2"/>
+          <p:cNvSpPr txBox="1"/>
+          <p:nvPr/>
+        </p:nvSpPr>
+        <p:spPr>
+          <a:xfrm>
+            <a:off x="899592" y="1766698"/>
+            <a:ext cx="3384376" cy="479520"/>
+          </a:xfrm>
+          <a:prstGeom prst="rect">
+            <a:avLst/>
+          </a:prstGeom>
+          <a:noFill/>
+          <a:ln>
+            <a:noFill/>
+          </a:ln>
+        </p:spPr>
+        <p:txBody>
+          <a:bodyPr anchor="b"/>
+          <a:lstStyle/>
+          <a:p>
+            <a:pPr>
+              <a:lnSpc>
+                <a:spcPct val="100000"/>
+              </a:lnSpc>
+              <a:spcBef>
+                <a:spcPts val="479"/>
+              </a:spcBef>
+            </a:pPr>
+            <a:r>
+              <a:rPr lang="en-US" sz="2400" b="1" strike="noStrike" spc="-1" dirty="0">
+                <a:solidFill>
+                  <a:srgbClr val="FFFFFF"/>
+                </a:solidFill>
+                <a:latin typeface="Calibri"/>
+              </a:rPr>
+              <a:t>Puntos a </a:t>
+            </a:r>
+            <a:r>
+              <a:rPr lang="en-US" sz="2400" b="1" spc="-1" dirty="0" err="1">
+                <a:solidFill>
+                  <a:srgbClr val="FFFFFF"/>
+                </a:solidFill>
+                <a:latin typeface="Calibri"/>
+              </a:rPr>
+              <a:t>m</a:t>
+            </a:r>
+            <a:r>
+              <a:rPr lang="en-US" sz="2400" b="1" strike="noStrike" spc="-1" dirty="0" err="1">
+                <a:solidFill>
+                  <a:srgbClr val="FFFFFF"/>
+                </a:solidFill>
+                <a:latin typeface="Calibri"/>
+              </a:rPr>
+              <a:t>ejorar</a:t>
+            </a:r>
+            <a:endParaRPr lang="en-US" sz="2400" b="0" strike="noStrike" spc="-1" dirty="0">
+              <a:solidFill>
+                <a:srgbClr val="000000"/>
+              </a:solidFill>
+              <a:latin typeface="Calibri"/>
+            </a:endParaRPr>
+          </a:p>
+        </p:txBody>
+      </p:sp>
+      <p:sp>
+        <p:nvSpPr>
+          <p:cNvPr id="217" name="TextShape 3"/>
+          <p:cNvSpPr txBox="1"/>
+          <p:nvPr/>
+        </p:nvSpPr>
+        <p:spPr>
+          <a:xfrm>
+            <a:off x="944943" y="2436332"/>
+            <a:ext cx="5067217" cy="1800200"/>
+          </a:xfrm>
+          <a:prstGeom prst="rect">
+            <a:avLst/>
+          </a:prstGeom>
+          <a:noFill/>
+          <a:ln>
+            <a:noFill/>
+          </a:ln>
+        </p:spPr>
+        <p:txBody>
+          <a:bodyPr/>
+          <a:lstStyle/>
+          <a:p>
+            <a:pPr marL="342900" indent="-342900">
+              <a:lnSpc>
+                <a:spcPct val="100000"/>
+              </a:lnSpc>
+              <a:spcBef>
+                <a:spcPts val="479"/>
+              </a:spcBef>
+              <a:buFont typeface="Wingdings" panose="05000000000000000000" pitchFamily="2" charset="2"/>
+              <a:buChar char="q"/>
+            </a:pPr>
+            <a:r>
+              <a:rPr lang="en-US" sz="2400" b="0" strike="noStrike" spc="-1" dirty="0" err="1">
+                <a:solidFill>
+                  <a:srgbClr val="FFFFFF"/>
+                </a:solidFill>
+                <a:latin typeface="Calibri"/>
+              </a:rPr>
+              <a:t>Diseño</a:t>
+            </a:r>
+            <a:endParaRPr lang="en-US" sz="2400" b="0" strike="noStrike" spc="-1" dirty="0">
+              <a:solidFill>
+                <a:srgbClr val="FFFFFF"/>
+              </a:solidFill>
+              <a:latin typeface="Calibri"/>
+            </a:endParaRPr>
+          </a:p>
+          <a:p>
+            <a:pPr marL="342900" indent="-342900">
+              <a:spcBef>
+                <a:spcPts val="479"/>
+              </a:spcBef>
+              <a:buFont typeface="Wingdings" panose="05000000000000000000" pitchFamily="2" charset="2"/>
+              <a:buChar char="q"/>
+            </a:pPr>
+            <a:r>
+              <a:rPr lang="en-US" sz="2400" spc="-1" dirty="0">
+                <a:solidFill>
+                  <a:srgbClr val="FFFFFF"/>
+                </a:solidFill>
+                <a:latin typeface="Calibri"/>
+              </a:rPr>
+              <a:t>Test de </a:t>
+            </a:r>
+            <a:r>
+              <a:rPr lang="en-US" sz="2400" spc="-1" dirty="0" err="1">
+                <a:solidFill>
+                  <a:srgbClr val="FFFFFF"/>
+                </a:solidFill>
+                <a:latin typeface="Calibri"/>
+              </a:rPr>
+              <a:t>pruebas</a:t>
+            </a:r>
+            <a:endParaRPr lang="en-US" sz="2400" b="0" strike="noStrike" spc="-1" dirty="0">
+              <a:solidFill>
+                <a:srgbClr val="FFFFFF"/>
+              </a:solidFill>
+              <a:latin typeface="Calibri"/>
+            </a:endParaRPr>
+          </a:p>
+          <a:p>
+            <a:pPr marL="342900" indent="-342900">
+              <a:spcBef>
+                <a:spcPts val="479"/>
+              </a:spcBef>
+              <a:buFont typeface="Wingdings" panose="05000000000000000000" pitchFamily="2" charset="2"/>
+              <a:buChar char="q"/>
+            </a:pPr>
+            <a:r>
+              <a:rPr lang="en-US" sz="2400" spc="-1" dirty="0" err="1">
+                <a:solidFill>
+                  <a:srgbClr val="FFFFFF"/>
+                </a:solidFill>
+                <a:latin typeface="Calibri"/>
+              </a:rPr>
+              <a:t>Adaptación</a:t>
+            </a:r>
+            <a:r>
+              <a:rPr lang="en-US" sz="2400" spc="-1" dirty="0">
+                <a:solidFill>
+                  <a:srgbClr val="FFFFFF"/>
+                </a:solidFill>
+                <a:latin typeface="Calibri"/>
+              </a:rPr>
+              <a:t> a </a:t>
+            </a:r>
+            <a:r>
+              <a:rPr lang="en-US" sz="2400" spc="-1" dirty="0" err="1">
+                <a:solidFill>
+                  <a:srgbClr val="FFFFFF"/>
+                </a:solidFill>
+                <a:latin typeface="Calibri"/>
+              </a:rPr>
+              <a:t>tableta</a:t>
+            </a:r>
+            <a:endParaRPr lang="en-US" sz="2400" b="0" strike="noStrike" spc="-1" dirty="0">
+              <a:solidFill>
+                <a:srgbClr val="FFFFFF"/>
+              </a:solidFill>
+              <a:latin typeface="Calibri"/>
+            </a:endParaRPr>
+          </a:p>
+          <a:p>
+            <a:pPr marL="342900" indent="-342900">
+              <a:lnSpc>
+                <a:spcPct val="100000"/>
+              </a:lnSpc>
+              <a:spcBef>
+                <a:spcPts val="479"/>
+              </a:spcBef>
+              <a:buFont typeface="Wingdings" panose="05000000000000000000" pitchFamily="2" charset="2"/>
+              <a:buChar char="q"/>
+            </a:pPr>
+            <a:r>
+              <a:rPr lang="en-US" sz="2400" b="0" strike="noStrike" spc="-1" dirty="0" err="1">
+                <a:solidFill>
+                  <a:srgbClr val="FFFFFF"/>
+                </a:solidFill>
+                <a:latin typeface="Calibri"/>
+              </a:rPr>
+              <a:t>Funciones</a:t>
+            </a:r>
+            <a:r>
+              <a:rPr lang="en-US" sz="2400" b="0" strike="noStrike" spc="-1" dirty="0">
+                <a:solidFill>
+                  <a:srgbClr val="FFFFFF"/>
+                </a:solidFill>
+                <a:latin typeface="Calibri"/>
+              </a:rPr>
+              <a:t> no </a:t>
+            </a:r>
+            <a:r>
+              <a:rPr lang="en-US" sz="2400" b="0" strike="noStrike" spc="-1" dirty="0" err="1">
+                <a:solidFill>
+                  <a:srgbClr val="FFFFFF"/>
+                </a:solidFill>
+                <a:latin typeface="Calibri"/>
+              </a:rPr>
+              <a:t>implementadas</a:t>
+            </a:r>
+            <a:endParaRPr lang="en-US" sz="2400" b="0" strike="noStrike" spc="-1" dirty="0">
+              <a:solidFill>
+                <a:srgbClr val="000000"/>
+              </a:solidFill>
+              <a:latin typeface="Calibri"/>
+            </a:endParaRPr>
+          </a:p>
+          <a:p>
+            <a:pPr>
+              <a:lnSpc>
+                <a:spcPct val="100000"/>
+              </a:lnSpc>
+              <a:spcBef>
+                <a:spcPts val="479"/>
+              </a:spcBef>
+            </a:pPr>
+            <a:endParaRPr lang="en-US" sz="2400" spc="-1" dirty="0">
+              <a:solidFill>
+                <a:srgbClr val="FFFFFF"/>
+              </a:solidFill>
+              <a:latin typeface="Calibri"/>
+            </a:endParaRPr>
+          </a:p>
+          <a:p>
+            <a:pPr marL="342900" indent="-342900">
+              <a:lnSpc>
+                <a:spcPct val="100000"/>
+              </a:lnSpc>
+              <a:spcBef>
+                <a:spcPts val="479"/>
+              </a:spcBef>
+              <a:buFont typeface="Wingdings" panose="05000000000000000000" pitchFamily="2" charset="2"/>
+              <a:buChar char="q"/>
+            </a:pPr>
+            <a:endParaRPr lang="en-US" sz="2400" b="0" strike="noStrike" spc="-1" dirty="0">
+              <a:solidFill>
+                <a:srgbClr val="000000"/>
+              </a:solidFill>
+              <a:latin typeface="Calibri"/>
+            </a:endParaRPr>
+          </a:p>
+          <a:p>
+            <a:pPr marL="342900" indent="-342900">
+              <a:lnSpc>
+                <a:spcPct val="100000"/>
+              </a:lnSpc>
+              <a:spcBef>
+                <a:spcPts val="479"/>
+              </a:spcBef>
+              <a:buFont typeface="Wingdings" panose="05000000000000000000" pitchFamily="2" charset="2"/>
+              <a:buChar char="q"/>
+            </a:pPr>
+            <a:endParaRPr lang="en-US" sz="2400" b="0" strike="noStrike" spc="-1" dirty="0">
+              <a:solidFill>
+                <a:srgbClr val="000000"/>
+              </a:solidFill>
+              <a:latin typeface="Calibri"/>
+            </a:endParaRPr>
+          </a:p>
+        </p:txBody>
+      </p:sp>
+    </p:spTree>
+    <p:extLst>
+      <p:ext uri="{BB962C8B-B14F-4D97-AF65-F5344CB8AC3E}">
+        <p14:creationId xmlns:p14="http://schemas.microsoft.com/office/powerpoint/2010/main" val="554033829"/>
+      </p:ext>
+    </p:extLst>
+  </p:cSld>
+  <p:clrMapOvr>
+    <a:masterClrMapping/>
+  </p:clrMapOvr>
+  <p:timing>
+    <p:tnLst>
+      <p:par>
+        <p:cTn id="1" dur="indefinite" restart="never" nodeType="tmRoot">
+          <p:childTnLst>
+            <p:seq>
+              <p:cTn id="2" dur="indefinite" nodeType="mainSeq"/>
+              <p:prevCondLst>
+                <p:cond evt="onPrev" delay="0">
+                  <p:tgtEl>
+                    <p:sldTgt/>
+                  </p:tgtEl>
+                </p:cond>
+              </p:prevCondLst>
+              <p:nextCondLst>
+                <p:cond evt="onNext" delay="0">
+                  <p:tgtEl>
+                    <p:sldTgt/>
+                  </p:tgtEl>
+                </p:cond>
+              </p:nextCondLst>
+            </p:seq>
+          </p:childTnLst>
+        </p:cTn>
+      </p:par>
+    </p:tnLst>
+  </p:timing>
+</p:sld>
+</file>
+
+<file path=ppt/slides/slide14.xml><?xml version="1.0" encoding="utf-8"?>
+<p:sld xmlns:a="http://schemas.openxmlformats.org/drawingml/2006/main" xmlns:r="http://schemas.openxmlformats.org/officeDocument/2006/relationships" xmlns:p="http://schemas.openxmlformats.org/presentationml/2006/main">
+  <p:cSld>
+    <p:spTree>
+      <p:nvGrpSpPr>
+        <p:cNvPr id="1" name=""/>
+        <p:cNvGrpSpPr/>
+        <p:nvPr/>
+      </p:nvGrpSpPr>
+      <p:grpSpPr>
+        <a:xfrm>
+          <a:off x="0" y="0"/>
+          <a:ext cx="0" cy="0"/>
+          <a:chOff x="0" y="0"/>
+          <a:chExt cx="0" cy="0"/>
+        </a:xfrm>
+      </p:grpSpPr>
+      <p:sp>
+        <p:nvSpPr>
+          <p:cNvPr id="215" name="TextShape 1"/>
+          <p:cNvSpPr txBox="1"/>
+          <p:nvPr/>
+        </p:nvSpPr>
+        <p:spPr>
+          <a:xfrm>
+            <a:off x="1043607" y="843558"/>
+            <a:ext cx="7056784" cy="763200"/>
+          </a:xfrm>
+          <a:prstGeom prst="rect">
+            <a:avLst/>
+          </a:prstGeom>
+          <a:noFill/>
+          <a:ln>
+            <a:noFill/>
+          </a:ln>
+        </p:spPr>
+        <p:txBody>
+          <a:bodyPr anchor="ctr"/>
+          <a:lstStyle/>
+          <a:p>
+            <a:pPr algn="ctr">
+              <a:lnSpc>
+                <a:spcPct val="100000"/>
+              </a:lnSpc>
+            </a:pPr>
+            <a:r>
+              <a:rPr lang="en-US" sz="3600" b="0" strike="noStrike" spc="-1" dirty="0">
+                <a:solidFill>
+                  <a:srgbClr val="FFC000"/>
+                </a:solidFill>
+                <a:latin typeface="Calibri"/>
+              </a:rPr>
+              <a:t>Código QR </a:t>
+            </a:r>
+            <a:r>
+              <a:rPr lang="en-US" sz="3600" b="0" strike="noStrike" spc="-1" dirty="0" err="1">
+                <a:solidFill>
+                  <a:srgbClr val="FFC000"/>
+                </a:solidFill>
+                <a:latin typeface="Calibri"/>
+              </a:rPr>
+              <a:t>DidaktikAPP</a:t>
+            </a:r>
+            <a:endParaRPr lang="en-US" sz="3600" b="0" strike="noStrike" spc="-1" dirty="0">
+              <a:solidFill>
+                <a:srgbClr val="000000"/>
+              </a:solidFill>
+              <a:latin typeface="Calibri"/>
+            </a:endParaRPr>
+          </a:p>
+        </p:txBody>
+      </p:sp>
+      <p:pic>
+        <p:nvPicPr>
+          <p:cNvPr id="3" name="Imagen 2">
+            <a:extLst>
+              <a:ext uri="{FF2B5EF4-FFF2-40B4-BE49-F238E27FC236}">
+                <a16:creationId xmlns:a16="http://schemas.microsoft.com/office/drawing/2014/main" id="{1FB3734F-E78F-446F-92D9-1AE57687B4DE}"/>
+              </a:ext>
+            </a:extLst>
+          </p:cNvPr>
+          <p:cNvPicPr>
+            <a:picLocks noChangeAspect="1"/>
+          </p:cNvPicPr>
+          <p:nvPr/>
+        </p:nvPicPr>
+        <p:blipFill>
+          <a:blip r:embed="rId2" cstate="print">
+            <a:extLst>
+              <a:ext uri="{28A0092B-C50C-407E-A947-70E740481C1C}">
+                <a14:useLocalDpi xmlns:a14="http://schemas.microsoft.com/office/drawing/2010/main" val="0"/>
+              </a:ext>
+            </a:extLst>
+          </a:blip>
+          <a:stretch>
+            <a:fillRect/>
+          </a:stretch>
+        </p:blipFill>
+        <p:spPr>
+          <a:xfrm>
+            <a:off x="3292035" y="1559286"/>
+            <a:ext cx="2559929" cy="3318522"/>
+          </a:xfrm>
+          <a:prstGeom prst="rect">
+            <a:avLst/>
+          </a:prstGeom>
+        </p:spPr>
+      </p:pic>
+    </p:spTree>
+    <p:extLst>
+      <p:ext uri="{BB962C8B-B14F-4D97-AF65-F5344CB8AC3E}">
+        <p14:creationId xmlns:p14="http://schemas.microsoft.com/office/powerpoint/2010/main" val="4292931104"/>
+      </p:ext>
+    </p:extLst>
+  </p:cSld>
+  <p:clrMapOvr>
+    <a:masterClrMapping/>
+  </p:clrMapOvr>
+  <p:timing>
+    <p:tnLst>
+      <p:par>
+        <p:cTn id="1" dur="indefinite" restart="never" nodeType="tmRoot">
+          <p:childTnLst>
+            <p:seq>
+              <p:cTn id="2" dur="indefinite" nodeType="mainSeq"/>
+              <p:prevCondLst>
+                <p:cond evt="onPrev" delay="0">
+                  <p:tgtEl>
+                    <p:sldTgt/>
+                  </p:tgtEl>
+                </p:cond>
+              </p:prevCondLst>
+              <p:nextCondLst>
+                <p:cond evt="onNext" delay="0">
+                  <p:tgtEl>
+                    <p:sldTgt/>
+                  </p:tgtEl>
+                </p:cond>
+              </p:nextCondLst>
+            </p:seq>
+          </p:childTnLst>
+        </p:cTn>
+      </p:par>
+    </p:tnLst>
+  </p:timing>
+</p:sld>
+</file>
+
+<file path=ppt/slides/slide15.xml><?xml version="1.0" encoding="utf-8"?>
+<p:sld xmlns:a="http://schemas.openxmlformats.org/drawingml/2006/main" xmlns:r="http://schemas.openxmlformats.org/officeDocument/2006/relationships" xmlns:p="http://schemas.openxmlformats.org/presentationml/2006/main">
+  <p:cSld>
+    <p:spTree>
+      <p:nvGrpSpPr>
+        <p:cNvPr id="1" name=""/>
+        <p:cNvGrpSpPr/>
+        <p:nvPr/>
+      </p:nvGrpSpPr>
+      <p:grpSpPr>
+        <a:xfrm>
+          <a:off x="0" y="0"/>
+          <a:ext cx="0" cy="0"/>
+          <a:chOff x="0" y="0"/>
+          <a:chExt cx="0" cy="0"/>
+        </a:xfrm>
+      </p:grpSpPr>
+      <p:sp>
+        <p:nvSpPr>
           <p:cNvPr id="218" name="TextShape 1"/>
           <p:cNvSpPr txBox="1"/>
           <p:nvPr/>
@@ -11704,6 +12254,99 @@
         </p:spPr>
       </p:pic>
     </p:spTree>
+  </p:cSld>
+  <p:clrMapOvr>
+    <a:masterClrMapping/>
+  </p:clrMapOvr>
+  <p:timing>
+    <p:tnLst>
+      <p:par>
+        <p:cTn id="1" dur="indefinite" restart="never" nodeType="tmRoot">
+          <p:childTnLst>
+            <p:seq>
+              <p:cTn id="2" dur="indefinite" nodeType="mainSeq"/>
+              <p:prevCondLst>
+                <p:cond evt="onPrev" delay="0">
+                  <p:tgtEl>
+                    <p:sldTgt/>
+                  </p:tgtEl>
+                </p:cond>
+              </p:prevCondLst>
+              <p:nextCondLst>
+                <p:cond evt="onNext" delay="0">
+                  <p:tgtEl>
+                    <p:sldTgt/>
+                  </p:tgtEl>
+                </p:cond>
+              </p:nextCondLst>
+            </p:seq>
+          </p:childTnLst>
+        </p:cTn>
+      </p:par>
+    </p:tnLst>
+  </p:timing>
+</p:sld>
+</file>
+
+<file path=ppt/slides/slide16.xml><?xml version="1.0" encoding="utf-8"?>
+<p:sld xmlns:a="http://schemas.openxmlformats.org/drawingml/2006/main" xmlns:r="http://schemas.openxmlformats.org/officeDocument/2006/relationships" xmlns:p="http://schemas.openxmlformats.org/presentationml/2006/main">
+  <p:cSld>
+    <p:spTree>
+      <p:nvGrpSpPr>
+        <p:cNvPr id="1" name=""/>
+        <p:cNvGrpSpPr/>
+        <p:nvPr/>
+      </p:nvGrpSpPr>
+      <p:grpSpPr>
+        <a:xfrm>
+          <a:off x="0" y="0"/>
+          <a:ext cx="0" cy="0"/>
+          <a:chOff x="0" y="0"/>
+          <a:chExt cx="0" cy="0"/>
+        </a:xfrm>
+      </p:grpSpPr>
+      <p:pic>
+        <p:nvPicPr>
+          <p:cNvPr id="5" name="Imagen 4">
+            <a:extLst>
+              <a:ext uri="{FF2B5EF4-FFF2-40B4-BE49-F238E27FC236}">
+                <a16:creationId xmlns:a16="http://schemas.microsoft.com/office/drawing/2014/main" id="{BA694490-81A6-48B0-BD11-9FD8735A0806}"/>
+              </a:ext>
+            </a:extLst>
+          </p:cNvPr>
+          <p:cNvPicPr>
+            <a:picLocks noChangeAspect="1"/>
+          </p:cNvPicPr>
+          <p:nvPr/>
+        </p:nvPicPr>
+        <p:blipFill>
+          <a:blip r:embed="rId2">
+            <a:extLst>
+              <a:ext uri="{28A0092B-C50C-407E-A947-70E740481C1C}">
+                <a14:useLocalDpi xmlns:a14="http://schemas.microsoft.com/office/drawing/2010/main" val="0"/>
+              </a:ext>
+            </a:extLst>
+          </a:blip>
+          <a:stretch>
+            <a:fillRect/>
+          </a:stretch>
+        </p:blipFill>
+        <p:spPr>
+          <a:xfrm>
+            <a:off x="395536" y="195486"/>
+            <a:ext cx="6948264" cy="4632176"/>
+          </a:xfrm>
+          <a:prstGeom prst="rect">
+            <a:avLst/>
+          </a:prstGeom>
+        </p:spPr>
+      </p:pic>
+    </p:spTree>
+    <p:extLst>
+      <p:ext uri="{BB962C8B-B14F-4D97-AF65-F5344CB8AC3E}">
+        <p14:creationId xmlns:p14="http://schemas.microsoft.com/office/powerpoint/2010/main" val="2904804271"/>
+      </p:ext>
+    </p:extLst>
   </p:cSld>
   <p:clrMapOvr>
     <a:masterClrMapping/>
@@ -11818,8 +12461,8 @@
         </p:nvSpPr>
         <p:spPr>
           <a:xfrm>
-            <a:off x="2555776" y="1491630"/>
-            <a:ext cx="2736304" cy="2501111"/>
+            <a:off x="3203848" y="1489959"/>
+            <a:ext cx="2736304" cy="2922445"/>
           </a:xfrm>
           <a:prstGeom prst="rect">
             <a:avLst/>
@@ -11832,6 +12475,216 @@
         <p:txBody>
           <a:bodyPr/>
           <a:lstStyle/>
+          <a:p>
+            <a:pPr marL="228600" indent="-228600">
+              <a:lnSpc>
+                <a:spcPts val="1440"/>
+              </a:lnSpc>
+              <a:spcBef>
+                <a:spcPts val="561"/>
+              </a:spcBef>
+              <a:buFont typeface="+mj-lt"/>
+              <a:buAutoNum type="arabicPeriod"/>
+            </a:pPr>
+            <a:r>
+              <a:rPr lang="en-US" sz="1200" spc="-1" dirty="0" err="1">
+                <a:solidFill>
+                  <a:schemeClr val="bg1"/>
+                </a:solidFill>
+                <a:latin typeface="Calibri"/>
+              </a:rPr>
+              <a:t>Presentación</a:t>
+            </a:r>
+            <a:endParaRPr lang="en-US" sz="1200" spc="-1" dirty="0">
+              <a:solidFill>
+                <a:schemeClr val="bg1"/>
+              </a:solidFill>
+              <a:latin typeface="Calibri"/>
+            </a:endParaRPr>
+          </a:p>
+          <a:p>
+            <a:pPr marL="228600" indent="-228600">
+              <a:lnSpc>
+                <a:spcPts val="1440"/>
+              </a:lnSpc>
+              <a:spcBef>
+                <a:spcPts val="561"/>
+              </a:spcBef>
+              <a:buFont typeface="+mj-lt"/>
+              <a:buAutoNum type="arabicPeriod"/>
+            </a:pPr>
+            <a:r>
+              <a:rPr lang="en-US" sz="1200" b="0" strike="noStrike" spc="-1" dirty="0" err="1">
+                <a:solidFill>
+                  <a:schemeClr val="bg1"/>
+                </a:solidFill>
+                <a:latin typeface="Calibri"/>
+              </a:rPr>
+              <a:t>Objetivo</a:t>
+            </a:r>
+            <a:endParaRPr lang="en-US" sz="1200" b="0" strike="noStrike" spc="-1" dirty="0">
+              <a:solidFill>
+                <a:schemeClr val="bg1"/>
+              </a:solidFill>
+              <a:latin typeface="Calibri"/>
+            </a:endParaRPr>
+          </a:p>
+          <a:p>
+            <a:pPr marL="228600" indent="-228600">
+              <a:lnSpc>
+                <a:spcPts val="1440"/>
+              </a:lnSpc>
+              <a:spcBef>
+                <a:spcPts val="561"/>
+              </a:spcBef>
+              <a:buFont typeface="+mj-lt"/>
+              <a:buAutoNum type="arabicPeriod"/>
+            </a:pPr>
+            <a:r>
+              <a:rPr lang="en-US" sz="1200" b="0" strike="noStrike" spc="-1" dirty="0">
+                <a:solidFill>
+                  <a:schemeClr val="bg1"/>
+                </a:solidFill>
+                <a:latin typeface="Calibri"/>
+              </a:rPr>
+              <a:t>Desarrollo de la </a:t>
+            </a:r>
+            <a:r>
+              <a:rPr lang="en-US" sz="1200" b="0" strike="noStrike" spc="-1" dirty="0" err="1">
+                <a:solidFill>
+                  <a:schemeClr val="bg1"/>
+                </a:solidFill>
+                <a:latin typeface="Calibri"/>
+              </a:rPr>
+              <a:t>aplicación</a:t>
+            </a:r>
+            <a:endParaRPr lang="en-US" sz="1200" b="0" strike="noStrike" spc="-1" dirty="0">
+              <a:solidFill>
+                <a:schemeClr val="bg1"/>
+              </a:solidFill>
+              <a:latin typeface="Calibri"/>
+            </a:endParaRPr>
+          </a:p>
+          <a:p>
+            <a:pPr marL="685800" lvl="1" indent="-228600">
+              <a:lnSpc>
+                <a:spcPts val="1440"/>
+              </a:lnSpc>
+              <a:buFont typeface="+mj-lt"/>
+              <a:buAutoNum type="arabicParenR"/>
+            </a:pPr>
+            <a:r>
+              <a:rPr lang="en-US" sz="1200" b="0" strike="noStrike" spc="-1" dirty="0" err="1">
+                <a:solidFill>
+                  <a:schemeClr val="bg1"/>
+                </a:solidFill>
+                <a:latin typeface="Calibri"/>
+              </a:rPr>
+              <a:t>Análisis</a:t>
+            </a:r>
+            <a:endParaRPr lang="en-US" sz="1200" b="0" strike="noStrike" spc="-1" dirty="0">
+              <a:solidFill>
+                <a:schemeClr val="bg1"/>
+              </a:solidFill>
+              <a:latin typeface="Calibri"/>
+            </a:endParaRPr>
+          </a:p>
+          <a:p>
+            <a:pPr marL="685800" lvl="1" indent="-228600">
+              <a:lnSpc>
+                <a:spcPts val="1440"/>
+              </a:lnSpc>
+              <a:buFont typeface="+mj-lt"/>
+              <a:buAutoNum type="arabicParenR"/>
+            </a:pPr>
+            <a:r>
+              <a:rPr lang="en-US" sz="1200" spc="-1" dirty="0" err="1">
+                <a:solidFill>
+                  <a:schemeClr val="bg1"/>
+                </a:solidFill>
+                <a:latin typeface="Calibri"/>
+              </a:rPr>
+              <a:t>Diseño</a:t>
+            </a:r>
+            <a:endParaRPr lang="en-US" sz="1200" spc="-1" dirty="0">
+              <a:solidFill>
+                <a:schemeClr val="bg1"/>
+              </a:solidFill>
+              <a:latin typeface="Calibri"/>
+            </a:endParaRPr>
+          </a:p>
+          <a:p>
+            <a:pPr marL="1200150" lvl="2" indent="-285750">
+              <a:lnSpc>
+                <a:spcPts val="1440"/>
+              </a:lnSpc>
+              <a:buFont typeface="Arial" panose="020B0604020202020204" pitchFamily="34" charset="0"/>
+              <a:buChar char="•"/>
+            </a:pPr>
+            <a:r>
+              <a:rPr lang="en-US" sz="1200" spc="-1" dirty="0" err="1">
+                <a:solidFill>
+                  <a:schemeClr val="bg1"/>
+                </a:solidFill>
+                <a:latin typeface="Calibri"/>
+              </a:rPr>
+              <a:t>Prototipos</a:t>
+            </a:r>
+            <a:endParaRPr lang="en-US" sz="1200" spc="-1" dirty="0">
+              <a:solidFill>
+                <a:schemeClr val="bg1"/>
+              </a:solidFill>
+              <a:latin typeface="Calibri"/>
+            </a:endParaRPr>
+          </a:p>
+          <a:p>
+            <a:pPr marL="685800" lvl="1" indent="-228600">
+              <a:lnSpc>
+                <a:spcPts val="1440"/>
+              </a:lnSpc>
+              <a:buFont typeface="+mj-lt"/>
+              <a:buAutoNum type="arabicParenR"/>
+            </a:pPr>
+            <a:r>
+              <a:rPr lang="en-US" sz="1200" b="0" strike="noStrike" spc="-1" dirty="0" err="1">
+                <a:solidFill>
+                  <a:schemeClr val="bg1"/>
+                </a:solidFill>
+                <a:latin typeface="Calibri"/>
+              </a:rPr>
+              <a:t>Planificación</a:t>
+            </a:r>
+            <a:endParaRPr lang="en-US" sz="1200" b="0" strike="noStrike" spc="-1" dirty="0">
+              <a:solidFill>
+                <a:schemeClr val="bg1"/>
+              </a:solidFill>
+              <a:latin typeface="Calibri"/>
+            </a:endParaRPr>
+          </a:p>
+          <a:p>
+            <a:pPr marL="685800" lvl="1" indent="-228600">
+              <a:lnSpc>
+                <a:spcPts val="1440"/>
+              </a:lnSpc>
+              <a:buFont typeface="+mj-lt"/>
+              <a:buAutoNum type="arabicParenR"/>
+            </a:pPr>
+            <a:r>
+              <a:rPr lang="en-US" sz="1200" spc="-1" dirty="0" err="1">
+                <a:solidFill>
+                  <a:schemeClr val="bg1"/>
+                </a:solidFill>
+                <a:latin typeface="Calibri"/>
+              </a:rPr>
+              <a:t>Ejecución</a:t>
+            </a:r>
+            <a:endParaRPr lang="en-US" sz="1200" b="0" strike="noStrike" spc="-1" dirty="0">
+              <a:solidFill>
+                <a:schemeClr val="bg1"/>
+              </a:solidFill>
+              <a:latin typeface="Calibri"/>
+            </a:endParaRPr>
+          </a:p>
           <a:p>
             <a:pPr marL="228600" indent="-228600">
               <a:lnSpc>
@@ -11844,15 +12697,57 @@
               <a:buAutoNum type="arabicPeriod"/>
             </a:pPr>
             <a:r>
-              <a:rPr lang="en-US" sz="1400" spc="-1" dirty="0" err="1">
+              <a:rPr lang="en-US" sz="1200" spc="-1" dirty="0" err="1">
                 <a:solidFill>
                   <a:schemeClr val="bg1"/>
                 </a:solidFill>
                 <a:latin typeface="Calibri"/>
               </a:rPr>
-              <a:t>Presentación</a:t>
+              <a:t>DidaktikAPP</a:t>
             </a:r>
-            <a:endParaRPr lang="en-US" sz="1400" spc="-1" dirty="0">
+            <a:endParaRPr lang="en-US" sz="1200" spc="-1" dirty="0">
+              <a:solidFill>
+                <a:schemeClr val="bg1"/>
+              </a:solidFill>
+              <a:latin typeface="Calibri"/>
+            </a:endParaRPr>
+          </a:p>
+          <a:p>
+            <a:pPr marL="685800" lvl="1" indent="-228600">
+              <a:spcBef>
+                <a:spcPts val="561"/>
+              </a:spcBef>
+              <a:buFont typeface="+mj-lt"/>
+              <a:buAutoNum type="arabicParenR"/>
+            </a:pPr>
+            <a:r>
+              <a:rPr lang="en-US" sz="1200" spc="-1" dirty="0" err="1">
+                <a:solidFill>
+                  <a:schemeClr val="bg1"/>
+                </a:solidFill>
+                <a:latin typeface="Calibri"/>
+              </a:rPr>
+              <a:t>Actividades</a:t>
+            </a:r>
+            <a:r>
+              <a:rPr lang="en-US" sz="1200" spc="-1" dirty="0">
+                <a:solidFill>
+                  <a:schemeClr val="bg1"/>
+                </a:solidFill>
+                <a:latin typeface="Calibri"/>
+              </a:rPr>
+              <a:t> de </a:t>
+            </a:r>
+            <a:r>
+              <a:rPr lang="en-US" sz="1200" spc="-1" dirty="0" err="1">
+                <a:solidFill>
+                  <a:schemeClr val="bg1"/>
+                </a:solidFill>
+                <a:latin typeface="Calibri"/>
+              </a:rPr>
+              <a:t>DidaktikAPP</a:t>
+            </a:r>
+            <a:endParaRPr lang="en-US" sz="1200" spc="-1" dirty="0">
               <a:solidFill>
                 <a:schemeClr val="bg1"/>
               </a:solidFill>
@@ -11871,15 +12766,24 @@
               <a:buAutoNum type="arabicPeriod"/>
             </a:pPr>
             <a:r>
-              <a:rPr lang="en-US" sz="1400" b="0" strike="noStrike" spc="-1" dirty="0" err="1">
+              <a:rPr lang="en-US" sz="1200" spc="-1" dirty="0">
                 <a:solidFill>
                   <a:schemeClr val="bg1"/>
                 </a:solidFill>
                 <a:latin typeface="Calibri"/>
               </a:rPr>
-              <a:t>Objetivo</a:t>
+              <a:t>El future de </a:t>
             </a:r>
-            <a:endParaRPr lang="en-US" sz="1400" b="0" strike="noStrike" spc="-1" dirty="0">
+            <a:r>
+              <a:rPr lang="en-US" sz="1200" spc="-1" dirty="0" err="1">
+                <a:solidFill>
+                  <a:schemeClr val="bg1"/>
+                </a:solidFill>
+                <a:latin typeface="Calibri"/>
+              </a:rPr>
+              <a:t>DidaktikAPP</a:t>
+            </a:r>
+            <a:endParaRPr lang="en-US" sz="1200" spc="-1" dirty="0">
               <a:solidFill>
                 <a:schemeClr val="bg1"/>
               </a:solidFill>
@@ -11898,144 +12802,24 @@
               <a:buAutoNum type="arabicPeriod"/>
             </a:pPr>
             <a:r>
-              <a:rPr lang="en-US" sz="1400" b="0" strike="noStrike" spc="-1" dirty="0">
+              <a:rPr lang="en-US" sz="1200" spc="-1" dirty="0">
                 <a:solidFill>
                   <a:schemeClr val="bg1"/>
                 </a:solidFill>
                 <a:latin typeface="Calibri"/>
               </a:rPr>
-              <a:t>Desarrollo de la </a:t>
+              <a:t>Código QR </a:t>
             </a:r>
             <a:r>
-              <a:rPr lang="en-US" sz="1400" b="0" strike="noStrike" spc="-1" dirty="0" err="1">
+              <a:rPr lang="en-US" sz="1200" spc="-1" dirty="0" err="1">
                 <a:solidFill>
                   <a:schemeClr val="bg1"/>
                 </a:solidFill>
                 <a:latin typeface="Calibri"/>
               </a:rPr>
-              <a:t>aplicación</a:t>
+              <a:t>DidaktikAPP</a:t>
             </a:r>
-            <a:endParaRPr lang="en-US" sz="1400" b="0" strike="noStrike" spc="-1" dirty="0">
-              <a:solidFill>
-                <a:schemeClr val="bg1"/>
-              </a:solidFill>
-              <a:latin typeface="Calibri"/>
-            </a:endParaRPr>
-          </a:p>
-          <a:p>
-            <a:pPr marL="685800" lvl="1" indent="-228600">
-              <a:spcBef>
-                <a:spcPts val="561"/>
-              </a:spcBef>
-              <a:buFont typeface="+mj-lt"/>
-              <a:buAutoNum type="arabicParenR"/>
-            </a:pPr>
-            <a:r>
-              <a:rPr lang="en-US" sz="1400" b="0" strike="noStrike" spc="-1" dirty="0" err="1">
-                <a:solidFill>
-                  <a:schemeClr val="bg1"/>
-                </a:solidFill>
-                <a:latin typeface="Calibri"/>
-              </a:rPr>
-              <a:t>Análisis</a:t>
-            </a:r>
-            <a:endParaRPr lang="en-US" sz="1400" b="0" strike="noStrike" spc="-1" dirty="0">
-              <a:solidFill>
-                <a:schemeClr val="bg1"/>
-              </a:solidFill>
-              <a:latin typeface="Calibri"/>
-            </a:endParaRPr>
-          </a:p>
-          <a:p>
-            <a:pPr marL="685800" lvl="1" indent="-228600">
-              <a:spcBef>
-                <a:spcPts val="561"/>
-              </a:spcBef>
-              <a:buFont typeface="+mj-lt"/>
-              <a:buAutoNum type="arabicParenR"/>
-            </a:pPr>
-            <a:r>
-              <a:rPr lang="en-US" sz="1400" spc="-1" dirty="0" err="1">
-                <a:solidFill>
-                  <a:schemeClr val="bg1"/>
-                </a:solidFill>
-                <a:latin typeface="Calibri"/>
-              </a:rPr>
-              <a:t>Diseño</a:t>
-            </a:r>
-            <a:endParaRPr lang="en-US" sz="1400" spc="-1" dirty="0">
-              <a:solidFill>
-                <a:schemeClr val="bg1"/>
-              </a:solidFill>
-              <a:latin typeface="Calibri"/>
-            </a:endParaRPr>
-          </a:p>
-          <a:p>
-            <a:pPr marL="1200150" lvl="2" indent="-285750">
-              <a:spcBef>
-                <a:spcPts val="561"/>
-              </a:spcBef>
-              <a:buFont typeface="+mj-lt"/>
-              <a:buAutoNum type="romanUcPeriod"/>
-            </a:pPr>
-            <a:r>
-              <a:rPr lang="en-US" sz="1400" spc="-1" dirty="0" err="1">
-                <a:solidFill>
-                  <a:schemeClr val="bg1"/>
-                </a:solidFill>
-                <a:latin typeface="Calibri"/>
-              </a:rPr>
-              <a:t>Prototipos</a:t>
-            </a:r>
-            <a:endParaRPr lang="en-US" sz="1400" spc="-1" dirty="0">
-              <a:solidFill>
-                <a:schemeClr val="bg1"/>
-              </a:solidFill>
-              <a:latin typeface="Calibri"/>
-            </a:endParaRPr>
-          </a:p>
-          <a:p>
-            <a:pPr marL="685800" lvl="1" indent="-228600">
-              <a:spcBef>
-                <a:spcPts val="561"/>
-              </a:spcBef>
-              <a:buFont typeface="+mj-lt"/>
-              <a:buAutoNum type="arabicParenR"/>
-            </a:pPr>
-            <a:r>
-              <a:rPr lang="en-US" sz="1400" b="0" strike="noStrike" spc="-1" dirty="0" err="1">
-                <a:solidFill>
-                  <a:schemeClr val="bg1"/>
-                </a:solidFill>
-                <a:latin typeface="Calibri"/>
-              </a:rPr>
-              <a:t>Planificación</a:t>
-            </a:r>
-            <a:endParaRPr lang="en-US" sz="1400" b="0" strike="noStrike" spc="-1" dirty="0">
-              <a:solidFill>
-                <a:schemeClr val="bg1"/>
-              </a:solidFill>
-              <a:latin typeface="Calibri"/>
-            </a:endParaRPr>
-          </a:p>
-          <a:p>
-            <a:pPr marL="685800" lvl="1" indent="-228600">
-              <a:spcBef>
-                <a:spcPts val="561"/>
-              </a:spcBef>
-              <a:buFont typeface="+mj-lt"/>
-              <a:buAutoNum type="arabicParenR"/>
-            </a:pPr>
-            <a:r>
-              <a:rPr lang="en-US" sz="1400" spc="-1" dirty="0" err="1">
-                <a:solidFill>
-                  <a:schemeClr val="bg1"/>
-                </a:solidFill>
-                <a:latin typeface="Calibri"/>
-              </a:rPr>
-              <a:t>Ejecución</a:t>
-            </a:r>
-            <a:endParaRPr lang="en-US" sz="1400" b="0" strike="noStrike" spc="-1" dirty="0">
+            <a:endParaRPr lang="en-US" sz="1200" spc="-1" dirty="0">
               <a:solidFill>
                 <a:schemeClr val="bg1"/>
               </a:solidFill>
@@ -12054,57 +12838,15 @@
               <a:buAutoNum type="arabicPeriod"/>
             </a:pPr>
             <a:r>
-              <a:rPr lang="en-US" sz="1400" spc="-1" dirty="0" err="1">
+              <a:rPr lang="en-US" sz="1200" spc="-1" dirty="0" err="1">
                 <a:solidFill>
                   <a:schemeClr val="bg1"/>
                 </a:solidFill>
                 <a:latin typeface="Calibri"/>
               </a:rPr>
-              <a:t>DidaktikAPP</a:t>
+              <a:t>Créditos</a:t>
             </a:r>
-            <a:endParaRPr lang="en-US" sz="1400" spc="-1" dirty="0">
-              <a:solidFill>
-                <a:schemeClr val="bg1"/>
-              </a:solidFill>
-              <a:latin typeface="Calibri"/>
-            </a:endParaRPr>
-          </a:p>
-          <a:p>
-            <a:pPr marL="685800" lvl="1" indent="-228600">
-              <a:spcBef>
-                <a:spcPts val="561"/>
-              </a:spcBef>
-              <a:buFont typeface="+mj-lt"/>
-              <a:buAutoNum type="arabicParenR"/>
-            </a:pPr>
-            <a:r>
-              <a:rPr lang="en-US" sz="1400" spc="-1" dirty="0" err="1">
-                <a:solidFill>
-                  <a:schemeClr val="bg1"/>
-                </a:solidFill>
-                <a:latin typeface="Calibri"/>
-              </a:rPr>
-              <a:t>Actividades</a:t>
-            </a:r>
-            <a:r>
-              <a:rPr lang="en-US" sz="1400" spc="-1" dirty="0">
-                <a:solidFill>
-                  <a:schemeClr val="bg1"/>
-                </a:solidFill>
-                <a:latin typeface="Calibri"/>
-              </a:rPr>
-              <a:t> de </a:t>
-            </a:r>
-            <a:r>
-              <a:rPr lang="en-US" sz="1400" spc="-1" dirty="0" err="1">
-                <a:solidFill>
-                  <a:schemeClr val="bg1"/>
-                </a:solidFill>
-                <a:latin typeface="Calibri"/>
-              </a:rPr>
-              <a:t>DidaktikAPP</a:t>
-            </a:r>
-            <a:endParaRPr lang="en-US" sz="1400" spc="-1" dirty="0">
+            <a:endParaRPr lang="en-US" sz="1200" spc="-1" dirty="0">
               <a:solidFill>
                 <a:schemeClr val="bg1"/>
               </a:solidFill>
@@ -12122,16 +12864,25 @@
               <a:buFont typeface="+mj-lt"/>
               <a:buAutoNum type="arabicPeriod"/>
             </a:pPr>
-            <a:r>
-              <a:rPr lang="en-US" sz="1400" b="0" strike="noStrike" spc="-1" dirty="0" err="1">
-                <a:solidFill>
-                  <a:schemeClr val="bg1"/>
-                </a:solidFill>
-                <a:latin typeface="Calibri"/>
-              </a:rPr>
-              <a:t>Créditos</a:t>
-            </a:r>
-            <a:endParaRPr lang="en-US" sz="1400" b="0" strike="noStrike" spc="-1" dirty="0">
+            <a:endParaRPr lang="en-US" sz="1200" spc="-1" dirty="0">
+              <a:solidFill>
+                <a:schemeClr val="bg1"/>
+              </a:solidFill>
+              <a:latin typeface="Calibri"/>
+            </a:endParaRPr>
+          </a:p>
+          <a:p>
+            <a:pPr marL="228600" indent="-228600">
+              <a:lnSpc>
+                <a:spcPct val="100000"/>
+              </a:lnSpc>
+              <a:spcBef>
+                <a:spcPts val="561"/>
+              </a:spcBef>
+              <a:buFont typeface="+mj-lt"/>
+              <a:buAutoNum type="arabicPeriod"/>
+            </a:pPr>
+            <a:endParaRPr lang="en-US" sz="1200" b="0" strike="noStrike" spc="-1" dirty="0">
               <a:solidFill>
                 <a:schemeClr val="bg1"/>
               </a:solidFill>
@@ -12189,29 +12940,6 @@
           </a:p>
         </p:txBody>
       </p:sp>
-      <p:pic>
-        <p:nvPicPr>
-          <p:cNvPr id="212" name="211 Imagen"/>
-          <p:cNvPicPr/>
-          <p:nvPr/>
-        </p:nvPicPr>
-        <p:blipFill>
-          <a:blip r:embed="rId2"/>
-          <a:stretch/>
-        </p:blipFill>
-        <p:spPr>
-          <a:xfrm>
-            <a:off x="6120000" y="1818000"/>
-            <a:ext cx="2285640" cy="2285640"/>
-          </a:xfrm>
-          <a:prstGeom prst="rect">
-            <a:avLst/>
-          </a:prstGeom>
-          <a:ln>
-            <a:noFill/>
-          </a:ln>
-        </p:spPr>
-      </p:pic>
     </p:spTree>
   </p:cSld>
   <p:clrMapOvr>
@@ -12318,7 +13046,7 @@
         </p:nvSpPr>
         <p:spPr>
           <a:xfrm>
-            <a:off x="398052" y="2014855"/>
+            <a:off x="394200" y="2211710"/>
             <a:ext cx="5725800" cy="1891930"/>
           </a:xfrm>
           <a:prstGeom prst="rect">

--- a/DidaktikApp.pptx
+++ b/DidaktikApp.pptx
@@ -10771,7 +10771,7 @@
               </a:lnSpc>
             </a:pPr>
             <a:r>
-              <a:rPr lang="en-US" sz="3600" b="0" strike="noStrike" spc="-1" dirty="0" err="1">
+              <a:rPr lang="en-US" sz="3600" b="0" strike="noStrike" spc="-1" dirty="0">
                 <a:solidFill>
                   <a:srgbClr val="FFC000"/>
                 </a:solidFill>
@@ -11187,16 +11187,7 @@
                 </a:solidFill>
                 <a:latin typeface="Calibri"/>
               </a:rPr>
-              <a:t> de </a:t>
-            </a:r>
-            <a:r>
-              <a:rPr lang="en-US" sz="3600" b="0" strike="noStrike" spc="-1" dirty="0" err="1">
-                <a:solidFill>
-                  <a:srgbClr val="FFC000"/>
-                </a:solidFill>
-                <a:latin typeface="Calibri"/>
-              </a:rPr>
-              <a:t>DidaktikAPP</a:t>
+              <a:t> de DidaktikAPP</a:t>
             </a:r>
             <a:endParaRPr lang="en-US" sz="3600" b="0" strike="noStrike" spc="-1" dirty="0">
               <a:solidFill>
@@ -11562,7 +11553,7 @@
         </p:nvSpPr>
         <p:spPr>
           <a:xfrm>
-            <a:off x="1043607" y="843558"/>
+            <a:off x="1043608" y="915566"/>
             <a:ext cx="7056784" cy="763200"/>
           </a:xfrm>
           <a:prstGeom prst="rect">
@@ -11589,16 +11580,7 @@
                 </a:solidFill>
                 <a:latin typeface="Calibri"/>
               </a:rPr>
-              <a:t>Código QR </a:t>
-            </a:r>
-            <a:r>
-              <a:rPr lang="en-US" sz="3600" b="0" strike="noStrike" spc="-1" dirty="0" err="1">
-                <a:solidFill>
-                  <a:srgbClr val="FFC000"/>
-                </a:solidFill>
-                <a:latin typeface="Calibri"/>
-              </a:rPr>
-              <a:t>DidaktikAPP</a:t>
+              <a:t>Código QR DidaktikAPP</a:t>
             </a:r>
             <a:endParaRPr lang="en-US" sz="3600" b="0" strike="noStrike" spc="-1" dirty="0">
               <a:solidFill>
@@ -11637,8 +11619,8 @@
         </p:blipFill>
         <p:spPr>
           <a:xfrm>
-            <a:off x="3292035" y="1559286"/>
-            <a:ext cx="2559929" cy="3318522"/>
+            <a:off x="3377035" y="1779662"/>
+            <a:ext cx="2389930" cy="3098146"/>
           </a:xfrm>
           <a:prstGeom prst="rect">
             <a:avLst/>
@@ -12406,7 +12388,7 @@
         </p:nvSpPr>
         <p:spPr>
           <a:xfrm>
-            <a:off x="1583668" y="729425"/>
+            <a:off x="1583668" y="926451"/>
             <a:ext cx="5976664" cy="891720"/>
           </a:xfrm>
           <a:prstGeom prst="rect">
@@ -12461,7 +12443,7 @@
         </p:nvSpPr>
         <p:spPr>
           <a:xfrm>
-            <a:off x="3203848" y="1489959"/>
+            <a:off x="3203848" y="1851670"/>
             <a:ext cx="2736304" cy="2922445"/>
           </a:xfrm>
           <a:prstGeom prst="rect">
@@ -12697,7 +12679,7 @@
               <a:buAutoNum type="arabicPeriod"/>
             </a:pPr>
             <a:r>
-              <a:rPr lang="en-US" sz="1200" spc="-1" dirty="0" err="1">
+              <a:rPr lang="en-US" sz="1200" spc="-1" dirty="0">
                 <a:solidFill>
                   <a:schemeClr val="bg1"/>
                 </a:solidFill>
@@ -12705,12 +12687,6 @@
               </a:rPr>
               <a:t>DidaktikAPP</a:t>
             </a:r>
-            <a:endParaRPr lang="en-US" sz="1200" spc="-1" dirty="0">
-              <a:solidFill>
-                <a:schemeClr val="bg1"/>
-              </a:solidFill>
-              <a:latin typeface="Calibri"/>
-            </a:endParaRPr>
           </a:p>
           <a:p>
             <a:pPr marL="685800" lvl="1" indent="-228600">
@@ -12736,23 +12712,8 @@
                 </a:solidFill>
                 <a:latin typeface="Calibri"/>
               </a:rPr>
-              <a:t> de </a:t>
+              <a:t> de DidaktikAPP</a:t>
             </a:r>
-            <a:r>
-              <a:rPr lang="en-US" sz="1200" spc="-1" dirty="0" err="1">
-                <a:solidFill>
-                  <a:schemeClr val="bg1"/>
-                </a:solidFill>
-                <a:latin typeface="Calibri"/>
-              </a:rPr>
-              <a:t>DidaktikAPP</a:t>
-            </a:r>
-            <a:endParaRPr lang="en-US" sz="1200" spc="-1" dirty="0">
-              <a:solidFill>
-                <a:schemeClr val="bg1"/>
-              </a:solidFill>
-              <a:latin typeface="Calibri"/>
-            </a:endParaRPr>
           </a:p>
           <a:p>
             <a:pPr marL="228600" indent="-228600">
@@ -12772,7 +12733,7 @@
                 </a:solidFill>
                 <a:latin typeface="Calibri"/>
               </a:rPr>
-              <a:t>El future de </a:t>
+              <a:t>El </a:t>
             </a:r>
             <a:r>
               <a:rPr lang="en-US" sz="1200" spc="-1" dirty="0" err="1">
@@ -12781,14 +12742,17 @@
                 </a:solidFill>
                 <a:latin typeface="Calibri"/>
               </a:rPr>
-              <a:t>DidaktikAPP</a:t>
+              <a:t>futuro</a:t>
             </a:r>
-            <a:endParaRPr lang="en-US" sz="1200" spc="-1" dirty="0">
-              <a:solidFill>
-                <a:schemeClr val="bg1"/>
-              </a:solidFill>
-              <a:latin typeface="Calibri"/>
-            </a:endParaRPr>
+            <a:r>
+              <a:rPr lang="en-US" sz="1200" spc="-1" dirty="0">
+                <a:solidFill>
+                  <a:schemeClr val="bg1"/>
+                </a:solidFill>
+                <a:latin typeface="Calibri"/>
+              </a:rPr>
+              <a:t> de DidaktikAPP</a:t>
+            </a:r>
           </a:p>
           <a:p>
             <a:pPr marL="228600" indent="-228600">
@@ -12808,23 +12772,8 @@
                 </a:solidFill>
                 <a:latin typeface="Calibri"/>
               </a:rPr>
-              <a:t>Código QR </a:t>
+              <a:t>Código QR DidaktikAPP</a:t>
             </a:r>
-            <a:r>
-              <a:rPr lang="en-US" sz="1200" spc="-1" dirty="0" err="1">
-                <a:solidFill>
-                  <a:schemeClr val="bg1"/>
-                </a:solidFill>
-                <a:latin typeface="Calibri"/>
-              </a:rPr>
-              <a:t>DidaktikAPP</a:t>
-            </a:r>
-            <a:endParaRPr lang="en-US" sz="1200" spc="-1" dirty="0">
-              <a:solidFill>
-                <a:schemeClr val="bg1"/>
-              </a:solidFill>
-              <a:latin typeface="Calibri"/>
-            </a:endParaRPr>
           </a:p>
           <a:p>
             <a:pPr marL="228600" indent="-228600">
@@ -13000,7 +12949,7 @@
         </p:nvSpPr>
         <p:spPr>
           <a:xfrm>
-            <a:off x="1583668" y="729425"/>
+            <a:off x="1583668" y="912516"/>
             <a:ext cx="5976664" cy="891720"/>
           </a:xfrm>
           <a:prstGeom prst="rect">
@@ -13268,7 +13217,7 @@
         </p:nvSpPr>
         <p:spPr>
           <a:xfrm>
-            <a:off x="448920" y="433440"/>
+            <a:off x="448920" y="434699"/>
             <a:ext cx="5955120" cy="572400"/>
           </a:xfrm>
           <a:prstGeom prst="rect">
@@ -13621,7 +13570,7 @@
         </p:nvSpPr>
         <p:spPr>
           <a:xfrm>
-            <a:off x="0" y="555526"/>
+            <a:off x="-132036" y="627534"/>
             <a:ext cx="7596336" cy="572400"/>
           </a:xfrm>
           <a:prstGeom prst="rect">

--- a/DidaktikApp.pptx
+++ b/DidaktikApp.pptx
@@ -8,6 +8,9 @@
     <p:sldMasterId id="2147483687" r:id="rId4"/>
     <p:sldMasterId id="2147483700" r:id="rId5"/>
   </p:sldMasterIdLst>
+  <p:notesMasterIdLst>
+    <p:notesMasterId r:id="rId22"/>
+  </p:notesMasterIdLst>
   <p:sldIdLst>
     <p:sldId id="256" r:id="rId6"/>
     <p:sldId id="257" r:id="rId7"/>
@@ -142,6 +145,439 @@
 </p:presentation>
 </file>
 
+<file path=ppt/notesMasters/notesMaster1.xml><?xml version="1.0" encoding="utf-8"?>
+<p:notesMaster xmlns:a="http://schemas.openxmlformats.org/drawingml/2006/main" xmlns:r="http://schemas.openxmlformats.org/officeDocument/2006/relationships" xmlns:p="http://schemas.openxmlformats.org/presentationml/2006/main">
+  <p:cSld>
+    <p:bg>
+      <p:bgRef idx="1001">
+        <a:schemeClr val="bg1"/>
+      </p:bgRef>
+    </p:bg>
+    <p:spTree>
+      <p:nvGrpSpPr>
+        <p:cNvPr id="1" name=""/>
+        <p:cNvGrpSpPr/>
+        <p:nvPr/>
+      </p:nvGrpSpPr>
+      <p:grpSpPr>
+        <a:xfrm>
+          <a:off x="0" y="0"/>
+          <a:ext cx="0" cy="0"/>
+          <a:chOff x="0" y="0"/>
+          <a:chExt cx="0" cy="0"/>
+        </a:xfrm>
+      </p:grpSpPr>
+      <p:sp>
+        <p:nvSpPr>
+          <p:cNvPr id="2" name="Header Placeholder 1"/>
+          <p:cNvSpPr>
+            <a:spLocks noGrp="1"/>
+          </p:cNvSpPr>
+          <p:nvPr>
+            <p:ph type="hdr" sz="quarter"/>
+          </p:nvPr>
+        </p:nvSpPr>
+        <p:spPr>
+          <a:xfrm>
+            <a:off x="0" y="0"/>
+            <a:ext cx="3276600" cy="536575"/>
+          </a:xfrm>
+          <a:prstGeom prst="rect">
+            <a:avLst/>
+          </a:prstGeom>
+        </p:spPr>
+        <p:txBody>
+          <a:bodyPr vert="horz" lIns="91440" tIns="45720" rIns="91440" bIns="45720" rtlCol="0"/>
+          <a:lstStyle>
+            <a:lvl1pPr algn="l">
+              <a:defRPr sz="1200"/>
+            </a:lvl1pPr>
+          </a:lstStyle>
+          <a:p>
+            <a:endParaRPr lang="en-US"/>
+          </a:p>
+        </p:txBody>
+      </p:sp>
+      <p:sp>
+        <p:nvSpPr>
+          <p:cNvPr id="3" name="Date Placeholder 2"/>
+          <p:cNvSpPr>
+            <a:spLocks noGrp="1"/>
+          </p:cNvSpPr>
+          <p:nvPr>
+            <p:ph type="dt" idx="1"/>
+          </p:nvPr>
+        </p:nvSpPr>
+        <p:spPr>
+          <a:xfrm>
+            <a:off x="4281488" y="0"/>
+            <a:ext cx="3276600" cy="536575"/>
+          </a:xfrm>
+          <a:prstGeom prst="rect">
+            <a:avLst/>
+          </a:prstGeom>
+        </p:spPr>
+        <p:txBody>
+          <a:bodyPr vert="horz" lIns="91440" tIns="45720" rIns="91440" bIns="45720" rtlCol="0"/>
+          <a:lstStyle>
+            <a:lvl1pPr algn="r">
+              <a:defRPr sz="1200"/>
+            </a:lvl1pPr>
+          </a:lstStyle>
+          <a:p>
+            <a:fld id="{44C040A4-CA67-4E72-AFE9-4FBE3C2EAB03}" type="datetimeFigureOut">
+              <a:rPr lang="en-US" smtClean="0"/>
+              <a:t>12/4/2019</a:t>
+            </a:fld>
+            <a:endParaRPr lang="en-US"/>
+          </a:p>
+        </p:txBody>
+      </p:sp>
+      <p:sp>
+        <p:nvSpPr>
+          <p:cNvPr id="4" name="Slide Image Placeholder 3"/>
+          <p:cNvSpPr>
+            <a:spLocks noGrp="1" noRot="1" noChangeAspect="1"/>
+          </p:cNvSpPr>
+          <p:nvPr>
+            <p:ph type="sldImg" idx="2"/>
+          </p:nvPr>
+        </p:nvSpPr>
+        <p:spPr>
+          <a:xfrm>
+            <a:off x="573088" y="1336675"/>
+            <a:ext cx="6413500" cy="3608388"/>
+          </a:xfrm>
+          <a:prstGeom prst="rect">
+            <a:avLst/>
+          </a:prstGeom>
+          <a:noFill/>
+          <a:ln w="12700">
+            <a:solidFill>
+              <a:prstClr val="black"/>
+            </a:solidFill>
+          </a:ln>
+        </p:spPr>
+        <p:txBody>
+          <a:bodyPr vert="horz" lIns="91440" tIns="45720" rIns="91440" bIns="45720" rtlCol="0" anchor="ctr"/>
+          <a:lstStyle/>
+          <a:p>
+            <a:endParaRPr lang="en-US"/>
+          </a:p>
+        </p:txBody>
+      </p:sp>
+      <p:sp>
+        <p:nvSpPr>
+          <p:cNvPr id="5" name="Notes Placeholder 4"/>
+          <p:cNvSpPr>
+            <a:spLocks noGrp="1"/>
+          </p:cNvSpPr>
+          <p:nvPr>
+            <p:ph type="body" sz="quarter" idx="3"/>
+          </p:nvPr>
+        </p:nvSpPr>
+        <p:spPr>
+          <a:xfrm>
+            <a:off x="755650" y="5145088"/>
+            <a:ext cx="6048375" cy="4210050"/>
+          </a:xfrm>
+          <a:prstGeom prst="rect">
+            <a:avLst/>
+          </a:prstGeom>
+        </p:spPr>
+        <p:txBody>
+          <a:bodyPr vert="horz" lIns="91440" tIns="45720" rIns="91440" bIns="45720" rtlCol="0"/>
+          <a:lstStyle/>
+          <a:p>
+            <a:pPr lvl="0"/>
+            <a:r>
+              <a:rPr lang="en-US"/>
+              <a:t>Click to edit Master text styles</a:t>
+            </a:r>
+          </a:p>
+          <a:p>
+            <a:pPr lvl="1"/>
+            <a:r>
+              <a:rPr lang="en-US"/>
+              <a:t>Second level</a:t>
+            </a:r>
+          </a:p>
+          <a:p>
+            <a:pPr lvl="2"/>
+            <a:r>
+              <a:rPr lang="en-US"/>
+              <a:t>Third level</a:t>
+            </a:r>
+          </a:p>
+          <a:p>
+            <a:pPr lvl="3"/>
+            <a:r>
+              <a:rPr lang="en-US"/>
+              <a:t>Fourth level</a:t>
+            </a:r>
+          </a:p>
+          <a:p>
+            <a:pPr lvl="4"/>
+            <a:r>
+              <a:rPr lang="en-US"/>
+              <a:t>Fifth level</a:t>
+            </a:r>
+          </a:p>
+        </p:txBody>
+      </p:sp>
+      <p:sp>
+        <p:nvSpPr>
+          <p:cNvPr id="6" name="Footer Placeholder 5"/>
+          <p:cNvSpPr>
+            <a:spLocks noGrp="1"/>
+          </p:cNvSpPr>
+          <p:nvPr>
+            <p:ph type="ftr" sz="quarter" idx="4"/>
+          </p:nvPr>
+        </p:nvSpPr>
+        <p:spPr>
+          <a:xfrm>
+            <a:off x="0" y="10155238"/>
+            <a:ext cx="3276600" cy="536575"/>
+          </a:xfrm>
+          <a:prstGeom prst="rect">
+            <a:avLst/>
+          </a:prstGeom>
+        </p:spPr>
+        <p:txBody>
+          <a:bodyPr vert="horz" lIns="91440" tIns="45720" rIns="91440" bIns="45720" rtlCol="0" anchor="b"/>
+          <a:lstStyle>
+            <a:lvl1pPr algn="l">
+              <a:defRPr sz="1200"/>
+            </a:lvl1pPr>
+          </a:lstStyle>
+          <a:p>
+            <a:endParaRPr lang="en-US"/>
+          </a:p>
+        </p:txBody>
+      </p:sp>
+      <p:sp>
+        <p:nvSpPr>
+          <p:cNvPr id="7" name="Slide Number Placeholder 6"/>
+          <p:cNvSpPr>
+            <a:spLocks noGrp="1"/>
+          </p:cNvSpPr>
+          <p:nvPr>
+            <p:ph type="sldNum" sz="quarter" idx="5"/>
+          </p:nvPr>
+        </p:nvSpPr>
+        <p:spPr>
+          <a:xfrm>
+            <a:off x="4281488" y="10155238"/>
+            <a:ext cx="3276600" cy="536575"/>
+          </a:xfrm>
+          <a:prstGeom prst="rect">
+            <a:avLst/>
+          </a:prstGeom>
+        </p:spPr>
+        <p:txBody>
+          <a:bodyPr vert="horz" lIns="91440" tIns="45720" rIns="91440" bIns="45720" rtlCol="0" anchor="b"/>
+          <a:lstStyle>
+            <a:lvl1pPr algn="r">
+              <a:defRPr sz="1200"/>
+            </a:lvl1pPr>
+          </a:lstStyle>
+          <a:p>
+            <a:fld id="{5174AA84-862E-40A6-A359-DE310EBE1DDE}" type="slidenum">
+              <a:rPr lang="en-US" smtClean="0"/>
+              <a:t>‹Nº›</a:t>
+            </a:fld>
+            <a:endParaRPr lang="en-US"/>
+          </a:p>
+        </p:txBody>
+      </p:sp>
+    </p:spTree>
+    <p:extLst>
+      <p:ext uri="{BB962C8B-B14F-4D97-AF65-F5344CB8AC3E}">
+        <p14:creationId xmlns:p14="http://schemas.microsoft.com/office/powerpoint/2010/main" val="3157641155"/>
+      </p:ext>
+    </p:extLst>
+  </p:cSld>
+  <p:clrMap bg1="lt1" tx1="dk1" bg2="lt2" tx2="dk2" accent1="accent1" accent2="accent2" accent3="accent3" accent4="accent4" accent5="accent5" accent6="accent6" hlink="hlink" folHlink="folHlink"/>
+  <p:notesStyle>
+    <a:lvl1pPr marL="0" algn="l" defTabSz="914400" rtl="0" eaLnBrk="1" latinLnBrk="0" hangingPunct="1">
+      <a:defRPr sz="1200" kern="1200">
+        <a:solidFill>
+          <a:schemeClr val="tx1"/>
+        </a:solidFill>
+        <a:latin typeface="+mn-lt"/>
+        <a:ea typeface="+mn-ea"/>
+        <a:cs typeface="+mn-cs"/>
+      </a:defRPr>
+    </a:lvl1pPr>
+    <a:lvl2pPr marL="457200" algn="l" defTabSz="914400" rtl="0" eaLnBrk="1" latinLnBrk="0" hangingPunct="1">
+      <a:defRPr sz="1200" kern="1200">
+        <a:solidFill>
+          <a:schemeClr val="tx1"/>
+        </a:solidFill>
+        <a:latin typeface="+mn-lt"/>
+        <a:ea typeface="+mn-ea"/>
+        <a:cs typeface="+mn-cs"/>
+      </a:defRPr>
+    </a:lvl2pPr>
+    <a:lvl3pPr marL="914400" algn="l" defTabSz="914400" rtl="0" eaLnBrk="1" latinLnBrk="0" hangingPunct="1">
+      <a:defRPr sz="1200" kern="1200">
+        <a:solidFill>
+          <a:schemeClr val="tx1"/>
+        </a:solidFill>
+        <a:latin typeface="+mn-lt"/>
+        <a:ea typeface="+mn-ea"/>
+        <a:cs typeface="+mn-cs"/>
+      </a:defRPr>
+    </a:lvl3pPr>
+    <a:lvl4pPr marL="1371600" algn="l" defTabSz="914400" rtl="0" eaLnBrk="1" latinLnBrk="0" hangingPunct="1">
+      <a:defRPr sz="1200" kern="1200">
+        <a:solidFill>
+          <a:schemeClr val="tx1"/>
+        </a:solidFill>
+        <a:latin typeface="+mn-lt"/>
+        <a:ea typeface="+mn-ea"/>
+        <a:cs typeface="+mn-cs"/>
+      </a:defRPr>
+    </a:lvl4pPr>
+    <a:lvl5pPr marL="1828800" algn="l" defTabSz="914400" rtl="0" eaLnBrk="1" latinLnBrk="0" hangingPunct="1">
+      <a:defRPr sz="1200" kern="1200">
+        <a:solidFill>
+          <a:schemeClr val="tx1"/>
+        </a:solidFill>
+        <a:latin typeface="+mn-lt"/>
+        <a:ea typeface="+mn-ea"/>
+        <a:cs typeface="+mn-cs"/>
+      </a:defRPr>
+    </a:lvl5pPr>
+    <a:lvl6pPr marL="2286000" algn="l" defTabSz="914400" rtl="0" eaLnBrk="1" latinLnBrk="0" hangingPunct="1">
+      <a:defRPr sz="1200" kern="1200">
+        <a:solidFill>
+          <a:schemeClr val="tx1"/>
+        </a:solidFill>
+        <a:latin typeface="+mn-lt"/>
+        <a:ea typeface="+mn-ea"/>
+        <a:cs typeface="+mn-cs"/>
+      </a:defRPr>
+    </a:lvl6pPr>
+    <a:lvl7pPr marL="2743200" algn="l" defTabSz="914400" rtl="0" eaLnBrk="1" latinLnBrk="0" hangingPunct="1">
+      <a:defRPr sz="1200" kern="1200">
+        <a:solidFill>
+          <a:schemeClr val="tx1"/>
+        </a:solidFill>
+        <a:latin typeface="+mn-lt"/>
+        <a:ea typeface="+mn-ea"/>
+        <a:cs typeface="+mn-cs"/>
+      </a:defRPr>
+    </a:lvl7pPr>
+    <a:lvl8pPr marL="3200400" algn="l" defTabSz="914400" rtl="0" eaLnBrk="1" latinLnBrk="0" hangingPunct="1">
+      <a:defRPr sz="1200" kern="1200">
+        <a:solidFill>
+          <a:schemeClr val="tx1"/>
+        </a:solidFill>
+        <a:latin typeface="+mn-lt"/>
+        <a:ea typeface="+mn-ea"/>
+        <a:cs typeface="+mn-cs"/>
+      </a:defRPr>
+    </a:lvl8pPr>
+    <a:lvl9pPr marL="3657600" algn="l" defTabSz="914400" rtl="0" eaLnBrk="1" latinLnBrk="0" hangingPunct="1">
+      <a:defRPr sz="1200" kern="1200">
+        <a:solidFill>
+          <a:schemeClr val="tx1"/>
+        </a:solidFill>
+        <a:latin typeface="+mn-lt"/>
+        <a:ea typeface="+mn-ea"/>
+        <a:cs typeface="+mn-cs"/>
+      </a:defRPr>
+    </a:lvl9pPr>
+  </p:notesStyle>
+</p:notesMaster>
+</file>
+
+<file path=ppt/notesSlides/notesSlide1.xml><?xml version="1.0" encoding="utf-8"?>
+<p:notes xmlns:a="http://schemas.openxmlformats.org/drawingml/2006/main" xmlns:r="http://schemas.openxmlformats.org/officeDocument/2006/relationships" xmlns:p="http://schemas.openxmlformats.org/presentationml/2006/main">
+  <p:cSld>
+    <p:spTree>
+      <p:nvGrpSpPr>
+        <p:cNvPr id="1" name=""/>
+        <p:cNvGrpSpPr/>
+        <p:nvPr/>
+      </p:nvGrpSpPr>
+      <p:grpSpPr>
+        <a:xfrm>
+          <a:off x="0" y="0"/>
+          <a:ext cx="0" cy="0"/>
+          <a:chOff x="0" y="0"/>
+          <a:chExt cx="0" cy="0"/>
+        </a:xfrm>
+      </p:grpSpPr>
+      <p:sp>
+        <p:nvSpPr>
+          <p:cNvPr id="2" name="Slide Image Placeholder 1"/>
+          <p:cNvSpPr>
+            <a:spLocks noGrp="1" noRot="1" noChangeAspect="1"/>
+          </p:cNvSpPr>
+          <p:nvPr>
+            <p:ph type="sldImg"/>
+          </p:nvPr>
+        </p:nvSpPr>
+        <p:spPr/>
+      </p:sp>
+      <p:sp>
+        <p:nvSpPr>
+          <p:cNvPr id="3" name="Notes Placeholder 2"/>
+          <p:cNvSpPr>
+            <a:spLocks noGrp="1"/>
+          </p:cNvSpPr>
+          <p:nvPr>
+            <p:ph type="body" idx="1"/>
+          </p:nvPr>
+        </p:nvSpPr>
+        <p:spPr/>
+        <p:txBody>
+          <a:bodyPr/>
+          <a:lstStyle/>
+          <a:p>
+            <a:endParaRPr lang="en-US" dirty="0"/>
+          </a:p>
+        </p:txBody>
+      </p:sp>
+      <p:sp>
+        <p:nvSpPr>
+          <p:cNvPr id="4" name="Slide Number Placeholder 3"/>
+          <p:cNvSpPr>
+            <a:spLocks noGrp="1"/>
+          </p:cNvSpPr>
+          <p:nvPr>
+            <p:ph type="sldNum" sz="quarter" idx="5"/>
+          </p:nvPr>
+        </p:nvSpPr>
+        <p:spPr/>
+        <p:txBody>
+          <a:bodyPr/>
+          <a:lstStyle/>
+          <a:p>
+            <a:fld id="{5174AA84-862E-40A6-A359-DE310EBE1DDE}" type="slidenum">
+              <a:rPr lang="en-US" smtClean="0"/>
+              <a:t>9</a:t>
+            </a:fld>
+            <a:endParaRPr lang="en-US"/>
+          </a:p>
+        </p:txBody>
+      </p:sp>
+    </p:spTree>
+    <p:extLst>
+      <p:ext uri="{BB962C8B-B14F-4D97-AF65-F5344CB8AC3E}">
+        <p14:creationId xmlns:p14="http://schemas.microsoft.com/office/powerpoint/2010/main" val="3485586095"/>
+      </p:ext>
+    </p:extLst>
+  </p:cSld>
+  <p:clrMapOvr>
+    <a:masterClrMapping/>
+  </p:clrMapOvr>
+</p:notes>
+</file>
+
 <file path=ppt/slideLayouts/slideLayout1.xml><?xml version="1.0" encoding="utf-8"?>
 <p:sldLayout xmlns:a="http://schemas.openxmlformats.org/drawingml/2006/main" xmlns:r="http://schemas.openxmlformats.org/officeDocument/2006/relationships" xmlns:p="http://schemas.openxmlformats.org/presentationml/2006/main" type="blank" preserve="1">
   <p:cSld name="Blank Slide">
@@ -9878,7 +10314,7 @@
         </p:nvSpPr>
         <p:spPr>
           <a:xfrm>
-            <a:off x="1365120" y="2265840"/>
+            <a:off x="1365120" y="2197118"/>
             <a:ext cx="2486800" cy="1526760"/>
           </a:xfrm>
           <a:prstGeom prst="rect">
@@ -9924,7 +10360,7 @@
         </p:nvSpPr>
         <p:spPr>
           <a:xfrm>
-            <a:off x="1365120" y="3792960"/>
+            <a:off x="1365120" y="3689382"/>
             <a:ext cx="2486800" cy="610560"/>
           </a:xfrm>
           <a:prstGeom prst="rect">
@@ -10066,7 +10502,7 @@
         </p:blipFill>
         <p:spPr>
           <a:xfrm>
-            <a:off x="1907704" y="267494"/>
+            <a:off x="1907704" y="230767"/>
             <a:ext cx="4752528" cy="2514879"/>
           </a:xfrm>
           <a:prstGeom prst="rect">
@@ -10088,7 +10524,7 @@
         </p:nvSpPr>
         <p:spPr>
           <a:xfrm>
-            <a:off x="1331640" y="2931790"/>
+            <a:off x="1763688" y="2876452"/>
             <a:ext cx="2389368" cy="2036281"/>
           </a:xfrm>
           <a:prstGeom prst="rect">
@@ -10370,7 +10806,7 @@
         </p:nvSpPr>
         <p:spPr>
           <a:xfrm>
-            <a:off x="2841940" y="918951"/>
+            <a:off x="2771800" y="1016462"/>
             <a:ext cx="2664296" cy="763200"/>
           </a:xfrm>
           <a:prstGeom prst="rect">
@@ -10416,7 +10852,7 @@
         </p:nvSpPr>
         <p:spPr>
           <a:xfrm>
-            <a:off x="2552040" y="1707653"/>
+            <a:off x="2552040" y="1903620"/>
             <a:ext cx="3244096" cy="2900378"/>
           </a:xfrm>
           <a:prstGeom prst="rect">
@@ -10439,7 +10875,7 @@
               <a:buChar char="ü"/>
             </a:pPr>
             <a:r>
-              <a:rPr lang="en-US" sz="2400" spc="-1" dirty="0">
+              <a:rPr lang="en-US" sz="2400" spc="-1" dirty="0" err="1">
                 <a:solidFill>
                   <a:srgbClr val="FFFFFF"/>
                 </a:solidFill>
@@ -10447,6 +10883,12 @@
               </a:rPr>
               <a:t>Ligera</a:t>
             </a:r>
+            <a:endParaRPr lang="en-US" sz="2400" spc="-1" dirty="0">
+              <a:solidFill>
+                <a:srgbClr val="FFFFFF"/>
+              </a:solidFill>
+              <a:latin typeface="Calibri"/>
+            </a:endParaRPr>
           </a:p>
           <a:p>
             <a:pPr marL="342900" indent="-342900">
@@ -10460,14 +10902,20 @@
               <a:buChar char="ü"/>
             </a:pPr>
             <a:r>
-              <a:rPr lang="en-US" sz="2400" spc="-1" dirty="0">
+              <a:rPr lang="en-US" sz="2400" spc="-1" dirty="0" err="1">
                 <a:solidFill>
                   <a:srgbClr val="FFFFFF"/>
                 </a:solidFill>
                 <a:latin typeface="Calibri"/>
               </a:rPr>
-              <a:t>Gratis</a:t>
+              <a:t>Gratuita</a:t>
             </a:r>
+            <a:endParaRPr lang="en-US" sz="2400" spc="-1" dirty="0">
+              <a:solidFill>
+                <a:srgbClr val="FFFFFF"/>
+              </a:solidFill>
+              <a:latin typeface="Calibri"/>
+            </a:endParaRPr>
           </a:p>
           <a:p>
             <a:pPr marL="342900" indent="-342900">
@@ -10646,7 +11094,7 @@
         </p:blipFill>
         <p:spPr>
           <a:xfrm>
-            <a:off x="5796136" y="1469211"/>
+            <a:off x="5796136" y="1282719"/>
             <a:ext cx="1634675" cy="3377263"/>
           </a:xfrm>
           <a:prstGeom prst="rect">
@@ -10734,7 +11182,7 @@
         </p:blipFill>
         <p:spPr>
           <a:xfrm>
-            <a:off x="6913891" y="1748942"/>
+            <a:off x="6913891" y="1931406"/>
             <a:ext cx="1333538" cy="2728575"/>
           </a:xfrm>
           <a:prstGeom prst="rect">
@@ -10750,7 +11198,7 @@
         </p:nvSpPr>
         <p:spPr>
           <a:xfrm>
-            <a:off x="1483154" y="804710"/>
+            <a:off x="611560" y="1016462"/>
             <a:ext cx="7056784" cy="763200"/>
           </a:xfrm>
           <a:prstGeom prst="rect">
@@ -10796,7 +11244,7 @@
         </p:nvSpPr>
         <p:spPr>
           <a:xfrm>
-            <a:off x="944943" y="1762361"/>
+            <a:off x="944943" y="2011817"/>
             <a:ext cx="1872208" cy="479520"/>
           </a:xfrm>
           <a:prstGeom prst="rect">
@@ -10845,7 +11293,7 @@
         </p:nvSpPr>
         <p:spPr>
           <a:xfrm>
-            <a:off x="944943" y="2436332"/>
+            <a:off x="944943" y="2643758"/>
             <a:ext cx="2357569" cy="1800200"/>
           </a:xfrm>
           <a:prstGeom prst="rect">
@@ -10997,7 +11445,7 @@
         </p:blipFill>
         <p:spPr>
           <a:xfrm>
-            <a:off x="5868144" y="1748943"/>
+            <a:off x="5868144" y="1931407"/>
             <a:ext cx="1333538" cy="2728575"/>
           </a:xfrm>
           <a:prstGeom prst="rect">
@@ -11033,7 +11481,7 @@
         </p:blipFill>
         <p:spPr>
           <a:xfrm>
-            <a:off x="4799224" y="1748941"/>
+            <a:off x="4799224" y="1931405"/>
             <a:ext cx="1333539" cy="2728575"/>
           </a:xfrm>
           <a:prstGeom prst="rect">
@@ -11069,7 +11517,7 @@
         </p:blipFill>
         <p:spPr>
           <a:xfrm>
-            <a:off x="3678008" y="1748942"/>
+            <a:off x="3678008" y="1931406"/>
             <a:ext cx="1333538" cy="2728574"/>
           </a:xfrm>
           <a:prstGeom prst="rect">
@@ -11142,7 +11590,7 @@
         </p:nvSpPr>
         <p:spPr>
           <a:xfrm>
-            <a:off x="1043608" y="813384"/>
+            <a:off x="1043608" y="1088470"/>
             <a:ext cx="7056784" cy="763200"/>
           </a:xfrm>
           <a:prstGeom prst="rect">
@@ -11172,13 +11620,22 @@
               <a:t>El </a:t>
             </a:r>
             <a:r>
+              <a:rPr lang="en-US" sz="3600" spc="-1" dirty="0" err="1">
+                <a:solidFill>
+                  <a:srgbClr val="FFC000"/>
+                </a:solidFill>
+                <a:latin typeface="Calibri"/>
+              </a:rPr>
+              <a:t>f</a:t>
+            </a:r>
+            <a:r>
               <a:rPr lang="en-US" sz="3600" b="0" strike="noStrike" spc="-1" dirty="0" err="1">
                 <a:solidFill>
                   <a:srgbClr val="FFC000"/>
                 </a:solidFill>
                 <a:latin typeface="Calibri"/>
               </a:rPr>
-              <a:t>Futuro</a:t>
+              <a:t>uturo</a:t>
             </a:r>
             <a:r>
               <a:rPr lang="en-US" sz="3600" b="0" strike="noStrike" spc="-1" dirty="0">
@@ -11206,7 +11663,7 @@
         </p:nvSpPr>
         <p:spPr>
           <a:xfrm>
-            <a:off x="899592" y="1766698"/>
+            <a:off x="1403648" y="1948214"/>
             <a:ext cx="3384376" cy="479520"/>
           </a:xfrm>
           <a:prstGeom prst="rect">
@@ -11273,7 +11730,7 @@
         </p:nvSpPr>
         <p:spPr>
           <a:xfrm>
-            <a:off x="944943" y="2436332"/>
+            <a:off x="1376991" y="2571750"/>
             <a:ext cx="5067217" cy="1800200"/>
           </a:xfrm>
           <a:prstGeom prst="rect">
@@ -11371,7 +11828,7 @@
                 </a:solidFill>
                 <a:latin typeface="Calibri"/>
               </a:rPr>
-              <a:t> a </a:t>
+              <a:t> para </a:t>
             </a:r>
             <a:r>
               <a:rPr lang="en-US" sz="2400" spc="-1" dirty="0" err="1">
@@ -11416,7 +11873,25 @@
                 </a:solidFill>
                 <a:latin typeface="Calibri"/>
               </a:rPr>
-              <a:t> no </a:t>
+              <a:t> </a:t>
+            </a:r>
+            <a:r>
+              <a:rPr lang="en-US" sz="2400" spc="-1" dirty="0">
+                <a:solidFill>
+                  <a:srgbClr val="FFFFFF"/>
+                </a:solidFill>
+                <a:latin typeface="Calibri"/>
+              </a:rPr>
+              <a:t>sin</a:t>
+            </a:r>
+            <a:r>
+              <a:rPr lang="en-US" sz="2400" b="0" strike="noStrike" spc="-1" dirty="0">
+                <a:solidFill>
+                  <a:srgbClr val="FFFFFF"/>
+                </a:solidFill>
+                <a:latin typeface="Calibri"/>
+              </a:rPr>
+              <a:t> </a:t>
             </a:r>
             <a:r>
               <a:rPr lang="en-US" sz="2400" b="0" strike="noStrike" spc="-1" dirty="0" err="1">
@@ -11425,7 +11900,7 @@
                 </a:solidFill>
                 <a:latin typeface="Calibri"/>
               </a:rPr>
-              <a:t>implementadas</a:t>
+              <a:t>implementar</a:t>
             </a:r>
             <a:endParaRPr lang="en-US" sz="2400" b="0" strike="noStrike" spc="-1" dirty="0">
               <a:solidFill>
@@ -11553,7 +12028,7 @@
         </p:nvSpPr>
         <p:spPr>
           <a:xfrm>
-            <a:off x="1043608" y="915566"/>
+            <a:off x="1043608" y="987574"/>
             <a:ext cx="7056784" cy="763200"/>
           </a:xfrm>
           <a:prstGeom prst="rect">
@@ -11692,7 +12167,7 @@
         </p:nvSpPr>
         <p:spPr>
           <a:xfrm>
-            <a:off x="617640" y="575675"/>
+            <a:off x="617640" y="411510"/>
             <a:ext cx="5955120" cy="572400"/>
           </a:xfrm>
           <a:prstGeom prst="rect">
@@ -11740,8 +12215,8 @@
         </p:nvSpPr>
         <p:spPr>
           <a:xfrm>
-            <a:off x="539552" y="1419622"/>
-            <a:ext cx="2886928" cy="1944216"/>
+            <a:off x="1043608" y="1275606"/>
+            <a:ext cx="2664296" cy="1944216"/>
           </a:xfrm>
           <a:prstGeom prst="rect">
             <a:avLst/>
@@ -11773,7 +12248,7 @@
                 </a:solidFill>
                 <a:latin typeface="Calibri"/>
               </a:rPr>
-              <a:t>	UPV/</a:t>
+              <a:t>UPV/</a:t>
             </a:r>
             <a:r>
               <a:rPr lang="en-US" sz="2800" spc="-1" dirty="0" err="1">
@@ -11994,7 +12469,7 @@
         </p:nvSpPr>
         <p:spPr>
           <a:xfrm>
-            <a:off x="3717032" y="1439466"/>
+            <a:off x="3707904" y="1295450"/>
             <a:ext cx="2886928" cy="1944216"/>
           </a:xfrm>
           <a:prstGeom prst="rect">
@@ -12164,7 +12639,7 @@
         </p:blipFill>
         <p:spPr bwMode="auto">
           <a:xfrm>
-            <a:off x="827584" y="3651870"/>
+            <a:off x="1148824" y="3507854"/>
             <a:ext cx="1983016" cy="915955"/>
           </a:xfrm>
           <a:prstGeom prst="rect">
@@ -12227,7 +12702,7 @@
         </p:blipFill>
         <p:spPr>
           <a:xfrm>
-            <a:off x="4601871" y="3683438"/>
+            <a:off x="4673879" y="3539422"/>
             <a:ext cx="834225" cy="892767"/>
           </a:xfrm>
           <a:prstGeom prst="rect">
@@ -12315,7 +12790,7 @@
         </p:blipFill>
         <p:spPr>
           <a:xfrm>
-            <a:off x="395536" y="195486"/>
+            <a:off x="323528" y="195486"/>
             <a:ext cx="6948264" cy="4632176"/>
           </a:xfrm>
           <a:prstGeom prst="rect">
@@ -12388,7 +12863,7 @@
         </p:nvSpPr>
         <p:spPr>
           <a:xfrm>
-            <a:off x="1583668" y="926451"/>
+            <a:off x="1187624" y="987574"/>
             <a:ext cx="5976664" cy="891720"/>
           </a:xfrm>
           <a:prstGeom prst="rect">
@@ -12443,7 +12918,7 @@
         </p:nvSpPr>
         <p:spPr>
           <a:xfrm>
-            <a:off x="3203848" y="1851670"/>
+            <a:off x="3347864" y="1779662"/>
             <a:ext cx="2736304" cy="2922445"/>
           </a:xfrm>
           <a:prstGeom prst="rect">
@@ -12949,7 +13424,7 @@
         </p:nvSpPr>
         <p:spPr>
           <a:xfrm>
-            <a:off x="1583668" y="912516"/>
+            <a:off x="1583668" y="1103966"/>
             <a:ext cx="5976664" cy="891720"/>
           </a:xfrm>
           <a:prstGeom prst="rect">
@@ -12995,7 +13470,7 @@
         </p:nvSpPr>
         <p:spPr>
           <a:xfrm>
-            <a:off x="394200" y="2211710"/>
+            <a:off x="394200" y="2408012"/>
             <a:ext cx="5725800" cy="1891930"/>
           </a:xfrm>
           <a:prstGeom prst="rect">
@@ -13086,7 +13561,7 @@
                 </a:solidFill>
                 <a:latin typeface="Calibri"/>
               </a:rPr>
-              <a:t>Equipo esta conformado por tres programadores entusiastas, responsables, y creativos. </a:t>
+              <a:t>Equipo conformado por tres programadores entusiastas, responsables, y creativos. </a:t>
             </a:r>
             <a:endParaRPr lang="en-US" sz="2000" spc="-1" dirty="0">
               <a:solidFill>
@@ -13141,7 +13616,7 @@
         </p:blipFill>
         <p:spPr>
           <a:xfrm>
-            <a:off x="6120000" y="1818000"/>
+            <a:off x="6120000" y="2014302"/>
             <a:ext cx="2285640" cy="2285640"/>
           </a:xfrm>
           <a:prstGeom prst="rect">
@@ -13217,7 +13692,7 @@
         </p:nvSpPr>
         <p:spPr>
           <a:xfrm>
-            <a:off x="448920" y="434699"/>
+            <a:off x="561096" y="487182"/>
             <a:ext cx="5955120" cy="572400"/>
           </a:xfrm>
           <a:prstGeom prst="rect">
@@ -13265,7 +13740,7 @@
         </p:nvSpPr>
         <p:spPr>
           <a:xfrm>
-            <a:off x="448920" y="1198080"/>
+            <a:off x="489088" y="1293278"/>
             <a:ext cx="5955120" cy="3510720"/>
           </a:xfrm>
           <a:prstGeom prst="rect">
@@ -13502,7 +13977,7 @@
         </p:blipFill>
         <p:spPr>
           <a:xfrm>
-            <a:off x="4572000" y="1462730"/>
+            <a:off x="4646153" y="1491630"/>
             <a:ext cx="1798055" cy="2218039"/>
           </a:xfrm>
           <a:prstGeom prst="rect">
@@ -13570,7 +14045,7 @@
         </p:nvSpPr>
         <p:spPr>
           <a:xfrm>
-            <a:off x="-132036" y="627534"/>
+            <a:off x="-132036" y="555526"/>
             <a:ext cx="7596336" cy="572400"/>
           </a:xfrm>
           <a:prstGeom prst="rect">
@@ -13656,7 +14131,7 @@
         </p:blipFill>
         <p:spPr>
           <a:xfrm>
-            <a:off x="1835696" y="1707654"/>
+            <a:off x="1847232" y="1635646"/>
             <a:ext cx="3660872" cy="2376914"/>
           </a:xfrm>
           <a:prstGeom prst="rect">
@@ -13947,7 +14422,7 @@
         </p:blipFill>
         <p:spPr>
           <a:xfrm>
-            <a:off x="3078933" y="260670"/>
+            <a:off x="3078933" y="123478"/>
             <a:ext cx="2808312" cy="2815136"/>
           </a:xfrm>
           <a:prstGeom prst="rect">
@@ -14070,7 +14545,7 @@
         </p:blipFill>
         <p:spPr>
           <a:xfrm>
-            <a:off x="3059832" y="2283718"/>
+            <a:off x="3059832" y="2067694"/>
             <a:ext cx="2765634" cy="2611693"/>
           </a:xfrm>
           <a:prstGeom prst="rect">
@@ -14092,7 +14567,7 @@
         </p:nvSpPr>
         <p:spPr>
           <a:xfrm>
-            <a:off x="3434537" y="555526"/>
+            <a:off x="3434537" y="267494"/>
             <a:ext cx="2016224" cy="1584176"/>
           </a:xfrm>
           <a:prstGeom prst="rect">
@@ -14299,7 +14774,7 @@
         </p:nvSpPr>
         <p:spPr>
           <a:xfrm>
-            <a:off x="0" y="555526"/>
+            <a:off x="0" y="339502"/>
             <a:ext cx="7596336" cy="572400"/>
           </a:xfrm>
           <a:prstGeom prst="rect">
@@ -14367,7 +14842,7 @@
         </p:blipFill>
         <p:spPr>
           <a:xfrm>
-            <a:off x="179512" y="1563638"/>
+            <a:off x="179512" y="1496352"/>
             <a:ext cx="1462591" cy="2859782"/>
           </a:xfrm>
           <a:prstGeom prst="rect">
@@ -14403,7 +14878,7 @@
         </p:blipFill>
         <p:spPr>
           <a:xfrm>
-            <a:off x="1979712" y="1563638"/>
+            <a:off x="1979712" y="1496352"/>
             <a:ext cx="1470149" cy="2859782"/>
           </a:xfrm>
           <a:prstGeom prst="rect">
@@ -14439,7 +14914,7 @@
         </p:blipFill>
         <p:spPr>
           <a:xfrm>
-            <a:off x="3788042" y="1563636"/>
+            <a:off x="3788042" y="1496350"/>
             <a:ext cx="1464257" cy="2859783"/>
           </a:xfrm>
           <a:prstGeom prst="rect">
@@ -14475,7 +14950,7 @@
         </p:blipFill>
         <p:spPr>
           <a:xfrm>
-            <a:off x="5591215" y="1563636"/>
+            <a:off x="5591215" y="1496350"/>
             <a:ext cx="1456759" cy="2859784"/>
           </a:xfrm>
           <a:prstGeom prst="rect">
@@ -14497,7 +14972,7 @@
         </p:nvSpPr>
         <p:spPr>
           <a:xfrm>
-            <a:off x="211451" y="1198876"/>
+            <a:off x="211451" y="1131590"/>
             <a:ext cx="1390583" cy="364760"/>
           </a:xfrm>
           <a:prstGeom prst="rect">
@@ -14560,7 +15035,7 @@
         </p:nvSpPr>
         <p:spPr>
           <a:xfrm>
-            <a:off x="2019494" y="1198876"/>
+            <a:off x="2019494" y="1131590"/>
             <a:ext cx="1390583" cy="364760"/>
           </a:xfrm>
           <a:prstGeom prst="rect">
@@ -14614,7 +15089,7 @@
         </p:nvSpPr>
         <p:spPr>
           <a:xfrm>
-            <a:off x="3824159" y="1198876"/>
+            <a:off x="3824159" y="1131590"/>
             <a:ext cx="1390583" cy="364760"/>
           </a:xfrm>
           <a:prstGeom prst="rect">
@@ -14668,7 +15143,7 @@
         </p:nvSpPr>
         <p:spPr>
           <a:xfrm>
-            <a:off x="5624302" y="1198876"/>
+            <a:off x="5624302" y="1131590"/>
             <a:ext cx="1390583" cy="364760"/>
           </a:xfrm>
           <a:prstGeom prst="rect">
@@ -14780,7 +15255,7 @@
           <p:nvPr/>
         </p:nvPicPr>
         <p:blipFill>
-          <a:blip r:embed="rId2"/>
+          <a:blip r:embed="rId3"/>
           <a:stretch>
             <a:fillRect/>
           </a:stretch>
@@ -14810,14 +15285,14 @@
           <p:nvPr/>
         </p:nvPicPr>
         <p:blipFill>
-          <a:blip r:embed="rId3"/>
+          <a:blip r:embed="rId4"/>
           <a:stretch>
             <a:fillRect/>
           </a:stretch>
         </p:blipFill>
         <p:spPr>
           <a:xfrm>
-            <a:off x="1402265" y="392992"/>
+            <a:off x="1526425" y="435727"/>
             <a:ext cx="2799958" cy="771153"/>
           </a:xfrm>
           <a:prstGeom prst="rect">
@@ -14840,14 +15315,14 @@
           <p:nvPr/>
         </p:nvPicPr>
         <p:blipFill>
-          <a:blip r:embed="rId4"/>
+          <a:blip r:embed="rId5"/>
           <a:stretch>
             <a:fillRect/>
           </a:stretch>
         </p:blipFill>
         <p:spPr>
           <a:xfrm>
-            <a:off x="2430090" y="1493350"/>
+            <a:off x="2554250" y="1527467"/>
             <a:ext cx="2832539" cy="1656184"/>
           </a:xfrm>
           <a:prstGeom prst="rect">
@@ -14870,14 +15345,14 @@
           <p:nvPr/>
         </p:nvPicPr>
         <p:blipFill>
-          <a:blip r:embed="rId5"/>
+          <a:blip r:embed="rId6"/>
           <a:stretch>
             <a:fillRect/>
           </a:stretch>
         </p:blipFill>
         <p:spPr>
           <a:xfrm>
-            <a:off x="3419872" y="3457310"/>
+            <a:off x="3544032" y="3504238"/>
             <a:ext cx="2828168" cy="522045"/>
           </a:xfrm>
           <a:prstGeom prst="rect">
@@ -14900,14 +15375,14 @@
           <p:nvPr/>
         </p:nvPicPr>
         <p:blipFill>
-          <a:blip r:embed="rId6"/>
+          <a:blip r:embed="rId7"/>
           <a:stretch>
             <a:fillRect/>
           </a:stretch>
         </p:blipFill>
         <p:spPr>
           <a:xfrm>
-            <a:off x="4283968" y="4299942"/>
+            <a:off x="4408128" y="4346870"/>
             <a:ext cx="2828168" cy="457128"/>
           </a:xfrm>
           <a:prstGeom prst="rect">
@@ -14929,7 +15404,7 @@
         </p:nvSpPr>
         <p:spPr>
           <a:xfrm>
-            <a:off x="1758128" y="34534"/>
+            <a:off x="1882288" y="122040"/>
             <a:ext cx="2088232" cy="364760"/>
           </a:xfrm>
           <a:prstGeom prst="rect">
@@ -14983,7 +15458,7 @@
         </p:nvSpPr>
         <p:spPr>
           <a:xfrm>
-            <a:off x="2986216" y="1164145"/>
+            <a:off x="3165963" y="1230652"/>
             <a:ext cx="1600562" cy="364760"/>
           </a:xfrm>
           <a:prstGeom prst="rect">
@@ -15037,7 +15512,7 @@
         </p:nvSpPr>
         <p:spPr>
           <a:xfrm>
-            <a:off x="3846359" y="3149534"/>
+            <a:off x="4157835" y="3186000"/>
             <a:ext cx="1600562" cy="364760"/>
           </a:xfrm>
           <a:prstGeom prst="rect">
@@ -15091,7 +15566,7 @@
         </p:nvSpPr>
         <p:spPr>
           <a:xfrm>
-            <a:off x="5201184" y="4022943"/>
+            <a:off x="5325344" y="4062258"/>
             <a:ext cx="993735" cy="276999"/>
           </a:xfrm>
           <a:prstGeom prst="rect">
@@ -16290,4 +16765,299 @@
   <a:objectDefaults/>
   <a:extraClrSchemeLst/>
 </a:theme>
+</file>
+
+<file path=ppt/theme/theme6.xml><?xml version="1.0" encoding="utf-8"?>
+<a:theme xmlns:a="http://schemas.openxmlformats.org/drawingml/2006/main" name="Office Theme">
+  <a:themeElements>
+    <a:clrScheme name="Office">
+      <a:dk1>
+        <a:sysClr val="windowText" lastClr="000000"/>
+      </a:dk1>
+      <a:lt1>
+        <a:sysClr val="window" lastClr="FFFFFF"/>
+      </a:lt1>
+      <a:dk2>
+        <a:srgbClr val="44546A"/>
+      </a:dk2>
+      <a:lt2>
+        <a:srgbClr val="E7E6E6"/>
+      </a:lt2>
+      <a:accent1>
+        <a:srgbClr val="4472C4"/>
+      </a:accent1>
+      <a:accent2>
+        <a:srgbClr val="ED7D31"/>
+      </a:accent2>
+      <a:accent3>
+        <a:srgbClr val="A5A5A5"/>
+      </a:accent3>
+      <a:accent4>
+        <a:srgbClr val="FFC000"/>
+      </a:accent4>
+      <a:accent5>
+        <a:srgbClr val="5B9BD5"/>
+      </a:accent5>
+      <a:accent6>
+        <a:srgbClr val="70AD47"/>
+      </a:accent6>
+      <a:hlink>
+        <a:srgbClr val="0563C1"/>
+      </a:hlink>
+      <a:folHlink>
+        <a:srgbClr val="954F72"/>
+      </a:folHlink>
+    </a:clrScheme>
+    <a:fontScheme name="Office">
+      <a:majorFont>
+        <a:latin typeface="Calibri Light" panose="020F0302020204030204"/>
+        <a:ea typeface=""/>
+        <a:cs typeface=""/>
+        <a:font script="Jpan" typeface="游ゴシック Light"/>
+        <a:font script="Hang" typeface="맑은 고딕"/>
+        <a:font script="Hans" typeface="等线 Light"/>
+        <a:font script="Hant" typeface="新細明體"/>
+        <a:font script="Arab" typeface="Times New Roman"/>
+        <a:font script="Hebr" typeface="Times New Roman"/>
+        <a:font script="Thai" typeface="Angsana New"/>
+        <a:font script="Ethi" typeface="Nyala"/>
+        <a:font script="Beng" typeface="Vrinda"/>
+        <a:font script="Gujr" typeface="Shruti"/>
+        <a:font script="Khmr" typeface="MoolBoran"/>
+        <a:font script="Knda" typeface="Tunga"/>
+        <a:font script="Guru" typeface="Raavi"/>
+        <a:font script="Cans" typeface="Euphemia"/>
+        <a:font script="Cher" typeface="Plantagenet Cherokee"/>
+        <a:font script="Yiii" typeface="Microsoft Yi Baiti"/>
+        <a:font script="Tibt" typeface="Microsoft Himalaya"/>
+        <a:font script="Thaa" typeface="MV Boli"/>
+        <a:font script="Deva" typeface="Mangal"/>
+        <a:font script="Telu" typeface="Gautami"/>
+        <a:font script="Taml" typeface="Latha"/>
+        <a:font script="Syrc" typeface="Estrangelo Edessa"/>
+        <a:font script="Orya" typeface="Kalinga"/>
+        <a:font script="Mlym" typeface="Kartika"/>
+        <a:font script="Laoo" typeface="DokChampa"/>
+        <a:font script="Sinh" typeface="Iskoola Pota"/>
+        <a:font script="Mong" typeface="Mongolian Baiti"/>
+        <a:font script="Viet" typeface="Times New Roman"/>
+        <a:font script="Uigh" typeface="Microsoft Uighur"/>
+        <a:font script="Geor" typeface="Sylfaen"/>
+        <a:font script="Armn" typeface="Arial"/>
+        <a:font script="Bugi" typeface="Leelawadee UI"/>
+        <a:font script="Bopo" typeface="Microsoft JhengHei"/>
+        <a:font script="Java" typeface="Javanese Text"/>
+        <a:font script="Lisu" typeface="Segoe UI"/>
+        <a:font script="Mymr" typeface="Myanmar Text"/>
+        <a:font script="Nkoo" typeface="Ebrima"/>
+        <a:font script="Olck" typeface="Nirmala UI"/>
+        <a:font script="Osma" typeface="Ebrima"/>
+        <a:font script="Phag" typeface="Phagspa"/>
+        <a:font script="Syrn" typeface="Estrangelo Edessa"/>
+        <a:font script="Syrj" typeface="Estrangelo Edessa"/>
+        <a:font script="Syre" typeface="Estrangelo Edessa"/>
+        <a:font script="Sora" typeface="Nirmala UI"/>
+        <a:font script="Tale" typeface="Microsoft Tai Le"/>
+        <a:font script="Talu" typeface="Microsoft New Tai Lue"/>
+        <a:font script="Tfng" typeface="Ebrima"/>
+      </a:majorFont>
+      <a:minorFont>
+        <a:latin typeface="Calibri" panose="020F0502020204030204"/>
+        <a:ea typeface=""/>
+        <a:cs typeface=""/>
+        <a:font script="Jpan" typeface="游ゴシック"/>
+        <a:font script="Hang" typeface="맑은 고딕"/>
+        <a:font script="Hans" typeface="等线"/>
+        <a:font script="Hant" typeface="新細明體"/>
+        <a:font script="Arab" typeface="Arial"/>
+        <a:font script="Hebr" typeface="Arial"/>
+        <a:font script="Thai" typeface="Cordia New"/>
+        <a:font script="Ethi" typeface="Nyala"/>
+        <a:font script="Beng" typeface="Vrinda"/>
+        <a:font script="Gujr" typeface="Shruti"/>
+        <a:font script="Khmr" typeface="DaunPenh"/>
+        <a:font script="Knda" typeface="Tunga"/>
+        <a:font script="Guru" typeface="Raavi"/>
+        <a:font script="Cans" typeface="Euphemia"/>
+        <a:font script="Cher" typeface="Plantagenet Cherokee"/>
+        <a:font script="Yiii" typeface="Microsoft Yi Baiti"/>
+        <a:font script="Tibt" typeface="Microsoft Himalaya"/>
+        <a:font script="Thaa" typeface="MV Boli"/>
+        <a:font script="Deva" typeface="Mangal"/>
+        <a:font script="Telu" typeface="Gautami"/>
+        <a:font script="Taml" typeface="Latha"/>
+        <a:font script="Syrc" typeface="Estrangelo Edessa"/>
+        <a:font script="Orya" typeface="Kalinga"/>
+        <a:font script="Mlym" typeface="Kartika"/>
+        <a:font script="Laoo" typeface="DokChampa"/>
+        <a:font script="Sinh" typeface="Iskoola Pota"/>
+        <a:font script="Mong" typeface="Mongolian Baiti"/>
+        <a:font script="Viet" typeface="Arial"/>
+        <a:font script="Uigh" typeface="Microsoft Uighur"/>
+        <a:font script="Geor" typeface="Sylfaen"/>
+        <a:font script="Armn" typeface="Arial"/>
+        <a:font script="Bugi" typeface="Leelawadee UI"/>
+        <a:font script="Bopo" typeface="Microsoft JhengHei"/>
+        <a:font script="Java" typeface="Javanese Text"/>
+        <a:font script="Lisu" typeface="Segoe UI"/>
+        <a:font script="Mymr" typeface="Myanmar Text"/>
+        <a:font script="Nkoo" typeface="Ebrima"/>
+        <a:font script="Olck" typeface="Nirmala UI"/>
+        <a:font script="Osma" typeface="Ebrima"/>
+        <a:font script="Phag" typeface="Phagspa"/>
+        <a:font script="Syrn" typeface="Estrangelo Edessa"/>
+        <a:font script="Syrj" typeface="Estrangelo Edessa"/>
+        <a:font script="Syre" typeface="Estrangelo Edessa"/>
+        <a:font script="Sora" typeface="Nirmala UI"/>
+        <a:font script="Tale" typeface="Microsoft Tai Le"/>
+        <a:font script="Talu" typeface="Microsoft New Tai Lue"/>
+        <a:font script="Tfng" typeface="Ebrima"/>
+      </a:minorFont>
+    </a:fontScheme>
+    <a:fmtScheme name="Office">
+      <a:fillStyleLst>
+        <a:solidFill>
+          <a:schemeClr val="phClr"/>
+        </a:solidFill>
+        <a:gradFill rotWithShape="1">
+          <a:gsLst>
+            <a:gs pos="0">
+              <a:schemeClr val="phClr">
+                <a:lumMod val="110000"/>
+                <a:satMod val="105000"/>
+                <a:tint val="67000"/>
+              </a:schemeClr>
+            </a:gs>
+            <a:gs pos="50000">
+              <a:schemeClr val="phClr">
+                <a:lumMod val="105000"/>
+                <a:satMod val="103000"/>
+                <a:tint val="73000"/>
+              </a:schemeClr>
+            </a:gs>
+            <a:gs pos="100000">
+              <a:schemeClr val="phClr">
+                <a:lumMod val="105000"/>
+                <a:satMod val="109000"/>
+                <a:tint val="81000"/>
+              </a:schemeClr>
+            </a:gs>
+          </a:gsLst>
+          <a:lin ang="5400000" scaled="0"/>
+        </a:gradFill>
+        <a:gradFill rotWithShape="1">
+          <a:gsLst>
+            <a:gs pos="0">
+              <a:schemeClr val="phClr">
+                <a:satMod val="103000"/>
+                <a:lumMod val="102000"/>
+                <a:tint val="94000"/>
+              </a:schemeClr>
+            </a:gs>
+            <a:gs pos="50000">
+              <a:schemeClr val="phClr">
+                <a:satMod val="110000"/>
+                <a:lumMod val="100000"/>
+                <a:shade val="100000"/>
+              </a:schemeClr>
+            </a:gs>
+            <a:gs pos="100000">
+              <a:schemeClr val="phClr">
+                <a:lumMod val="99000"/>
+                <a:satMod val="120000"/>
+                <a:shade val="78000"/>
+              </a:schemeClr>
+            </a:gs>
+          </a:gsLst>
+          <a:lin ang="5400000" scaled="0"/>
+        </a:gradFill>
+      </a:fillStyleLst>
+      <a:lnStyleLst>
+        <a:ln w="6350" cap="flat" cmpd="sng" algn="ctr">
+          <a:solidFill>
+            <a:schemeClr val="phClr"/>
+          </a:solidFill>
+          <a:prstDash val="solid"/>
+          <a:miter lim="800000"/>
+        </a:ln>
+        <a:ln w="12700" cap="flat" cmpd="sng" algn="ctr">
+          <a:solidFill>
+            <a:schemeClr val="phClr"/>
+          </a:solidFill>
+          <a:prstDash val="solid"/>
+          <a:miter lim="800000"/>
+        </a:ln>
+        <a:ln w="19050" cap="flat" cmpd="sng" algn="ctr">
+          <a:solidFill>
+            <a:schemeClr val="phClr"/>
+          </a:solidFill>
+          <a:prstDash val="solid"/>
+          <a:miter lim="800000"/>
+        </a:ln>
+      </a:lnStyleLst>
+      <a:effectStyleLst>
+        <a:effectStyle>
+          <a:effectLst/>
+        </a:effectStyle>
+        <a:effectStyle>
+          <a:effectLst/>
+        </a:effectStyle>
+        <a:effectStyle>
+          <a:effectLst>
+            <a:outerShdw blurRad="57150" dist="19050" dir="5400000" algn="ctr" rotWithShape="0">
+              <a:srgbClr val="000000">
+                <a:alpha val="63000"/>
+              </a:srgbClr>
+            </a:outerShdw>
+          </a:effectLst>
+        </a:effectStyle>
+      </a:effectStyleLst>
+      <a:bgFillStyleLst>
+        <a:solidFill>
+          <a:schemeClr val="phClr"/>
+        </a:solidFill>
+        <a:solidFill>
+          <a:schemeClr val="phClr">
+            <a:tint val="95000"/>
+            <a:satMod val="170000"/>
+          </a:schemeClr>
+        </a:solidFill>
+        <a:gradFill rotWithShape="1">
+          <a:gsLst>
+            <a:gs pos="0">
+              <a:schemeClr val="phClr">
+                <a:tint val="93000"/>
+                <a:satMod val="150000"/>
+                <a:shade val="98000"/>
+                <a:lumMod val="102000"/>
+              </a:schemeClr>
+            </a:gs>
+            <a:gs pos="50000">
+              <a:schemeClr val="phClr">
+                <a:tint val="98000"/>
+                <a:satMod val="130000"/>
+                <a:shade val="90000"/>
+                <a:lumMod val="103000"/>
+              </a:schemeClr>
+            </a:gs>
+            <a:gs pos="100000">
+              <a:schemeClr val="phClr">
+                <a:shade val="63000"/>
+                <a:satMod val="120000"/>
+              </a:schemeClr>
+            </a:gs>
+          </a:gsLst>
+          <a:lin ang="5400000" scaled="0"/>
+        </a:gradFill>
+      </a:bgFillStyleLst>
+    </a:fmtScheme>
+  </a:themeElements>
+  <a:objectDefaults/>
+  <a:extraClrSchemeLst/>
+  <a:extLst>
+    <a:ext uri="{05A4C25C-085E-4340-85A3-A5531E510DB2}">
+      <thm15:themeFamily xmlns:thm15="http://schemas.microsoft.com/office/thememl/2012/main" name="Office Theme" id="{62F939B6-93AF-4DB8-9C6B-D6C7DFDC589F}" vid="{4A3C46E8-61CC-4603-A589-7422A47A8E4A}"/>
+    </a:ext>
+  </a:extLst>
+</a:theme>
 </file>